--- a/db/DB schema.pptx
+++ b/db/DB schema.pptx
@@ -2,13 +2,13 @@
 <file path=ppt/presentation.xml><?xml version="1.0" encoding="utf-8"?>
 <p:presentation xmlns:a="http://schemas.openxmlformats.org/drawingml/2006/main" xmlns:r="http://schemas.openxmlformats.org/officeDocument/2006/relationships" xmlns:p="http://schemas.openxmlformats.org/presentationml/2006/main" saveSubsetFonts="1">
   <p:sldMasterIdLst>
-    <p:sldMasterId id="2147483696" r:id="rId1"/>
+    <p:sldMasterId id="2147483708" r:id="rId1"/>
   </p:sldMasterIdLst>
   <p:sldIdLst>
     <p:sldId id="256" r:id="rId2"/>
   </p:sldIdLst>
-  <p:sldSz cx="6858000" cy="9906000" type="A4"/>
-  <p:notesSz cx="10234613" cy="7104063"/>
+  <p:sldSz cx="9601200" cy="12801600" type="A3"/>
+  <p:notesSz cx="14301788" cy="9799638"/>
   <p:defaultTextStyle>
     <a:defPPr>
       <a:defRPr lang="en-US"/>
@@ -141,15 +141,15 @@
         </p:nvSpPr>
         <p:spPr>
           <a:xfrm>
-            <a:off x="514350" y="1621191"/>
-            <a:ext cx="5829300" cy="3448756"/>
+            <a:off x="720090" y="2095078"/>
+            <a:ext cx="8161020" cy="4456853"/>
           </a:xfrm>
         </p:spPr>
         <p:txBody>
           <a:bodyPr anchor="b"/>
           <a:lstStyle>
             <a:lvl1pPr algn="ctr">
-              <a:defRPr sz="4500"/>
+              <a:defRPr sz="6300"/>
             </a:lvl1pPr>
           </a:lstStyle>
           <a:p>
@@ -173,8 +173,8 @@
         </p:nvSpPr>
         <p:spPr>
           <a:xfrm>
-            <a:off x="857250" y="5202944"/>
-            <a:ext cx="5143500" cy="2391656"/>
+            <a:off x="1200150" y="6723804"/>
+            <a:ext cx="7200900" cy="3090756"/>
           </a:xfrm>
         </p:spPr>
         <p:txBody>
@@ -182,39 +182,39 @@
           <a:lstStyle>
             <a:lvl1pPr marL="0" indent="0" algn="ctr">
               <a:buNone/>
-              <a:defRPr sz="1800"/>
+              <a:defRPr sz="2520"/>
             </a:lvl1pPr>
-            <a:lvl2pPr marL="342900" indent="0" algn="ctr">
+            <a:lvl2pPr marL="480060" indent="0" algn="ctr">
               <a:buNone/>
-              <a:defRPr sz="1500"/>
+              <a:defRPr sz="2100"/>
             </a:lvl2pPr>
-            <a:lvl3pPr marL="685800" indent="0" algn="ctr">
+            <a:lvl3pPr marL="960120" indent="0" algn="ctr">
               <a:buNone/>
-              <a:defRPr sz="1350"/>
+              <a:defRPr sz="1890"/>
             </a:lvl3pPr>
-            <a:lvl4pPr marL="1028700" indent="0" algn="ctr">
+            <a:lvl4pPr marL="1440180" indent="0" algn="ctr">
               <a:buNone/>
-              <a:defRPr sz="1200"/>
+              <a:defRPr sz="1680"/>
             </a:lvl4pPr>
-            <a:lvl5pPr marL="1371600" indent="0" algn="ctr">
+            <a:lvl5pPr marL="1920240" indent="0" algn="ctr">
               <a:buNone/>
-              <a:defRPr sz="1200"/>
+              <a:defRPr sz="1680"/>
             </a:lvl5pPr>
-            <a:lvl6pPr marL="1714500" indent="0" algn="ctr">
+            <a:lvl6pPr marL="2400300" indent="0" algn="ctr">
               <a:buNone/>
-              <a:defRPr sz="1200"/>
+              <a:defRPr sz="1680"/>
             </a:lvl6pPr>
-            <a:lvl7pPr marL="2057400" indent="0" algn="ctr">
+            <a:lvl7pPr marL="2880360" indent="0" algn="ctr">
               <a:buNone/>
-              <a:defRPr sz="1200"/>
+              <a:defRPr sz="1680"/>
             </a:lvl7pPr>
-            <a:lvl8pPr marL="2400300" indent="0" algn="ctr">
+            <a:lvl8pPr marL="3360420" indent="0" algn="ctr">
               <a:buNone/>
-              <a:defRPr sz="1200"/>
+              <a:defRPr sz="1680"/>
             </a:lvl8pPr>
-            <a:lvl9pPr marL="2743200" indent="0" algn="ctr">
+            <a:lvl9pPr marL="3840480" indent="0" algn="ctr">
               <a:buNone/>
-              <a:defRPr sz="1200"/>
+              <a:defRPr sz="1680"/>
             </a:lvl9pPr>
           </a:lstStyle>
           <a:p>
@@ -243,7 +243,7 @@
           <a:p>
             <a:fld id="{31D4BBC5-235E-4AFB-BCA6-D5338D9E5FA0}" type="datetimeFigureOut">
               <a:rPr lang="nb-NO" smtClean="0"/>
-              <a:t>29.06.2022</a:t>
+              <a:t>01.07.2022</a:t>
             </a:fld>
             <a:endParaRPr lang="nb-NO"/>
           </a:p>
@@ -294,7 +294,7 @@
     </p:spTree>
     <p:extLst>
       <p:ext uri="{BB962C8B-B14F-4D97-AF65-F5344CB8AC3E}">
-        <p14:creationId xmlns:p14="http://schemas.microsoft.com/office/powerpoint/2010/main" val="3068590770"/>
+        <p14:creationId xmlns:p14="http://schemas.microsoft.com/office/powerpoint/2010/main" val="992953000"/>
       </p:ext>
     </p:extLst>
   </p:cSld>
@@ -413,7 +413,7 @@
           <a:p>
             <a:fld id="{31D4BBC5-235E-4AFB-BCA6-D5338D9E5FA0}" type="datetimeFigureOut">
               <a:rPr lang="nb-NO" smtClean="0"/>
-              <a:t>29.06.2022</a:t>
+              <a:t>01.07.2022</a:t>
             </a:fld>
             <a:endParaRPr lang="nb-NO"/>
           </a:p>
@@ -464,7 +464,7 @@
     </p:spTree>
     <p:extLst>
       <p:ext uri="{BB962C8B-B14F-4D97-AF65-F5344CB8AC3E}">
-        <p14:creationId xmlns:p14="http://schemas.microsoft.com/office/powerpoint/2010/main" val="2237649745"/>
+        <p14:creationId xmlns:p14="http://schemas.microsoft.com/office/powerpoint/2010/main" val="3087261751"/>
       </p:ext>
     </p:extLst>
   </p:cSld>
@@ -503,8 +503,8 @@
         </p:nvSpPr>
         <p:spPr>
           <a:xfrm>
-            <a:off x="4907757" y="527403"/>
-            <a:ext cx="1478756" cy="8394877"/>
+            <a:off x="6870859" y="681567"/>
+            <a:ext cx="2070259" cy="10848764"/>
           </a:xfrm>
         </p:spPr>
         <p:txBody>
@@ -531,8 +531,8 @@
         </p:nvSpPr>
         <p:spPr>
           <a:xfrm>
-            <a:off x="471488" y="527403"/>
-            <a:ext cx="4350544" cy="8394877"/>
+            <a:off x="660083" y="681567"/>
+            <a:ext cx="6090761" cy="10848764"/>
           </a:xfrm>
         </p:spPr>
         <p:txBody>
@@ -593,7 +593,7 @@
           <a:p>
             <a:fld id="{31D4BBC5-235E-4AFB-BCA6-D5338D9E5FA0}" type="datetimeFigureOut">
               <a:rPr lang="nb-NO" smtClean="0"/>
-              <a:t>29.06.2022</a:t>
+              <a:t>01.07.2022</a:t>
             </a:fld>
             <a:endParaRPr lang="nb-NO"/>
           </a:p>
@@ -644,7 +644,7 @@
     </p:spTree>
     <p:extLst>
       <p:ext uri="{BB962C8B-B14F-4D97-AF65-F5344CB8AC3E}">
-        <p14:creationId xmlns:p14="http://schemas.microsoft.com/office/powerpoint/2010/main" val="3674993772"/>
+        <p14:creationId xmlns:p14="http://schemas.microsoft.com/office/powerpoint/2010/main" val="1926346108"/>
       </p:ext>
     </p:extLst>
   </p:cSld>
@@ -763,7 +763,7 @@
           <a:p>
             <a:fld id="{31D4BBC5-235E-4AFB-BCA6-D5338D9E5FA0}" type="datetimeFigureOut">
               <a:rPr lang="nb-NO" smtClean="0"/>
-              <a:t>29.06.2022</a:t>
+              <a:t>01.07.2022</a:t>
             </a:fld>
             <a:endParaRPr lang="nb-NO"/>
           </a:p>
@@ -814,7 +814,7 @@
     </p:spTree>
     <p:extLst>
       <p:ext uri="{BB962C8B-B14F-4D97-AF65-F5344CB8AC3E}">
-        <p14:creationId xmlns:p14="http://schemas.microsoft.com/office/powerpoint/2010/main" val="1296171481"/>
+        <p14:creationId xmlns:p14="http://schemas.microsoft.com/office/powerpoint/2010/main" val="867475655"/>
       </p:ext>
     </p:extLst>
   </p:cSld>
@@ -853,15 +853,15 @@
         </p:nvSpPr>
         <p:spPr>
           <a:xfrm>
-            <a:off x="467916" y="2469624"/>
-            <a:ext cx="5915025" cy="4120620"/>
+            <a:off x="655082" y="3191514"/>
+            <a:ext cx="8281035" cy="5325109"/>
           </a:xfrm>
         </p:spPr>
         <p:txBody>
           <a:bodyPr anchor="b"/>
           <a:lstStyle>
             <a:lvl1pPr>
-              <a:defRPr sz="4500"/>
+              <a:defRPr sz="6300"/>
             </a:lvl1pPr>
           </a:lstStyle>
           <a:p>
@@ -885,8 +885,8 @@
         </p:nvSpPr>
         <p:spPr>
           <a:xfrm>
-            <a:off x="467916" y="6629226"/>
-            <a:ext cx="5915025" cy="2166937"/>
+            <a:off x="655082" y="8567000"/>
+            <a:ext cx="8281035" cy="2800349"/>
           </a:xfrm>
         </p:spPr>
         <p:txBody>
@@ -894,15 +894,15 @@
           <a:lstStyle>
             <a:lvl1pPr marL="0" indent="0">
               <a:buNone/>
-              <a:defRPr sz="1800">
+              <a:defRPr sz="2520">
                 <a:solidFill>
                   <a:schemeClr val="tx1"/>
                 </a:solidFill>
               </a:defRPr>
             </a:lvl1pPr>
-            <a:lvl2pPr marL="342900" indent="0">
+            <a:lvl2pPr marL="480060" indent="0">
               <a:buNone/>
-              <a:defRPr sz="1500">
+              <a:defRPr sz="2100">
                 <a:solidFill>
                   <a:schemeClr val="tx1">
                     <a:tint val="75000"/>
@@ -910,9 +910,9 @@
                 </a:solidFill>
               </a:defRPr>
             </a:lvl2pPr>
-            <a:lvl3pPr marL="685800" indent="0">
+            <a:lvl3pPr marL="960120" indent="0">
               <a:buNone/>
-              <a:defRPr sz="1350">
+              <a:defRPr sz="1890">
                 <a:solidFill>
                   <a:schemeClr val="tx1">
                     <a:tint val="75000"/>
@@ -920,9 +920,9 @@
                 </a:solidFill>
               </a:defRPr>
             </a:lvl3pPr>
-            <a:lvl4pPr marL="1028700" indent="0">
+            <a:lvl4pPr marL="1440180" indent="0">
               <a:buNone/>
-              <a:defRPr sz="1200">
+              <a:defRPr sz="1680">
                 <a:solidFill>
                   <a:schemeClr val="tx1">
                     <a:tint val="75000"/>
@@ -930,9 +930,9 @@
                 </a:solidFill>
               </a:defRPr>
             </a:lvl4pPr>
-            <a:lvl5pPr marL="1371600" indent="0">
+            <a:lvl5pPr marL="1920240" indent="0">
               <a:buNone/>
-              <a:defRPr sz="1200">
+              <a:defRPr sz="1680">
                 <a:solidFill>
                   <a:schemeClr val="tx1">
                     <a:tint val="75000"/>
@@ -940,9 +940,9 @@
                 </a:solidFill>
               </a:defRPr>
             </a:lvl5pPr>
-            <a:lvl6pPr marL="1714500" indent="0">
+            <a:lvl6pPr marL="2400300" indent="0">
               <a:buNone/>
-              <a:defRPr sz="1200">
+              <a:defRPr sz="1680">
                 <a:solidFill>
                   <a:schemeClr val="tx1">
                     <a:tint val="75000"/>
@@ -950,9 +950,9 @@
                 </a:solidFill>
               </a:defRPr>
             </a:lvl6pPr>
-            <a:lvl7pPr marL="2057400" indent="0">
+            <a:lvl7pPr marL="2880360" indent="0">
               <a:buNone/>
-              <a:defRPr sz="1200">
+              <a:defRPr sz="1680">
                 <a:solidFill>
                   <a:schemeClr val="tx1">
                     <a:tint val="75000"/>
@@ -960,9 +960,9 @@
                 </a:solidFill>
               </a:defRPr>
             </a:lvl7pPr>
-            <a:lvl8pPr marL="2400300" indent="0">
+            <a:lvl8pPr marL="3360420" indent="0">
               <a:buNone/>
-              <a:defRPr sz="1200">
+              <a:defRPr sz="1680">
                 <a:solidFill>
                   <a:schemeClr val="tx1">
                     <a:tint val="75000"/>
@@ -970,9 +970,9 @@
                 </a:solidFill>
               </a:defRPr>
             </a:lvl8pPr>
-            <a:lvl9pPr marL="2743200" indent="0">
+            <a:lvl9pPr marL="3840480" indent="0">
               <a:buNone/>
-              <a:defRPr sz="1200">
+              <a:defRPr sz="1680">
                 <a:solidFill>
                   <a:schemeClr val="tx1">
                     <a:tint val="75000"/>
@@ -1007,7 +1007,7 @@
           <a:p>
             <a:fld id="{31D4BBC5-235E-4AFB-BCA6-D5338D9E5FA0}" type="datetimeFigureOut">
               <a:rPr lang="nb-NO" smtClean="0"/>
-              <a:t>29.06.2022</a:t>
+              <a:t>01.07.2022</a:t>
             </a:fld>
             <a:endParaRPr lang="nb-NO"/>
           </a:p>
@@ -1058,7 +1058,7 @@
     </p:spTree>
     <p:extLst>
       <p:ext uri="{BB962C8B-B14F-4D97-AF65-F5344CB8AC3E}">
-        <p14:creationId xmlns:p14="http://schemas.microsoft.com/office/powerpoint/2010/main" val="1368043316"/>
+        <p14:creationId xmlns:p14="http://schemas.microsoft.com/office/powerpoint/2010/main" val="124460800"/>
       </p:ext>
     </p:extLst>
   </p:cSld>
@@ -1120,8 +1120,8 @@
         </p:nvSpPr>
         <p:spPr>
           <a:xfrm>
-            <a:off x="471488" y="2637014"/>
-            <a:ext cx="2914650" cy="6285266"/>
+            <a:off x="660083" y="3407833"/>
+            <a:ext cx="4080510" cy="8122498"/>
           </a:xfrm>
         </p:spPr>
         <p:txBody>
@@ -1177,8 +1177,8 @@
         </p:nvSpPr>
         <p:spPr>
           <a:xfrm>
-            <a:off x="3471863" y="2637014"/>
-            <a:ext cx="2914650" cy="6285266"/>
+            <a:off x="4860608" y="3407833"/>
+            <a:ext cx="4080510" cy="8122498"/>
           </a:xfrm>
         </p:spPr>
         <p:txBody>
@@ -1239,7 +1239,7 @@
           <a:p>
             <a:fld id="{31D4BBC5-235E-4AFB-BCA6-D5338D9E5FA0}" type="datetimeFigureOut">
               <a:rPr lang="nb-NO" smtClean="0"/>
-              <a:t>29.06.2022</a:t>
+              <a:t>01.07.2022</a:t>
             </a:fld>
             <a:endParaRPr lang="nb-NO"/>
           </a:p>
@@ -1290,7 +1290,7 @@
     </p:spTree>
     <p:extLst>
       <p:ext uri="{BB962C8B-B14F-4D97-AF65-F5344CB8AC3E}">
-        <p14:creationId xmlns:p14="http://schemas.microsoft.com/office/powerpoint/2010/main" val="2330116977"/>
+        <p14:creationId xmlns:p14="http://schemas.microsoft.com/office/powerpoint/2010/main" val="3647570533"/>
       </p:ext>
     </p:extLst>
   </p:cSld>
@@ -1329,8 +1329,8 @@
         </p:nvSpPr>
         <p:spPr>
           <a:xfrm>
-            <a:off x="472381" y="527405"/>
-            <a:ext cx="5915025" cy="1914702"/>
+            <a:off x="661333" y="681570"/>
+            <a:ext cx="8281035" cy="2474384"/>
           </a:xfrm>
         </p:spPr>
         <p:txBody>
@@ -1357,8 +1357,8 @@
         </p:nvSpPr>
         <p:spPr>
           <a:xfrm>
-            <a:off x="472381" y="2428347"/>
-            <a:ext cx="2901255" cy="1190095"/>
+            <a:off x="661334" y="3138171"/>
+            <a:ext cx="4061757" cy="1537969"/>
           </a:xfrm>
         </p:spPr>
         <p:txBody>
@@ -1366,39 +1366,39 @@
           <a:lstStyle>
             <a:lvl1pPr marL="0" indent="0">
               <a:buNone/>
-              <a:defRPr sz="1800" b="1"/>
+              <a:defRPr sz="2520" b="1"/>
             </a:lvl1pPr>
-            <a:lvl2pPr marL="342900" indent="0">
+            <a:lvl2pPr marL="480060" indent="0">
               <a:buNone/>
-              <a:defRPr sz="1500" b="1"/>
+              <a:defRPr sz="2100" b="1"/>
             </a:lvl2pPr>
-            <a:lvl3pPr marL="685800" indent="0">
+            <a:lvl3pPr marL="960120" indent="0">
               <a:buNone/>
-              <a:defRPr sz="1350" b="1"/>
+              <a:defRPr sz="1890" b="1"/>
             </a:lvl3pPr>
-            <a:lvl4pPr marL="1028700" indent="0">
+            <a:lvl4pPr marL="1440180" indent="0">
               <a:buNone/>
-              <a:defRPr sz="1200" b="1"/>
+              <a:defRPr sz="1680" b="1"/>
             </a:lvl4pPr>
-            <a:lvl5pPr marL="1371600" indent="0">
+            <a:lvl5pPr marL="1920240" indent="0">
               <a:buNone/>
-              <a:defRPr sz="1200" b="1"/>
+              <a:defRPr sz="1680" b="1"/>
             </a:lvl5pPr>
-            <a:lvl6pPr marL="1714500" indent="0">
+            <a:lvl6pPr marL="2400300" indent="0">
               <a:buNone/>
-              <a:defRPr sz="1200" b="1"/>
+              <a:defRPr sz="1680" b="1"/>
             </a:lvl6pPr>
-            <a:lvl7pPr marL="2057400" indent="0">
+            <a:lvl7pPr marL="2880360" indent="0">
               <a:buNone/>
-              <a:defRPr sz="1200" b="1"/>
+              <a:defRPr sz="1680" b="1"/>
             </a:lvl7pPr>
-            <a:lvl8pPr marL="2400300" indent="0">
+            <a:lvl8pPr marL="3360420" indent="0">
               <a:buNone/>
-              <a:defRPr sz="1200" b="1"/>
+              <a:defRPr sz="1680" b="1"/>
             </a:lvl8pPr>
-            <a:lvl9pPr marL="2743200" indent="0">
+            <a:lvl9pPr marL="3840480" indent="0">
               <a:buNone/>
-              <a:defRPr sz="1200" b="1"/>
+              <a:defRPr sz="1680" b="1"/>
             </a:lvl9pPr>
           </a:lstStyle>
           <a:p>
@@ -1422,8 +1422,8 @@
         </p:nvSpPr>
         <p:spPr>
           <a:xfrm>
-            <a:off x="472381" y="3618442"/>
-            <a:ext cx="2901255" cy="5322183"/>
+            <a:off x="661334" y="4676140"/>
+            <a:ext cx="4061757" cy="6877898"/>
           </a:xfrm>
         </p:spPr>
         <p:txBody>
@@ -1479,8 +1479,8 @@
         </p:nvSpPr>
         <p:spPr>
           <a:xfrm>
-            <a:off x="3471863" y="2428347"/>
-            <a:ext cx="2915543" cy="1190095"/>
+            <a:off x="4860608" y="3138171"/>
+            <a:ext cx="4081761" cy="1537969"/>
           </a:xfrm>
         </p:spPr>
         <p:txBody>
@@ -1488,39 +1488,39 @@
           <a:lstStyle>
             <a:lvl1pPr marL="0" indent="0">
               <a:buNone/>
-              <a:defRPr sz="1800" b="1"/>
+              <a:defRPr sz="2520" b="1"/>
             </a:lvl1pPr>
-            <a:lvl2pPr marL="342900" indent="0">
+            <a:lvl2pPr marL="480060" indent="0">
               <a:buNone/>
-              <a:defRPr sz="1500" b="1"/>
+              <a:defRPr sz="2100" b="1"/>
             </a:lvl2pPr>
-            <a:lvl3pPr marL="685800" indent="0">
+            <a:lvl3pPr marL="960120" indent="0">
               <a:buNone/>
-              <a:defRPr sz="1350" b="1"/>
+              <a:defRPr sz="1890" b="1"/>
             </a:lvl3pPr>
-            <a:lvl4pPr marL="1028700" indent="0">
+            <a:lvl4pPr marL="1440180" indent="0">
               <a:buNone/>
-              <a:defRPr sz="1200" b="1"/>
+              <a:defRPr sz="1680" b="1"/>
             </a:lvl4pPr>
-            <a:lvl5pPr marL="1371600" indent="0">
+            <a:lvl5pPr marL="1920240" indent="0">
               <a:buNone/>
-              <a:defRPr sz="1200" b="1"/>
+              <a:defRPr sz="1680" b="1"/>
             </a:lvl5pPr>
-            <a:lvl6pPr marL="1714500" indent="0">
+            <a:lvl6pPr marL="2400300" indent="0">
               <a:buNone/>
-              <a:defRPr sz="1200" b="1"/>
+              <a:defRPr sz="1680" b="1"/>
             </a:lvl6pPr>
-            <a:lvl7pPr marL="2057400" indent="0">
+            <a:lvl7pPr marL="2880360" indent="0">
               <a:buNone/>
-              <a:defRPr sz="1200" b="1"/>
+              <a:defRPr sz="1680" b="1"/>
             </a:lvl7pPr>
-            <a:lvl8pPr marL="2400300" indent="0">
+            <a:lvl8pPr marL="3360420" indent="0">
               <a:buNone/>
-              <a:defRPr sz="1200" b="1"/>
+              <a:defRPr sz="1680" b="1"/>
             </a:lvl8pPr>
-            <a:lvl9pPr marL="2743200" indent="0">
+            <a:lvl9pPr marL="3840480" indent="0">
               <a:buNone/>
-              <a:defRPr sz="1200" b="1"/>
+              <a:defRPr sz="1680" b="1"/>
             </a:lvl9pPr>
           </a:lstStyle>
           <a:p>
@@ -1544,8 +1544,8 @@
         </p:nvSpPr>
         <p:spPr>
           <a:xfrm>
-            <a:off x="3471863" y="3618442"/>
-            <a:ext cx="2915543" cy="5322183"/>
+            <a:off x="4860608" y="4676140"/>
+            <a:ext cx="4081761" cy="6877898"/>
           </a:xfrm>
         </p:spPr>
         <p:txBody>
@@ -1606,7 +1606,7 @@
           <a:p>
             <a:fld id="{31D4BBC5-235E-4AFB-BCA6-D5338D9E5FA0}" type="datetimeFigureOut">
               <a:rPr lang="nb-NO" smtClean="0"/>
-              <a:t>29.06.2022</a:t>
+              <a:t>01.07.2022</a:t>
             </a:fld>
             <a:endParaRPr lang="nb-NO"/>
           </a:p>
@@ -1657,7 +1657,7 @@
     </p:spTree>
     <p:extLst>
       <p:ext uri="{BB962C8B-B14F-4D97-AF65-F5344CB8AC3E}">
-        <p14:creationId xmlns:p14="http://schemas.microsoft.com/office/powerpoint/2010/main" val="3037029781"/>
+        <p14:creationId xmlns:p14="http://schemas.microsoft.com/office/powerpoint/2010/main" val="2582675488"/>
       </p:ext>
     </p:extLst>
   </p:cSld>
@@ -1724,7 +1724,7 @@
           <a:p>
             <a:fld id="{31D4BBC5-235E-4AFB-BCA6-D5338D9E5FA0}" type="datetimeFigureOut">
               <a:rPr lang="nb-NO" smtClean="0"/>
-              <a:t>29.06.2022</a:t>
+              <a:t>01.07.2022</a:t>
             </a:fld>
             <a:endParaRPr lang="nb-NO"/>
           </a:p>
@@ -1775,7 +1775,7 @@
     </p:spTree>
     <p:extLst>
       <p:ext uri="{BB962C8B-B14F-4D97-AF65-F5344CB8AC3E}">
-        <p14:creationId xmlns:p14="http://schemas.microsoft.com/office/powerpoint/2010/main" val="2603136856"/>
+        <p14:creationId xmlns:p14="http://schemas.microsoft.com/office/powerpoint/2010/main" val="1994306793"/>
       </p:ext>
     </p:extLst>
   </p:cSld>
@@ -1819,7 +1819,7 @@
           <a:p>
             <a:fld id="{31D4BBC5-235E-4AFB-BCA6-D5338D9E5FA0}" type="datetimeFigureOut">
               <a:rPr lang="nb-NO" smtClean="0"/>
-              <a:t>29.06.2022</a:t>
+              <a:t>01.07.2022</a:t>
             </a:fld>
             <a:endParaRPr lang="nb-NO"/>
           </a:p>
@@ -1870,7 +1870,7 @@
     </p:spTree>
     <p:extLst>
       <p:ext uri="{BB962C8B-B14F-4D97-AF65-F5344CB8AC3E}">
-        <p14:creationId xmlns:p14="http://schemas.microsoft.com/office/powerpoint/2010/main" val="3303892334"/>
+        <p14:creationId xmlns:p14="http://schemas.microsoft.com/office/powerpoint/2010/main" val="853393757"/>
       </p:ext>
     </p:extLst>
   </p:cSld>
@@ -1909,15 +1909,15 @@
         </p:nvSpPr>
         <p:spPr>
           <a:xfrm>
-            <a:off x="472381" y="660400"/>
-            <a:ext cx="2211884" cy="2311400"/>
+            <a:off x="661333" y="853440"/>
+            <a:ext cx="3096637" cy="2987040"/>
           </a:xfrm>
         </p:spPr>
         <p:txBody>
           <a:bodyPr anchor="b"/>
           <a:lstStyle>
             <a:lvl1pPr>
-              <a:defRPr sz="2400"/>
+              <a:defRPr sz="3360"/>
             </a:lvl1pPr>
           </a:lstStyle>
           <a:p>
@@ -1941,39 +1941,39 @@
         </p:nvSpPr>
         <p:spPr>
           <a:xfrm>
-            <a:off x="2915543" y="1426283"/>
-            <a:ext cx="3471863" cy="7039681"/>
+            <a:off x="4081760" y="1843196"/>
+            <a:ext cx="4860608" cy="9097433"/>
           </a:xfrm>
         </p:spPr>
         <p:txBody>
           <a:bodyPr/>
           <a:lstStyle>
             <a:lvl1pPr>
-              <a:defRPr sz="2400"/>
+              <a:defRPr sz="3360"/>
             </a:lvl1pPr>
             <a:lvl2pPr>
-              <a:defRPr sz="2100"/>
+              <a:defRPr sz="2940"/>
             </a:lvl2pPr>
             <a:lvl3pPr>
-              <a:defRPr sz="1800"/>
+              <a:defRPr sz="2520"/>
             </a:lvl3pPr>
             <a:lvl4pPr>
-              <a:defRPr sz="1500"/>
+              <a:defRPr sz="2100"/>
             </a:lvl4pPr>
             <a:lvl5pPr>
-              <a:defRPr sz="1500"/>
+              <a:defRPr sz="2100"/>
             </a:lvl5pPr>
             <a:lvl6pPr>
-              <a:defRPr sz="1500"/>
+              <a:defRPr sz="2100"/>
             </a:lvl6pPr>
             <a:lvl7pPr>
-              <a:defRPr sz="1500"/>
+              <a:defRPr sz="2100"/>
             </a:lvl7pPr>
             <a:lvl8pPr>
-              <a:defRPr sz="1500"/>
+              <a:defRPr sz="2100"/>
             </a:lvl8pPr>
             <a:lvl9pPr>
-              <a:defRPr sz="1500"/>
+              <a:defRPr sz="2100"/>
             </a:lvl9pPr>
           </a:lstStyle>
           <a:p>
@@ -2026,8 +2026,8 @@
         </p:nvSpPr>
         <p:spPr>
           <a:xfrm>
-            <a:off x="472381" y="2971800"/>
-            <a:ext cx="2211884" cy="5505627"/>
+            <a:off x="661333" y="3840480"/>
+            <a:ext cx="3096637" cy="7114964"/>
           </a:xfrm>
         </p:spPr>
         <p:txBody>
@@ -2035,39 +2035,39 @@
           <a:lstStyle>
             <a:lvl1pPr marL="0" indent="0">
               <a:buNone/>
-              <a:defRPr sz="1200"/>
+              <a:defRPr sz="1680"/>
             </a:lvl1pPr>
-            <a:lvl2pPr marL="342900" indent="0">
+            <a:lvl2pPr marL="480060" indent="0">
+              <a:buNone/>
+              <a:defRPr sz="1470"/>
+            </a:lvl2pPr>
+            <a:lvl3pPr marL="960120" indent="0">
+              <a:buNone/>
+              <a:defRPr sz="1260"/>
+            </a:lvl3pPr>
+            <a:lvl4pPr marL="1440180" indent="0">
               <a:buNone/>
               <a:defRPr sz="1050"/>
-            </a:lvl2pPr>
-            <a:lvl3pPr marL="685800" indent="0">
+            </a:lvl4pPr>
+            <a:lvl5pPr marL="1920240" indent="0">
               <a:buNone/>
-              <a:defRPr sz="900"/>
-            </a:lvl3pPr>
-            <a:lvl4pPr marL="1028700" indent="0">
+              <a:defRPr sz="1050"/>
+            </a:lvl5pPr>
+            <a:lvl6pPr marL="2400300" indent="0">
               <a:buNone/>
-              <a:defRPr sz="750"/>
-            </a:lvl4pPr>
-            <a:lvl5pPr marL="1371600" indent="0">
+              <a:defRPr sz="1050"/>
+            </a:lvl6pPr>
+            <a:lvl7pPr marL="2880360" indent="0">
               <a:buNone/>
-              <a:defRPr sz="750"/>
-            </a:lvl5pPr>
-            <a:lvl6pPr marL="1714500" indent="0">
+              <a:defRPr sz="1050"/>
+            </a:lvl7pPr>
+            <a:lvl8pPr marL="3360420" indent="0">
               <a:buNone/>
-              <a:defRPr sz="750"/>
-            </a:lvl6pPr>
-            <a:lvl7pPr marL="2057400" indent="0">
+              <a:defRPr sz="1050"/>
+            </a:lvl8pPr>
+            <a:lvl9pPr marL="3840480" indent="0">
               <a:buNone/>
-              <a:defRPr sz="750"/>
-            </a:lvl7pPr>
-            <a:lvl8pPr marL="2400300" indent="0">
-              <a:buNone/>
-              <a:defRPr sz="750"/>
-            </a:lvl8pPr>
-            <a:lvl9pPr marL="2743200" indent="0">
-              <a:buNone/>
-              <a:defRPr sz="750"/>
+              <a:defRPr sz="1050"/>
             </a:lvl9pPr>
           </a:lstStyle>
           <a:p>
@@ -2096,7 +2096,7 @@
           <a:p>
             <a:fld id="{31D4BBC5-235E-4AFB-BCA6-D5338D9E5FA0}" type="datetimeFigureOut">
               <a:rPr lang="nb-NO" smtClean="0"/>
-              <a:t>29.06.2022</a:t>
+              <a:t>01.07.2022</a:t>
             </a:fld>
             <a:endParaRPr lang="nb-NO"/>
           </a:p>
@@ -2147,7 +2147,7 @@
     </p:spTree>
     <p:extLst>
       <p:ext uri="{BB962C8B-B14F-4D97-AF65-F5344CB8AC3E}">
-        <p14:creationId xmlns:p14="http://schemas.microsoft.com/office/powerpoint/2010/main" val="3470333560"/>
+        <p14:creationId xmlns:p14="http://schemas.microsoft.com/office/powerpoint/2010/main" val="44503180"/>
       </p:ext>
     </p:extLst>
   </p:cSld>
@@ -2186,15 +2186,15 @@
         </p:nvSpPr>
         <p:spPr>
           <a:xfrm>
-            <a:off x="472381" y="660400"/>
-            <a:ext cx="2211884" cy="2311400"/>
+            <a:off x="661333" y="853440"/>
+            <a:ext cx="3096637" cy="2987040"/>
           </a:xfrm>
         </p:spPr>
         <p:txBody>
           <a:bodyPr anchor="b"/>
           <a:lstStyle>
             <a:lvl1pPr>
-              <a:defRPr sz="2400"/>
+              <a:defRPr sz="3360"/>
             </a:lvl1pPr>
           </a:lstStyle>
           <a:p>
@@ -2218,8 +2218,8 @@
         </p:nvSpPr>
         <p:spPr>
           <a:xfrm>
-            <a:off x="2915543" y="1426283"/>
-            <a:ext cx="3471863" cy="7039681"/>
+            <a:off x="4081760" y="1843196"/>
+            <a:ext cx="4860608" cy="9097433"/>
           </a:xfrm>
         </p:spPr>
         <p:txBody>
@@ -2227,39 +2227,39 @@
           <a:lstStyle>
             <a:lvl1pPr marL="0" indent="0">
               <a:buNone/>
-              <a:defRPr sz="2400"/>
+              <a:defRPr sz="3360"/>
             </a:lvl1pPr>
-            <a:lvl2pPr marL="342900" indent="0">
+            <a:lvl2pPr marL="480060" indent="0">
+              <a:buNone/>
+              <a:defRPr sz="2940"/>
+            </a:lvl2pPr>
+            <a:lvl3pPr marL="960120" indent="0">
+              <a:buNone/>
+              <a:defRPr sz="2520"/>
+            </a:lvl3pPr>
+            <a:lvl4pPr marL="1440180" indent="0">
               <a:buNone/>
               <a:defRPr sz="2100"/>
-            </a:lvl2pPr>
-            <a:lvl3pPr marL="685800" indent="0">
+            </a:lvl4pPr>
+            <a:lvl5pPr marL="1920240" indent="0">
               <a:buNone/>
-              <a:defRPr sz="1800"/>
-            </a:lvl3pPr>
-            <a:lvl4pPr marL="1028700" indent="0">
+              <a:defRPr sz="2100"/>
+            </a:lvl5pPr>
+            <a:lvl6pPr marL="2400300" indent="0">
               <a:buNone/>
-              <a:defRPr sz="1500"/>
-            </a:lvl4pPr>
-            <a:lvl5pPr marL="1371600" indent="0">
+              <a:defRPr sz="2100"/>
+            </a:lvl6pPr>
+            <a:lvl7pPr marL="2880360" indent="0">
               <a:buNone/>
-              <a:defRPr sz="1500"/>
-            </a:lvl5pPr>
-            <a:lvl6pPr marL="1714500" indent="0">
+              <a:defRPr sz="2100"/>
+            </a:lvl7pPr>
+            <a:lvl8pPr marL="3360420" indent="0">
               <a:buNone/>
-              <a:defRPr sz="1500"/>
-            </a:lvl6pPr>
-            <a:lvl7pPr marL="2057400" indent="0">
+              <a:defRPr sz="2100"/>
+            </a:lvl8pPr>
+            <a:lvl9pPr marL="3840480" indent="0">
               <a:buNone/>
-              <a:defRPr sz="1500"/>
-            </a:lvl7pPr>
-            <a:lvl8pPr marL="2400300" indent="0">
-              <a:buNone/>
-              <a:defRPr sz="1500"/>
-            </a:lvl8pPr>
-            <a:lvl9pPr marL="2743200" indent="0">
-              <a:buNone/>
-              <a:defRPr sz="1500"/>
+              <a:defRPr sz="2100"/>
             </a:lvl9pPr>
           </a:lstStyle>
           <a:p>
@@ -2283,8 +2283,8 @@
         </p:nvSpPr>
         <p:spPr>
           <a:xfrm>
-            <a:off x="472381" y="2971800"/>
-            <a:ext cx="2211884" cy="5505627"/>
+            <a:off x="661333" y="3840480"/>
+            <a:ext cx="3096637" cy="7114964"/>
           </a:xfrm>
         </p:spPr>
         <p:txBody>
@@ -2292,39 +2292,39 @@
           <a:lstStyle>
             <a:lvl1pPr marL="0" indent="0">
               <a:buNone/>
-              <a:defRPr sz="1200"/>
+              <a:defRPr sz="1680"/>
             </a:lvl1pPr>
-            <a:lvl2pPr marL="342900" indent="0">
+            <a:lvl2pPr marL="480060" indent="0">
+              <a:buNone/>
+              <a:defRPr sz="1470"/>
+            </a:lvl2pPr>
+            <a:lvl3pPr marL="960120" indent="0">
+              <a:buNone/>
+              <a:defRPr sz="1260"/>
+            </a:lvl3pPr>
+            <a:lvl4pPr marL="1440180" indent="0">
               <a:buNone/>
               <a:defRPr sz="1050"/>
-            </a:lvl2pPr>
-            <a:lvl3pPr marL="685800" indent="0">
+            </a:lvl4pPr>
+            <a:lvl5pPr marL="1920240" indent="0">
               <a:buNone/>
-              <a:defRPr sz="900"/>
-            </a:lvl3pPr>
-            <a:lvl4pPr marL="1028700" indent="0">
+              <a:defRPr sz="1050"/>
+            </a:lvl5pPr>
+            <a:lvl6pPr marL="2400300" indent="0">
               <a:buNone/>
-              <a:defRPr sz="750"/>
-            </a:lvl4pPr>
-            <a:lvl5pPr marL="1371600" indent="0">
+              <a:defRPr sz="1050"/>
+            </a:lvl6pPr>
+            <a:lvl7pPr marL="2880360" indent="0">
               <a:buNone/>
-              <a:defRPr sz="750"/>
-            </a:lvl5pPr>
-            <a:lvl6pPr marL="1714500" indent="0">
+              <a:defRPr sz="1050"/>
+            </a:lvl7pPr>
+            <a:lvl8pPr marL="3360420" indent="0">
               <a:buNone/>
-              <a:defRPr sz="750"/>
-            </a:lvl6pPr>
-            <a:lvl7pPr marL="2057400" indent="0">
+              <a:defRPr sz="1050"/>
+            </a:lvl8pPr>
+            <a:lvl9pPr marL="3840480" indent="0">
               <a:buNone/>
-              <a:defRPr sz="750"/>
-            </a:lvl7pPr>
-            <a:lvl8pPr marL="2400300" indent="0">
-              <a:buNone/>
-              <a:defRPr sz="750"/>
-            </a:lvl8pPr>
-            <a:lvl9pPr marL="2743200" indent="0">
-              <a:buNone/>
-              <a:defRPr sz="750"/>
+              <a:defRPr sz="1050"/>
             </a:lvl9pPr>
           </a:lstStyle>
           <a:p>
@@ -2353,7 +2353,7 @@
           <a:p>
             <a:fld id="{31D4BBC5-235E-4AFB-BCA6-D5338D9E5FA0}" type="datetimeFigureOut">
               <a:rPr lang="nb-NO" smtClean="0"/>
-              <a:t>29.06.2022</a:t>
+              <a:t>01.07.2022</a:t>
             </a:fld>
             <a:endParaRPr lang="nb-NO"/>
           </a:p>
@@ -2404,7 +2404,7 @@
     </p:spTree>
     <p:extLst>
       <p:ext uri="{BB962C8B-B14F-4D97-AF65-F5344CB8AC3E}">
-        <p14:creationId xmlns:p14="http://schemas.microsoft.com/office/powerpoint/2010/main" val="780564733"/>
+        <p14:creationId xmlns:p14="http://schemas.microsoft.com/office/powerpoint/2010/main" val="3471574356"/>
       </p:ext>
     </p:extLst>
   </p:cSld>
@@ -2448,8 +2448,8 @@
         </p:nvSpPr>
         <p:spPr>
           <a:xfrm>
-            <a:off x="471488" y="527405"/>
-            <a:ext cx="5915025" cy="1914702"/>
+            <a:off x="660083" y="681570"/>
+            <a:ext cx="8281035" cy="2474384"/>
           </a:xfrm>
           <a:prstGeom prst="rect">
             <a:avLst/>
@@ -2481,8 +2481,8 @@
         </p:nvSpPr>
         <p:spPr>
           <a:xfrm>
-            <a:off x="471488" y="2637014"/>
-            <a:ext cx="5915025" cy="6285266"/>
+            <a:off x="660083" y="3407833"/>
+            <a:ext cx="8281035" cy="8122498"/>
           </a:xfrm>
           <a:prstGeom prst="rect">
             <a:avLst/>
@@ -2543,8 +2543,8 @@
         </p:nvSpPr>
         <p:spPr>
           <a:xfrm>
-            <a:off x="471488" y="9181397"/>
-            <a:ext cx="1543050" cy="527403"/>
+            <a:off x="660083" y="11865189"/>
+            <a:ext cx="2160270" cy="681567"/>
           </a:xfrm>
           <a:prstGeom prst="rect">
             <a:avLst/>
@@ -2554,7 +2554,7 @@
           <a:bodyPr vert="horz" lIns="91440" tIns="45720" rIns="91440" bIns="45720" rtlCol="0" anchor="ctr"/>
           <a:lstStyle>
             <a:lvl1pPr algn="l">
-              <a:defRPr sz="900">
+              <a:defRPr sz="1260">
                 <a:solidFill>
                   <a:schemeClr val="tx1">
                     <a:tint val="75000"/>
@@ -2566,7 +2566,7 @@
           <a:p>
             <a:fld id="{31D4BBC5-235E-4AFB-BCA6-D5338D9E5FA0}" type="datetimeFigureOut">
               <a:rPr lang="nb-NO" smtClean="0"/>
-              <a:t>29.06.2022</a:t>
+              <a:t>01.07.2022</a:t>
             </a:fld>
             <a:endParaRPr lang="nb-NO"/>
           </a:p>
@@ -2584,8 +2584,8 @@
         </p:nvSpPr>
         <p:spPr>
           <a:xfrm>
-            <a:off x="2271713" y="9181397"/>
-            <a:ext cx="2314575" cy="527403"/>
+            <a:off x="3180398" y="11865189"/>
+            <a:ext cx="3240405" cy="681567"/>
           </a:xfrm>
           <a:prstGeom prst="rect">
             <a:avLst/>
@@ -2595,7 +2595,7 @@
           <a:bodyPr vert="horz" lIns="91440" tIns="45720" rIns="91440" bIns="45720" rtlCol="0" anchor="ctr"/>
           <a:lstStyle>
             <a:lvl1pPr algn="ctr">
-              <a:defRPr sz="900">
+              <a:defRPr sz="1260">
                 <a:solidFill>
                   <a:schemeClr val="tx1">
                     <a:tint val="75000"/>
@@ -2621,8 +2621,8 @@
         </p:nvSpPr>
         <p:spPr>
           <a:xfrm>
-            <a:off x="4843463" y="9181397"/>
-            <a:ext cx="1543050" cy="527403"/>
+            <a:off x="6780848" y="11865189"/>
+            <a:ext cx="2160270" cy="681567"/>
           </a:xfrm>
           <a:prstGeom prst="rect">
             <a:avLst/>
@@ -2632,7 +2632,7 @@
           <a:bodyPr vert="horz" lIns="91440" tIns="45720" rIns="91440" bIns="45720" rtlCol="0" anchor="ctr"/>
           <a:lstStyle>
             <a:lvl1pPr algn="r">
-              <a:defRPr sz="900">
+              <a:defRPr sz="1260">
                 <a:solidFill>
                   <a:schemeClr val="tx1">
                     <a:tint val="75000"/>
@@ -2653,27 +2653,27 @@
     </p:spTree>
     <p:extLst>
       <p:ext uri="{BB962C8B-B14F-4D97-AF65-F5344CB8AC3E}">
-        <p14:creationId xmlns:p14="http://schemas.microsoft.com/office/powerpoint/2010/main" val="154745018"/>
+        <p14:creationId xmlns:p14="http://schemas.microsoft.com/office/powerpoint/2010/main" val="3623315415"/>
       </p:ext>
     </p:extLst>
   </p:cSld>
   <p:clrMap bg1="lt1" tx1="dk1" bg2="lt2" tx2="dk2" accent1="accent1" accent2="accent2" accent3="accent3" accent4="accent4" accent5="accent5" accent6="accent6" hlink="hlink" folHlink="folHlink"/>
   <p:sldLayoutIdLst>
-    <p:sldLayoutId id="2147483697" r:id="rId1"/>
-    <p:sldLayoutId id="2147483698" r:id="rId2"/>
-    <p:sldLayoutId id="2147483699" r:id="rId3"/>
-    <p:sldLayoutId id="2147483700" r:id="rId4"/>
-    <p:sldLayoutId id="2147483701" r:id="rId5"/>
-    <p:sldLayoutId id="2147483702" r:id="rId6"/>
-    <p:sldLayoutId id="2147483703" r:id="rId7"/>
-    <p:sldLayoutId id="2147483704" r:id="rId8"/>
-    <p:sldLayoutId id="2147483705" r:id="rId9"/>
-    <p:sldLayoutId id="2147483706" r:id="rId10"/>
-    <p:sldLayoutId id="2147483707" r:id="rId11"/>
+    <p:sldLayoutId id="2147483709" r:id="rId1"/>
+    <p:sldLayoutId id="2147483710" r:id="rId2"/>
+    <p:sldLayoutId id="2147483711" r:id="rId3"/>
+    <p:sldLayoutId id="2147483712" r:id="rId4"/>
+    <p:sldLayoutId id="2147483713" r:id="rId5"/>
+    <p:sldLayoutId id="2147483714" r:id="rId6"/>
+    <p:sldLayoutId id="2147483715" r:id="rId7"/>
+    <p:sldLayoutId id="2147483716" r:id="rId8"/>
+    <p:sldLayoutId id="2147483717" r:id="rId9"/>
+    <p:sldLayoutId id="2147483718" r:id="rId10"/>
+    <p:sldLayoutId id="2147483719" r:id="rId11"/>
   </p:sldLayoutIdLst>
   <p:txStyles>
     <p:titleStyle>
-      <a:lvl1pPr algn="l" defTabSz="685800" rtl="0" eaLnBrk="1" latinLnBrk="0" hangingPunct="1">
+      <a:lvl1pPr algn="l" defTabSz="960120" rtl="0" eaLnBrk="1" latinLnBrk="0" hangingPunct="1">
         <a:lnSpc>
           <a:spcPct val="90000"/>
         </a:lnSpc>
@@ -2681,7 +2681,7 @@
           <a:spcPct val="0"/>
         </a:spcBef>
         <a:buNone/>
-        <a:defRPr sz="3300" kern="1200">
+        <a:defRPr sz="4620" kern="1200">
           <a:solidFill>
             <a:schemeClr val="tx1"/>
           </a:solidFill>
@@ -2692,12 +2692,48 @@
       </a:lvl1pPr>
     </p:titleStyle>
     <p:bodyStyle>
-      <a:lvl1pPr marL="171450" indent="-171450" algn="l" defTabSz="685800" rtl="0" eaLnBrk="1" latinLnBrk="0" hangingPunct="1">
+      <a:lvl1pPr marL="240030" indent="-240030" algn="l" defTabSz="960120" rtl="0" eaLnBrk="1" latinLnBrk="0" hangingPunct="1">
         <a:lnSpc>
           <a:spcPct val="90000"/>
         </a:lnSpc>
         <a:spcBef>
-          <a:spcPts val="750"/>
+          <a:spcPts val="1050"/>
+        </a:spcBef>
+        <a:buFont typeface="Arial" panose="020B0604020202020204" pitchFamily="34" charset="0"/>
+        <a:buChar char="•"/>
+        <a:defRPr sz="2940" kern="1200">
+          <a:solidFill>
+            <a:schemeClr val="tx1"/>
+          </a:solidFill>
+          <a:latin typeface="+mn-lt"/>
+          <a:ea typeface="+mn-ea"/>
+          <a:cs typeface="+mn-cs"/>
+        </a:defRPr>
+      </a:lvl1pPr>
+      <a:lvl2pPr marL="720090" indent="-240030" algn="l" defTabSz="960120" rtl="0" eaLnBrk="1" latinLnBrk="0" hangingPunct="1">
+        <a:lnSpc>
+          <a:spcPct val="90000"/>
+        </a:lnSpc>
+        <a:spcBef>
+          <a:spcPts val="525"/>
+        </a:spcBef>
+        <a:buFont typeface="Arial" panose="020B0604020202020204" pitchFamily="34" charset="0"/>
+        <a:buChar char="•"/>
+        <a:defRPr sz="2520" kern="1200">
+          <a:solidFill>
+            <a:schemeClr val="tx1"/>
+          </a:solidFill>
+          <a:latin typeface="+mn-lt"/>
+          <a:ea typeface="+mn-ea"/>
+          <a:cs typeface="+mn-cs"/>
+        </a:defRPr>
+      </a:lvl2pPr>
+      <a:lvl3pPr marL="1200150" indent="-240030" algn="l" defTabSz="960120" rtl="0" eaLnBrk="1" latinLnBrk="0" hangingPunct="1">
+        <a:lnSpc>
+          <a:spcPct val="90000"/>
+        </a:lnSpc>
+        <a:spcBef>
+          <a:spcPts val="525"/>
         </a:spcBef>
         <a:buFont typeface="Arial" panose="020B0604020202020204" pitchFamily="34" charset="0"/>
         <a:buChar char="•"/>
@@ -2709,53 +2745,17 @@
           <a:ea typeface="+mn-ea"/>
           <a:cs typeface="+mn-cs"/>
         </a:defRPr>
-      </a:lvl1pPr>
-      <a:lvl2pPr marL="514350" indent="-171450" algn="l" defTabSz="685800" rtl="0" eaLnBrk="1" latinLnBrk="0" hangingPunct="1">
+      </a:lvl3pPr>
+      <a:lvl4pPr marL="1680210" indent="-240030" algn="l" defTabSz="960120" rtl="0" eaLnBrk="1" latinLnBrk="0" hangingPunct="1">
         <a:lnSpc>
           <a:spcPct val="90000"/>
         </a:lnSpc>
         <a:spcBef>
-          <a:spcPts val="375"/>
+          <a:spcPts val="525"/>
         </a:spcBef>
         <a:buFont typeface="Arial" panose="020B0604020202020204" pitchFamily="34" charset="0"/>
         <a:buChar char="•"/>
-        <a:defRPr sz="1800" kern="1200">
-          <a:solidFill>
-            <a:schemeClr val="tx1"/>
-          </a:solidFill>
-          <a:latin typeface="+mn-lt"/>
-          <a:ea typeface="+mn-ea"/>
-          <a:cs typeface="+mn-cs"/>
-        </a:defRPr>
-      </a:lvl2pPr>
-      <a:lvl3pPr marL="857250" indent="-171450" algn="l" defTabSz="685800" rtl="0" eaLnBrk="1" latinLnBrk="0" hangingPunct="1">
-        <a:lnSpc>
-          <a:spcPct val="90000"/>
-        </a:lnSpc>
-        <a:spcBef>
-          <a:spcPts val="375"/>
-        </a:spcBef>
-        <a:buFont typeface="Arial" panose="020B0604020202020204" pitchFamily="34" charset="0"/>
-        <a:buChar char="•"/>
-        <a:defRPr sz="1500" kern="1200">
-          <a:solidFill>
-            <a:schemeClr val="tx1"/>
-          </a:solidFill>
-          <a:latin typeface="+mn-lt"/>
-          <a:ea typeface="+mn-ea"/>
-          <a:cs typeface="+mn-cs"/>
-        </a:defRPr>
-      </a:lvl3pPr>
-      <a:lvl4pPr marL="1200150" indent="-171450" algn="l" defTabSz="685800" rtl="0" eaLnBrk="1" latinLnBrk="0" hangingPunct="1">
-        <a:lnSpc>
-          <a:spcPct val="90000"/>
-        </a:lnSpc>
-        <a:spcBef>
-          <a:spcPts val="375"/>
-        </a:spcBef>
-        <a:buFont typeface="Arial" panose="020B0604020202020204" pitchFamily="34" charset="0"/>
-        <a:buChar char="•"/>
-        <a:defRPr sz="1350" kern="1200">
+        <a:defRPr sz="1890" kern="1200">
           <a:solidFill>
             <a:schemeClr val="tx1"/>
           </a:solidFill>
@@ -2764,16 +2764,16 @@
           <a:cs typeface="+mn-cs"/>
         </a:defRPr>
       </a:lvl4pPr>
-      <a:lvl5pPr marL="1543050" indent="-171450" algn="l" defTabSz="685800" rtl="0" eaLnBrk="1" latinLnBrk="0" hangingPunct="1">
+      <a:lvl5pPr marL="2160270" indent="-240030" algn="l" defTabSz="960120" rtl="0" eaLnBrk="1" latinLnBrk="0" hangingPunct="1">
         <a:lnSpc>
           <a:spcPct val="90000"/>
         </a:lnSpc>
         <a:spcBef>
-          <a:spcPts val="375"/>
+          <a:spcPts val="525"/>
         </a:spcBef>
         <a:buFont typeface="Arial" panose="020B0604020202020204" pitchFamily="34" charset="0"/>
         <a:buChar char="•"/>
-        <a:defRPr sz="1350" kern="1200">
+        <a:defRPr sz="1890" kern="1200">
           <a:solidFill>
             <a:schemeClr val="tx1"/>
           </a:solidFill>
@@ -2782,16 +2782,16 @@
           <a:cs typeface="+mn-cs"/>
         </a:defRPr>
       </a:lvl5pPr>
-      <a:lvl6pPr marL="1885950" indent="-171450" algn="l" defTabSz="685800" rtl="0" eaLnBrk="1" latinLnBrk="0" hangingPunct="1">
+      <a:lvl6pPr marL="2640330" indent="-240030" algn="l" defTabSz="960120" rtl="0" eaLnBrk="1" latinLnBrk="0" hangingPunct="1">
         <a:lnSpc>
           <a:spcPct val="90000"/>
         </a:lnSpc>
         <a:spcBef>
-          <a:spcPts val="375"/>
+          <a:spcPts val="525"/>
         </a:spcBef>
         <a:buFont typeface="Arial" panose="020B0604020202020204" pitchFamily="34" charset="0"/>
         <a:buChar char="•"/>
-        <a:defRPr sz="1350" kern="1200">
+        <a:defRPr sz="1890" kern="1200">
           <a:solidFill>
             <a:schemeClr val="tx1"/>
           </a:solidFill>
@@ -2800,16 +2800,16 @@
           <a:cs typeface="+mn-cs"/>
         </a:defRPr>
       </a:lvl6pPr>
-      <a:lvl7pPr marL="2228850" indent="-171450" algn="l" defTabSz="685800" rtl="0" eaLnBrk="1" latinLnBrk="0" hangingPunct="1">
+      <a:lvl7pPr marL="3120390" indent="-240030" algn="l" defTabSz="960120" rtl="0" eaLnBrk="1" latinLnBrk="0" hangingPunct="1">
         <a:lnSpc>
           <a:spcPct val="90000"/>
         </a:lnSpc>
         <a:spcBef>
-          <a:spcPts val="375"/>
+          <a:spcPts val="525"/>
         </a:spcBef>
         <a:buFont typeface="Arial" panose="020B0604020202020204" pitchFamily="34" charset="0"/>
         <a:buChar char="•"/>
-        <a:defRPr sz="1350" kern="1200">
+        <a:defRPr sz="1890" kern="1200">
           <a:solidFill>
             <a:schemeClr val="tx1"/>
           </a:solidFill>
@@ -2818,16 +2818,16 @@
           <a:cs typeface="+mn-cs"/>
         </a:defRPr>
       </a:lvl7pPr>
-      <a:lvl8pPr marL="2571750" indent="-171450" algn="l" defTabSz="685800" rtl="0" eaLnBrk="1" latinLnBrk="0" hangingPunct="1">
+      <a:lvl8pPr marL="3600450" indent="-240030" algn="l" defTabSz="960120" rtl="0" eaLnBrk="1" latinLnBrk="0" hangingPunct="1">
         <a:lnSpc>
           <a:spcPct val="90000"/>
         </a:lnSpc>
         <a:spcBef>
-          <a:spcPts val="375"/>
+          <a:spcPts val="525"/>
         </a:spcBef>
         <a:buFont typeface="Arial" panose="020B0604020202020204" pitchFamily="34" charset="0"/>
         <a:buChar char="•"/>
-        <a:defRPr sz="1350" kern="1200">
+        <a:defRPr sz="1890" kern="1200">
           <a:solidFill>
             <a:schemeClr val="tx1"/>
           </a:solidFill>
@@ -2836,16 +2836,16 @@
           <a:cs typeface="+mn-cs"/>
         </a:defRPr>
       </a:lvl8pPr>
-      <a:lvl9pPr marL="2914650" indent="-171450" algn="l" defTabSz="685800" rtl="0" eaLnBrk="1" latinLnBrk="0" hangingPunct="1">
+      <a:lvl9pPr marL="4080510" indent="-240030" algn="l" defTabSz="960120" rtl="0" eaLnBrk="1" latinLnBrk="0" hangingPunct="1">
         <a:lnSpc>
           <a:spcPct val="90000"/>
         </a:lnSpc>
         <a:spcBef>
-          <a:spcPts val="375"/>
+          <a:spcPts val="525"/>
         </a:spcBef>
         <a:buFont typeface="Arial" panose="020B0604020202020204" pitchFamily="34" charset="0"/>
         <a:buChar char="•"/>
-        <a:defRPr sz="1350" kern="1200">
+        <a:defRPr sz="1890" kern="1200">
           <a:solidFill>
             <a:schemeClr val="tx1"/>
           </a:solidFill>
@@ -2859,8 +2859,8 @@
       <a:defPPr>
         <a:defRPr lang="en-US"/>
       </a:defPPr>
-      <a:lvl1pPr marL="0" algn="l" defTabSz="685800" rtl="0" eaLnBrk="1" latinLnBrk="0" hangingPunct="1">
-        <a:defRPr sz="1350" kern="1200">
+      <a:lvl1pPr marL="0" algn="l" defTabSz="960120" rtl="0" eaLnBrk="1" latinLnBrk="0" hangingPunct="1">
+        <a:defRPr sz="1890" kern="1200">
           <a:solidFill>
             <a:schemeClr val="tx1"/>
           </a:solidFill>
@@ -2869,8 +2869,8 @@
           <a:cs typeface="+mn-cs"/>
         </a:defRPr>
       </a:lvl1pPr>
-      <a:lvl2pPr marL="342900" algn="l" defTabSz="685800" rtl="0" eaLnBrk="1" latinLnBrk="0" hangingPunct="1">
-        <a:defRPr sz="1350" kern="1200">
+      <a:lvl2pPr marL="480060" algn="l" defTabSz="960120" rtl="0" eaLnBrk="1" latinLnBrk="0" hangingPunct="1">
+        <a:defRPr sz="1890" kern="1200">
           <a:solidFill>
             <a:schemeClr val="tx1"/>
           </a:solidFill>
@@ -2879,8 +2879,8 @@
           <a:cs typeface="+mn-cs"/>
         </a:defRPr>
       </a:lvl2pPr>
-      <a:lvl3pPr marL="685800" algn="l" defTabSz="685800" rtl="0" eaLnBrk="1" latinLnBrk="0" hangingPunct="1">
-        <a:defRPr sz="1350" kern="1200">
+      <a:lvl3pPr marL="960120" algn="l" defTabSz="960120" rtl="0" eaLnBrk="1" latinLnBrk="0" hangingPunct="1">
+        <a:defRPr sz="1890" kern="1200">
           <a:solidFill>
             <a:schemeClr val="tx1"/>
           </a:solidFill>
@@ -2889,8 +2889,8 @@
           <a:cs typeface="+mn-cs"/>
         </a:defRPr>
       </a:lvl3pPr>
-      <a:lvl4pPr marL="1028700" algn="l" defTabSz="685800" rtl="0" eaLnBrk="1" latinLnBrk="0" hangingPunct="1">
-        <a:defRPr sz="1350" kern="1200">
+      <a:lvl4pPr marL="1440180" algn="l" defTabSz="960120" rtl="0" eaLnBrk="1" latinLnBrk="0" hangingPunct="1">
+        <a:defRPr sz="1890" kern="1200">
           <a:solidFill>
             <a:schemeClr val="tx1"/>
           </a:solidFill>
@@ -2899,8 +2899,8 @@
           <a:cs typeface="+mn-cs"/>
         </a:defRPr>
       </a:lvl4pPr>
-      <a:lvl5pPr marL="1371600" algn="l" defTabSz="685800" rtl="0" eaLnBrk="1" latinLnBrk="0" hangingPunct="1">
-        <a:defRPr sz="1350" kern="1200">
+      <a:lvl5pPr marL="1920240" algn="l" defTabSz="960120" rtl="0" eaLnBrk="1" latinLnBrk="0" hangingPunct="1">
+        <a:defRPr sz="1890" kern="1200">
           <a:solidFill>
             <a:schemeClr val="tx1"/>
           </a:solidFill>
@@ -2909,8 +2909,8 @@
           <a:cs typeface="+mn-cs"/>
         </a:defRPr>
       </a:lvl5pPr>
-      <a:lvl6pPr marL="1714500" algn="l" defTabSz="685800" rtl="0" eaLnBrk="1" latinLnBrk="0" hangingPunct="1">
-        <a:defRPr sz="1350" kern="1200">
+      <a:lvl6pPr marL="2400300" algn="l" defTabSz="960120" rtl="0" eaLnBrk="1" latinLnBrk="0" hangingPunct="1">
+        <a:defRPr sz="1890" kern="1200">
           <a:solidFill>
             <a:schemeClr val="tx1"/>
           </a:solidFill>
@@ -2919,8 +2919,8 @@
           <a:cs typeface="+mn-cs"/>
         </a:defRPr>
       </a:lvl6pPr>
-      <a:lvl7pPr marL="2057400" algn="l" defTabSz="685800" rtl="0" eaLnBrk="1" latinLnBrk="0" hangingPunct="1">
-        <a:defRPr sz="1350" kern="1200">
+      <a:lvl7pPr marL="2880360" algn="l" defTabSz="960120" rtl="0" eaLnBrk="1" latinLnBrk="0" hangingPunct="1">
+        <a:defRPr sz="1890" kern="1200">
           <a:solidFill>
             <a:schemeClr val="tx1"/>
           </a:solidFill>
@@ -2929,8 +2929,8 @@
           <a:cs typeface="+mn-cs"/>
         </a:defRPr>
       </a:lvl7pPr>
-      <a:lvl8pPr marL="2400300" algn="l" defTabSz="685800" rtl="0" eaLnBrk="1" latinLnBrk="0" hangingPunct="1">
-        <a:defRPr sz="1350" kern="1200">
+      <a:lvl8pPr marL="3360420" algn="l" defTabSz="960120" rtl="0" eaLnBrk="1" latinLnBrk="0" hangingPunct="1">
+        <a:defRPr sz="1890" kern="1200">
           <a:solidFill>
             <a:schemeClr val="tx1"/>
           </a:solidFill>
@@ -2939,8 +2939,8 @@
           <a:cs typeface="+mn-cs"/>
         </a:defRPr>
       </a:lvl8pPr>
-      <a:lvl9pPr marL="2743200" algn="l" defTabSz="685800" rtl="0" eaLnBrk="1" latinLnBrk="0" hangingPunct="1">
-        <a:defRPr sz="1350" kern="1200">
+      <a:lvl9pPr marL="3840480" algn="l" defTabSz="960120" rtl="0" eaLnBrk="1" latinLnBrk="0" hangingPunct="1">
+        <a:defRPr sz="1890" kern="1200">
           <a:solidFill>
             <a:schemeClr val="tx1"/>
           </a:solidFill>
@@ -2987,8 +2987,8 @@
         </p:nvCxnSpPr>
         <p:spPr>
           <a:xfrm>
-            <a:off x="2337266" y="528901"/>
-            <a:ext cx="2737577" cy="54164"/>
+            <a:off x="3389744" y="683503"/>
+            <a:ext cx="3537792" cy="69997"/>
           </a:xfrm>
           <a:prstGeom prst="line">
             <a:avLst/>
@@ -3025,8 +3025,8 @@
         </p:nvCxnSpPr>
         <p:spPr>
           <a:xfrm flipV="1">
-            <a:off x="4335875" y="623546"/>
-            <a:ext cx="738968" cy="687466"/>
+            <a:off x="5972562" y="805813"/>
+            <a:ext cx="954974" cy="888418"/>
           </a:xfrm>
           <a:prstGeom prst="line">
             <a:avLst/>
@@ -3063,8 +3063,8 @@
         </p:nvCxnSpPr>
         <p:spPr>
           <a:xfrm flipH="1" flipV="1">
-            <a:off x="2330695" y="447386"/>
-            <a:ext cx="912968" cy="1053710"/>
+            <a:off x="3381252" y="578160"/>
+            <a:ext cx="1179836" cy="1361718"/>
           </a:xfrm>
           <a:prstGeom prst="line">
             <a:avLst/>
@@ -3106,8 +3106,8 @@
         </p:nvCxnSpPr>
         <p:spPr>
           <a:xfrm flipH="1" flipV="1">
-            <a:off x="2331205" y="354133"/>
-            <a:ext cx="912458" cy="1067680"/>
+            <a:off x="3381911" y="457649"/>
+            <a:ext cx="1179176" cy="1379771"/>
           </a:xfrm>
           <a:prstGeom prst="line">
             <a:avLst/>
@@ -3149,8 +3149,8 @@
         </p:nvCxnSpPr>
         <p:spPr>
           <a:xfrm flipH="1" flipV="1">
-            <a:off x="2331716" y="528901"/>
-            <a:ext cx="911947" cy="782111"/>
+            <a:off x="3382572" y="683504"/>
+            <a:ext cx="1178516" cy="1010728"/>
           </a:xfrm>
           <a:prstGeom prst="line">
             <a:avLst/>
@@ -3197,8 +3197,8 @@
           </p:nvPr>
         </p:nvGraphicFramePr>
         <p:xfrm>
-          <a:off x="884507" y="233010"/>
-          <a:ext cx="1452759" cy="9085978"/>
+          <a:off x="1512333" y="301121"/>
+          <a:ext cx="1877412" cy="11741873"/>
         </p:xfrm>
         <a:graphic>
           <a:graphicData uri="http://schemas.openxmlformats.org/drawingml/2006/table">
@@ -3207,7 +3207,7 @@
                 <a:tableStyleId>{5C22544A-7EE6-4342-B048-85BDC9FD1C3A}</a:tableStyleId>
               </a:tblPr>
               <a:tblGrid>
-                <a:gridCol w="1452759">
+                <a:gridCol w="1877412">
                   <a:extLst>
                     <a:ext uri="{9D8B030D-6E8A-4147-A177-3AD203B41FA5}">
                       <a16:colId xmlns:a16="http://schemas.microsoft.com/office/drawing/2014/main" val="304410519"/>
@@ -3215,15 +3215,15 @@
                   </a:extLst>
                 </a:gridCol>
               </a:tblGrid>
-              <a:tr h="80207">
-                <a:tc>
-                  <a:txBody>
-                    <a:bodyPr/>
-                    <a:lstStyle/>
-                    <a:p>
-                      <a:pPr marL="0" algn="ctr" defTabSz="914400" rtl="0" eaLnBrk="1" fontAlgn="b" latinLnBrk="0" hangingPunct="1"/>
-                      <a:r>
-                        <a:rPr lang="nb-NO" sz="500" u="none" strike="noStrike" kern="1200" dirty="0">
+              <a:tr h="103652">
+                <a:tc>
+                  <a:txBody>
+                    <a:bodyPr/>
+                    <a:lstStyle/>
+                    <a:p>
+                      <a:pPr marL="0" algn="ctr" defTabSz="914400" rtl="0" eaLnBrk="1" fontAlgn="b" latinLnBrk="0" hangingPunct="1"/>
+                      <a:r>
+                        <a:rPr lang="nb-NO" sz="600" u="none" strike="noStrike" kern="1200" dirty="0">
                           <a:solidFill>
                             <a:schemeClr val="bg1"/>
                           </a:solidFill>
@@ -3236,7 +3236,7 @@
                       </a:r>
                     </a:p>
                   </a:txBody>
-                  <a:tcPr marL="2584" marR="2584" marT="2584" marB="0" anchor="b">
+                  <a:tcPr marL="3339" marR="3339" marT="3339" marB="0" anchor="b">
                     <a:solidFill>
                       <a:schemeClr val="accent1"/>
                     </a:solidFill>
@@ -3248,15 +3248,15 @@
                   </a:ext>
                 </a:extLst>
               </a:tr>
-              <a:tr h="80207">
-                <a:tc>
-                  <a:txBody>
-                    <a:bodyPr/>
-                    <a:lstStyle/>
-                    <a:p>
-                      <a:pPr marL="0" algn="ctr" defTabSz="914400" rtl="0" eaLnBrk="1" fontAlgn="b" latinLnBrk="0" hangingPunct="1"/>
-                      <a:r>
-                        <a:rPr lang="nb-NO" sz="500" u="none" strike="noStrike" dirty="0">
+              <a:tr h="110783">
+                <a:tc>
+                  <a:txBody>
+                    <a:bodyPr/>
+                    <a:lstStyle/>
+                    <a:p>
+                      <a:pPr marL="0" algn="ctr" defTabSz="914400" rtl="0" eaLnBrk="1" fontAlgn="b" latinLnBrk="0" hangingPunct="1"/>
+                      <a:r>
+                        <a:rPr lang="nb-NO" sz="600" u="none" strike="noStrike" dirty="0">
                           <a:solidFill>
                             <a:schemeClr val="accent2"/>
                           </a:solidFill>
@@ -3265,7 +3265,7 @@
                         <a:t>§ </a:t>
                       </a:r>
                       <a:r>
-                        <a:rPr lang="nb-NO" sz="500" u="none" strike="noStrike" kern="1200" dirty="0" err="1">
+                        <a:rPr lang="nb-NO" sz="600" u="none" strike="noStrike" kern="1200" dirty="0" err="1">
                           <a:solidFill>
                             <a:schemeClr val="dk1"/>
                           </a:solidFill>
@@ -3276,7 +3276,7 @@
                         </a:rPr>
                         <a:t>runid</a:t>
                       </a:r>
-                      <a:endParaRPr lang="nb-NO" sz="500" u="none" strike="noStrike" kern="1200" dirty="0">
+                      <a:endParaRPr lang="nb-NO" sz="600" u="none" strike="noStrike" kern="1200" dirty="0">
                         <a:solidFill>
                           <a:schemeClr val="dk1"/>
                         </a:solidFill>
@@ -3287,7 +3287,7 @@
                       </a:endParaRPr>
                     </a:p>
                   </a:txBody>
-                  <a:tcPr marL="9525" marR="9525" marT="9525" marB="0" anchor="b"/>
+                  <a:tcPr marL="12309" marR="12309" marT="12309" marB="0" anchor="b"/>
                 </a:tc>
                 <a:extLst>
                   <a:ext uri="{0D108BD9-81ED-4DB2-BD59-A6C34878D82A}">
@@ -3295,15 +3295,15 @@
                   </a:ext>
                 </a:extLst>
               </a:tr>
-              <a:tr h="80207">
-                <a:tc>
-                  <a:txBody>
-                    <a:bodyPr/>
-                    <a:lstStyle/>
-                    <a:p>
-                      <a:pPr marL="0" algn="ctr" defTabSz="914400" rtl="0" eaLnBrk="1" fontAlgn="b" latinLnBrk="0" hangingPunct="1"/>
-                      <a:r>
-                        <a:rPr lang="nb-NO" sz="500" u="none" strike="noStrike" dirty="0">
+              <a:tr h="110783">
+                <a:tc>
+                  <a:txBody>
+                    <a:bodyPr/>
+                    <a:lstStyle/>
+                    <a:p>
+                      <a:pPr marL="0" algn="ctr" defTabSz="914400" rtl="0" eaLnBrk="1" fontAlgn="b" latinLnBrk="0" hangingPunct="1"/>
+                      <a:r>
+                        <a:rPr lang="nb-NO" sz="600" u="none" strike="noStrike" dirty="0">
                           <a:solidFill>
                             <a:schemeClr val="accent2"/>
                           </a:solidFill>
@@ -3312,7 +3312,7 @@
                         <a:t>§ </a:t>
                       </a:r>
                       <a:r>
-                        <a:rPr lang="nb-NO" sz="500" u="none" strike="noStrike" kern="1200" dirty="0">
+                        <a:rPr lang="nb-NO" sz="600" u="none" strike="noStrike" kern="1200" dirty="0">
                           <a:solidFill>
                             <a:schemeClr val="dk1"/>
                           </a:solidFill>
@@ -3325,7 +3325,7 @@
                       </a:r>
                     </a:p>
                   </a:txBody>
-                  <a:tcPr marL="9525" marR="9525" marT="9525" marB="0" anchor="b"/>
+                  <a:tcPr marL="12309" marR="12309" marT="12309" marB="0" anchor="b"/>
                 </a:tc>
                 <a:extLst>
                   <a:ext uri="{0D108BD9-81ED-4DB2-BD59-A6C34878D82A}">
@@ -3333,15 +3333,15 @@
                   </a:ext>
                 </a:extLst>
               </a:tr>
-              <a:tr h="80207">
-                <a:tc>
-                  <a:txBody>
-                    <a:bodyPr/>
-                    <a:lstStyle/>
-                    <a:p>
-                      <a:pPr marL="0" algn="ctr" defTabSz="914400" rtl="0" eaLnBrk="1" fontAlgn="b" latinLnBrk="0" hangingPunct="1"/>
-                      <a:r>
-                        <a:rPr lang="nb-NO" sz="500" u="none" strike="noStrike" dirty="0">
+              <a:tr h="110783">
+                <a:tc>
+                  <a:txBody>
+                    <a:bodyPr/>
+                    <a:lstStyle/>
+                    <a:p>
+                      <a:pPr marL="0" algn="ctr" defTabSz="914400" rtl="0" eaLnBrk="1" fontAlgn="b" latinLnBrk="0" hangingPunct="1"/>
+                      <a:r>
+                        <a:rPr lang="nb-NO" sz="600" u="none" strike="noStrike" dirty="0">
                           <a:solidFill>
                             <a:schemeClr val="accent2"/>
                           </a:solidFill>
@@ -3350,7 +3350,7 @@
                         <a:t>§ </a:t>
                       </a:r>
                       <a:r>
-                        <a:rPr lang="nb-NO" sz="500" u="none" strike="noStrike" kern="1200" dirty="0">
+                        <a:rPr lang="nb-NO" sz="600" u="none" strike="noStrike" kern="1200" dirty="0">
                           <a:solidFill>
                             <a:schemeClr val="dk1"/>
                           </a:solidFill>
@@ -3363,7 +3363,7 @@
                       </a:r>
                     </a:p>
                   </a:txBody>
-                  <a:tcPr marL="9525" marR="9525" marT="9525" marB="0" anchor="b"/>
+                  <a:tcPr marL="12309" marR="12309" marT="12309" marB="0" anchor="b"/>
                 </a:tc>
                 <a:extLst>
                   <a:ext uri="{0D108BD9-81ED-4DB2-BD59-A6C34878D82A}">
@@ -3371,15 +3371,15 @@
                   </a:ext>
                 </a:extLst>
               </a:tr>
-              <a:tr h="85710">
-                <a:tc>
-                  <a:txBody>
-                    <a:bodyPr/>
-                    <a:lstStyle/>
-                    <a:p>
-                      <a:pPr marL="0" algn="ctr" defTabSz="914400" rtl="0" eaLnBrk="1" fontAlgn="b" latinLnBrk="0" hangingPunct="1"/>
-                      <a:r>
-                        <a:rPr lang="nb-NO" sz="500" u="none" strike="noStrike" kern="1200" dirty="0" err="1">
+              <a:tr h="110783">
+                <a:tc>
+                  <a:txBody>
+                    <a:bodyPr/>
+                    <a:lstStyle/>
+                    <a:p>
+                      <a:pPr marL="0" algn="ctr" defTabSz="914400" rtl="0" eaLnBrk="1" fontAlgn="b" latinLnBrk="0" hangingPunct="1"/>
+                      <a:r>
+                        <a:rPr lang="nb-NO" sz="600" u="none" strike="noStrike" kern="1200" dirty="0" err="1">
                           <a:solidFill>
                             <a:schemeClr val="dk1"/>
                           </a:solidFill>
@@ -3390,7 +3390,7 @@
                         </a:rPr>
                         <a:t>User_Classification</a:t>
                       </a:r>
-                      <a:endParaRPr lang="nb-NO" sz="500" u="none" strike="noStrike" kern="1200" dirty="0">
+                      <a:endParaRPr lang="nb-NO" sz="600" u="none" strike="noStrike" kern="1200" dirty="0">
                         <a:solidFill>
                           <a:schemeClr val="dk1"/>
                         </a:solidFill>
@@ -3401,7 +3401,7 @@
                       </a:endParaRPr>
                     </a:p>
                   </a:txBody>
-                  <a:tcPr marL="9525" marR="9525" marT="9525" marB="0" anchor="b"/>
+                  <a:tcPr marL="12309" marR="12309" marT="12309" marB="0" anchor="b"/>
                 </a:tc>
                 <a:extLst>
                   <a:ext uri="{0D108BD9-81ED-4DB2-BD59-A6C34878D82A}">
@@ -3409,15 +3409,15 @@
                   </a:ext>
                 </a:extLst>
               </a:tr>
-              <a:tr h="85710">
-                <a:tc>
-                  <a:txBody>
-                    <a:bodyPr/>
-                    <a:lstStyle/>
-                    <a:p>
-                      <a:pPr marL="0" algn="ctr" defTabSz="914400" rtl="0" eaLnBrk="1" fontAlgn="b" latinLnBrk="0" hangingPunct="1"/>
-                      <a:r>
-                        <a:rPr lang="nb-NO" sz="500" u="none" strike="noStrike" kern="1200" dirty="0" err="1">
+              <a:tr h="110783">
+                <a:tc>
+                  <a:txBody>
+                    <a:bodyPr/>
+                    <a:lstStyle/>
+                    <a:p>
+                      <a:pPr marL="0" algn="ctr" defTabSz="914400" rtl="0" eaLnBrk="1" fontAlgn="b" latinLnBrk="0" hangingPunct="1"/>
+                      <a:r>
+                        <a:rPr lang="nb-NO" sz="600" u="none" strike="noStrike" kern="1200" dirty="0" err="1">
                           <a:solidFill>
                             <a:schemeClr val="dk1"/>
                           </a:solidFill>
@@ -3428,7 +3428,7 @@
                         </a:rPr>
                         <a:t>Variant_ID</a:t>
                       </a:r>
-                      <a:endParaRPr lang="nb-NO" sz="500" u="none" strike="noStrike" kern="1200" dirty="0">
+                      <a:endParaRPr lang="nb-NO" sz="600" u="none" strike="noStrike" kern="1200" dirty="0">
                         <a:solidFill>
                           <a:schemeClr val="dk1"/>
                         </a:solidFill>
@@ -3439,7 +3439,7 @@
                       </a:endParaRPr>
                     </a:p>
                   </a:txBody>
-                  <a:tcPr marL="9525" marR="9525" marT="9525" marB="0" anchor="b"/>
+                  <a:tcPr marL="12309" marR="12309" marT="12309" marB="0" anchor="b"/>
                 </a:tc>
                 <a:extLst>
                   <a:ext uri="{0D108BD9-81ED-4DB2-BD59-A6C34878D82A}">
@@ -3447,15 +3447,15 @@
                   </a:ext>
                 </a:extLst>
               </a:tr>
-              <a:tr h="85710">
-                <a:tc>
-                  <a:txBody>
-                    <a:bodyPr/>
-                    <a:lstStyle/>
-                    <a:p>
-                      <a:pPr marL="0" algn="ctr" defTabSz="914400" rtl="0" eaLnBrk="1" fontAlgn="b" latinLnBrk="0" hangingPunct="1"/>
-                      <a:r>
-                        <a:rPr lang="nb-NO" sz="500" u="none" strike="noStrike" kern="1200" dirty="0" err="1">
+              <a:tr h="110783">
+                <a:tc>
+                  <a:txBody>
+                    <a:bodyPr/>
+                    <a:lstStyle/>
+                    <a:p>
+                      <a:pPr marL="0" algn="ctr" defTabSz="914400" rtl="0" eaLnBrk="1" fontAlgn="b" latinLnBrk="0" hangingPunct="1"/>
+                      <a:r>
+                        <a:rPr lang="nb-NO" sz="600" u="none" strike="noStrike" kern="1200" dirty="0" err="1">
                           <a:solidFill>
                             <a:schemeClr val="dk1"/>
                           </a:solidFill>
@@ -3466,7 +3466,7 @@
                         </a:rPr>
                         <a:t>Variant_Name</a:t>
                       </a:r>
-                      <a:endParaRPr lang="nb-NO" sz="500" u="none" strike="noStrike" kern="1200" dirty="0">
+                      <a:endParaRPr lang="nb-NO" sz="600" u="none" strike="noStrike" kern="1200" dirty="0">
                         <a:solidFill>
                           <a:schemeClr val="dk1"/>
                         </a:solidFill>
@@ -3477,7 +3477,7 @@
                       </a:endParaRPr>
                     </a:p>
                   </a:txBody>
-                  <a:tcPr marL="9525" marR="9525" marT="9525" marB="0" anchor="b"/>
+                  <a:tcPr marL="12309" marR="12309" marT="12309" marB="0" anchor="b"/>
                 </a:tc>
                 <a:extLst>
                   <a:ext uri="{0D108BD9-81ED-4DB2-BD59-A6C34878D82A}">
@@ -3485,15 +3485,15 @@
                   </a:ext>
                 </a:extLst>
               </a:tr>
-              <a:tr h="85710">
-                <a:tc>
-                  <a:txBody>
-                    <a:bodyPr/>
-                    <a:lstStyle/>
-                    <a:p>
-                      <a:pPr marL="0" algn="ctr" defTabSz="914400" rtl="0" eaLnBrk="1" fontAlgn="b" latinLnBrk="0" hangingPunct="1"/>
-                      <a:r>
-                        <a:rPr lang="nb-NO" sz="500" u="none" strike="noStrike" kern="1200" dirty="0" err="1">
+              <a:tr h="110783">
+                <a:tc>
+                  <a:txBody>
+                    <a:bodyPr/>
+                    <a:lstStyle/>
+                    <a:p>
+                      <a:pPr marL="0" algn="ctr" defTabSz="914400" rtl="0" eaLnBrk="1" fontAlgn="b" latinLnBrk="0" hangingPunct="1"/>
+                      <a:r>
+                        <a:rPr lang="nb-NO" sz="600" u="none" strike="noStrike" kern="1200" dirty="0" err="1">
                           <a:solidFill>
                             <a:schemeClr val="dk1"/>
                           </a:solidFill>
@@ -3504,7 +3504,7 @@
                         </a:rPr>
                         <a:t>Key_Variant</a:t>
                       </a:r>
-                      <a:endParaRPr lang="nb-NO" sz="500" u="none" strike="noStrike" kern="1200" dirty="0">
+                      <a:endParaRPr lang="nb-NO" sz="600" u="none" strike="noStrike" kern="1200" dirty="0">
                         <a:solidFill>
                           <a:schemeClr val="dk1"/>
                         </a:solidFill>
@@ -3515,7 +3515,7 @@
                       </a:endParaRPr>
                     </a:p>
                   </a:txBody>
-                  <a:tcPr marL="9525" marR="9525" marT="9525" marB="0" anchor="b"/>
+                  <a:tcPr marL="12309" marR="12309" marT="12309" marB="0" anchor="b"/>
                 </a:tc>
                 <a:extLst>
                   <a:ext uri="{0D108BD9-81ED-4DB2-BD59-A6C34878D82A}">
@@ -3523,15 +3523,15 @@
                   </a:ext>
                 </a:extLst>
               </a:tr>
-              <a:tr h="85710">
-                <a:tc>
-                  <a:txBody>
-                    <a:bodyPr/>
-                    <a:lstStyle/>
-                    <a:p>
-                      <a:pPr marL="0" algn="ctr" defTabSz="914400" rtl="0" eaLnBrk="1" fontAlgn="b" latinLnBrk="0" hangingPunct="1"/>
-                      <a:r>
-                        <a:rPr lang="nb-NO" sz="500" u="none" strike="noStrike" kern="1200" dirty="0" err="1">
+              <a:tr h="110783">
+                <a:tc>
+                  <a:txBody>
+                    <a:bodyPr/>
+                    <a:lstStyle/>
+                    <a:p>
+                      <a:pPr marL="0" algn="ctr" defTabSz="914400" rtl="0" eaLnBrk="1" fontAlgn="b" latinLnBrk="0" hangingPunct="1"/>
+                      <a:r>
+                        <a:rPr lang="nb-NO" sz="600" u="none" strike="noStrike" kern="1200" dirty="0" err="1">
                           <a:solidFill>
                             <a:schemeClr val="dk1"/>
                           </a:solidFill>
@@ -3542,7 +3542,7 @@
                         </a:rPr>
                         <a:t>Oncomine_Reporter_Evidence</a:t>
                       </a:r>
-                      <a:endParaRPr lang="nb-NO" sz="500" u="none" strike="noStrike" kern="1200" dirty="0">
+                      <a:endParaRPr lang="nb-NO" sz="600" u="none" strike="noStrike" kern="1200" dirty="0">
                         <a:solidFill>
                           <a:schemeClr val="dk1"/>
                         </a:solidFill>
@@ -3553,7 +3553,7 @@
                       </a:endParaRPr>
                     </a:p>
                   </a:txBody>
-                  <a:tcPr marL="9525" marR="9525" marT="9525" marB="0" anchor="b"/>
+                  <a:tcPr marL="12309" marR="12309" marT="12309" marB="0" anchor="b"/>
                 </a:tc>
                 <a:extLst>
                   <a:ext uri="{0D108BD9-81ED-4DB2-BD59-A6C34878D82A}">
@@ -3561,15 +3561,15 @@
                   </a:ext>
                 </a:extLst>
               </a:tr>
-              <a:tr h="85710">
-                <a:tc>
-                  <a:txBody>
-                    <a:bodyPr/>
-                    <a:lstStyle/>
-                    <a:p>
-                      <a:pPr marL="0" algn="ctr" defTabSz="914400" rtl="0" eaLnBrk="1" fontAlgn="b" latinLnBrk="0" hangingPunct="1"/>
-                      <a:r>
-                        <a:rPr lang="nb-NO" sz="500" u="none" strike="noStrike" kern="1200" dirty="0">
+              <a:tr h="110783">
+                <a:tc>
+                  <a:txBody>
+                    <a:bodyPr/>
+                    <a:lstStyle/>
+                    <a:p>
+                      <a:pPr marL="0" algn="ctr" defTabSz="914400" rtl="0" eaLnBrk="1" fontAlgn="b" latinLnBrk="0" hangingPunct="1"/>
+                      <a:r>
+                        <a:rPr lang="nb-NO" sz="600" u="none" strike="noStrike" kern="1200" dirty="0">
                           <a:solidFill>
                             <a:schemeClr val="dk1"/>
                           </a:solidFill>
@@ -3582,7 +3582,7 @@
                       </a:r>
                     </a:p>
                   </a:txBody>
-                  <a:tcPr marL="9525" marR="9525" marT="9525" marB="0" anchor="b"/>
+                  <a:tcPr marL="12309" marR="12309" marT="12309" marB="0" anchor="b"/>
                 </a:tc>
                 <a:extLst>
                   <a:ext uri="{0D108BD9-81ED-4DB2-BD59-A6C34878D82A}">
@@ -3590,15 +3590,15 @@
                   </a:ext>
                 </a:extLst>
               </a:tr>
-              <a:tr h="85710">
-                <a:tc>
-                  <a:txBody>
-                    <a:bodyPr/>
-                    <a:lstStyle/>
-                    <a:p>
-                      <a:pPr marL="0" algn="ctr" defTabSz="914400" rtl="0" eaLnBrk="1" fontAlgn="b" latinLnBrk="0" hangingPunct="1"/>
-                      <a:r>
-                        <a:rPr lang="nb-NO" sz="500" u="none" strike="noStrike" kern="1200" dirty="0">
+              <a:tr h="110783">
+                <a:tc>
+                  <a:txBody>
+                    <a:bodyPr/>
+                    <a:lstStyle/>
+                    <a:p>
+                      <a:pPr marL="0" algn="ctr" defTabSz="914400" rtl="0" eaLnBrk="1" fontAlgn="b" latinLnBrk="0" hangingPunct="1"/>
+                      <a:r>
+                        <a:rPr lang="nb-NO" sz="600" u="none" strike="noStrike" kern="1200" dirty="0">
                           <a:solidFill>
                             <a:schemeClr val="dk1"/>
                           </a:solidFill>
@@ -3611,7 +3611,7 @@
                       </a:r>
                     </a:p>
                   </a:txBody>
-                  <a:tcPr marL="9525" marR="9525" marT="9525" marB="0" anchor="b"/>
+                  <a:tcPr marL="12309" marR="12309" marT="12309" marB="0" anchor="b"/>
                 </a:tc>
                 <a:extLst>
                   <a:ext uri="{0D108BD9-81ED-4DB2-BD59-A6C34878D82A}">
@@ -3619,15 +3619,15 @@
                   </a:ext>
                 </a:extLst>
               </a:tr>
-              <a:tr h="85710">
-                <a:tc>
-                  <a:txBody>
-                    <a:bodyPr/>
-                    <a:lstStyle/>
-                    <a:p>
-                      <a:pPr marL="0" algn="ctr" defTabSz="914400" rtl="0" eaLnBrk="1" fontAlgn="b" latinLnBrk="0" hangingPunct="1"/>
-                      <a:r>
-                        <a:rPr lang="nb-NO" sz="500" u="none" strike="noStrike" kern="1200" dirty="0" err="1">
+              <a:tr h="110783">
+                <a:tc>
+                  <a:txBody>
+                    <a:bodyPr/>
+                    <a:lstStyle/>
+                    <a:p>
+                      <a:pPr marL="0" algn="ctr" defTabSz="914400" rtl="0" eaLnBrk="1" fontAlgn="b" latinLnBrk="0" hangingPunct="1"/>
+                      <a:r>
+                        <a:rPr lang="nb-NO" sz="600" u="none" strike="noStrike" kern="1200" dirty="0" err="1">
                           <a:solidFill>
                             <a:schemeClr val="dk1"/>
                           </a:solidFill>
@@ -3638,7 +3638,7 @@
                         </a:rPr>
                         <a:t>Call_Details</a:t>
                       </a:r>
-                      <a:endParaRPr lang="nb-NO" sz="500" u="none" strike="noStrike" kern="1200" dirty="0">
+                      <a:endParaRPr lang="nb-NO" sz="600" u="none" strike="noStrike" kern="1200" dirty="0">
                         <a:solidFill>
                           <a:schemeClr val="dk1"/>
                         </a:solidFill>
@@ -3649,7 +3649,7 @@
                       </a:endParaRPr>
                     </a:p>
                   </a:txBody>
-                  <a:tcPr marL="9525" marR="9525" marT="9525" marB="0" anchor="b"/>
+                  <a:tcPr marL="12309" marR="12309" marT="12309" marB="0" anchor="b"/>
                 </a:tc>
                 <a:extLst>
                   <a:ext uri="{0D108BD9-81ED-4DB2-BD59-A6C34878D82A}">
@@ -3657,15 +3657,15 @@
                   </a:ext>
                 </a:extLst>
               </a:tr>
-              <a:tr h="85710">
-                <a:tc>
-                  <a:txBody>
-                    <a:bodyPr/>
-                    <a:lstStyle/>
-                    <a:p>
-                      <a:pPr marL="0" algn="ctr" defTabSz="914400" rtl="0" eaLnBrk="1" fontAlgn="b" latinLnBrk="0" hangingPunct="1"/>
-                      <a:r>
-                        <a:rPr lang="nb-NO" sz="500" u="none" strike="noStrike" kern="1200" dirty="0" err="1">
+              <a:tr h="110783">
+                <a:tc>
+                  <a:txBody>
+                    <a:bodyPr/>
+                    <a:lstStyle/>
+                    <a:p>
+                      <a:pPr marL="0" algn="ctr" defTabSz="914400" rtl="0" eaLnBrk="1" fontAlgn="b" latinLnBrk="0" hangingPunct="1"/>
+                      <a:r>
+                        <a:rPr lang="nb-NO" sz="600" u="none" strike="noStrike" kern="1200" dirty="0" err="1">
                           <a:solidFill>
                             <a:schemeClr val="dk1"/>
                           </a:solidFill>
@@ -3676,7 +3676,7 @@
                         </a:rPr>
                         <a:t>Phred_QUAL_Score</a:t>
                       </a:r>
-                      <a:endParaRPr lang="nb-NO" sz="500" u="none" strike="noStrike" kern="1200" dirty="0">
+                      <a:endParaRPr lang="nb-NO" sz="600" u="none" strike="noStrike" kern="1200" dirty="0">
                         <a:solidFill>
                           <a:schemeClr val="dk1"/>
                         </a:solidFill>
@@ -3687,7 +3687,7 @@
                       </a:endParaRPr>
                     </a:p>
                   </a:txBody>
-                  <a:tcPr marL="9525" marR="9525" marT="9525" marB="0" anchor="b"/>
+                  <a:tcPr marL="12309" marR="12309" marT="12309" marB="0" anchor="b"/>
                 </a:tc>
                 <a:extLst>
                   <a:ext uri="{0D108BD9-81ED-4DB2-BD59-A6C34878D82A}">
@@ -3695,15 +3695,15 @@
                   </a:ext>
                 </a:extLst>
               </a:tr>
-              <a:tr h="85710">
-                <a:tc>
-                  <a:txBody>
-                    <a:bodyPr/>
-                    <a:lstStyle/>
-                    <a:p>
-                      <a:pPr marL="0" algn="ctr" defTabSz="914400" rtl="0" eaLnBrk="1" fontAlgn="b" latinLnBrk="0" hangingPunct="1"/>
-                      <a:r>
-                        <a:rPr lang="nb-NO" sz="500" u="none" strike="noStrike" kern="1200" dirty="0" err="1">
+              <a:tr h="110783">
+                <a:tc>
+                  <a:txBody>
+                    <a:bodyPr/>
+                    <a:lstStyle/>
+                    <a:p>
+                      <a:pPr marL="0" algn="ctr" defTabSz="914400" rtl="0" eaLnBrk="1" fontAlgn="b" latinLnBrk="0" hangingPunct="1"/>
+                      <a:r>
+                        <a:rPr lang="nb-NO" sz="600" u="none" strike="noStrike" kern="1200" dirty="0" err="1">
                           <a:solidFill>
                             <a:schemeClr val="dk1"/>
                           </a:solidFill>
@@ -3714,7 +3714,7 @@
                         </a:rPr>
                         <a:t>Zygosity</a:t>
                       </a:r>
-                      <a:endParaRPr lang="nb-NO" sz="500" u="none" strike="noStrike" kern="1200" dirty="0">
+                      <a:endParaRPr lang="nb-NO" sz="600" u="none" strike="noStrike" kern="1200" dirty="0">
                         <a:solidFill>
                           <a:schemeClr val="dk1"/>
                         </a:solidFill>
@@ -3725,7 +3725,7 @@
                       </a:endParaRPr>
                     </a:p>
                   </a:txBody>
-                  <a:tcPr marL="9525" marR="9525" marT="9525" marB="0" anchor="b"/>
+                  <a:tcPr marL="12309" marR="12309" marT="12309" marB="0" anchor="b"/>
                 </a:tc>
                 <a:extLst>
                   <a:ext uri="{0D108BD9-81ED-4DB2-BD59-A6C34878D82A}">
@@ -3733,15 +3733,15 @@
                   </a:ext>
                 </a:extLst>
               </a:tr>
-              <a:tr h="85710">
-                <a:tc>
-                  <a:txBody>
-                    <a:bodyPr/>
-                    <a:lstStyle/>
-                    <a:p>
-                      <a:pPr marL="0" algn="ctr" defTabSz="914400" rtl="0" eaLnBrk="1" fontAlgn="b" latinLnBrk="0" hangingPunct="1"/>
-                      <a:r>
-                        <a:rPr lang="nb-NO" sz="500" u="none" strike="noStrike" kern="1200" dirty="0" err="1">
+              <a:tr h="110783">
+                <a:tc>
+                  <a:txBody>
+                    <a:bodyPr/>
+                    <a:lstStyle/>
+                    <a:p>
+                      <a:pPr marL="0" algn="ctr" defTabSz="914400" rtl="0" eaLnBrk="1" fontAlgn="b" latinLnBrk="0" hangingPunct="1"/>
+                      <a:r>
+                        <a:rPr lang="nb-NO" sz="600" u="none" strike="noStrike" kern="1200" dirty="0" err="1">
                           <a:solidFill>
                             <a:schemeClr val="dk1"/>
                           </a:solidFill>
@@ -3752,7 +3752,7 @@
                         </a:rPr>
                         <a:t>P_Value</a:t>
                       </a:r>
-                      <a:endParaRPr lang="nb-NO" sz="500" u="none" strike="noStrike" kern="1200" dirty="0">
+                      <a:endParaRPr lang="nb-NO" sz="600" u="none" strike="noStrike" kern="1200" dirty="0">
                         <a:solidFill>
                           <a:schemeClr val="dk1"/>
                         </a:solidFill>
@@ -3763,7 +3763,7 @@
                       </a:endParaRPr>
                     </a:p>
                   </a:txBody>
-                  <a:tcPr marL="9525" marR="9525" marT="9525" marB="0" anchor="b"/>
+                  <a:tcPr marL="12309" marR="12309" marT="12309" marB="0" anchor="b"/>
                 </a:tc>
                 <a:extLst>
                   <a:ext uri="{0D108BD9-81ED-4DB2-BD59-A6C34878D82A}">
@@ -3771,15 +3771,15 @@
                   </a:ext>
                 </a:extLst>
               </a:tr>
-              <a:tr h="85710">
-                <a:tc>
-                  <a:txBody>
-                    <a:bodyPr/>
-                    <a:lstStyle/>
-                    <a:p>
-                      <a:pPr marL="0" algn="ctr" defTabSz="914400" rtl="0" eaLnBrk="1" fontAlgn="b" latinLnBrk="0" hangingPunct="1"/>
-                      <a:r>
-                        <a:rPr lang="nb-NO" sz="500" u="none" strike="noStrike" kern="1200" dirty="0">
+              <a:tr h="110783">
+                <a:tc>
+                  <a:txBody>
+                    <a:bodyPr/>
+                    <a:lstStyle/>
+                    <a:p>
+                      <a:pPr marL="0" algn="ctr" defTabSz="914400" rtl="0" eaLnBrk="1" fontAlgn="b" latinLnBrk="0" hangingPunct="1"/>
+                      <a:r>
+                        <a:rPr lang="nb-NO" sz="600" u="none" strike="noStrike" kern="1200" dirty="0">
                           <a:solidFill>
                             <a:schemeClr val="dk1"/>
                           </a:solidFill>
@@ -3792,7 +3792,7 @@
                       </a:r>
                     </a:p>
                   </a:txBody>
-                  <a:tcPr marL="9525" marR="9525" marT="9525" marB="0" anchor="b"/>
+                  <a:tcPr marL="12309" marR="12309" marT="12309" marB="0" anchor="b"/>
                 </a:tc>
                 <a:extLst>
                   <a:ext uri="{0D108BD9-81ED-4DB2-BD59-A6C34878D82A}">
@@ -3800,15 +3800,15 @@
                   </a:ext>
                 </a:extLst>
               </a:tr>
-              <a:tr h="85710">
-                <a:tc>
-                  <a:txBody>
-                    <a:bodyPr/>
-                    <a:lstStyle/>
-                    <a:p>
-                      <a:pPr marL="0" algn="ctr" defTabSz="914400" rtl="0" eaLnBrk="1" fontAlgn="b" latinLnBrk="0" hangingPunct="1"/>
-                      <a:r>
-                        <a:rPr lang="nb-NO" sz="500" u="none" strike="noStrike" kern="1200" dirty="0" err="1">
+              <a:tr h="110783">
+                <a:tc>
+                  <a:txBody>
+                    <a:bodyPr/>
+                    <a:lstStyle/>
+                    <a:p>
+                      <a:pPr marL="0" algn="ctr" defTabSz="914400" rtl="0" eaLnBrk="1" fontAlgn="b" latinLnBrk="0" hangingPunct="1"/>
+                      <a:r>
+                        <a:rPr lang="nb-NO" sz="600" u="none" strike="noStrike" kern="1200" dirty="0" err="1">
                           <a:solidFill>
                             <a:schemeClr val="dk1"/>
                           </a:solidFill>
@@ -3819,7 +3819,7 @@
                         </a:rPr>
                         <a:t>Read_Counts_Per_Million</a:t>
                       </a:r>
-                      <a:endParaRPr lang="nb-NO" sz="500" u="none" strike="noStrike" kern="1200" dirty="0">
+                      <a:endParaRPr lang="nb-NO" sz="600" u="none" strike="noStrike" kern="1200" dirty="0">
                         <a:solidFill>
                           <a:schemeClr val="dk1"/>
                         </a:solidFill>
@@ -3830,7 +3830,7 @@
                       </a:endParaRPr>
                     </a:p>
                   </a:txBody>
-                  <a:tcPr marL="9525" marR="9525" marT="9525" marB="0" anchor="b"/>
+                  <a:tcPr marL="12309" marR="12309" marT="12309" marB="0" anchor="b"/>
                 </a:tc>
                 <a:extLst>
                   <a:ext uri="{0D108BD9-81ED-4DB2-BD59-A6C34878D82A}">
@@ -3838,15 +3838,15 @@
                   </a:ext>
                 </a:extLst>
               </a:tr>
-              <a:tr h="85710">
-                <a:tc>
-                  <a:txBody>
-                    <a:bodyPr/>
-                    <a:lstStyle/>
-                    <a:p>
-                      <a:pPr marL="0" algn="ctr" defTabSz="914400" rtl="0" eaLnBrk="1" fontAlgn="b" latinLnBrk="0" hangingPunct="1"/>
-                      <a:r>
-                        <a:rPr lang="nb-NO" sz="500" u="none" strike="noStrike" kern="1200" dirty="0" err="1">
+              <a:tr h="110783">
+                <a:tc>
+                  <a:txBody>
+                    <a:bodyPr/>
+                    <a:lstStyle/>
+                    <a:p>
+                      <a:pPr marL="0" algn="ctr" defTabSz="914400" rtl="0" eaLnBrk="1" fontAlgn="b" latinLnBrk="0" hangingPunct="1"/>
+                      <a:r>
+                        <a:rPr lang="nb-NO" sz="600" u="none" strike="noStrike" kern="1200" dirty="0" err="1">
                           <a:solidFill>
                             <a:schemeClr val="dk1"/>
                           </a:solidFill>
@@ -3857,7 +3857,7 @@
                         </a:rPr>
                         <a:t>Oncomine_Driver_Gene</a:t>
                       </a:r>
-                      <a:endParaRPr lang="nb-NO" sz="500" u="none" strike="noStrike" kern="1200" dirty="0">
+                      <a:endParaRPr lang="nb-NO" sz="600" u="none" strike="noStrike" kern="1200" dirty="0">
                         <a:solidFill>
                           <a:schemeClr val="dk1"/>
                         </a:solidFill>
@@ -3868,7 +3868,7 @@
                       </a:endParaRPr>
                     </a:p>
                   </a:txBody>
-                  <a:tcPr marL="9525" marR="9525" marT="9525" marB="0" anchor="b"/>
+                  <a:tcPr marL="12309" marR="12309" marT="12309" marB="0" anchor="b"/>
                 </a:tc>
                 <a:extLst>
                   <a:ext uri="{0D108BD9-81ED-4DB2-BD59-A6C34878D82A}">
@@ -3876,15 +3876,15 @@
                   </a:ext>
                 </a:extLst>
               </a:tr>
-              <a:tr h="85710">
-                <a:tc>
-                  <a:txBody>
-                    <a:bodyPr/>
-                    <a:lstStyle/>
-                    <a:p>
-                      <a:pPr marL="0" algn="ctr" defTabSz="914400" rtl="0" eaLnBrk="1" fontAlgn="b" latinLnBrk="0" hangingPunct="1"/>
-                      <a:r>
-                        <a:rPr lang="nb-NO" sz="500" u="none" strike="noStrike" kern="1200" dirty="0" err="1">
+              <a:tr h="110783">
+                <a:tc>
+                  <a:txBody>
+                    <a:bodyPr/>
+                    <a:lstStyle/>
+                    <a:p>
+                      <a:pPr marL="0" algn="ctr" defTabSz="914400" rtl="0" eaLnBrk="1" fontAlgn="b" latinLnBrk="0" hangingPunct="1"/>
+                      <a:r>
+                        <a:rPr lang="nb-NO" sz="600" u="none" strike="noStrike" kern="1200" dirty="0" err="1">
                           <a:solidFill>
                             <a:schemeClr val="dk1"/>
                           </a:solidFill>
@@ -3895,7 +3895,7 @@
                         </a:rPr>
                         <a:t>Gene_Isoform</a:t>
                       </a:r>
-                      <a:endParaRPr lang="nb-NO" sz="500" u="none" strike="noStrike" kern="1200" dirty="0">
+                      <a:endParaRPr lang="nb-NO" sz="600" u="none" strike="noStrike" kern="1200" dirty="0">
                         <a:solidFill>
                           <a:schemeClr val="dk1"/>
                         </a:solidFill>
@@ -3906,7 +3906,7 @@
                       </a:endParaRPr>
                     </a:p>
                   </a:txBody>
-                  <a:tcPr marL="9525" marR="9525" marT="9525" marB="0" anchor="b"/>
+                  <a:tcPr marL="12309" marR="12309" marT="12309" marB="0" anchor="b"/>
                 </a:tc>
                 <a:extLst>
                   <a:ext uri="{0D108BD9-81ED-4DB2-BD59-A6C34878D82A}">
@@ -3914,15 +3914,15 @@
                   </a:ext>
                 </a:extLst>
               </a:tr>
-              <a:tr h="85710">
-                <a:tc>
-                  <a:txBody>
-                    <a:bodyPr/>
-                    <a:lstStyle/>
-                    <a:p>
-                      <a:pPr marL="0" algn="ctr" defTabSz="914400" rtl="0" eaLnBrk="1" fontAlgn="b" latinLnBrk="0" hangingPunct="1"/>
-                      <a:r>
-                        <a:rPr lang="nb-NO" sz="500" u="none" strike="noStrike" kern="1200" dirty="0" err="1">
+              <a:tr h="110783">
+                <a:tc>
+                  <a:txBody>
+                    <a:bodyPr/>
+                    <a:lstStyle/>
+                    <a:p>
+                      <a:pPr marL="0" algn="ctr" defTabSz="914400" rtl="0" eaLnBrk="1" fontAlgn="b" latinLnBrk="0" hangingPunct="1"/>
+                      <a:r>
+                        <a:rPr lang="nb-NO" sz="600" u="none" strike="noStrike" kern="1200" dirty="0" err="1">
                           <a:solidFill>
                             <a:schemeClr val="dk1"/>
                           </a:solidFill>
@@ -3933,7 +3933,7 @@
                         </a:rPr>
                         <a:t>NormalizedReadCount</a:t>
                       </a:r>
-                      <a:endParaRPr lang="nb-NO" sz="500" u="none" strike="noStrike" kern="1200" dirty="0">
+                      <a:endParaRPr lang="nb-NO" sz="600" u="none" strike="noStrike" kern="1200" dirty="0">
                         <a:solidFill>
                           <a:schemeClr val="dk1"/>
                         </a:solidFill>
@@ -3944,7 +3944,7 @@
                       </a:endParaRPr>
                     </a:p>
                   </a:txBody>
-                  <a:tcPr marL="9525" marR="9525" marT="9525" marB="0" anchor="b"/>
+                  <a:tcPr marL="12309" marR="12309" marT="12309" marB="0" anchor="b"/>
                 </a:tc>
                 <a:extLst>
                   <a:ext uri="{0D108BD9-81ED-4DB2-BD59-A6C34878D82A}">
@@ -3952,15 +3952,15 @@
                   </a:ext>
                 </a:extLst>
               </a:tr>
-              <a:tr h="85710">
-                <a:tc>
-                  <a:txBody>
-                    <a:bodyPr/>
-                    <a:lstStyle/>
-                    <a:p>
-                      <a:pPr marL="0" algn="ctr" defTabSz="914400" rtl="0" eaLnBrk="1" fontAlgn="b" latinLnBrk="0" hangingPunct="1"/>
-                      <a:r>
-                        <a:rPr lang="nb-NO" sz="500" u="none" strike="noStrike" kern="1200" dirty="0" err="1">
+              <a:tr h="110783">
+                <a:tc>
+                  <a:txBody>
+                    <a:bodyPr/>
+                    <a:lstStyle/>
+                    <a:p>
+                      <a:pPr marL="0" algn="ctr" defTabSz="914400" rtl="0" eaLnBrk="1" fontAlgn="b" latinLnBrk="0" hangingPunct="1"/>
+                      <a:r>
+                        <a:rPr lang="nb-NO" sz="600" u="none" strike="noStrike" kern="1200" dirty="0" err="1">
                           <a:solidFill>
                             <a:schemeClr val="dk1"/>
                           </a:solidFill>
@@ -3971,7 +3971,7 @@
                         </a:rPr>
                         <a:t>Imbalance_Score</a:t>
                       </a:r>
-                      <a:endParaRPr lang="nb-NO" sz="500" u="none" strike="noStrike" kern="1200" dirty="0">
+                      <a:endParaRPr lang="nb-NO" sz="600" u="none" strike="noStrike" kern="1200" dirty="0">
                         <a:solidFill>
                           <a:schemeClr val="dk1"/>
                         </a:solidFill>
@@ -3982,7 +3982,7 @@
                       </a:endParaRPr>
                     </a:p>
                   </a:txBody>
-                  <a:tcPr marL="9525" marR="9525" marT="9525" marB="0" anchor="b"/>
+                  <a:tcPr marL="12309" marR="12309" marT="12309" marB="0" anchor="b"/>
                 </a:tc>
                 <a:extLst>
                   <a:ext uri="{0D108BD9-81ED-4DB2-BD59-A6C34878D82A}">
@@ -3990,15 +3990,15 @@
                   </a:ext>
                 </a:extLst>
               </a:tr>
-              <a:tr h="85710">
-                <a:tc>
-                  <a:txBody>
-                    <a:bodyPr/>
-                    <a:lstStyle/>
-                    <a:p>
-                      <a:pPr marL="0" algn="ctr" defTabSz="914400" rtl="0" eaLnBrk="1" fontAlgn="b" latinLnBrk="0" hangingPunct="1"/>
-                      <a:r>
-                        <a:rPr lang="nb-NO" sz="500" u="none" strike="noStrike" kern="1200" dirty="0" err="1">
+              <a:tr h="110783">
+                <a:tc>
+                  <a:txBody>
+                    <a:bodyPr/>
+                    <a:lstStyle/>
+                    <a:p>
+                      <a:pPr marL="0" algn="ctr" defTabSz="914400" rtl="0" eaLnBrk="1" fontAlgn="b" latinLnBrk="0" hangingPunct="1"/>
+                      <a:r>
+                        <a:rPr lang="nb-NO" sz="600" u="none" strike="noStrike" kern="1200" dirty="0" err="1">
                           <a:solidFill>
                             <a:schemeClr val="dk1"/>
                           </a:solidFill>
@@ -4009,7 +4009,7 @@
                         </a:rPr>
                         <a:t>Copy_Number</a:t>
                       </a:r>
-                      <a:endParaRPr lang="nb-NO" sz="500" u="none" strike="noStrike" kern="1200" dirty="0">
+                      <a:endParaRPr lang="nb-NO" sz="600" u="none" strike="noStrike" kern="1200" dirty="0">
                         <a:solidFill>
                           <a:schemeClr val="dk1"/>
                         </a:solidFill>
@@ -4020,7 +4020,7 @@
                       </a:endParaRPr>
                     </a:p>
                   </a:txBody>
-                  <a:tcPr marL="9525" marR="9525" marT="9525" marB="0" anchor="b"/>
+                  <a:tcPr marL="12309" marR="12309" marT="12309" marB="0" anchor="b"/>
                 </a:tc>
                 <a:extLst>
                   <a:ext uri="{0D108BD9-81ED-4DB2-BD59-A6C34878D82A}">
@@ -4028,15 +4028,15 @@
                   </a:ext>
                 </a:extLst>
               </a:tr>
-              <a:tr h="85710">
-                <a:tc>
-                  <a:txBody>
-                    <a:bodyPr/>
-                    <a:lstStyle/>
-                    <a:p>
-                      <a:pPr marL="0" algn="ctr" defTabSz="914400" rtl="0" eaLnBrk="1" fontAlgn="b" latinLnBrk="0" hangingPunct="1"/>
-                      <a:r>
-                        <a:rPr lang="nb-NO" sz="500" u="none" strike="noStrike" kern="1200" dirty="0">
+              <a:tr h="110783">
+                <a:tc>
+                  <a:txBody>
+                    <a:bodyPr/>
+                    <a:lstStyle/>
+                    <a:p>
+                      <a:pPr marL="0" algn="ctr" defTabSz="914400" rtl="0" eaLnBrk="1" fontAlgn="b" latinLnBrk="0" hangingPunct="1"/>
+                      <a:r>
+                        <a:rPr lang="nb-NO" sz="600" u="none" strike="noStrike" kern="1200" dirty="0">
                           <a:solidFill>
                             <a:schemeClr val="dk1"/>
                           </a:solidFill>
@@ -4049,7 +4049,7 @@
                       </a:r>
                     </a:p>
                   </a:txBody>
-                  <a:tcPr marL="9525" marR="9525" marT="9525" marB="0" anchor="b"/>
+                  <a:tcPr marL="12309" marR="12309" marT="12309" marB="0" anchor="b"/>
                 </a:tc>
                 <a:extLst>
                   <a:ext uri="{0D108BD9-81ED-4DB2-BD59-A6C34878D82A}">
@@ -4057,15 +4057,15 @@
                   </a:ext>
                 </a:extLst>
               </a:tr>
-              <a:tr h="85710">
-                <a:tc>
-                  <a:txBody>
-                    <a:bodyPr/>
-                    <a:lstStyle/>
-                    <a:p>
-                      <a:pPr marL="0" algn="ctr" defTabSz="914400" rtl="0" eaLnBrk="1" fontAlgn="b" latinLnBrk="0" hangingPunct="1"/>
-                      <a:r>
-                        <a:rPr lang="nb-NO" sz="500" u="none" strike="noStrike" kern="1200" dirty="0" err="1">
+              <a:tr h="110783">
+                <a:tc>
+                  <a:txBody>
+                    <a:bodyPr/>
+                    <a:lstStyle/>
+                    <a:p>
+                      <a:pPr marL="0" algn="ctr" defTabSz="914400" rtl="0" eaLnBrk="1" fontAlgn="b" latinLnBrk="0" hangingPunct="1"/>
+                      <a:r>
+                        <a:rPr lang="nb-NO" sz="600" u="none" strike="noStrike" kern="1200" dirty="0" err="1">
                           <a:solidFill>
                             <a:schemeClr val="dk1"/>
                           </a:solidFill>
@@ -4076,7 +4076,7 @@
                         </a:rPr>
                         <a:t>CNV_Confidence</a:t>
                       </a:r>
-                      <a:endParaRPr lang="nb-NO" sz="500" u="none" strike="noStrike" kern="1200" dirty="0">
+                      <a:endParaRPr lang="nb-NO" sz="600" u="none" strike="noStrike" kern="1200" dirty="0">
                         <a:solidFill>
                           <a:schemeClr val="dk1"/>
                         </a:solidFill>
@@ -4087,7 +4087,7 @@
                       </a:endParaRPr>
                     </a:p>
                   </a:txBody>
-                  <a:tcPr marL="9525" marR="9525" marT="9525" marB="0" anchor="b"/>
+                  <a:tcPr marL="12309" marR="12309" marT="12309" marB="0" anchor="b"/>
                 </a:tc>
                 <a:extLst>
                   <a:ext uri="{0D108BD9-81ED-4DB2-BD59-A6C34878D82A}">
@@ -4095,15 +4095,15 @@
                   </a:ext>
                 </a:extLst>
               </a:tr>
-              <a:tr h="85710">
-                <a:tc>
-                  <a:txBody>
-                    <a:bodyPr/>
-                    <a:lstStyle/>
-                    <a:p>
-                      <a:pPr marL="0" algn="ctr" defTabSz="914400" rtl="0" eaLnBrk="1" fontAlgn="b" latinLnBrk="0" hangingPunct="1"/>
-                      <a:r>
-                        <a:rPr lang="nb-NO" sz="500" u="none" strike="noStrike" kern="1200" dirty="0" err="1">
+              <a:tr h="110783">
+                <a:tc>
+                  <a:txBody>
+                    <a:bodyPr/>
+                    <a:lstStyle/>
+                    <a:p>
+                      <a:pPr marL="0" algn="ctr" defTabSz="914400" rtl="0" eaLnBrk="1" fontAlgn="b" latinLnBrk="0" hangingPunct="1"/>
+                      <a:r>
+                        <a:rPr lang="nb-NO" sz="600" u="none" strike="noStrike" kern="1200" dirty="0" err="1">
                           <a:solidFill>
                             <a:schemeClr val="dk1"/>
                           </a:solidFill>
@@ -4114,7 +4114,7 @@
                         </a:rPr>
                         <a:t>Valid_CNV_Amplicons</a:t>
                       </a:r>
-                      <a:endParaRPr lang="nb-NO" sz="500" u="none" strike="noStrike" kern="1200" dirty="0">
+                      <a:endParaRPr lang="nb-NO" sz="600" u="none" strike="noStrike" kern="1200" dirty="0">
                         <a:solidFill>
                           <a:schemeClr val="dk1"/>
                         </a:solidFill>
@@ -4125,7 +4125,7 @@
                       </a:endParaRPr>
                     </a:p>
                   </a:txBody>
-                  <a:tcPr marL="9525" marR="9525" marT="9525" marB="0" anchor="b"/>
+                  <a:tcPr marL="12309" marR="12309" marT="12309" marB="0" anchor="b"/>
                 </a:tc>
                 <a:extLst>
                   <a:ext uri="{0D108BD9-81ED-4DB2-BD59-A6C34878D82A}">
@@ -4133,15 +4133,15 @@
                   </a:ext>
                 </a:extLst>
               </a:tr>
-              <a:tr h="85710">
-                <a:tc>
-                  <a:txBody>
-                    <a:bodyPr/>
-                    <a:lstStyle/>
-                    <a:p>
-                      <a:pPr marL="0" algn="ctr" defTabSz="914400" rtl="0" eaLnBrk="1" fontAlgn="b" latinLnBrk="0" hangingPunct="1"/>
-                      <a:r>
-                        <a:rPr lang="nb-NO" sz="500" u="none" strike="noStrike" kern="1200" dirty="0">
+              <a:tr h="110783">
+                <a:tc>
+                  <a:txBody>
+                    <a:bodyPr/>
+                    <a:lstStyle/>
+                    <a:p>
+                      <a:pPr marL="0" algn="ctr" defTabSz="914400" rtl="0" eaLnBrk="1" fontAlgn="b" latinLnBrk="0" hangingPunct="1"/>
+                      <a:r>
+                        <a:rPr lang="nb-NO" sz="600" u="none" strike="noStrike" kern="1200" dirty="0">
                           <a:solidFill>
                             <a:schemeClr val="dk1"/>
                           </a:solidFill>
@@ -4154,7 +4154,7 @@
                       </a:r>
                     </a:p>
                   </a:txBody>
-                  <a:tcPr marL="9525" marR="9525" marT="9525" marB="0" anchor="b"/>
+                  <a:tcPr marL="12309" marR="12309" marT="12309" marB="0" anchor="b"/>
                 </a:tc>
                 <a:extLst>
                   <a:ext uri="{0D108BD9-81ED-4DB2-BD59-A6C34878D82A}">
@@ -4162,15 +4162,15 @@
                   </a:ext>
                 </a:extLst>
               </a:tr>
-              <a:tr h="85710">
-                <a:tc>
-                  <a:txBody>
-                    <a:bodyPr/>
-                    <a:lstStyle/>
-                    <a:p>
-                      <a:pPr marL="0" algn="ctr" defTabSz="914400" rtl="0" eaLnBrk="1" fontAlgn="b" latinLnBrk="0" hangingPunct="1"/>
-                      <a:r>
-                        <a:rPr lang="nb-NO" sz="500" u="none" strike="noStrike" kern="1200" dirty="0">
+              <a:tr h="110783">
+                <a:tc>
+                  <a:txBody>
+                    <a:bodyPr/>
+                    <a:lstStyle/>
+                    <a:p>
+                      <a:pPr marL="0" algn="ctr" defTabSz="914400" rtl="0" eaLnBrk="1" fontAlgn="b" latinLnBrk="0" hangingPunct="1"/>
+                      <a:r>
+                        <a:rPr lang="nb-NO" sz="600" u="none" strike="noStrike" kern="1200" dirty="0">
                           <a:solidFill>
                             <a:schemeClr val="dk1"/>
                           </a:solidFill>
@@ -4183,7 +4183,7 @@
                       </a:r>
                     </a:p>
                   </a:txBody>
-                  <a:tcPr marL="9525" marR="9525" marT="9525" marB="0" anchor="b"/>
+                  <a:tcPr marL="12309" marR="12309" marT="12309" marB="0" anchor="b"/>
                 </a:tc>
                 <a:extLst>
                   <a:ext uri="{0D108BD9-81ED-4DB2-BD59-A6C34878D82A}">
@@ -4191,15 +4191,15 @@
                   </a:ext>
                 </a:extLst>
               </a:tr>
-              <a:tr h="85710">
-                <a:tc>
-                  <a:txBody>
-                    <a:bodyPr/>
-                    <a:lstStyle/>
-                    <a:p>
-                      <a:pPr marL="0" algn="ctr" defTabSz="914400" rtl="0" eaLnBrk="1" fontAlgn="b" latinLnBrk="0" hangingPunct="1"/>
-                      <a:r>
-                        <a:rPr lang="nb-NO" sz="500" u="none" strike="noStrike" kern="1200" dirty="0">
+              <a:tr h="110783">
+                <a:tc>
+                  <a:txBody>
+                    <a:bodyPr/>
+                    <a:lstStyle/>
+                    <a:p>
+                      <a:pPr marL="0" algn="ctr" defTabSz="914400" rtl="0" eaLnBrk="1" fontAlgn="b" latinLnBrk="0" hangingPunct="1"/>
+                      <a:r>
+                        <a:rPr lang="nb-NO" sz="600" u="none" strike="noStrike" kern="1200" dirty="0">
                           <a:solidFill>
                             <a:schemeClr val="dk1"/>
                           </a:solidFill>
@@ -4212,7 +4212,7 @@
                       </a:r>
                     </a:p>
                   </a:txBody>
-                  <a:tcPr marL="9525" marR="9525" marT="9525" marB="0" anchor="b"/>
+                  <a:tcPr marL="12309" marR="12309" marT="12309" marB="0" anchor="b"/>
                 </a:tc>
                 <a:extLst>
                   <a:ext uri="{0D108BD9-81ED-4DB2-BD59-A6C34878D82A}">
@@ -4220,15 +4220,15 @@
                   </a:ext>
                 </a:extLst>
               </a:tr>
-              <a:tr h="85710">
-                <a:tc>
-                  <a:txBody>
-                    <a:bodyPr/>
-                    <a:lstStyle/>
-                    <a:p>
-                      <a:pPr marL="0" algn="ctr" defTabSz="914400" rtl="0" eaLnBrk="1" fontAlgn="b" latinLnBrk="0" hangingPunct="1"/>
-                      <a:r>
-                        <a:rPr lang="nb-NO" sz="500" u="none" strike="noStrike" kern="1200" dirty="0">
+              <a:tr h="110783">
+                <a:tc>
+                  <a:txBody>
+                    <a:bodyPr/>
+                    <a:lstStyle/>
+                    <a:p>
+                      <a:pPr marL="0" algn="ctr" defTabSz="914400" rtl="0" eaLnBrk="1" fontAlgn="b" latinLnBrk="0" hangingPunct="1"/>
+                      <a:r>
+                        <a:rPr lang="nb-NO" sz="600" u="none" strike="noStrike" kern="1200" dirty="0">
                           <a:solidFill>
                             <a:schemeClr val="dk1"/>
                           </a:solidFill>
@@ -4241,7 +4241,7 @@
                       </a:r>
                     </a:p>
                   </a:txBody>
-                  <a:tcPr marL="9525" marR="9525" marT="9525" marB="0" anchor="b"/>
+                  <a:tcPr marL="12309" marR="12309" marT="12309" marB="0" anchor="b"/>
                 </a:tc>
                 <a:extLst>
                   <a:ext uri="{0D108BD9-81ED-4DB2-BD59-A6C34878D82A}">
@@ -4249,15 +4249,15 @@
                   </a:ext>
                 </a:extLst>
               </a:tr>
-              <a:tr h="85710">
-                <a:tc>
-                  <a:txBody>
-                    <a:bodyPr/>
-                    <a:lstStyle/>
-                    <a:p>
-                      <a:pPr marL="0" algn="ctr" defTabSz="914400" rtl="0" eaLnBrk="1" fontAlgn="b" latinLnBrk="0" hangingPunct="1"/>
-                      <a:r>
-                        <a:rPr lang="nb-NO" sz="500" u="none" strike="noStrike" kern="1200" dirty="0">
+              <a:tr h="110783">
+                <a:tc>
+                  <a:txBody>
+                    <a:bodyPr/>
+                    <a:lstStyle/>
+                    <a:p>
+                      <a:pPr marL="0" algn="ctr" defTabSz="914400" rtl="0" eaLnBrk="1" fontAlgn="b" latinLnBrk="0" hangingPunct="1"/>
+                      <a:r>
+                        <a:rPr lang="nb-NO" sz="600" u="none" strike="noStrike" kern="1200" dirty="0">
                           <a:solidFill>
                             <a:schemeClr val="dk1"/>
                           </a:solidFill>
@@ -4270,7 +4270,7 @@
                       </a:r>
                     </a:p>
                   </a:txBody>
-                  <a:tcPr marL="9525" marR="9525" marT="9525" marB="0" anchor="b"/>
+                  <a:tcPr marL="12309" marR="12309" marT="12309" marB="0" anchor="b"/>
                 </a:tc>
                 <a:extLst>
                   <a:ext uri="{0D108BD9-81ED-4DB2-BD59-A6C34878D82A}">
@@ -4278,15 +4278,15 @@
                   </a:ext>
                 </a:extLst>
               </a:tr>
-              <a:tr h="85710">
-                <a:tc>
-                  <a:txBody>
-                    <a:bodyPr/>
-                    <a:lstStyle/>
-                    <a:p>
-                      <a:pPr marL="0" algn="ctr" defTabSz="914400" rtl="0" eaLnBrk="1" fontAlgn="b" latinLnBrk="0" hangingPunct="1"/>
-                      <a:r>
-                        <a:rPr lang="nb-NO" sz="500" u="none" strike="noStrike" kern="1200" dirty="0">
+              <a:tr h="110783">
+                <a:tc>
+                  <a:txBody>
+                    <a:bodyPr/>
+                    <a:lstStyle/>
+                    <a:p>
+                      <a:pPr marL="0" algn="ctr" defTabSz="914400" rtl="0" eaLnBrk="1" fontAlgn="b" latinLnBrk="0" hangingPunct="1"/>
+                      <a:r>
+                        <a:rPr lang="nb-NO" sz="600" u="none" strike="noStrike" kern="1200" dirty="0">
                           <a:solidFill>
                             <a:schemeClr val="dk1"/>
                           </a:solidFill>
@@ -4299,7 +4299,7 @@
                       </a:r>
                     </a:p>
                   </a:txBody>
-                  <a:tcPr marL="9525" marR="9525" marT="9525" marB="0" anchor="b"/>
+                  <a:tcPr marL="12309" marR="12309" marT="12309" marB="0" anchor="b"/>
                 </a:tc>
                 <a:extLst>
                   <a:ext uri="{0D108BD9-81ED-4DB2-BD59-A6C34878D82A}">
@@ -4307,15 +4307,15 @@
                   </a:ext>
                 </a:extLst>
               </a:tr>
-              <a:tr h="85710">
-                <a:tc>
-                  <a:txBody>
-                    <a:bodyPr/>
-                    <a:lstStyle/>
-                    <a:p>
-                      <a:pPr marL="0" algn="ctr" defTabSz="914400" rtl="0" eaLnBrk="1" fontAlgn="b" latinLnBrk="0" hangingPunct="1"/>
-                      <a:r>
-                        <a:rPr lang="nb-NO" sz="500" u="none" strike="noStrike" kern="1200" dirty="0">
+              <a:tr h="110783">
+                <a:tc>
+                  <a:txBody>
+                    <a:bodyPr/>
+                    <a:lstStyle/>
+                    <a:p>
+                      <a:pPr marL="0" algn="ctr" defTabSz="914400" rtl="0" eaLnBrk="1" fontAlgn="b" latinLnBrk="0" hangingPunct="1"/>
+                      <a:r>
+                        <a:rPr lang="nb-NO" sz="600" u="none" strike="noStrike" kern="1200" dirty="0">
                           <a:solidFill>
                             <a:schemeClr val="dk1"/>
                           </a:solidFill>
@@ -4328,7 +4328,7 @@
                       </a:r>
                     </a:p>
                   </a:txBody>
-                  <a:tcPr marL="9525" marR="9525" marT="9525" marB="0" anchor="b"/>
+                  <a:tcPr marL="12309" marR="12309" marT="12309" marB="0" anchor="b"/>
                 </a:tc>
                 <a:extLst>
                   <a:ext uri="{0D108BD9-81ED-4DB2-BD59-A6C34878D82A}">
@@ -4336,15 +4336,15 @@
                   </a:ext>
                 </a:extLst>
               </a:tr>
-              <a:tr h="85710">
-                <a:tc>
-                  <a:txBody>
-                    <a:bodyPr/>
-                    <a:lstStyle/>
-                    <a:p>
-                      <a:pPr marL="0" algn="ctr" defTabSz="914400" rtl="0" eaLnBrk="1" fontAlgn="b" latinLnBrk="0" hangingPunct="1"/>
-                      <a:r>
-                        <a:rPr lang="nb-NO" sz="500" u="none" strike="noStrike" kern="1200" dirty="0">
+              <a:tr h="110783">
+                <a:tc>
+                  <a:txBody>
+                    <a:bodyPr/>
+                    <a:lstStyle/>
+                    <a:p>
+                      <a:pPr marL="0" algn="ctr" defTabSz="914400" rtl="0" eaLnBrk="1" fontAlgn="b" latinLnBrk="0" hangingPunct="1"/>
+                      <a:r>
+                        <a:rPr lang="nb-NO" sz="600" u="none" strike="noStrike" kern="1200" dirty="0">
                           <a:solidFill>
                             <a:schemeClr val="dk1"/>
                           </a:solidFill>
@@ -4357,7 +4357,7 @@
                       </a:r>
                     </a:p>
                   </a:txBody>
-                  <a:tcPr marL="9525" marR="9525" marT="9525" marB="0" anchor="b"/>
+                  <a:tcPr marL="12309" marR="12309" marT="12309" marB="0" anchor="b"/>
                 </a:tc>
                 <a:extLst>
                   <a:ext uri="{0D108BD9-81ED-4DB2-BD59-A6C34878D82A}">
@@ -4365,15 +4365,15 @@
                   </a:ext>
                 </a:extLst>
               </a:tr>
-              <a:tr h="85710">
-                <a:tc>
-                  <a:txBody>
-                    <a:bodyPr/>
-                    <a:lstStyle/>
-                    <a:p>
-                      <a:pPr marL="0" algn="ctr" defTabSz="914400" rtl="0" eaLnBrk="1" fontAlgn="b" latinLnBrk="0" hangingPunct="1"/>
-                      <a:r>
-                        <a:rPr lang="nb-NO" sz="500" u="none" strike="noStrike" kern="1200" dirty="0">
+              <a:tr h="110783">
+                <a:tc>
+                  <a:txBody>
+                    <a:bodyPr/>
+                    <a:lstStyle/>
+                    <a:p>
+                      <a:pPr marL="0" algn="ctr" defTabSz="914400" rtl="0" eaLnBrk="1" fontAlgn="b" latinLnBrk="0" hangingPunct="1"/>
+                      <a:r>
+                        <a:rPr lang="nb-NO" sz="600" u="none" strike="noStrike" kern="1200" dirty="0">
                           <a:solidFill>
                             <a:schemeClr val="dk1"/>
                           </a:solidFill>
@@ -4386,7 +4386,7 @@
                       </a:r>
                     </a:p>
                   </a:txBody>
-                  <a:tcPr marL="9525" marR="9525" marT="9525" marB="0" anchor="b"/>
+                  <a:tcPr marL="12309" marR="12309" marT="12309" marB="0" anchor="b"/>
                 </a:tc>
                 <a:extLst>
                   <a:ext uri="{0D108BD9-81ED-4DB2-BD59-A6C34878D82A}">
@@ -4394,15 +4394,15 @@
                   </a:ext>
                 </a:extLst>
               </a:tr>
-              <a:tr h="85710">
-                <a:tc>
-                  <a:txBody>
-                    <a:bodyPr/>
-                    <a:lstStyle/>
-                    <a:p>
-                      <a:pPr marL="0" algn="ctr" defTabSz="914400" rtl="0" eaLnBrk="1" fontAlgn="b" latinLnBrk="0" hangingPunct="1"/>
-                      <a:r>
-                        <a:rPr lang="nb-NO" sz="500" u="none" strike="noStrike" kern="1200" dirty="0">
+              <a:tr h="110783">
+                <a:tc>
+                  <a:txBody>
+                    <a:bodyPr/>
+                    <a:lstStyle/>
+                    <a:p>
+                      <a:pPr marL="0" algn="ctr" defTabSz="914400" rtl="0" eaLnBrk="1" fontAlgn="b" latinLnBrk="0" hangingPunct="1"/>
+                      <a:r>
+                        <a:rPr lang="nb-NO" sz="600" u="none" strike="noStrike" kern="1200" dirty="0">
                           <a:solidFill>
                             <a:schemeClr val="dk1"/>
                           </a:solidFill>
@@ -4415,7 +4415,7 @@
                       </a:r>
                     </a:p>
                   </a:txBody>
-                  <a:tcPr marL="9525" marR="9525" marT="9525" marB="0" anchor="b"/>
+                  <a:tcPr marL="12309" marR="12309" marT="12309" marB="0" anchor="b"/>
                 </a:tc>
                 <a:extLst>
                   <a:ext uri="{0D108BD9-81ED-4DB2-BD59-A6C34878D82A}">
@@ -4423,15 +4423,15 @@
                   </a:ext>
                 </a:extLst>
               </a:tr>
-              <a:tr h="85710">
-                <a:tc>
-                  <a:txBody>
-                    <a:bodyPr/>
-                    <a:lstStyle/>
-                    <a:p>
-                      <a:pPr marL="0" algn="ctr" defTabSz="914400" rtl="0" eaLnBrk="1" fontAlgn="b" latinLnBrk="0" hangingPunct="1"/>
-                      <a:r>
-                        <a:rPr lang="nb-NO" sz="500" u="none" strike="noStrike" kern="1200" dirty="0">
+              <a:tr h="110783">
+                <a:tc>
+                  <a:txBody>
+                    <a:bodyPr/>
+                    <a:lstStyle/>
+                    <a:p>
+                      <a:pPr marL="0" algn="ctr" defTabSz="914400" rtl="0" eaLnBrk="1" fontAlgn="b" latinLnBrk="0" hangingPunct="1"/>
+                      <a:r>
+                        <a:rPr lang="nb-NO" sz="600" u="none" strike="noStrike" kern="1200" dirty="0">
                           <a:solidFill>
                             <a:schemeClr val="dk1"/>
                           </a:solidFill>
@@ -4444,7 +4444,7 @@
                       </a:r>
                     </a:p>
                   </a:txBody>
-                  <a:tcPr marL="9525" marR="9525" marT="9525" marB="0" anchor="b"/>
+                  <a:tcPr marL="12309" marR="12309" marT="12309" marB="0" anchor="b"/>
                 </a:tc>
                 <a:extLst>
                   <a:ext uri="{0D108BD9-81ED-4DB2-BD59-A6C34878D82A}">
@@ -4452,15 +4452,15 @@
                   </a:ext>
                 </a:extLst>
               </a:tr>
-              <a:tr h="85710">
-                <a:tc>
-                  <a:txBody>
-                    <a:bodyPr/>
-                    <a:lstStyle/>
-                    <a:p>
-                      <a:pPr marL="0" algn="ctr" defTabSz="914400" rtl="0" eaLnBrk="1" fontAlgn="b" latinLnBrk="0" hangingPunct="1"/>
-                      <a:r>
-                        <a:rPr lang="nb-NO" sz="500" u="none" strike="noStrike" kern="1200" dirty="0">
+              <a:tr h="110783">
+                <a:tc>
+                  <a:txBody>
+                    <a:bodyPr/>
+                    <a:lstStyle/>
+                    <a:p>
+                      <a:pPr marL="0" algn="ctr" defTabSz="914400" rtl="0" eaLnBrk="1" fontAlgn="b" latinLnBrk="0" hangingPunct="1"/>
+                      <a:r>
+                        <a:rPr lang="nb-NO" sz="600" u="none" strike="noStrike" kern="1200" dirty="0">
                           <a:solidFill>
                             <a:schemeClr val="dk1"/>
                           </a:solidFill>
@@ -4473,7 +4473,7 @@
                       </a:r>
                     </a:p>
                   </a:txBody>
-                  <a:tcPr marL="9525" marR="9525" marT="9525" marB="0" anchor="b"/>
+                  <a:tcPr marL="12309" marR="12309" marT="12309" marB="0" anchor="b"/>
                 </a:tc>
                 <a:extLst>
                   <a:ext uri="{0D108BD9-81ED-4DB2-BD59-A6C34878D82A}">
@@ -4481,15 +4481,15 @@
                   </a:ext>
                 </a:extLst>
               </a:tr>
-              <a:tr h="85710">
-                <a:tc>
-                  <a:txBody>
-                    <a:bodyPr/>
-                    <a:lstStyle/>
-                    <a:p>
-                      <a:pPr marL="0" algn="ctr" defTabSz="914400" rtl="0" eaLnBrk="1" fontAlgn="b" latinLnBrk="0" hangingPunct="1"/>
-                      <a:r>
-                        <a:rPr lang="nb-NO" sz="500" u="none" strike="noStrike" kern="1200" dirty="0">
+              <a:tr h="110783">
+                <a:tc>
+                  <a:txBody>
+                    <a:bodyPr/>
+                    <a:lstStyle/>
+                    <a:p>
+                      <a:pPr marL="0" algn="ctr" defTabSz="914400" rtl="0" eaLnBrk="1" fontAlgn="b" latinLnBrk="0" hangingPunct="1"/>
+                      <a:r>
+                        <a:rPr lang="nb-NO" sz="600" u="none" strike="noStrike" kern="1200" dirty="0">
                           <a:solidFill>
                             <a:schemeClr val="dk1"/>
                           </a:solidFill>
@@ -4502,7 +4502,7 @@
                       </a:r>
                     </a:p>
                   </a:txBody>
-                  <a:tcPr marL="9525" marR="9525" marT="9525" marB="0" anchor="b"/>
+                  <a:tcPr marL="12309" marR="12309" marT="12309" marB="0" anchor="b"/>
                 </a:tc>
                 <a:extLst>
                   <a:ext uri="{0D108BD9-81ED-4DB2-BD59-A6C34878D82A}">
@@ -4510,15 +4510,15 @@
                   </a:ext>
                 </a:extLst>
               </a:tr>
-              <a:tr h="85710">
-                <a:tc>
-                  <a:txBody>
-                    <a:bodyPr/>
-                    <a:lstStyle/>
-                    <a:p>
-                      <a:pPr marL="0" algn="ctr" defTabSz="914400" rtl="0" eaLnBrk="1" fontAlgn="b" latinLnBrk="0" hangingPunct="1"/>
-                      <a:r>
-                        <a:rPr lang="nb-NO" sz="500" u="none" strike="noStrike" kern="1200" dirty="0">
+              <a:tr h="110783">
+                <a:tc>
+                  <a:txBody>
+                    <a:bodyPr/>
+                    <a:lstStyle/>
+                    <a:p>
+                      <a:pPr marL="0" algn="ctr" defTabSz="914400" rtl="0" eaLnBrk="1" fontAlgn="b" latinLnBrk="0" hangingPunct="1"/>
+                      <a:r>
+                        <a:rPr lang="nb-NO" sz="600" u="none" strike="noStrike" kern="1200" dirty="0">
                           <a:solidFill>
                             <a:schemeClr val="dk1"/>
                           </a:solidFill>
@@ -4531,7 +4531,7 @@
                       </a:r>
                     </a:p>
                   </a:txBody>
-                  <a:tcPr marL="9525" marR="9525" marT="9525" marB="0" anchor="b"/>
+                  <a:tcPr marL="12309" marR="12309" marT="12309" marB="0" anchor="b"/>
                 </a:tc>
                 <a:extLst>
                   <a:ext uri="{0D108BD9-81ED-4DB2-BD59-A6C34878D82A}">
@@ -4539,15 +4539,15 @@
                   </a:ext>
                 </a:extLst>
               </a:tr>
-              <a:tr h="85710">
-                <a:tc>
-                  <a:txBody>
-                    <a:bodyPr/>
-                    <a:lstStyle/>
-                    <a:p>
-                      <a:pPr marL="0" algn="ctr" defTabSz="914400" rtl="0" eaLnBrk="1" fontAlgn="b" latinLnBrk="0" hangingPunct="1"/>
-                      <a:r>
-                        <a:rPr lang="nb-NO" sz="500" u="none" strike="noStrike" kern="1200" dirty="0">
+              <a:tr h="110783">
+                <a:tc>
+                  <a:txBody>
+                    <a:bodyPr/>
+                    <a:lstStyle/>
+                    <a:p>
+                      <a:pPr marL="0" algn="ctr" defTabSz="914400" rtl="0" eaLnBrk="1" fontAlgn="b" latinLnBrk="0" hangingPunct="1"/>
+                      <a:r>
+                        <a:rPr lang="nb-NO" sz="600" u="none" strike="noStrike" kern="1200" dirty="0">
                           <a:solidFill>
                             <a:schemeClr val="dk1"/>
                           </a:solidFill>
@@ -4560,7 +4560,7 @@
                       </a:r>
                     </a:p>
                   </a:txBody>
-                  <a:tcPr marL="9525" marR="9525" marT="9525" marB="0" anchor="b"/>
+                  <a:tcPr marL="12309" marR="12309" marT="12309" marB="0" anchor="b"/>
                 </a:tc>
                 <a:extLst>
                   <a:ext uri="{0D108BD9-81ED-4DB2-BD59-A6C34878D82A}">
@@ -4568,15 +4568,15 @@
                   </a:ext>
                 </a:extLst>
               </a:tr>
-              <a:tr h="85710">
-                <a:tc>
-                  <a:txBody>
-                    <a:bodyPr/>
-                    <a:lstStyle/>
-                    <a:p>
-                      <a:pPr marL="0" algn="ctr" defTabSz="914400" rtl="0" eaLnBrk="1" fontAlgn="b" latinLnBrk="0" hangingPunct="1"/>
-                      <a:r>
-                        <a:rPr lang="nb-NO" sz="500" u="none" strike="noStrike" kern="1200" dirty="0" err="1">
+              <a:tr h="110783">
+                <a:tc>
+                  <a:txBody>
+                    <a:bodyPr/>
+                    <a:lstStyle/>
+                    <a:p>
+                      <a:pPr marL="0" algn="ctr" defTabSz="914400" rtl="0" eaLnBrk="1" fontAlgn="b" latinLnBrk="0" hangingPunct="1"/>
+                      <a:r>
+                        <a:rPr lang="nb-NO" sz="600" u="none" strike="noStrike" kern="1200" dirty="0" err="1">
                           <a:solidFill>
                             <a:schemeClr val="dk1"/>
                           </a:solidFill>
@@ -4587,7 +4587,7 @@
                         </a:rPr>
                         <a:t>Non_Targeted</a:t>
                       </a:r>
-                      <a:endParaRPr lang="nb-NO" sz="500" u="none" strike="noStrike" kern="1200" dirty="0">
+                      <a:endParaRPr lang="nb-NO" sz="600" u="none" strike="noStrike" kern="1200" dirty="0">
                         <a:solidFill>
                           <a:schemeClr val="dk1"/>
                         </a:solidFill>
@@ -4598,7 +4598,7 @@
                       </a:endParaRPr>
                     </a:p>
                   </a:txBody>
-                  <a:tcPr marL="9525" marR="9525" marT="9525" marB="0" anchor="b"/>
+                  <a:tcPr marL="12309" marR="12309" marT="12309" marB="0" anchor="b"/>
                 </a:tc>
                 <a:extLst>
                   <a:ext uri="{0D108BD9-81ED-4DB2-BD59-A6C34878D82A}">
@@ -4606,15 +4606,15 @@
                   </a:ext>
                 </a:extLst>
               </a:tr>
-              <a:tr h="85710">
-                <a:tc>
-                  <a:txBody>
-                    <a:bodyPr/>
-                    <a:lstStyle/>
-                    <a:p>
-                      <a:pPr marL="0" algn="ctr" defTabSz="914400" rtl="0" eaLnBrk="1" fontAlgn="b" latinLnBrk="0" hangingPunct="1"/>
-                      <a:r>
-                        <a:rPr lang="nb-NO" sz="500" u="none" strike="noStrike" kern="1200" dirty="0">
+              <a:tr h="110783">
+                <a:tc>
+                  <a:txBody>
+                    <a:bodyPr/>
+                    <a:lstStyle/>
+                    <a:p>
+                      <a:pPr marL="0" algn="ctr" defTabSz="914400" rtl="0" eaLnBrk="1" fontAlgn="b" latinLnBrk="0" hangingPunct="1"/>
+                      <a:r>
+                        <a:rPr lang="nb-NO" sz="600" u="none" strike="noStrike" kern="1200" dirty="0">
                           <a:solidFill>
                             <a:schemeClr val="dk1"/>
                           </a:solidFill>
@@ -4627,7 +4627,7 @@
                       </a:r>
                     </a:p>
                   </a:txBody>
-                  <a:tcPr marL="9525" marR="9525" marT="9525" marB="0" anchor="b"/>
+                  <a:tcPr marL="12309" marR="12309" marT="12309" marB="0" anchor="b"/>
                 </a:tc>
                 <a:extLst>
                   <a:ext uri="{0D108BD9-81ED-4DB2-BD59-A6C34878D82A}">
@@ -4635,15 +4635,15 @@
                   </a:ext>
                 </a:extLst>
               </a:tr>
-              <a:tr h="85710">
-                <a:tc>
-                  <a:txBody>
-                    <a:bodyPr/>
-                    <a:lstStyle/>
-                    <a:p>
-                      <a:pPr marL="0" algn="ctr" defTabSz="914400" rtl="0" eaLnBrk="1" fontAlgn="b" latinLnBrk="0" hangingPunct="1"/>
-                      <a:r>
-                        <a:rPr lang="nb-NO" sz="500" u="none" strike="noStrike" kern="1200" dirty="0">
+              <a:tr h="110783">
+                <a:tc>
+                  <a:txBody>
+                    <a:bodyPr/>
+                    <a:lstStyle/>
+                    <a:p>
+                      <a:pPr marL="0" algn="ctr" defTabSz="914400" rtl="0" eaLnBrk="1" fontAlgn="b" latinLnBrk="0" hangingPunct="1"/>
+                      <a:r>
+                        <a:rPr lang="nb-NO" sz="600" u="none" strike="noStrike" kern="1200" dirty="0">
                           <a:solidFill>
                             <a:schemeClr val="dk1"/>
                           </a:solidFill>
@@ -4656,7 +4656,7 @@
                       </a:r>
                     </a:p>
                   </a:txBody>
-                  <a:tcPr marL="9525" marR="9525" marT="9525" marB="0" anchor="b"/>
+                  <a:tcPr marL="12309" marR="12309" marT="12309" marB="0" anchor="b"/>
                 </a:tc>
                 <a:extLst>
                   <a:ext uri="{0D108BD9-81ED-4DB2-BD59-A6C34878D82A}">
@@ -4664,15 +4664,15 @@
                   </a:ext>
                 </a:extLst>
               </a:tr>
-              <a:tr h="85710">
-                <a:tc>
-                  <a:txBody>
-                    <a:bodyPr/>
-                    <a:lstStyle/>
-                    <a:p>
-                      <a:pPr marL="0" algn="ctr" defTabSz="914400" rtl="0" eaLnBrk="1" fontAlgn="b" latinLnBrk="0" hangingPunct="1"/>
-                      <a:r>
-                        <a:rPr lang="nb-NO" sz="500" u="none" strike="noStrike" kern="1200" dirty="0">
+              <a:tr h="110783">
+                <a:tc>
+                  <a:txBody>
+                    <a:bodyPr/>
+                    <a:lstStyle/>
+                    <a:p>
+                      <a:pPr marL="0" algn="ctr" defTabSz="914400" rtl="0" eaLnBrk="1" fontAlgn="b" latinLnBrk="0" hangingPunct="1"/>
+                      <a:r>
+                        <a:rPr lang="nb-NO" sz="600" u="none" strike="noStrike" kern="1200" dirty="0">
                           <a:solidFill>
                             <a:schemeClr val="dk1"/>
                           </a:solidFill>
@@ -4685,7 +4685,7 @@
                       </a:r>
                     </a:p>
                   </a:txBody>
-                  <a:tcPr marL="9525" marR="9525" marT="9525" marB="0" anchor="b"/>
+                  <a:tcPr marL="12309" marR="12309" marT="12309" marB="0" anchor="b"/>
                 </a:tc>
                 <a:extLst>
                   <a:ext uri="{0D108BD9-81ED-4DB2-BD59-A6C34878D82A}">
@@ -4693,15 +4693,15 @@
                   </a:ext>
                 </a:extLst>
               </a:tr>
-              <a:tr h="85710">
-                <a:tc>
-                  <a:txBody>
-                    <a:bodyPr/>
-                    <a:lstStyle/>
-                    <a:p>
-                      <a:pPr marL="0" algn="ctr" defTabSz="914400" rtl="0" eaLnBrk="1" fontAlgn="b" latinLnBrk="0" hangingPunct="1"/>
-                      <a:r>
-                        <a:rPr lang="nb-NO" sz="500" u="none" strike="noStrike" kern="1200" dirty="0">
+              <a:tr h="110783">
+                <a:tc>
+                  <a:txBody>
+                    <a:bodyPr/>
+                    <a:lstStyle/>
+                    <a:p>
+                      <a:pPr marL="0" algn="ctr" defTabSz="914400" rtl="0" eaLnBrk="1" fontAlgn="b" latinLnBrk="0" hangingPunct="1"/>
+                      <a:r>
+                        <a:rPr lang="nb-NO" sz="600" u="none" strike="noStrike" kern="1200" dirty="0">
                           <a:solidFill>
                             <a:schemeClr val="dk1"/>
                           </a:solidFill>
@@ -4714,7 +4714,7 @@
                       </a:r>
                     </a:p>
                   </a:txBody>
-                  <a:tcPr marL="9525" marR="9525" marT="9525" marB="0" anchor="b"/>
+                  <a:tcPr marL="12309" marR="12309" marT="12309" marB="0" anchor="b"/>
                 </a:tc>
                 <a:extLst>
                   <a:ext uri="{0D108BD9-81ED-4DB2-BD59-A6C34878D82A}">
@@ -4722,15 +4722,15 @@
                   </a:ext>
                 </a:extLst>
               </a:tr>
-              <a:tr h="85710">
-                <a:tc>
-                  <a:txBody>
-                    <a:bodyPr/>
-                    <a:lstStyle/>
-                    <a:p>
-                      <a:pPr marL="0" algn="ctr" defTabSz="914400" rtl="0" eaLnBrk="1" fontAlgn="b" latinLnBrk="0" hangingPunct="1"/>
-                      <a:r>
-                        <a:rPr lang="nb-NO" sz="500" u="none" strike="noStrike" kern="1200" dirty="0">
+              <a:tr h="110783">
+                <a:tc>
+                  <a:txBody>
+                    <a:bodyPr/>
+                    <a:lstStyle/>
+                    <a:p>
+                      <a:pPr marL="0" algn="ctr" defTabSz="914400" rtl="0" eaLnBrk="1" fontAlgn="b" latinLnBrk="0" hangingPunct="1"/>
+                      <a:r>
+                        <a:rPr lang="nb-NO" sz="600" u="none" strike="noStrike" kern="1200" dirty="0">
                           <a:solidFill>
                             <a:schemeClr val="dk1"/>
                           </a:solidFill>
@@ -4743,7 +4743,7 @@
                       </a:r>
                     </a:p>
                   </a:txBody>
-                  <a:tcPr marL="9525" marR="9525" marT="9525" marB="0" anchor="b"/>
+                  <a:tcPr marL="12309" marR="12309" marT="12309" marB="0" anchor="b"/>
                 </a:tc>
                 <a:extLst>
                   <a:ext uri="{0D108BD9-81ED-4DB2-BD59-A6C34878D82A}">
@@ -4751,15 +4751,15 @@
                   </a:ext>
                 </a:extLst>
               </a:tr>
-              <a:tr h="85710">
-                <a:tc>
-                  <a:txBody>
-                    <a:bodyPr/>
-                    <a:lstStyle/>
-                    <a:p>
-                      <a:pPr marL="0" algn="ctr" defTabSz="914400" rtl="0" eaLnBrk="1" fontAlgn="b" latinLnBrk="0" hangingPunct="1"/>
-                      <a:r>
-                        <a:rPr lang="nb-NO" sz="500" u="none" strike="noStrike" kern="1200" dirty="0">
+              <a:tr h="110783">
+                <a:tc>
+                  <a:txBody>
+                    <a:bodyPr/>
+                    <a:lstStyle/>
+                    <a:p>
+                      <a:pPr marL="0" algn="ctr" defTabSz="914400" rtl="0" eaLnBrk="1" fontAlgn="b" latinLnBrk="0" hangingPunct="1"/>
+                      <a:r>
+                        <a:rPr lang="nb-NO" sz="600" u="none" strike="noStrike" kern="1200" dirty="0">
                           <a:solidFill>
                             <a:schemeClr val="dk1"/>
                           </a:solidFill>
@@ -4772,7 +4772,7 @@
                       </a:r>
                     </a:p>
                   </a:txBody>
-                  <a:tcPr marL="9525" marR="9525" marT="9525" marB="0" anchor="b"/>
+                  <a:tcPr marL="12309" marR="12309" marT="12309" marB="0" anchor="b"/>
                 </a:tc>
                 <a:extLst>
                   <a:ext uri="{0D108BD9-81ED-4DB2-BD59-A6C34878D82A}">
@@ -4780,15 +4780,15 @@
                   </a:ext>
                 </a:extLst>
               </a:tr>
-              <a:tr h="85710">
-                <a:tc>
-                  <a:txBody>
-                    <a:bodyPr/>
-                    <a:lstStyle/>
-                    <a:p>
-                      <a:pPr marL="0" algn="ctr" defTabSz="914400" rtl="0" eaLnBrk="1" fontAlgn="b" latinLnBrk="0" hangingPunct="1"/>
-                      <a:r>
-                        <a:rPr lang="nb-NO" sz="500" u="none" strike="noStrike" kern="1200" dirty="0">
+              <a:tr h="110783">
+                <a:tc>
+                  <a:txBody>
+                    <a:bodyPr/>
+                    <a:lstStyle/>
+                    <a:p>
+                      <a:pPr marL="0" algn="ctr" defTabSz="914400" rtl="0" eaLnBrk="1" fontAlgn="b" latinLnBrk="0" hangingPunct="1"/>
+                      <a:r>
+                        <a:rPr lang="nb-NO" sz="600" u="none" strike="noStrike" kern="1200" dirty="0">
                           <a:solidFill>
                             <a:schemeClr val="dk1"/>
                           </a:solidFill>
@@ -4801,7 +4801,7 @@
                       </a:r>
                     </a:p>
                   </a:txBody>
-                  <a:tcPr marL="9525" marR="9525" marT="9525" marB="0" anchor="b"/>
+                  <a:tcPr marL="12309" marR="12309" marT="12309" marB="0" anchor="b"/>
                 </a:tc>
                 <a:extLst>
                   <a:ext uri="{0D108BD9-81ED-4DB2-BD59-A6C34878D82A}">
@@ -4809,15 +4809,15 @@
                   </a:ext>
                 </a:extLst>
               </a:tr>
-              <a:tr h="85710">
-                <a:tc>
-                  <a:txBody>
-                    <a:bodyPr/>
-                    <a:lstStyle/>
-                    <a:p>
-                      <a:pPr marL="0" algn="ctr" defTabSz="914400" rtl="0" eaLnBrk="1" fontAlgn="b" latinLnBrk="0" hangingPunct="1"/>
-                      <a:r>
-                        <a:rPr lang="nb-NO" sz="500" u="none" strike="noStrike" kern="1200" dirty="0">
+              <a:tr h="110783">
+                <a:tc>
+                  <a:txBody>
+                    <a:bodyPr/>
+                    <a:lstStyle/>
+                    <a:p>
+                      <a:pPr marL="0" algn="ctr" defTabSz="914400" rtl="0" eaLnBrk="1" fontAlgn="b" latinLnBrk="0" hangingPunct="1"/>
+                      <a:r>
+                        <a:rPr lang="nb-NO" sz="600" u="none" strike="noStrike" kern="1200" dirty="0">
                           <a:solidFill>
                             <a:schemeClr val="dk1"/>
                           </a:solidFill>
@@ -4830,7 +4830,7 @@
                       </a:r>
                     </a:p>
                   </a:txBody>
-                  <a:tcPr marL="9525" marR="9525" marT="9525" marB="0" anchor="b"/>
+                  <a:tcPr marL="12309" marR="12309" marT="12309" marB="0" anchor="b"/>
                 </a:tc>
                 <a:extLst>
                   <a:ext uri="{0D108BD9-81ED-4DB2-BD59-A6C34878D82A}">
@@ -4838,15 +4838,15 @@
                   </a:ext>
                 </a:extLst>
               </a:tr>
-              <a:tr h="85710">
-                <a:tc>
-                  <a:txBody>
-                    <a:bodyPr/>
-                    <a:lstStyle/>
-                    <a:p>
-                      <a:pPr marL="0" algn="ctr" defTabSz="914400" rtl="0" eaLnBrk="1" fontAlgn="b" latinLnBrk="0" hangingPunct="1"/>
-                      <a:r>
-                        <a:rPr lang="nb-NO" sz="500" u="none" strike="noStrike" kern="1200" dirty="0">
+              <a:tr h="110783">
+                <a:tc>
+                  <a:txBody>
+                    <a:bodyPr/>
+                    <a:lstStyle/>
+                    <a:p>
+                      <a:pPr marL="0" algn="ctr" defTabSz="914400" rtl="0" eaLnBrk="1" fontAlgn="b" latinLnBrk="0" hangingPunct="1"/>
+                      <a:r>
+                        <a:rPr lang="nb-NO" sz="600" u="none" strike="noStrike" kern="1200" dirty="0">
                           <a:solidFill>
                             <a:schemeClr val="dk1"/>
                           </a:solidFill>
@@ -4859,7 +4859,7 @@
                       </a:r>
                     </a:p>
                   </a:txBody>
-                  <a:tcPr marL="9525" marR="9525" marT="9525" marB="0" anchor="b"/>
+                  <a:tcPr marL="12309" marR="12309" marT="12309" marB="0" anchor="b"/>
                 </a:tc>
                 <a:extLst>
                   <a:ext uri="{0D108BD9-81ED-4DB2-BD59-A6C34878D82A}">
@@ -4867,15 +4867,15 @@
                   </a:ext>
                 </a:extLst>
               </a:tr>
-              <a:tr h="85710">
-                <a:tc>
-                  <a:txBody>
-                    <a:bodyPr/>
-                    <a:lstStyle/>
-                    <a:p>
-                      <a:pPr marL="0" algn="ctr" defTabSz="914400" rtl="0" eaLnBrk="1" fontAlgn="b" latinLnBrk="0" hangingPunct="1"/>
-                      <a:r>
-                        <a:rPr lang="nb-NO" sz="500" u="none" strike="noStrike" kern="1200" dirty="0">
+              <a:tr h="110783">
+                <a:tc>
+                  <a:txBody>
+                    <a:bodyPr/>
+                    <a:lstStyle/>
+                    <a:p>
+                      <a:pPr marL="0" algn="ctr" defTabSz="914400" rtl="0" eaLnBrk="1" fontAlgn="b" latinLnBrk="0" hangingPunct="1"/>
+                      <a:r>
+                        <a:rPr lang="nb-NO" sz="600" u="none" strike="noStrike" kern="1200" dirty="0">
                           <a:solidFill>
                             <a:schemeClr val="dk1"/>
                           </a:solidFill>
@@ -4888,7 +4888,7 @@
                       </a:r>
                     </a:p>
                   </a:txBody>
-                  <a:tcPr marL="9525" marR="9525" marT="9525" marB="0" anchor="b"/>
+                  <a:tcPr marL="12309" marR="12309" marT="12309" marB="0" anchor="b"/>
                 </a:tc>
                 <a:extLst>
                   <a:ext uri="{0D108BD9-81ED-4DB2-BD59-A6C34878D82A}">
@@ -4896,15 +4896,15 @@
                   </a:ext>
                 </a:extLst>
               </a:tr>
-              <a:tr h="85710">
-                <a:tc>
-                  <a:txBody>
-                    <a:bodyPr/>
-                    <a:lstStyle/>
-                    <a:p>
-                      <a:pPr marL="0" algn="ctr" defTabSz="914400" rtl="0" eaLnBrk="1" fontAlgn="b" latinLnBrk="0" hangingPunct="1"/>
-                      <a:r>
-                        <a:rPr lang="nb-NO" sz="500" u="none" strike="noStrike" kern="1200" dirty="0">
+              <a:tr h="110783">
+                <a:tc>
+                  <a:txBody>
+                    <a:bodyPr/>
+                    <a:lstStyle/>
+                    <a:p>
+                      <a:pPr marL="0" algn="ctr" defTabSz="914400" rtl="0" eaLnBrk="1" fontAlgn="b" latinLnBrk="0" hangingPunct="1"/>
+                      <a:r>
+                        <a:rPr lang="nb-NO" sz="600" u="none" strike="noStrike" kern="1200" dirty="0">
                           <a:solidFill>
                             <a:schemeClr val="dk1"/>
                           </a:solidFill>
@@ -4917,7 +4917,7 @@
                       </a:r>
                     </a:p>
                   </a:txBody>
-                  <a:tcPr marL="9525" marR="9525" marT="9525" marB="0" anchor="b"/>
+                  <a:tcPr marL="12309" marR="12309" marT="12309" marB="0" anchor="b"/>
                 </a:tc>
                 <a:extLst>
                   <a:ext uri="{0D108BD9-81ED-4DB2-BD59-A6C34878D82A}">
@@ -4925,15 +4925,15 @@
                   </a:ext>
                 </a:extLst>
               </a:tr>
-              <a:tr h="85710">
-                <a:tc>
-                  <a:txBody>
-                    <a:bodyPr/>
-                    <a:lstStyle/>
-                    <a:p>
-                      <a:pPr marL="0" algn="ctr" defTabSz="914400" rtl="0" eaLnBrk="1" fontAlgn="b" latinLnBrk="0" hangingPunct="1"/>
-                      <a:r>
-                        <a:rPr lang="nb-NO" sz="500" u="none" strike="noStrike" kern="1200" dirty="0">
+              <a:tr h="110783">
+                <a:tc>
+                  <a:txBody>
+                    <a:bodyPr/>
+                    <a:lstStyle/>
+                    <a:p>
+                      <a:pPr marL="0" algn="ctr" defTabSz="914400" rtl="0" eaLnBrk="1" fontAlgn="b" latinLnBrk="0" hangingPunct="1"/>
+                      <a:r>
+                        <a:rPr lang="nb-NO" sz="600" u="none" strike="noStrike" kern="1200" dirty="0">
                           <a:solidFill>
                             <a:schemeClr val="dk1"/>
                           </a:solidFill>
@@ -4946,7 +4946,7 @@
                       </a:r>
                     </a:p>
                   </a:txBody>
-                  <a:tcPr marL="9525" marR="9525" marT="9525" marB="0" anchor="b"/>
+                  <a:tcPr marL="12309" marR="12309" marT="12309" marB="0" anchor="b"/>
                 </a:tc>
                 <a:extLst>
                   <a:ext uri="{0D108BD9-81ED-4DB2-BD59-A6C34878D82A}">
@@ -4954,15 +4954,15 @@
                   </a:ext>
                 </a:extLst>
               </a:tr>
-              <a:tr h="85710">
-                <a:tc>
-                  <a:txBody>
-                    <a:bodyPr/>
-                    <a:lstStyle/>
-                    <a:p>
-                      <a:pPr marL="0" algn="ctr" defTabSz="914400" rtl="0" eaLnBrk="1" fontAlgn="b" latinLnBrk="0" hangingPunct="1"/>
-                      <a:r>
-                        <a:rPr lang="nb-NO" sz="500" u="none" strike="noStrike" kern="1200" dirty="0">
+              <a:tr h="110783">
+                <a:tc>
+                  <a:txBody>
+                    <a:bodyPr/>
+                    <a:lstStyle/>
+                    <a:p>
+                      <a:pPr marL="0" algn="ctr" defTabSz="914400" rtl="0" eaLnBrk="1" fontAlgn="b" latinLnBrk="0" hangingPunct="1"/>
+                      <a:r>
+                        <a:rPr lang="nb-NO" sz="600" u="none" strike="noStrike" kern="1200" dirty="0">
                           <a:solidFill>
                             <a:schemeClr val="dk1"/>
                           </a:solidFill>
@@ -4975,7 +4975,7 @@
                       </a:r>
                     </a:p>
                   </a:txBody>
-                  <a:tcPr marL="9525" marR="9525" marT="9525" marB="0" anchor="b"/>
+                  <a:tcPr marL="12309" marR="12309" marT="12309" marB="0" anchor="b"/>
                 </a:tc>
                 <a:extLst>
                   <a:ext uri="{0D108BD9-81ED-4DB2-BD59-A6C34878D82A}">
@@ -4983,15 +4983,15 @@
                   </a:ext>
                 </a:extLst>
               </a:tr>
-              <a:tr h="85710">
-                <a:tc>
-                  <a:txBody>
-                    <a:bodyPr/>
-                    <a:lstStyle/>
-                    <a:p>
-                      <a:pPr marL="0" algn="ctr" defTabSz="914400" rtl="0" eaLnBrk="1" fontAlgn="b" latinLnBrk="0" hangingPunct="1"/>
-                      <a:r>
-                        <a:rPr lang="nb-NO" sz="500" u="none" strike="noStrike" kern="1200" dirty="0">
+              <a:tr h="110783">
+                <a:tc>
+                  <a:txBody>
+                    <a:bodyPr/>
+                    <a:lstStyle/>
+                    <a:p>
+                      <a:pPr marL="0" algn="ctr" defTabSz="914400" rtl="0" eaLnBrk="1" fontAlgn="b" latinLnBrk="0" hangingPunct="1"/>
+                      <a:r>
+                        <a:rPr lang="nb-NO" sz="600" u="none" strike="noStrike" kern="1200" dirty="0">
                           <a:solidFill>
                             <a:schemeClr val="dk1"/>
                           </a:solidFill>
@@ -5004,7 +5004,7 @@
                       </a:r>
                     </a:p>
                   </a:txBody>
-                  <a:tcPr marL="9525" marR="9525" marT="9525" marB="0" anchor="b"/>
+                  <a:tcPr marL="12309" marR="12309" marT="12309" marB="0" anchor="b"/>
                 </a:tc>
                 <a:extLst>
                   <a:ext uri="{0D108BD9-81ED-4DB2-BD59-A6C34878D82A}">
@@ -5012,15 +5012,15 @@
                   </a:ext>
                 </a:extLst>
               </a:tr>
-              <a:tr h="85710">
-                <a:tc>
-                  <a:txBody>
-                    <a:bodyPr/>
-                    <a:lstStyle/>
-                    <a:p>
-                      <a:pPr marL="0" algn="ctr" defTabSz="914400" rtl="0" eaLnBrk="1" fontAlgn="b" latinLnBrk="0" hangingPunct="1"/>
-                      <a:r>
-                        <a:rPr lang="nb-NO" sz="500" u="none" strike="noStrike" kern="1200" dirty="0">
+              <a:tr h="110783">
+                <a:tc>
+                  <a:txBody>
+                    <a:bodyPr/>
+                    <a:lstStyle/>
+                    <a:p>
+                      <a:pPr marL="0" algn="ctr" defTabSz="914400" rtl="0" eaLnBrk="1" fontAlgn="b" latinLnBrk="0" hangingPunct="1"/>
+                      <a:r>
+                        <a:rPr lang="nb-NO" sz="600" u="none" strike="noStrike" kern="1200" dirty="0">
                           <a:solidFill>
                             <a:schemeClr val="dk1"/>
                           </a:solidFill>
@@ -5033,7 +5033,7 @@
                       </a:r>
                     </a:p>
                   </a:txBody>
-                  <a:tcPr marL="9525" marR="9525" marT="9525" marB="0" anchor="b"/>
+                  <a:tcPr marL="12309" marR="12309" marT="12309" marB="0" anchor="b"/>
                 </a:tc>
                 <a:extLst>
                   <a:ext uri="{0D108BD9-81ED-4DB2-BD59-A6C34878D82A}">
@@ -5041,15 +5041,15 @@
                   </a:ext>
                 </a:extLst>
               </a:tr>
-              <a:tr h="85710">
-                <a:tc>
-                  <a:txBody>
-                    <a:bodyPr/>
-                    <a:lstStyle/>
-                    <a:p>
-                      <a:pPr marL="0" algn="ctr" defTabSz="914400" rtl="0" eaLnBrk="1" fontAlgn="b" latinLnBrk="0" hangingPunct="1"/>
-                      <a:r>
-                        <a:rPr lang="nb-NO" sz="500" u="none" strike="noStrike" kern="1200" dirty="0">
+              <a:tr h="110783">
+                <a:tc>
+                  <a:txBody>
+                    <a:bodyPr/>
+                    <a:lstStyle/>
+                    <a:p>
+                      <a:pPr marL="0" algn="ctr" defTabSz="914400" rtl="0" eaLnBrk="1" fontAlgn="b" latinLnBrk="0" hangingPunct="1"/>
+                      <a:r>
+                        <a:rPr lang="nb-NO" sz="600" u="none" strike="noStrike" kern="1200" dirty="0">
                           <a:solidFill>
                             <a:schemeClr val="dk1"/>
                           </a:solidFill>
@@ -5062,7 +5062,7 @@
                       </a:r>
                     </a:p>
                   </a:txBody>
-                  <a:tcPr marL="9525" marR="9525" marT="9525" marB="0" anchor="b"/>
+                  <a:tcPr marL="12309" marR="12309" marT="12309" marB="0" anchor="b"/>
                 </a:tc>
                 <a:extLst>
                   <a:ext uri="{0D108BD9-81ED-4DB2-BD59-A6C34878D82A}">
@@ -5070,15 +5070,15 @@
                   </a:ext>
                 </a:extLst>
               </a:tr>
-              <a:tr h="85710">
-                <a:tc>
-                  <a:txBody>
-                    <a:bodyPr/>
-                    <a:lstStyle/>
-                    <a:p>
-                      <a:pPr marL="0" algn="ctr" defTabSz="914400" rtl="0" eaLnBrk="1" fontAlgn="b" latinLnBrk="0" hangingPunct="1"/>
-                      <a:r>
-                        <a:rPr lang="nb-NO" sz="500" u="none" strike="noStrike" kern="1200" dirty="0">
+              <a:tr h="110783">
+                <a:tc>
+                  <a:txBody>
+                    <a:bodyPr/>
+                    <a:lstStyle/>
+                    <a:p>
+                      <a:pPr marL="0" algn="ctr" defTabSz="914400" rtl="0" eaLnBrk="1" fontAlgn="b" latinLnBrk="0" hangingPunct="1"/>
+                      <a:r>
+                        <a:rPr lang="nb-NO" sz="600" u="none" strike="noStrike" kern="1200" dirty="0">
                           <a:solidFill>
                             <a:schemeClr val="dk1"/>
                           </a:solidFill>
@@ -5091,7 +5091,7 @@
                       </a:r>
                     </a:p>
                   </a:txBody>
-                  <a:tcPr marL="9525" marR="9525" marT="9525" marB="0" anchor="b"/>
+                  <a:tcPr marL="12309" marR="12309" marT="12309" marB="0" anchor="b"/>
                 </a:tc>
                 <a:extLst>
                   <a:ext uri="{0D108BD9-81ED-4DB2-BD59-A6C34878D82A}">
@@ -5099,15 +5099,15 @@
                   </a:ext>
                 </a:extLst>
               </a:tr>
-              <a:tr h="85710">
-                <a:tc>
-                  <a:txBody>
-                    <a:bodyPr/>
-                    <a:lstStyle/>
-                    <a:p>
-                      <a:pPr marL="0" algn="ctr" defTabSz="914400" rtl="0" eaLnBrk="1" fontAlgn="b" latinLnBrk="0" hangingPunct="1"/>
-                      <a:r>
-                        <a:rPr lang="nb-NO" sz="500" u="none" strike="noStrike" kern="1200" dirty="0">
+              <a:tr h="110783">
+                <a:tc>
+                  <a:txBody>
+                    <a:bodyPr/>
+                    <a:lstStyle/>
+                    <a:p>
+                      <a:pPr marL="0" algn="ctr" defTabSz="914400" rtl="0" eaLnBrk="1" fontAlgn="b" latinLnBrk="0" hangingPunct="1"/>
+                      <a:r>
+                        <a:rPr lang="nb-NO" sz="600" u="none" strike="noStrike" kern="1200" dirty="0">
                           <a:solidFill>
                             <a:schemeClr val="dk1"/>
                           </a:solidFill>
@@ -5120,7 +5120,7 @@
                       </a:r>
                     </a:p>
                   </a:txBody>
-                  <a:tcPr marL="9525" marR="9525" marT="9525" marB="0" anchor="b"/>
+                  <a:tcPr marL="12309" marR="12309" marT="12309" marB="0" anchor="b"/>
                 </a:tc>
                 <a:extLst>
                   <a:ext uri="{0D108BD9-81ED-4DB2-BD59-A6C34878D82A}">
@@ -5128,15 +5128,15 @@
                   </a:ext>
                 </a:extLst>
               </a:tr>
-              <a:tr h="85710">
-                <a:tc>
-                  <a:txBody>
-                    <a:bodyPr/>
-                    <a:lstStyle/>
-                    <a:p>
-                      <a:pPr marL="0" algn="ctr" defTabSz="914400" rtl="0" eaLnBrk="1" fontAlgn="b" latinLnBrk="0" hangingPunct="1"/>
-                      <a:r>
-                        <a:rPr lang="nb-NO" sz="500" u="none" strike="noStrike" kern="1200" dirty="0">
+              <a:tr h="110783">
+                <a:tc>
+                  <a:txBody>
+                    <a:bodyPr/>
+                    <a:lstStyle/>
+                    <a:p>
+                      <a:pPr marL="0" algn="ctr" defTabSz="914400" rtl="0" eaLnBrk="1" fontAlgn="b" latinLnBrk="0" hangingPunct="1"/>
+                      <a:r>
+                        <a:rPr lang="nb-NO" sz="600" u="none" strike="noStrike" kern="1200" dirty="0">
                           <a:solidFill>
                             <a:schemeClr val="dk1"/>
                           </a:solidFill>
@@ -5149,7 +5149,7 @@
                       </a:r>
                     </a:p>
                   </a:txBody>
-                  <a:tcPr marL="9525" marR="9525" marT="9525" marB="0" anchor="b"/>
+                  <a:tcPr marL="12309" marR="12309" marT="12309" marB="0" anchor="b"/>
                 </a:tc>
                 <a:extLst>
                   <a:ext uri="{0D108BD9-81ED-4DB2-BD59-A6C34878D82A}">
@@ -5157,15 +5157,15 @@
                   </a:ext>
                 </a:extLst>
               </a:tr>
-              <a:tr h="85710">
-                <a:tc>
-                  <a:txBody>
-                    <a:bodyPr/>
-                    <a:lstStyle/>
-                    <a:p>
-                      <a:pPr marL="0" algn="ctr" defTabSz="914400" rtl="0" eaLnBrk="1" fontAlgn="b" latinLnBrk="0" hangingPunct="1"/>
-                      <a:r>
-                        <a:rPr lang="nb-NO" sz="500" u="none" strike="noStrike" kern="1200">
+              <a:tr h="110783">
+                <a:tc>
+                  <a:txBody>
+                    <a:bodyPr/>
+                    <a:lstStyle/>
+                    <a:p>
+                      <a:pPr marL="0" algn="ctr" defTabSz="914400" rtl="0" eaLnBrk="1" fontAlgn="b" latinLnBrk="0" hangingPunct="1"/>
+                      <a:r>
+                        <a:rPr lang="nb-NO" sz="600" u="none" strike="noStrike" kern="1200">
                           <a:solidFill>
                             <a:schemeClr val="dk1"/>
                           </a:solidFill>
@@ -5178,7 +5178,7 @@
                       </a:r>
                     </a:p>
                   </a:txBody>
-                  <a:tcPr marL="9525" marR="9525" marT="9525" marB="0" anchor="b"/>
+                  <a:tcPr marL="12309" marR="12309" marT="12309" marB="0" anchor="b"/>
                 </a:tc>
                 <a:extLst>
                   <a:ext uri="{0D108BD9-81ED-4DB2-BD59-A6C34878D82A}">
@@ -5186,15 +5186,15 @@
                   </a:ext>
                 </a:extLst>
               </a:tr>
-              <a:tr h="85710">
-                <a:tc>
-                  <a:txBody>
-                    <a:bodyPr/>
-                    <a:lstStyle/>
-                    <a:p>
-                      <a:pPr marL="0" algn="ctr" defTabSz="914400" rtl="0" eaLnBrk="1" fontAlgn="b" latinLnBrk="0" hangingPunct="1"/>
-                      <a:r>
-                        <a:rPr lang="nb-NO" sz="500" u="none" strike="noStrike" kern="1200" dirty="0">
+              <a:tr h="110783">
+                <a:tc>
+                  <a:txBody>
+                    <a:bodyPr/>
+                    <a:lstStyle/>
+                    <a:p>
+                      <a:pPr marL="0" algn="ctr" defTabSz="914400" rtl="0" eaLnBrk="1" fontAlgn="b" latinLnBrk="0" hangingPunct="1"/>
+                      <a:r>
+                        <a:rPr lang="nb-NO" sz="600" u="none" strike="noStrike" kern="1200" dirty="0">
                           <a:solidFill>
                             <a:schemeClr val="dk1"/>
                           </a:solidFill>
@@ -5207,7 +5207,7 @@
                       </a:r>
                     </a:p>
                   </a:txBody>
-                  <a:tcPr marL="9525" marR="9525" marT="9525" marB="0" anchor="b"/>
+                  <a:tcPr marL="12309" marR="12309" marT="12309" marB="0" anchor="b"/>
                 </a:tc>
                 <a:extLst>
                   <a:ext uri="{0D108BD9-81ED-4DB2-BD59-A6C34878D82A}">
@@ -5215,15 +5215,15 @@
                   </a:ext>
                 </a:extLst>
               </a:tr>
-              <a:tr h="85710">
-                <a:tc>
-                  <a:txBody>
-                    <a:bodyPr/>
-                    <a:lstStyle/>
-                    <a:p>
-                      <a:pPr marL="0" algn="ctr" defTabSz="914400" rtl="0" eaLnBrk="1" fontAlgn="b" latinLnBrk="0" hangingPunct="1"/>
-                      <a:r>
-                        <a:rPr lang="nb-NO" sz="500" u="none" strike="noStrike" kern="1200" dirty="0">
+              <a:tr h="110783">
+                <a:tc>
+                  <a:txBody>
+                    <a:bodyPr/>
+                    <a:lstStyle/>
+                    <a:p>
+                      <a:pPr marL="0" algn="ctr" defTabSz="914400" rtl="0" eaLnBrk="1" fontAlgn="b" latinLnBrk="0" hangingPunct="1"/>
+                      <a:r>
+                        <a:rPr lang="nb-NO" sz="600" u="none" strike="noStrike" kern="1200" dirty="0">
                           <a:solidFill>
                             <a:schemeClr val="dk1"/>
                           </a:solidFill>
@@ -5236,7 +5236,7 @@
                       </a:r>
                     </a:p>
                   </a:txBody>
-                  <a:tcPr marL="9525" marR="9525" marT="9525" marB="0" anchor="b"/>
+                  <a:tcPr marL="12309" marR="12309" marT="12309" marB="0" anchor="b"/>
                 </a:tc>
                 <a:extLst>
                   <a:ext uri="{0D108BD9-81ED-4DB2-BD59-A6C34878D82A}">
@@ -5244,15 +5244,15 @@
                   </a:ext>
                 </a:extLst>
               </a:tr>
-              <a:tr h="85710">
-                <a:tc>
-                  <a:txBody>
-                    <a:bodyPr/>
-                    <a:lstStyle/>
-                    <a:p>
-                      <a:pPr marL="0" algn="ctr" defTabSz="914400" rtl="0" eaLnBrk="1" fontAlgn="b" latinLnBrk="0" hangingPunct="1"/>
-                      <a:r>
-                        <a:rPr lang="nb-NO" sz="500" u="none" strike="noStrike" kern="1200" dirty="0">
+              <a:tr h="110783">
+                <a:tc>
+                  <a:txBody>
+                    <a:bodyPr/>
+                    <a:lstStyle/>
+                    <a:p>
+                      <a:pPr marL="0" algn="ctr" defTabSz="914400" rtl="0" eaLnBrk="1" fontAlgn="b" latinLnBrk="0" hangingPunct="1"/>
+                      <a:r>
+                        <a:rPr lang="nb-NO" sz="600" u="none" strike="noStrike" kern="1200" dirty="0">
                           <a:solidFill>
                             <a:schemeClr val="dk1"/>
                           </a:solidFill>
@@ -5265,7 +5265,7 @@
                       </a:r>
                     </a:p>
                   </a:txBody>
-                  <a:tcPr marL="9525" marR="9525" marT="9525" marB="0" anchor="b"/>
+                  <a:tcPr marL="12309" marR="12309" marT="12309" marB="0" anchor="b"/>
                 </a:tc>
                 <a:extLst>
                   <a:ext uri="{0D108BD9-81ED-4DB2-BD59-A6C34878D82A}">
@@ -5273,15 +5273,15 @@
                   </a:ext>
                 </a:extLst>
               </a:tr>
-              <a:tr h="85710">
-                <a:tc>
-                  <a:txBody>
-                    <a:bodyPr/>
-                    <a:lstStyle/>
-                    <a:p>
-                      <a:pPr marL="0" algn="ctr" defTabSz="914400" rtl="0" eaLnBrk="1" fontAlgn="b" latinLnBrk="0" hangingPunct="1"/>
-                      <a:r>
-                        <a:rPr lang="nb-NO" sz="500" u="none" strike="noStrike" kern="1200" dirty="0">
+              <a:tr h="110783">
+                <a:tc>
+                  <a:txBody>
+                    <a:bodyPr/>
+                    <a:lstStyle/>
+                    <a:p>
+                      <a:pPr marL="0" algn="ctr" defTabSz="914400" rtl="0" eaLnBrk="1" fontAlgn="b" latinLnBrk="0" hangingPunct="1"/>
+                      <a:r>
+                        <a:rPr lang="nb-NO" sz="600" u="none" strike="noStrike" kern="1200" dirty="0">
                           <a:solidFill>
                             <a:schemeClr val="dk1"/>
                           </a:solidFill>
@@ -5294,7 +5294,7 @@
                       </a:r>
                     </a:p>
                   </a:txBody>
-                  <a:tcPr marL="9525" marR="9525" marT="9525" marB="0" anchor="b"/>
+                  <a:tcPr marL="12309" marR="12309" marT="12309" marB="0" anchor="b"/>
                 </a:tc>
                 <a:extLst>
                   <a:ext uri="{0D108BD9-81ED-4DB2-BD59-A6C34878D82A}">
@@ -5302,15 +5302,15 @@
                   </a:ext>
                 </a:extLst>
               </a:tr>
-              <a:tr h="85710">
-                <a:tc>
-                  <a:txBody>
-                    <a:bodyPr/>
-                    <a:lstStyle/>
-                    <a:p>
-                      <a:pPr marL="0" algn="ctr" defTabSz="914400" rtl="0" eaLnBrk="1" fontAlgn="b" latinLnBrk="0" hangingPunct="1"/>
-                      <a:r>
-                        <a:rPr lang="nb-NO" sz="500" u="none" strike="noStrike" kern="1200" dirty="0">
+              <a:tr h="110783">
+                <a:tc>
+                  <a:txBody>
+                    <a:bodyPr/>
+                    <a:lstStyle/>
+                    <a:p>
+                      <a:pPr marL="0" algn="ctr" defTabSz="914400" rtl="0" eaLnBrk="1" fontAlgn="b" latinLnBrk="0" hangingPunct="1"/>
+                      <a:r>
+                        <a:rPr lang="nb-NO" sz="600" u="none" strike="noStrike" kern="1200" dirty="0">
                           <a:solidFill>
                             <a:schemeClr val="dk1"/>
                           </a:solidFill>
@@ -5323,7 +5323,7 @@
                       </a:r>
                     </a:p>
                   </a:txBody>
-                  <a:tcPr marL="9525" marR="9525" marT="9525" marB="0" anchor="b"/>
+                  <a:tcPr marL="12309" marR="12309" marT="12309" marB="0" anchor="b"/>
                 </a:tc>
                 <a:extLst>
                   <a:ext uri="{0D108BD9-81ED-4DB2-BD59-A6C34878D82A}">
@@ -5331,15 +5331,15 @@
                   </a:ext>
                 </a:extLst>
               </a:tr>
-              <a:tr h="85710">
-                <a:tc>
-                  <a:txBody>
-                    <a:bodyPr/>
-                    <a:lstStyle/>
-                    <a:p>
-                      <a:pPr marL="0" algn="ctr" defTabSz="914400" rtl="0" eaLnBrk="1" fontAlgn="b" latinLnBrk="0" hangingPunct="1"/>
-                      <a:r>
-                        <a:rPr lang="nb-NO" sz="500" u="none" strike="noStrike" kern="1200" dirty="0">
+              <a:tr h="110783">
+                <a:tc>
+                  <a:txBody>
+                    <a:bodyPr/>
+                    <a:lstStyle/>
+                    <a:p>
+                      <a:pPr marL="0" algn="ctr" defTabSz="914400" rtl="0" eaLnBrk="1" fontAlgn="b" latinLnBrk="0" hangingPunct="1"/>
+                      <a:r>
+                        <a:rPr lang="nb-NO" sz="600" u="none" strike="noStrike" kern="1200" dirty="0">
                           <a:solidFill>
                             <a:schemeClr val="dk1"/>
                           </a:solidFill>
@@ -5352,7 +5352,7 @@
                       </a:r>
                     </a:p>
                   </a:txBody>
-                  <a:tcPr marL="9525" marR="9525" marT="9525" marB="0" anchor="b"/>
+                  <a:tcPr marL="12309" marR="12309" marT="12309" marB="0" anchor="b"/>
                 </a:tc>
                 <a:extLst>
                   <a:ext uri="{0D108BD9-81ED-4DB2-BD59-A6C34878D82A}">
@@ -5360,15 +5360,15 @@
                   </a:ext>
                 </a:extLst>
               </a:tr>
-              <a:tr h="90431">
-                <a:tc>
-                  <a:txBody>
-                    <a:bodyPr/>
-                    <a:lstStyle/>
-                    <a:p>
-                      <a:pPr marL="0" algn="ctr" defTabSz="914400" rtl="0" eaLnBrk="1" fontAlgn="b" latinLnBrk="0" hangingPunct="1"/>
-                      <a:r>
-                        <a:rPr lang="nb-NO" sz="500" u="none" strike="noStrike" kern="1200" dirty="0">
+              <a:tr h="116865">
+                <a:tc>
+                  <a:txBody>
+                    <a:bodyPr/>
+                    <a:lstStyle/>
+                    <a:p>
+                      <a:pPr marL="0" algn="ctr" defTabSz="914400" rtl="0" eaLnBrk="1" fontAlgn="b" latinLnBrk="0" hangingPunct="1"/>
+                      <a:r>
+                        <a:rPr lang="nb-NO" sz="600" u="none" strike="noStrike" kern="1200" dirty="0">
                           <a:solidFill>
                             <a:schemeClr val="dk1"/>
                           </a:solidFill>
@@ -5381,7 +5381,7 @@
                       </a:r>
                     </a:p>
                   </a:txBody>
-                  <a:tcPr marL="9525" marR="9525" marT="9525" marB="0" anchor="b"/>
+                  <a:tcPr marL="12309" marR="12309" marT="12309" marB="0" anchor="b"/>
                 </a:tc>
                 <a:extLst>
                   <a:ext uri="{0D108BD9-81ED-4DB2-BD59-A6C34878D82A}">
@@ -5389,15 +5389,15 @@
                   </a:ext>
                 </a:extLst>
               </a:tr>
-              <a:tr h="85710">
-                <a:tc>
-                  <a:txBody>
-                    <a:bodyPr/>
-                    <a:lstStyle/>
-                    <a:p>
-                      <a:pPr marL="0" algn="ctr" defTabSz="914400" rtl="0" eaLnBrk="1" fontAlgn="b" latinLnBrk="0" hangingPunct="1"/>
-                      <a:r>
-                        <a:rPr lang="nb-NO" sz="500" u="none" strike="noStrike" kern="1200" dirty="0">
+              <a:tr h="110783">
+                <a:tc>
+                  <a:txBody>
+                    <a:bodyPr/>
+                    <a:lstStyle/>
+                    <a:p>
+                      <a:pPr marL="0" algn="ctr" defTabSz="914400" rtl="0" eaLnBrk="1" fontAlgn="b" latinLnBrk="0" hangingPunct="1"/>
+                      <a:r>
+                        <a:rPr lang="nb-NO" sz="600" u="none" strike="noStrike" kern="1200" dirty="0">
                           <a:solidFill>
                             <a:schemeClr val="dk1"/>
                           </a:solidFill>
@@ -5410,7 +5410,7 @@
                       </a:r>
                     </a:p>
                   </a:txBody>
-                  <a:tcPr marL="9525" marR="9525" marT="9525" marB="0" anchor="b"/>
+                  <a:tcPr marL="12309" marR="12309" marT="12309" marB="0" anchor="b"/>
                 </a:tc>
                 <a:extLst>
                   <a:ext uri="{0D108BD9-81ED-4DB2-BD59-A6C34878D82A}">
@@ -5418,15 +5418,15 @@
                   </a:ext>
                 </a:extLst>
               </a:tr>
-              <a:tr h="85710">
-                <a:tc>
-                  <a:txBody>
-                    <a:bodyPr/>
-                    <a:lstStyle/>
-                    <a:p>
-                      <a:pPr marL="0" algn="ctr" defTabSz="914400" rtl="0" eaLnBrk="1" fontAlgn="b" latinLnBrk="0" hangingPunct="1"/>
-                      <a:r>
-                        <a:rPr lang="nb-NO" sz="500" u="none" strike="noStrike" kern="1200" dirty="0">
+              <a:tr h="110783">
+                <a:tc>
+                  <a:txBody>
+                    <a:bodyPr/>
+                    <a:lstStyle/>
+                    <a:p>
+                      <a:pPr marL="0" algn="ctr" defTabSz="914400" rtl="0" eaLnBrk="1" fontAlgn="b" latinLnBrk="0" hangingPunct="1"/>
+                      <a:r>
+                        <a:rPr lang="nb-NO" sz="600" u="none" strike="noStrike" kern="1200" dirty="0">
                           <a:solidFill>
                             <a:schemeClr val="dk1"/>
                           </a:solidFill>
@@ -5439,7 +5439,7 @@
                       </a:r>
                     </a:p>
                   </a:txBody>
-                  <a:tcPr marL="9525" marR="9525" marT="9525" marB="0" anchor="b"/>
+                  <a:tcPr marL="12309" marR="12309" marT="12309" marB="0" anchor="b"/>
                 </a:tc>
                 <a:extLst>
                   <a:ext uri="{0D108BD9-81ED-4DB2-BD59-A6C34878D82A}">
@@ -5447,15 +5447,15 @@
                   </a:ext>
                 </a:extLst>
               </a:tr>
-              <a:tr h="85710">
-                <a:tc>
-                  <a:txBody>
-                    <a:bodyPr/>
-                    <a:lstStyle/>
-                    <a:p>
-                      <a:pPr marL="0" algn="ctr" defTabSz="914400" rtl="0" eaLnBrk="1" fontAlgn="b" latinLnBrk="0" hangingPunct="1"/>
-                      <a:r>
-                        <a:rPr lang="nb-NO" sz="500" u="none" strike="noStrike" kern="1200">
+              <a:tr h="110783">
+                <a:tc>
+                  <a:txBody>
+                    <a:bodyPr/>
+                    <a:lstStyle/>
+                    <a:p>
+                      <a:pPr marL="0" algn="ctr" defTabSz="914400" rtl="0" eaLnBrk="1" fontAlgn="b" latinLnBrk="0" hangingPunct="1"/>
+                      <a:r>
+                        <a:rPr lang="nb-NO" sz="600" u="none" strike="noStrike" kern="1200">
                           <a:solidFill>
                             <a:schemeClr val="dk1"/>
                           </a:solidFill>
@@ -5468,7 +5468,7 @@
                       </a:r>
                     </a:p>
                   </a:txBody>
-                  <a:tcPr marL="9525" marR="9525" marT="9525" marB="0" anchor="b"/>
+                  <a:tcPr marL="12309" marR="12309" marT="12309" marB="0" anchor="b"/>
                 </a:tc>
                 <a:extLst>
                   <a:ext uri="{0D108BD9-81ED-4DB2-BD59-A6C34878D82A}">
@@ -5476,15 +5476,15 @@
                   </a:ext>
                 </a:extLst>
               </a:tr>
-              <a:tr h="85710">
-                <a:tc>
-                  <a:txBody>
-                    <a:bodyPr/>
-                    <a:lstStyle/>
-                    <a:p>
-                      <a:pPr marL="0" algn="ctr" defTabSz="914400" rtl="0" eaLnBrk="1" fontAlgn="b" latinLnBrk="0" hangingPunct="1"/>
-                      <a:r>
-                        <a:rPr lang="nb-NO" sz="500" u="none" strike="noStrike" kern="1200" dirty="0">
+              <a:tr h="110783">
+                <a:tc>
+                  <a:txBody>
+                    <a:bodyPr/>
+                    <a:lstStyle/>
+                    <a:p>
+                      <a:pPr marL="0" algn="ctr" defTabSz="914400" rtl="0" eaLnBrk="1" fontAlgn="b" latinLnBrk="0" hangingPunct="1"/>
+                      <a:r>
+                        <a:rPr lang="nb-NO" sz="600" u="none" strike="noStrike" kern="1200" dirty="0">
                           <a:solidFill>
                             <a:schemeClr val="dk1"/>
                           </a:solidFill>
@@ -5497,7 +5497,7 @@
                       </a:r>
                     </a:p>
                   </a:txBody>
-                  <a:tcPr marL="9525" marR="9525" marT="9525" marB="0" anchor="b"/>
+                  <a:tcPr marL="12309" marR="12309" marT="12309" marB="0" anchor="b"/>
                 </a:tc>
                 <a:extLst>
                   <a:ext uri="{0D108BD9-81ED-4DB2-BD59-A6C34878D82A}">
@@ -5505,15 +5505,15 @@
                   </a:ext>
                 </a:extLst>
               </a:tr>
-              <a:tr h="85710">
-                <a:tc>
-                  <a:txBody>
-                    <a:bodyPr/>
-                    <a:lstStyle/>
-                    <a:p>
-                      <a:pPr marL="0" algn="ctr" defTabSz="914400" rtl="0" eaLnBrk="1" fontAlgn="b" latinLnBrk="0" hangingPunct="1"/>
-                      <a:r>
-                        <a:rPr lang="nb-NO" sz="500" u="none" strike="noStrike" kern="1200" dirty="0">
+              <a:tr h="110783">
+                <a:tc>
+                  <a:txBody>
+                    <a:bodyPr/>
+                    <a:lstStyle/>
+                    <a:p>
+                      <a:pPr marL="0" algn="ctr" defTabSz="914400" rtl="0" eaLnBrk="1" fontAlgn="b" latinLnBrk="0" hangingPunct="1"/>
+                      <a:r>
+                        <a:rPr lang="nb-NO" sz="600" u="none" strike="noStrike" kern="1200" dirty="0">
                           <a:solidFill>
                             <a:schemeClr val="dk1"/>
                           </a:solidFill>
@@ -5526,7 +5526,7 @@
                       </a:r>
                     </a:p>
                   </a:txBody>
-                  <a:tcPr marL="9525" marR="9525" marT="9525" marB="0" anchor="b"/>
+                  <a:tcPr marL="12309" marR="12309" marT="12309" marB="0" anchor="b"/>
                 </a:tc>
                 <a:extLst>
                   <a:ext uri="{0D108BD9-81ED-4DB2-BD59-A6C34878D82A}">
@@ -5534,15 +5534,15 @@
                   </a:ext>
                 </a:extLst>
               </a:tr>
-              <a:tr h="85710">
-                <a:tc>
-                  <a:txBody>
-                    <a:bodyPr/>
-                    <a:lstStyle/>
-                    <a:p>
-                      <a:pPr marL="0" algn="ctr" defTabSz="914400" rtl="0" eaLnBrk="1" fontAlgn="b" latinLnBrk="0" hangingPunct="1"/>
-                      <a:r>
-                        <a:rPr lang="nb-NO" sz="500" u="none" strike="noStrike" kern="1200" dirty="0">
+              <a:tr h="110783">
+                <a:tc>
+                  <a:txBody>
+                    <a:bodyPr/>
+                    <a:lstStyle/>
+                    <a:p>
+                      <a:pPr marL="0" algn="ctr" defTabSz="914400" rtl="0" eaLnBrk="1" fontAlgn="b" latinLnBrk="0" hangingPunct="1"/>
+                      <a:r>
+                        <a:rPr lang="nb-NO" sz="600" u="none" strike="noStrike" kern="1200" dirty="0">
                           <a:solidFill>
                             <a:schemeClr val="dk1"/>
                           </a:solidFill>
@@ -5555,7 +5555,7 @@
                       </a:r>
                     </a:p>
                   </a:txBody>
-                  <a:tcPr marL="9525" marR="9525" marT="9525" marB="0" anchor="b"/>
+                  <a:tcPr marL="12309" marR="12309" marT="12309" marB="0" anchor="b"/>
                 </a:tc>
                 <a:extLst>
                   <a:ext uri="{0D108BD9-81ED-4DB2-BD59-A6C34878D82A}">
@@ -5563,15 +5563,15 @@
                   </a:ext>
                 </a:extLst>
               </a:tr>
-              <a:tr h="85710">
-                <a:tc>
-                  <a:txBody>
-                    <a:bodyPr/>
-                    <a:lstStyle/>
-                    <a:p>
-                      <a:pPr marL="0" algn="ctr" defTabSz="914400" rtl="0" eaLnBrk="1" fontAlgn="b" latinLnBrk="0" hangingPunct="1"/>
-                      <a:r>
-                        <a:rPr lang="nb-NO" sz="500" u="none" strike="noStrike" kern="1200" dirty="0">
+              <a:tr h="110783">
+                <a:tc>
+                  <a:txBody>
+                    <a:bodyPr/>
+                    <a:lstStyle/>
+                    <a:p>
+                      <a:pPr marL="0" algn="ctr" defTabSz="914400" rtl="0" eaLnBrk="1" fontAlgn="b" latinLnBrk="0" hangingPunct="1"/>
+                      <a:r>
+                        <a:rPr lang="nb-NO" sz="600" u="none" strike="noStrike" kern="1200" dirty="0">
                           <a:solidFill>
                             <a:schemeClr val="dk1"/>
                           </a:solidFill>
@@ -5584,7 +5584,7 @@
                       </a:r>
                     </a:p>
                   </a:txBody>
-                  <a:tcPr marL="9525" marR="9525" marT="9525" marB="0" anchor="b"/>
+                  <a:tcPr marL="12309" marR="12309" marT="12309" marB="0" anchor="b"/>
                 </a:tc>
                 <a:extLst>
                   <a:ext uri="{0D108BD9-81ED-4DB2-BD59-A6C34878D82A}">
@@ -5592,15 +5592,15 @@
                   </a:ext>
                 </a:extLst>
               </a:tr>
-              <a:tr h="85710">
-                <a:tc>
-                  <a:txBody>
-                    <a:bodyPr/>
-                    <a:lstStyle/>
-                    <a:p>
-                      <a:pPr marL="0" algn="ctr" defTabSz="914400" rtl="0" eaLnBrk="1" fontAlgn="b" latinLnBrk="0" hangingPunct="1"/>
-                      <a:r>
-                        <a:rPr lang="nb-NO" sz="500" u="none" strike="noStrike" kern="1200" dirty="0">
+              <a:tr h="110783">
+                <a:tc>
+                  <a:txBody>
+                    <a:bodyPr/>
+                    <a:lstStyle/>
+                    <a:p>
+                      <a:pPr marL="0" algn="ctr" defTabSz="914400" rtl="0" eaLnBrk="1" fontAlgn="b" latinLnBrk="0" hangingPunct="1"/>
+                      <a:r>
+                        <a:rPr lang="nb-NO" sz="600" u="none" strike="noStrike" kern="1200" dirty="0">
                           <a:solidFill>
                             <a:schemeClr val="dk1"/>
                           </a:solidFill>
@@ -5613,7 +5613,7 @@
                       </a:r>
                     </a:p>
                   </a:txBody>
-                  <a:tcPr marL="9525" marR="9525" marT="9525" marB="0" anchor="b"/>
+                  <a:tcPr marL="12309" marR="12309" marT="12309" marB="0" anchor="b"/>
                 </a:tc>
                 <a:extLst>
                   <a:ext uri="{0D108BD9-81ED-4DB2-BD59-A6C34878D82A}">
@@ -5621,15 +5621,15 @@
                   </a:ext>
                 </a:extLst>
               </a:tr>
-              <a:tr h="85710">
-                <a:tc>
-                  <a:txBody>
-                    <a:bodyPr/>
-                    <a:lstStyle/>
-                    <a:p>
-                      <a:pPr marL="0" algn="ctr" defTabSz="914400" rtl="0" eaLnBrk="1" fontAlgn="b" latinLnBrk="0" hangingPunct="1"/>
-                      <a:r>
-                        <a:rPr lang="nb-NO" sz="500" u="none" strike="noStrike" kern="1200" dirty="0">
+              <a:tr h="110783">
+                <a:tc>
+                  <a:txBody>
+                    <a:bodyPr/>
+                    <a:lstStyle/>
+                    <a:p>
+                      <a:pPr marL="0" algn="ctr" defTabSz="914400" rtl="0" eaLnBrk="1" fontAlgn="b" latinLnBrk="0" hangingPunct="1"/>
+                      <a:r>
+                        <a:rPr lang="nb-NO" sz="600" u="none" strike="noStrike" kern="1200" dirty="0">
                           <a:solidFill>
                             <a:schemeClr val="dk1"/>
                           </a:solidFill>
@@ -5642,7 +5642,7 @@
                       </a:r>
                     </a:p>
                   </a:txBody>
-                  <a:tcPr marL="9525" marR="9525" marT="9525" marB="0" anchor="b"/>
+                  <a:tcPr marL="12309" marR="12309" marT="12309" marB="0" anchor="b"/>
                 </a:tc>
                 <a:extLst>
                   <a:ext uri="{0D108BD9-81ED-4DB2-BD59-A6C34878D82A}">
@@ -5650,15 +5650,15 @@
                   </a:ext>
                 </a:extLst>
               </a:tr>
-              <a:tr h="85710">
-                <a:tc>
-                  <a:txBody>
-                    <a:bodyPr/>
-                    <a:lstStyle/>
-                    <a:p>
-                      <a:pPr marL="0" algn="ctr" defTabSz="914400" rtl="0" eaLnBrk="1" fontAlgn="b" latinLnBrk="0" hangingPunct="1"/>
-                      <a:r>
-                        <a:rPr lang="nb-NO" sz="500" u="none" strike="noStrike" kern="1200" dirty="0">
+              <a:tr h="110783">
+                <a:tc>
+                  <a:txBody>
+                    <a:bodyPr/>
+                    <a:lstStyle/>
+                    <a:p>
+                      <a:pPr marL="0" algn="ctr" defTabSz="914400" rtl="0" eaLnBrk="1" fontAlgn="b" latinLnBrk="0" hangingPunct="1"/>
+                      <a:r>
+                        <a:rPr lang="nb-NO" sz="600" u="none" strike="noStrike" kern="1200" dirty="0">
                           <a:solidFill>
                             <a:schemeClr val="dk1"/>
                           </a:solidFill>
@@ -5671,7 +5671,7 @@
                       </a:r>
                     </a:p>
                   </a:txBody>
-                  <a:tcPr marL="9525" marR="9525" marT="9525" marB="0" anchor="b"/>
+                  <a:tcPr marL="12309" marR="12309" marT="12309" marB="0" anchor="b"/>
                 </a:tc>
                 <a:extLst>
                   <a:ext uri="{0D108BD9-81ED-4DB2-BD59-A6C34878D82A}">
@@ -5679,15 +5679,15 @@
                   </a:ext>
                 </a:extLst>
               </a:tr>
-              <a:tr h="85710">
-                <a:tc>
-                  <a:txBody>
-                    <a:bodyPr/>
-                    <a:lstStyle/>
-                    <a:p>
-                      <a:pPr marL="0" algn="ctr" defTabSz="914400" rtl="0" eaLnBrk="1" fontAlgn="b" latinLnBrk="0" hangingPunct="1"/>
-                      <a:r>
-                        <a:rPr lang="nb-NO" sz="500" u="none" strike="noStrike" kern="1200" dirty="0">
+              <a:tr h="110783">
+                <a:tc>
+                  <a:txBody>
+                    <a:bodyPr/>
+                    <a:lstStyle/>
+                    <a:p>
+                      <a:pPr marL="0" algn="ctr" defTabSz="914400" rtl="0" eaLnBrk="1" fontAlgn="b" latinLnBrk="0" hangingPunct="1"/>
+                      <a:r>
+                        <a:rPr lang="nb-NO" sz="600" u="none" strike="noStrike" kern="1200" dirty="0">
                           <a:solidFill>
                             <a:schemeClr val="dk1"/>
                           </a:solidFill>
@@ -5700,7 +5700,7 @@
                       </a:r>
                     </a:p>
                   </a:txBody>
-                  <a:tcPr marL="9525" marR="9525" marT="9525" marB="0" anchor="b"/>
+                  <a:tcPr marL="12309" marR="12309" marT="12309" marB="0" anchor="b"/>
                 </a:tc>
                 <a:extLst>
                   <a:ext uri="{0D108BD9-81ED-4DB2-BD59-A6C34878D82A}">
@@ -5708,15 +5708,15 @@
                   </a:ext>
                 </a:extLst>
               </a:tr>
-              <a:tr h="85710">
-                <a:tc>
-                  <a:txBody>
-                    <a:bodyPr/>
-                    <a:lstStyle/>
-                    <a:p>
-                      <a:pPr marL="0" algn="ctr" defTabSz="914400" rtl="0" eaLnBrk="1" fontAlgn="b" latinLnBrk="0" hangingPunct="1"/>
-                      <a:r>
-                        <a:rPr lang="nb-NO" sz="500" u="none" strike="noStrike" kern="1200" dirty="0">
+              <a:tr h="110783">
+                <a:tc>
+                  <a:txBody>
+                    <a:bodyPr/>
+                    <a:lstStyle/>
+                    <a:p>
+                      <a:pPr marL="0" algn="ctr" defTabSz="914400" rtl="0" eaLnBrk="1" fontAlgn="b" latinLnBrk="0" hangingPunct="1"/>
+                      <a:r>
+                        <a:rPr lang="nb-NO" sz="600" u="none" strike="noStrike" kern="1200" dirty="0">
                           <a:solidFill>
                             <a:schemeClr val="dk1"/>
                           </a:solidFill>
@@ -5729,7 +5729,7 @@
                       </a:r>
                     </a:p>
                   </a:txBody>
-                  <a:tcPr marL="9525" marR="9525" marT="9525" marB="0" anchor="b"/>
+                  <a:tcPr marL="12309" marR="12309" marT="12309" marB="0" anchor="b"/>
                 </a:tc>
                 <a:extLst>
                   <a:ext uri="{0D108BD9-81ED-4DB2-BD59-A6C34878D82A}">
@@ -5737,15 +5737,15 @@
                   </a:ext>
                 </a:extLst>
               </a:tr>
-              <a:tr h="85710">
-                <a:tc>
-                  <a:txBody>
-                    <a:bodyPr/>
-                    <a:lstStyle/>
-                    <a:p>
-                      <a:pPr marL="0" algn="ctr" defTabSz="914400" rtl="0" eaLnBrk="1" fontAlgn="b" latinLnBrk="0" hangingPunct="1"/>
-                      <a:r>
-                        <a:rPr lang="nb-NO" sz="500" u="none" strike="noStrike" kern="1200" dirty="0">
+              <a:tr h="110783">
+                <a:tc>
+                  <a:txBody>
+                    <a:bodyPr/>
+                    <a:lstStyle/>
+                    <a:p>
+                      <a:pPr marL="0" algn="ctr" defTabSz="914400" rtl="0" eaLnBrk="1" fontAlgn="b" latinLnBrk="0" hangingPunct="1"/>
+                      <a:r>
+                        <a:rPr lang="nb-NO" sz="600" u="none" strike="noStrike" kern="1200" dirty="0">
                           <a:solidFill>
                             <a:schemeClr val="dk1"/>
                           </a:solidFill>
@@ -5758,7 +5758,7 @@
                       </a:r>
                     </a:p>
                   </a:txBody>
-                  <a:tcPr marL="9525" marR="9525" marT="9525" marB="0" anchor="b"/>
+                  <a:tcPr marL="12309" marR="12309" marT="12309" marB="0" anchor="b"/>
                 </a:tc>
                 <a:extLst>
                   <a:ext uri="{0D108BD9-81ED-4DB2-BD59-A6C34878D82A}">
@@ -5766,15 +5766,15 @@
                   </a:ext>
                 </a:extLst>
               </a:tr>
-              <a:tr h="85710">
-                <a:tc>
-                  <a:txBody>
-                    <a:bodyPr/>
-                    <a:lstStyle/>
-                    <a:p>
-                      <a:pPr marL="0" algn="ctr" defTabSz="914400" rtl="0" eaLnBrk="1" fontAlgn="b" latinLnBrk="0" hangingPunct="1"/>
-                      <a:r>
-                        <a:rPr lang="nb-NO" sz="500" u="none" strike="noStrike" kern="1200" dirty="0">
+              <a:tr h="110783">
+                <a:tc>
+                  <a:txBody>
+                    <a:bodyPr/>
+                    <a:lstStyle/>
+                    <a:p>
+                      <a:pPr marL="0" algn="ctr" defTabSz="914400" rtl="0" eaLnBrk="1" fontAlgn="b" latinLnBrk="0" hangingPunct="1"/>
+                      <a:r>
+                        <a:rPr lang="nb-NO" sz="600" u="none" strike="noStrike" kern="1200" dirty="0">
                           <a:solidFill>
                             <a:schemeClr val="dk1"/>
                           </a:solidFill>
@@ -5787,7 +5787,7 @@
                       </a:r>
                     </a:p>
                   </a:txBody>
-                  <a:tcPr marL="9525" marR="9525" marT="9525" marB="0" anchor="b"/>
+                  <a:tcPr marL="12309" marR="12309" marT="12309" marB="0" anchor="b"/>
                 </a:tc>
                 <a:extLst>
                   <a:ext uri="{0D108BD9-81ED-4DB2-BD59-A6C34878D82A}">
@@ -5795,15 +5795,15 @@
                   </a:ext>
                 </a:extLst>
               </a:tr>
-              <a:tr h="85710">
-                <a:tc>
-                  <a:txBody>
-                    <a:bodyPr/>
-                    <a:lstStyle/>
-                    <a:p>
-                      <a:pPr marL="0" algn="ctr" defTabSz="914400" rtl="0" eaLnBrk="1" fontAlgn="b" latinLnBrk="0" hangingPunct="1"/>
-                      <a:r>
-                        <a:rPr lang="nb-NO" sz="500" u="none" strike="noStrike" kern="1200" dirty="0">
+              <a:tr h="110783">
+                <a:tc>
+                  <a:txBody>
+                    <a:bodyPr/>
+                    <a:lstStyle/>
+                    <a:p>
+                      <a:pPr marL="0" algn="ctr" defTabSz="914400" rtl="0" eaLnBrk="1" fontAlgn="b" latinLnBrk="0" hangingPunct="1"/>
+                      <a:r>
+                        <a:rPr lang="nb-NO" sz="600" u="none" strike="noStrike" kern="1200" dirty="0">
                           <a:solidFill>
                             <a:schemeClr val="dk1"/>
                           </a:solidFill>
@@ -5816,7 +5816,7 @@
                       </a:r>
                     </a:p>
                   </a:txBody>
-                  <a:tcPr marL="9525" marR="9525" marT="9525" marB="0" anchor="b"/>
+                  <a:tcPr marL="12309" marR="12309" marT="12309" marB="0" anchor="b"/>
                 </a:tc>
                 <a:extLst>
                   <a:ext uri="{0D108BD9-81ED-4DB2-BD59-A6C34878D82A}">
@@ -5824,15 +5824,15 @@
                   </a:ext>
                 </a:extLst>
               </a:tr>
-              <a:tr h="85710">
-                <a:tc>
-                  <a:txBody>
-                    <a:bodyPr/>
-                    <a:lstStyle/>
-                    <a:p>
-                      <a:pPr marL="0" algn="ctr" defTabSz="914400" rtl="0" eaLnBrk="1" fontAlgn="b" latinLnBrk="0" hangingPunct="1"/>
-                      <a:r>
-                        <a:rPr lang="nb-NO" sz="500" u="none" strike="noStrike" kern="1200" dirty="0">
+              <a:tr h="110783">
+                <a:tc>
+                  <a:txBody>
+                    <a:bodyPr/>
+                    <a:lstStyle/>
+                    <a:p>
+                      <a:pPr marL="0" algn="ctr" defTabSz="914400" rtl="0" eaLnBrk="1" fontAlgn="b" latinLnBrk="0" hangingPunct="1"/>
+                      <a:r>
+                        <a:rPr lang="nb-NO" sz="600" u="none" strike="noStrike" kern="1200" dirty="0">
                           <a:solidFill>
                             <a:schemeClr val="dk1"/>
                           </a:solidFill>
@@ -5845,7 +5845,7 @@
                       </a:r>
                     </a:p>
                   </a:txBody>
-                  <a:tcPr marL="9525" marR="9525" marT="9525" marB="0" anchor="b"/>
+                  <a:tcPr marL="12309" marR="12309" marT="12309" marB="0" anchor="b"/>
                 </a:tc>
                 <a:extLst>
                   <a:ext uri="{0D108BD9-81ED-4DB2-BD59-A6C34878D82A}">
@@ -5853,15 +5853,15 @@
                   </a:ext>
                 </a:extLst>
               </a:tr>
-              <a:tr h="85710">
-                <a:tc>
-                  <a:txBody>
-                    <a:bodyPr/>
-                    <a:lstStyle/>
-                    <a:p>
-                      <a:pPr marL="0" algn="ctr" defTabSz="914400" rtl="0" eaLnBrk="1" fontAlgn="b" latinLnBrk="0" hangingPunct="1"/>
-                      <a:r>
-                        <a:rPr lang="nb-NO" sz="500" u="none" strike="noStrike" kern="1200" dirty="0">
+              <a:tr h="110783">
+                <a:tc>
+                  <a:txBody>
+                    <a:bodyPr/>
+                    <a:lstStyle/>
+                    <a:p>
+                      <a:pPr marL="0" algn="ctr" defTabSz="914400" rtl="0" eaLnBrk="1" fontAlgn="b" latinLnBrk="0" hangingPunct="1"/>
+                      <a:r>
+                        <a:rPr lang="nb-NO" sz="600" u="none" strike="noStrike" kern="1200" dirty="0">
                           <a:solidFill>
                             <a:schemeClr val="dk1"/>
                           </a:solidFill>
@@ -5874,7 +5874,7 @@
                       </a:r>
                     </a:p>
                   </a:txBody>
-                  <a:tcPr marL="9525" marR="9525" marT="9525" marB="0" anchor="b"/>
+                  <a:tcPr marL="12309" marR="12309" marT="12309" marB="0" anchor="b"/>
                 </a:tc>
                 <a:extLst>
                   <a:ext uri="{0D108BD9-81ED-4DB2-BD59-A6C34878D82A}">
@@ -5882,15 +5882,15 @@
                   </a:ext>
                 </a:extLst>
               </a:tr>
-              <a:tr h="85710">
-                <a:tc>
-                  <a:txBody>
-                    <a:bodyPr/>
-                    <a:lstStyle/>
-                    <a:p>
-                      <a:pPr marL="0" algn="ctr" defTabSz="914400" rtl="0" eaLnBrk="1" fontAlgn="b" latinLnBrk="0" hangingPunct="1"/>
-                      <a:r>
-                        <a:rPr lang="nb-NO" sz="500" u="none" strike="noStrike" kern="1200">
+              <a:tr h="110783">
+                <a:tc>
+                  <a:txBody>
+                    <a:bodyPr/>
+                    <a:lstStyle/>
+                    <a:p>
+                      <a:pPr marL="0" algn="ctr" defTabSz="914400" rtl="0" eaLnBrk="1" fontAlgn="b" latinLnBrk="0" hangingPunct="1"/>
+                      <a:r>
+                        <a:rPr lang="nb-NO" sz="600" u="none" strike="noStrike" kern="1200">
                           <a:solidFill>
                             <a:schemeClr val="dk1"/>
                           </a:solidFill>
@@ -5903,7 +5903,7 @@
                       </a:r>
                     </a:p>
                   </a:txBody>
-                  <a:tcPr marL="9525" marR="9525" marT="9525" marB="0" anchor="b"/>
+                  <a:tcPr marL="12309" marR="12309" marT="12309" marB="0" anchor="b"/>
                 </a:tc>
                 <a:extLst>
                   <a:ext uri="{0D108BD9-81ED-4DB2-BD59-A6C34878D82A}">
@@ -5911,15 +5911,15 @@
                   </a:ext>
                 </a:extLst>
               </a:tr>
-              <a:tr h="85710">
-                <a:tc>
-                  <a:txBody>
-                    <a:bodyPr/>
-                    <a:lstStyle/>
-                    <a:p>
-                      <a:pPr marL="0" algn="ctr" defTabSz="914400" rtl="0" eaLnBrk="1" fontAlgn="b" latinLnBrk="0" hangingPunct="1"/>
-                      <a:r>
-                        <a:rPr lang="nb-NO" sz="500" u="none" strike="noStrike" kern="1200" dirty="0">
+              <a:tr h="110783">
+                <a:tc>
+                  <a:txBody>
+                    <a:bodyPr/>
+                    <a:lstStyle/>
+                    <a:p>
+                      <a:pPr marL="0" algn="ctr" defTabSz="914400" rtl="0" eaLnBrk="1" fontAlgn="b" latinLnBrk="0" hangingPunct="1"/>
+                      <a:r>
+                        <a:rPr lang="nb-NO" sz="600" u="none" strike="noStrike" kern="1200" dirty="0">
                           <a:solidFill>
                             <a:schemeClr val="dk1"/>
                           </a:solidFill>
@@ -5932,7 +5932,7 @@
                       </a:r>
                     </a:p>
                   </a:txBody>
-                  <a:tcPr marL="9525" marR="9525" marT="9525" marB="0" anchor="b"/>
+                  <a:tcPr marL="12309" marR="12309" marT="12309" marB="0" anchor="b"/>
                 </a:tc>
                 <a:extLst>
                   <a:ext uri="{0D108BD9-81ED-4DB2-BD59-A6C34878D82A}">
@@ -5940,15 +5940,15 @@
                   </a:ext>
                 </a:extLst>
               </a:tr>
-              <a:tr h="85710">
-                <a:tc>
-                  <a:txBody>
-                    <a:bodyPr/>
-                    <a:lstStyle/>
-                    <a:p>
-                      <a:pPr marL="0" algn="ctr" defTabSz="914400" rtl="0" eaLnBrk="1" fontAlgn="b" latinLnBrk="0" hangingPunct="1"/>
-                      <a:r>
-                        <a:rPr lang="nb-NO" sz="500" u="none" strike="noStrike" kern="1200" dirty="0">
+              <a:tr h="110783">
+                <a:tc>
+                  <a:txBody>
+                    <a:bodyPr/>
+                    <a:lstStyle/>
+                    <a:p>
+                      <a:pPr marL="0" algn="ctr" defTabSz="914400" rtl="0" eaLnBrk="1" fontAlgn="b" latinLnBrk="0" hangingPunct="1"/>
+                      <a:r>
+                        <a:rPr lang="nb-NO" sz="600" u="none" strike="noStrike" kern="1200" dirty="0">
                           <a:solidFill>
                             <a:schemeClr val="dk1"/>
                           </a:solidFill>
@@ -5961,7 +5961,7 @@
                       </a:r>
                     </a:p>
                   </a:txBody>
-                  <a:tcPr marL="9525" marR="9525" marT="9525" marB="0" anchor="b"/>
+                  <a:tcPr marL="12309" marR="12309" marT="12309" marB="0" anchor="b"/>
                 </a:tc>
                 <a:extLst>
                   <a:ext uri="{0D108BD9-81ED-4DB2-BD59-A6C34878D82A}">
@@ -5969,15 +5969,15 @@
                   </a:ext>
                 </a:extLst>
               </a:tr>
-              <a:tr h="85710">
-                <a:tc>
-                  <a:txBody>
-                    <a:bodyPr/>
-                    <a:lstStyle/>
-                    <a:p>
-                      <a:pPr marL="0" algn="ctr" defTabSz="914400" rtl="0" eaLnBrk="1" fontAlgn="b" latinLnBrk="0" hangingPunct="1"/>
-                      <a:r>
-                        <a:rPr lang="nb-NO" sz="500" u="none" strike="noStrike" kern="1200" dirty="0">
+              <a:tr h="110783">
+                <a:tc>
+                  <a:txBody>
+                    <a:bodyPr/>
+                    <a:lstStyle/>
+                    <a:p>
+                      <a:pPr marL="0" algn="ctr" defTabSz="914400" rtl="0" eaLnBrk="1" fontAlgn="b" latinLnBrk="0" hangingPunct="1"/>
+                      <a:r>
+                        <a:rPr lang="nb-NO" sz="600" u="none" strike="noStrike" kern="1200" dirty="0">
                           <a:solidFill>
                             <a:schemeClr val="dk1"/>
                           </a:solidFill>
@@ -5990,7 +5990,7 @@
                       </a:r>
                     </a:p>
                   </a:txBody>
-                  <a:tcPr marL="9525" marR="9525" marT="9525" marB="0" anchor="b"/>
+                  <a:tcPr marL="12309" marR="12309" marT="12309" marB="0" anchor="b"/>
                 </a:tc>
                 <a:extLst>
                   <a:ext uri="{0D108BD9-81ED-4DB2-BD59-A6C34878D82A}">
@@ -5998,15 +5998,15 @@
                   </a:ext>
                 </a:extLst>
               </a:tr>
-              <a:tr h="85710">
-                <a:tc>
-                  <a:txBody>
-                    <a:bodyPr/>
-                    <a:lstStyle/>
-                    <a:p>
-                      <a:pPr marL="0" algn="ctr" defTabSz="914400" rtl="0" eaLnBrk="1" fontAlgn="b" latinLnBrk="0" hangingPunct="1"/>
-                      <a:r>
-                        <a:rPr lang="nb-NO" sz="500" u="none" strike="noStrike" kern="1200" dirty="0">
+              <a:tr h="110783">
+                <a:tc>
+                  <a:txBody>
+                    <a:bodyPr/>
+                    <a:lstStyle/>
+                    <a:p>
+                      <a:pPr marL="0" algn="ctr" defTabSz="914400" rtl="0" eaLnBrk="1" fontAlgn="b" latinLnBrk="0" hangingPunct="1"/>
+                      <a:r>
+                        <a:rPr lang="nb-NO" sz="600" u="none" strike="noStrike" kern="1200" dirty="0">
                           <a:solidFill>
                             <a:schemeClr val="dk1"/>
                           </a:solidFill>
@@ -6019,7 +6019,7 @@
                       </a:r>
                     </a:p>
                   </a:txBody>
-                  <a:tcPr marL="9525" marR="9525" marT="9525" marB="0" anchor="b"/>
+                  <a:tcPr marL="12309" marR="12309" marT="12309" marB="0" anchor="b"/>
                 </a:tc>
                 <a:extLst>
                   <a:ext uri="{0D108BD9-81ED-4DB2-BD59-A6C34878D82A}">
@@ -6027,15 +6027,15 @@
                   </a:ext>
                 </a:extLst>
               </a:tr>
-              <a:tr h="85710">
-                <a:tc>
-                  <a:txBody>
-                    <a:bodyPr/>
-                    <a:lstStyle/>
-                    <a:p>
-                      <a:pPr marL="0" algn="ctr" defTabSz="914400" rtl="0" eaLnBrk="1" fontAlgn="b" latinLnBrk="0" hangingPunct="1"/>
-                      <a:r>
-                        <a:rPr lang="nb-NO" sz="500" u="none" strike="noStrike" kern="1200" dirty="0">
+              <a:tr h="110783">
+                <a:tc>
+                  <a:txBody>
+                    <a:bodyPr/>
+                    <a:lstStyle/>
+                    <a:p>
+                      <a:pPr marL="0" algn="ctr" defTabSz="914400" rtl="0" eaLnBrk="1" fontAlgn="b" latinLnBrk="0" hangingPunct="1"/>
+                      <a:r>
+                        <a:rPr lang="nb-NO" sz="600" u="none" strike="noStrike" kern="1200" dirty="0">
                           <a:solidFill>
                             <a:schemeClr val="dk1"/>
                           </a:solidFill>
@@ -6048,7 +6048,7 @@
                       </a:r>
                     </a:p>
                   </a:txBody>
-                  <a:tcPr marL="9525" marR="9525" marT="9525" marB="0" anchor="b"/>
+                  <a:tcPr marL="12309" marR="12309" marT="12309" marB="0" anchor="b"/>
                 </a:tc>
                 <a:extLst>
                   <a:ext uri="{0D108BD9-81ED-4DB2-BD59-A6C34878D82A}">
@@ -6056,15 +6056,15 @@
                   </a:ext>
                 </a:extLst>
               </a:tr>
-              <a:tr h="85710">
-                <a:tc>
-                  <a:txBody>
-                    <a:bodyPr/>
-                    <a:lstStyle/>
-                    <a:p>
-                      <a:pPr marL="0" algn="ctr" defTabSz="914400" rtl="0" eaLnBrk="1" fontAlgn="b" latinLnBrk="0" hangingPunct="1"/>
-                      <a:r>
-                        <a:rPr lang="nb-NO" sz="500" u="none" strike="noStrike" kern="1200" dirty="0">
+              <a:tr h="110783">
+                <a:tc>
+                  <a:txBody>
+                    <a:bodyPr/>
+                    <a:lstStyle/>
+                    <a:p>
+                      <a:pPr marL="0" algn="ctr" defTabSz="914400" rtl="0" eaLnBrk="1" fontAlgn="b" latinLnBrk="0" hangingPunct="1"/>
+                      <a:r>
+                        <a:rPr lang="nb-NO" sz="600" u="none" strike="noStrike" kern="1200" dirty="0">
                           <a:solidFill>
                             <a:schemeClr val="dk1"/>
                           </a:solidFill>
@@ -6077,7 +6077,7 @@
                       </a:r>
                     </a:p>
                   </a:txBody>
-                  <a:tcPr marL="9525" marR="9525" marT="9525" marB="0" anchor="b"/>
+                  <a:tcPr marL="12309" marR="12309" marT="12309" marB="0" anchor="b"/>
                 </a:tc>
                 <a:extLst>
                   <a:ext uri="{0D108BD9-81ED-4DB2-BD59-A6C34878D82A}">
@@ -6085,15 +6085,15 @@
                   </a:ext>
                 </a:extLst>
               </a:tr>
-              <a:tr h="85710">
-                <a:tc>
-                  <a:txBody>
-                    <a:bodyPr/>
-                    <a:lstStyle/>
-                    <a:p>
-                      <a:pPr marL="0" algn="ctr" defTabSz="914400" rtl="0" eaLnBrk="1" fontAlgn="b" latinLnBrk="0" hangingPunct="1"/>
-                      <a:r>
-                        <a:rPr lang="nb-NO" sz="500" u="none" strike="noStrike" kern="1200" dirty="0">
+              <a:tr h="110783">
+                <a:tc>
+                  <a:txBody>
+                    <a:bodyPr/>
+                    <a:lstStyle/>
+                    <a:p>
+                      <a:pPr marL="0" algn="ctr" defTabSz="914400" rtl="0" eaLnBrk="1" fontAlgn="b" latinLnBrk="0" hangingPunct="1"/>
+                      <a:r>
+                        <a:rPr lang="nb-NO" sz="600" u="none" strike="noStrike" kern="1200" dirty="0">
                           <a:solidFill>
                             <a:schemeClr val="dk1"/>
                           </a:solidFill>
@@ -6106,7 +6106,7 @@
                       </a:r>
                     </a:p>
                   </a:txBody>
-                  <a:tcPr marL="9525" marR="9525" marT="9525" marB="0" anchor="b"/>
+                  <a:tcPr marL="12309" marR="12309" marT="12309" marB="0" anchor="b"/>
                 </a:tc>
                 <a:extLst>
                   <a:ext uri="{0D108BD9-81ED-4DB2-BD59-A6C34878D82A}">
@@ -6114,15 +6114,15 @@
                   </a:ext>
                 </a:extLst>
               </a:tr>
-              <a:tr h="85710">
-                <a:tc>
-                  <a:txBody>
-                    <a:bodyPr/>
-                    <a:lstStyle/>
-                    <a:p>
-                      <a:pPr marL="0" algn="ctr" defTabSz="914400" rtl="0" eaLnBrk="1" fontAlgn="b" latinLnBrk="0" hangingPunct="1"/>
-                      <a:r>
-                        <a:rPr lang="nb-NO" sz="500" u="none" strike="noStrike" kern="1200" dirty="0">
+              <a:tr h="110783">
+                <a:tc>
+                  <a:txBody>
+                    <a:bodyPr/>
+                    <a:lstStyle/>
+                    <a:p>
+                      <a:pPr marL="0" algn="ctr" defTabSz="914400" rtl="0" eaLnBrk="1" fontAlgn="b" latinLnBrk="0" hangingPunct="1"/>
+                      <a:r>
+                        <a:rPr lang="nb-NO" sz="600" u="none" strike="noStrike" kern="1200" dirty="0">
                           <a:solidFill>
                             <a:schemeClr val="dk1"/>
                           </a:solidFill>
@@ -6135,7 +6135,7 @@
                       </a:r>
                     </a:p>
                   </a:txBody>
-                  <a:tcPr marL="9525" marR="9525" marT="9525" marB="0" anchor="b"/>
+                  <a:tcPr marL="12309" marR="12309" marT="12309" marB="0" anchor="b"/>
                 </a:tc>
                 <a:extLst>
                   <a:ext uri="{0D108BD9-81ED-4DB2-BD59-A6C34878D82A}">
@@ -6143,15 +6143,15 @@
                   </a:ext>
                 </a:extLst>
               </a:tr>
-              <a:tr h="85710">
-                <a:tc>
-                  <a:txBody>
-                    <a:bodyPr/>
-                    <a:lstStyle/>
-                    <a:p>
-                      <a:pPr marL="0" algn="ctr" defTabSz="914400" rtl="0" eaLnBrk="1" fontAlgn="b" latinLnBrk="0" hangingPunct="1"/>
-                      <a:r>
-                        <a:rPr lang="nb-NO" sz="500" u="none" strike="noStrike" kern="1200" dirty="0">
+              <a:tr h="110783">
+                <a:tc>
+                  <a:txBody>
+                    <a:bodyPr/>
+                    <a:lstStyle/>
+                    <a:p>
+                      <a:pPr marL="0" algn="ctr" defTabSz="914400" rtl="0" eaLnBrk="1" fontAlgn="b" latinLnBrk="0" hangingPunct="1"/>
+                      <a:r>
+                        <a:rPr lang="nb-NO" sz="600" u="none" strike="noStrike" kern="1200" dirty="0">
                           <a:solidFill>
                             <a:schemeClr val="dk1"/>
                           </a:solidFill>
@@ -6164,7 +6164,7 @@
                       </a:r>
                     </a:p>
                   </a:txBody>
-                  <a:tcPr marL="9525" marR="9525" marT="9525" marB="0" anchor="b"/>
+                  <a:tcPr marL="12309" marR="12309" marT="12309" marB="0" anchor="b"/>
                 </a:tc>
                 <a:extLst>
                   <a:ext uri="{0D108BD9-81ED-4DB2-BD59-A6C34878D82A}">
@@ -6172,15 +6172,15 @@
                   </a:ext>
                 </a:extLst>
               </a:tr>
-              <a:tr h="85710">
-                <a:tc>
-                  <a:txBody>
-                    <a:bodyPr/>
-                    <a:lstStyle/>
-                    <a:p>
-                      <a:pPr marL="0" algn="ctr" defTabSz="914400" rtl="0" eaLnBrk="1" fontAlgn="b" latinLnBrk="0" hangingPunct="1"/>
-                      <a:r>
-                        <a:rPr lang="nb-NO" sz="500" u="none" strike="noStrike" kern="1200" dirty="0">
+              <a:tr h="110783">
+                <a:tc>
+                  <a:txBody>
+                    <a:bodyPr/>
+                    <a:lstStyle/>
+                    <a:p>
+                      <a:pPr marL="0" algn="ctr" defTabSz="914400" rtl="0" eaLnBrk="1" fontAlgn="b" latinLnBrk="0" hangingPunct="1"/>
+                      <a:r>
+                        <a:rPr lang="nb-NO" sz="600" u="none" strike="noStrike" kern="1200" dirty="0">
                           <a:solidFill>
                             <a:schemeClr val="dk1"/>
                           </a:solidFill>
@@ -6193,7 +6193,7 @@
                       </a:r>
                     </a:p>
                   </a:txBody>
-                  <a:tcPr marL="9525" marR="9525" marT="9525" marB="0" anchor="b"/>
+                  <a:tcPr marL="12309" marR="12309" marT="12309" marB="0" anchor="b"/>
                 </a:tc>
                 <a:extLst>
                   <a:ext uri="{0D108BD9-81ED-4DB2-BD59-A6C34878D82A}">
@@ -6201,15 +6201,15 @@
                   </a:ext>
                 </a:extLst>
               </a:tr>
-              <a:tr h="80207">
-                <a:tc>
-                  <a:txBody>
-                    <a:bodyPr/>
-                    <a:lstStyle/>
-                    <a:p>
-                      <a:pPr marL="0" algn="ctr" defTabSz="914400" rtl="0" eaLnBrk="1" fontAlgn="b" latinLnBrk="0" hangingPunct="1"/>
-                      <a:r>
-                        <a:rPr lang="nb-NO" sz="500" u="none" strike="noStrike" kern="1200" dirty="0">
+              <a:tr h="110783">
+                <a:tc>
+                  <a:txBody>
+                    <a:bodyPr/>
+                    <a:lstStyle/>
+                    <a:p>
+                      <a:pPr marL="0" algn="ctr" defTabSz="914400" rtl="0" eaLnBrk="1" fontAlgn="b" latinLnBrk="0" hangingPunct="1"/>
+                      <a:r>
+                        <a:rPr lang="nb-NO" sz="600" u="none" strike="noStrike" kern="1200" dirty="0">
                           <a:solidFill>
                             <a:schemeClr val="dk1"/>
                           </a:solidFill>
@@ -6222,7 +6222,7 @@
                       </a:r>
                     </a:p>
                   </a:txBody>
-                  <a:tcPr marL="9525" marR="9525" marT="9525" marB="0" anchor="b"/>
+                  <a:tcPr marL="12309" marR="12309" marT="12309" marB="0" anchor="b"/>
                 </a:tc>
                 <a:extLst>
                   <a:ext uri="{0D108BD9-81ED-4DB2-BD59-A6C34878D82A}">
@@ -6230,15 +6230,15 @@
                   </a:ext>
                 </a:extLst>
               </a:tr>
-              <a:tr h="80207">
-                <a:tc>
-                  <a:txBody>
-                    <a:bodyPr/>
-                    <a:lstStyle/>
-                    <a:p>
-                      <a:pPr marL="0" algn="ctr" defTabSz="914400" rtl="0" eaLnBrk="1" fontAlgn="b" latinLnBrk="0" hangingPunct="1"/>
-                      <a:r>
-                        <a:rPr lang="nb-NO" sz="500" u="none" strike="noStrike" kern="1200" dirty="0">
+              <a:tr h="110783">
+                <a:tc>
+                  <a:txBody>
+                    <a:bodyPr/>
+                    <a:lstStyle/>
+                    <a:p>
+                      <a:pPr marL="0" algn="ctr" defTabSz="914400" rtl="0" eaLnBrk="1" fontAlgn="b" latinLnBrk="0" hangingPunct="1"/>
+                      <a:r>
+                        <a:rPr lang="nb-NO" sz="600" u="none" strike="noStrike" kern="1200" dirty="0">
                           <a:solidFill>
                             <a:schemeClr val="dk1"/>
                           </a:solidFill>
@@ -6251,7 +6251,7 @@
                       </a:r>
                     </a:p>
                   </a:txBody>
-                  <a:tcPr marL="9525" marR="9525" marT="9525" marB="0" anchor="b"/>
+                  <a:tcPr marL="12309" marR="12309" marT="12309" marB="0" anchor="b"/>
                 </a:tc>
                 <a:extLst>
                   <a:ext uri="{0D108BD9-81ED-4DB2-BD59-A6C34878D82A}">
@@ -6259,15 +6259,15 @@
                   </a:ext>
                 </a:extLst>
               </a:tr>
-              <a:tr h="85710">
-                <a:tc>
-                  <a:txBody>
-                    <a:bodyPr/>
-                    <a:lstStyle/>
-                    <a:p>
-                      <a:pPr marL="0" algn="ctr" defTabSz="914400" rtl="0" eaLnBrk="1" fontAlgn="b" latinLnBrk="0" hangingPunct="1"/>
-                      <a:r>
-                        <a:rPr lang="nb-NO" sz="500" u="none" strike="noStrike" kern="1200" dirty="0">
+              <a:tr h="110783">
+                <a:tc>
+                  <a:txBody>
+                    <a:bodyPr/>
+                    <a:lstStyle/>
+                    <a:p>
+                      <a:pPr marL="0" algn="ctr" defTabSz="914400" rtl="0" eaLnBrk="1" fontAlgn="b" latinLnBrk="0" hangingPunct="1"/>
+                      <a:r>
+                        <a:rPr lang="nb-NO" sz="600" u="none" strike="noStrike" kern="1200" dirty="0">
                           <a:solidFill>
                             <a:schemeClr val="dk1"/>
                           </a:solidFill>
@@ -6280,7 +6280,7 @@
                       </a:r>
                     </a:p>
                   </a:txBody>
-                  <a:tcPr marL="9525" marR="9525" marT="9525" marB="0" anchor="b"/>
+                  <a:tcPr marL="12309" marR="12309" marT="12309" marB="0" anchor="b"/>
                 </a:tc>
                 <a:extLst>
                   <a:ext uri="{0D108BD9-81ED-4DB2-BD59-A6C34878D82A}">
@@ -6288,15 +6288,15 @@
                   </a:ext>
                 </a:extLst>
               </a:tr>
-              <a:tr h="85710">
-                <a:tc>
-                  <a:txBody>
-                    <a:bodyPr/>
-                    <a:lstStyle/>
-                    <a:p>
-                      <a:pPr marL="0" algn="ctr" defTabSz="914400" rtl="0" eaLnBrk="1" fontAlgn="b" latinLnBrk="0" hangingPunct="1"/>
-                      <a:r>
-                        <a:rPr lang="nb-NO" sz="500" u="none" strike="noStrike" kern="1200" dirty="0">
+              <a:tr h="110783">
+                <a:tc>
+                  <a:txBody>
+                    <a:bodyPr/>
+                    <a:lstStyle/>
+                    <a:p>
+                      <a:pPr marL="0" algn="ctr" defTabSz="914400" rtl="0" eaLnBrk="1" fontAlgn="b" latinLnBrk="0" hangingPunct="1"/>
+                      <a:r>
+                        <a:rPr lang="nb-NO" sz="600" u="none" strike="noStrike" kern="1200" dirty="0">
                           <a:solidFill>
                             <a:schemeClr val="dk1"/>
                           </a:solidFill>
@@ -6309,7 +6309,7 @@
                       </a:r>
                     </a:p>
                   </a:txBody>
-                  <a:tcPr marL="9525" marR="9525" marT="9525" marB="0" anchor="b"/>
+                  <a:tcPr marL="12309" marR="12309" marT="12309" marB="0" anchor="b"/>
                 </a:tc>
                 <a:extLst>
                   <a:ext uri="{0D108BD9-81ED-4DB2-BD59-A6C34878D82A}">
@@ -6317,15 +6317,15 @@
                   </a:ext>
                 </a:extLst>
               </a:tr>
-              <a:tr h="85710">
-                <a:tc>
-                  <a:txBody>
-                    <a:bodyPr/>
-                    <a:lstStyle/>
-                    <a:p>
-                      <a:pPr marL="0" algn="ctr" defTabSz="914400" rtl="0" eaLnBrk="1" fontAlgn="b" latinLnBrk="0" hangingPunct="1"/>
-                      <a:r>
-                        <a:rPr lang="nb-NO" sz="500" u="none" strike="noStrike" kern="1200" dirty="0">
+              <a:tr h="110783">
+                <a:tc>
+                  <a:txBody>
+                    <a:bodyPr/>
+                    <a:lstStyle/>
+                    <a:p>
+                      <a:pPr marL="0" algn="ctr" defTabSz="914400" rtl="0" eaLnBrk="1" fontAlgn="b" latinLnBrk="0" hangingPunct="1"/>
+                      <a:r>
+                        <a:rPr lang="nb-NO" sz="600" u="none" strike="noStrike" kern="1200" dirty="0">
                           <a:solidFill>
                             <a:schemeClr val="dk1"/>
                           </a:solidFill>
@@ -6338,7 +6338,7 @@
                       </a:r>
                     </a:p>
                   </a:txBody>
-                  <a:tcPr marL="9525" marR="9525" marT="9525" marB="0" anchor="b"/>
+                  <a:tcPr marL="12309" marR="12309" marT="12309" marB="0" anchor="b"/>
                 </a:tc>
                 <a:extLst>
                   <a:ext uri="{0D108BD9-81ED-4DB2-BD59-A6C34878D82A}">
@@ -6346,15 +6346,15 @@
                   </a:ext>
                 </a:extLst>
               </a:tr>
-              <a:tr h="85710">
-                <a:tc>
-                  <a:txBody>
-                    <a:bodyPr/>
-                    <a:lstStyle/>
-                    <a:p>
-                      <a:pPr marL="0" algn="ctr" defTabSz="914400" rtl="0" eaLnBrk="1" fontAlgn="b" latinLnBrk="0" hangingPunct="1"/>
-                      <a:r>
-                        <a:rPr lang="nb-NO" sz="500" u="none" strike="noStrike" kern="1200" dirty="0">
+              <a:tr h="110783">
+                <a:tc>
+                  <a:txBody>
+                    <a:bodyPr/>
+                    <a:lstStyle/>
+                    <a:p>
+                      <a:pPr marL="0" algn="ctr" defTabSz="914400" rtl="0" eaLnBrk="1" fontAlgn="b" latinLnBrk="0" hangingPunct="1"/>
+                      <a:r>
+                        <a:rPr lang="nb-NO" sz="600" u="none" strike="noStrike" kern="1200" dirty="0">
                           <a:solidFill>
                             <a:schemeClr val="dk1"/>
                           </a:solidFill>
@@ -6367,7 +6367,7 @@
                       </a:r>
                     </a:p>
                   </a:txBody>
-                  <a:tcPr marL="9525" marR="9525" marT="9525" marB="0" anchor="b"/>
+                  <a:tcPr marL="12309" marR="12309" marT="12309" marB="0" anchor="b"/>
                 </a:tc>
                 <a:extLst>
                   <a:ext uri="{0D108BD9-81ED-4DB2-BD59-A6C34878D82A}">
@@ -6375,14 +6375,14 @@
                   </a:ext>
                 </a:extLst>
               </a:tr>
-              <a:tr h="85710">
-                <a:tc>
-                  <a:txBody>
-                    <a:bodyPr/>
-                    <a:lstStyle/>
-                    <a:p>
-                      <a:pPr marL="0" algn="ctr" defTabSz="914400" rtl="0" eaLnBrk="1" fontAlgn="b" latinLnBrk="0" hangingPunct="1"/>
-                      <a:endParaRPr lang="nb-NO" sz="500" u="none" strike="noStrike" kern="1200" dirty="0">
+              <a:tr h="110764">
+                <a:tc>
+                  <a:txBody>
+                    <a:bodyPr/>
+                    <a:lstStyle/>
+                    <a:p>
+                      <a:pPr marL="0" algn="ctr" defTabSz="914400" rtl="0" eaLnBrk="1" fontAlgn="b" latinLnBrk="0" hangingPunct="1"/>
+                      <a:endParaRPr lang="nb-NO" sz="600" u="none" strike="noStrike" kern="1200" dirty="0">
                         <a:solidFill>
                           <a:schemeClr val="dk1"/>
                         </a:solidFill>
@@ -6393,7 +6393,7 @@
                       </a:endParaRPr>
                     </a:p>
                   </a:txBody>
-                  <a:tcPr marL="8086" marR="8086" marT="8086" marB="0" anchor="b"/>
+                  <a:tcPr marL="10450" marR="10450" marT="10450" marB="0" anchor="b"/>
                 </a:tc>
                 <a:extLst>
                   <a:ext uri="{0D108BD9-81ED-4DB2-BD59-A6C34878D82A}">
@@ -6401,7 +6401,7 @@
                   </a:ext>
                 </a:extLst>
               </a:tr>
-              <a:tr h="85710">
+              <a:tr h="110764">
                 <a:tc>
                   <a:txBody>
                     <a:bodyPr/>
@@ -6424,7 +6424,7 @@
                         <a:tabLst/>
                         <a:defRPr/>
                       </a:pPr>
-                      <a:endParaRPr lang="nb-NO" sz="500" u="none" strike="noStrike" kern="1200" dirty="0">
+                      <a:endParaRPr lang="nb-NO" sz="600" u="none" strike="noStrike" kern="1200" dirty="0">
                         <a:solidFill>
                           <a:schemeClr val="dk1"/>
                         </a:solidFill>
@@ -6435,7 +6435,7 @@
                       </a:endParaRPr>
                     </a:p>
                   </a:txBody>
-                  <a:tcPr marL="8086" marR="8086" marT="8086" marB="0" anchor="b"/>
+                  <a:tcPr marL="10450" marR="10450" marT="10450" marB="0" anchor="b"/>
                 </a:tc>
                 <a:extLst>
                   <a:ext uri="{0D108BD9-81ED-4DB2-BD59-A6C34878D82A}">
@@ -6443,7 +6443,7 @@
                   </a:ext>
                 </a:extLst>
               </a:tr>
-              <a:tr h="85710">
+              <a:tr h="110764">
                 <a:tc>
                   <a:txBody>
                     <a:bodyPr/>
@@ -6466,7 +6466,7 @@
                         <a:tabLst/>
                         <a:defRPr/>
                       </a:pPr>
-                      <a:endParaRPr lang="nb-NO" sz="500" u="none" strike="noStrike" kern="1200" dirty="0">
+                      <a:endParaRPr lang="nb-NO" sz="600" u="none" strike="noStrike" kern="1200" dirty="0">
                         <a:solidFill>
                           <a:schemeClr val="dk1"/>
                         </a:solidFill>
@@ -6477,7 +6477,7 @@
                       </a:endParaRPr>
                     </a:p>
                   </a:txBody>
-                  <a:tcPr marL="8086" marR="8086" marT="8086" marB="0" anchor="b"/>
+                  <a:tcPr marL="10450" marR="10450" marT="10450" marB="0" anchor="b"/>
                 </a:tc>
                 <a:extLst>
                   <a:ext uri="{0D108BD9-81ED-4DB2-BD59-A6C34878D82A}">
@@ -6485,14 +6485,14 @@
                   </a:ext>
                 </a:extLst>
               </a:tr>
-              <a:tr h="85710">
-                <a:tc>
-                  <a:txBody>
-                    <a:bodyPr/>
-                    <a:lstStyle/>
-                    <a:p>
-                      <a:pPr marL="0" algn="ctr" defTabSz="914400" rtl="0" eaLnBrk="1" fontAlgn="b" latinLnBrk="0" hangingPunct="1"/>
-                      <a:endParaRPr lang="nb-NO" sz="500" u="none" strike="noStrike" kern="1200" dirty="0">
+              <a:tr h="110764">
+                <a:tc>
+                  <a:txBody>
+                    <a:bodyPr/>
+                    <a:lstStyle/>
+                    <a:p>
+                      <a:pPr marL="0" algn="ctr" defTabSz="914400" rtl="0" eaLnBrk="1" fontAlgn="b" latinLnBrk="0" hangingPunct="1"/>
+                      <a:endParaRPr lang="nb-NO" sz="600" u="none" strike="noStrike" kern="1200" dirty="0">
                         <a:solidFill>
                           <a:schemeClr val="dk1"/>
                         </a:solidFill>
@@ -6503,7 +6503,7 @@
                       </a:endParaRPr>
                     </a:p>
                   </a:txBody>
-                  <a:tcPr marL="8086" marR="8086" marT="8086" marB="0" anchor="b"/>
+                  <a:tcPr marL="10450" marR="10450" marT="10450" marB="0" anchor="b"/>
                 </a:tc>
                 <a:extLst>
                   <a:ext uri="{0D108BD9-81ED-4DB2-BD59-A6C34878D82A}">
@@ -6536,8 +6536,8 @@
           </p:nvPr>
         </p:nvGraphicFramePr>
         <p:xfrm>
-          <a:off x="3244174" y="1208618"/>
-          <a:ext cx="1091701" cy="2841739"/>
+          <a:off x="4561748" y="1561907"/>
+          <a:ext cx="1410814" cy="3672412"/>
         </p:xfrm>
         <a:graphic>
           <a:graphicData uri="http://schemas.openxmlformats.org/drawingml/2006/table">
@@ -6546,7 +6546,7 @@
                 <a:tableStyleId>{5C22544A-7EE6-4342-B048-85BDC9FD1C3A}</a:tableStyleId>
               </a:tblPr>
               <a:tblGrid>
-                <a:gridCol w="1091701">
+                <a:gridCol w="1410814">
                   <a:extLst>
                     <a:ext uri="{9D8B030D-6E8A-4147-A177-3AD203B41FA5}">
                       <a16:colId xmlns:a16="http://schemas.microsoft.com/office/drawing/2014/main" val="2671564098"/>
@@ -6554,7 +6554,7 @@
                   </a:extLst>
                 </a:gridCol>
               </a:tblGrid>
-              <a:tr h="82807">
+              <a:tr h="107012">
                 <a:tc>
                   <a:txBody>
                     <a:bodyPr/>
@@ -6562,7 +6562,7 @@
                     <a:p>
                       <a:pPr algn="ctr" fontAlgn="b"/>
                       <a:r>
-                        <a:rPr lang="nb-NO" sz="500" b="1" i="0" u="none" strike="noStrike" kern="1200" dirty="0" err="1">
+                        <a:rPr lang="nb-NO" sz="600" b="1" i="0" u="none" strike="noStrike" kern="1200" dirty="0" err="1">
                           <a:solidFill>
                             <a:schemeClr val="bg1"/>
                           </a:solidFill>
@@ -6573,7 +6573,7 @@
                         </a:rPr>
                         <a:t>interpretation</a:t>
                       </a:r>
-                      <a:endParaRPr lang="nb-NO" sz="500" b="1" i="0" u="none" strike="noStrike" kern="1200" dirty="0">
+                      <a:endParaRPr lang="nb-NO" sz="600" b="1" i="0" u="none" strike="noStrike" kern="1200" dirty="0">
                         <a:solidFill>
                           <a:schemeClr val="bg1"/>
                         </a:solidFill>
@@ -6584,7 +6584,7 @@
                       </a:endParaRPr>
                     </a:p>
                   </a:txBody>
-                  <a:tcPr marL="5570" marR="5570" marT="5570" marB="0" anchor="b">
+                  <a:tcPr marL="7198" marR="7198" marT="7198" marB="0" anchor="b">
                     <a:solidFill>
                       <a:srgbClr val="0070C0"/>
                     </a:solidFill>
@@ -6596,15 +6596,15 @@
                   </a:ext>
                 </a:extLst>
               </a:tr>
-              <a:tr h="82807">
-                <a:tc>
-                  <a:txBody>
-                    <a:bodyPr/>
-                    <a:lstStyle/>
-                    <a:p>
-                      <a:pPr marL="0" algn="ctr" defTabSz="914400" rtl="0" eaLnBrk="1" fontAlgn="b" latinLnBrk="0" hangingPunct="1"/>
-                      <a:r>
-                        <a:rPr lang="nb-NO" sz="500" u="none" strike="noStrike" dirty="0">
+              <a:tr h="110783">
+                <a:tc>
+                  <a:txBody>
+                    <a:bodyPr/>
+                    <a:lstStyle/>
+                    <a:p>
+                      <a:pPr marL="0" algn="ctr" defTabSz="914400" rtl="0" eaLnBrk="1" fontAlgn="b" latinLnBrk="0" hangingPunct="1"/>
+                      <a:r>
+                        <a:rPr lang="nb-NO" sz="600" u="none" strike="noStrike" dirty="0">
                           <a:solidFill>
                             <a:schemeClr val="accent2"/>
                           </a:solidFill>
@@ -6613,7 +6613,7 @@
                         <a:t>§ </a:t>
                       </a:r>
                       <a:r>
-                        <a:rPr lang="nb-NO" sz="500" u="none" strike="noStrike" kern="1200" dirty="0">
+                        <a:rPr lang="nb-NO" sz="600" u="none" strike="noStrike" kern="1200" dirty="0">
                           <a:solidFill>
                             <a:schemeClr val="dk1"/>
                           </a:solidFill>
@@ -6626,7 +6626,7 @@
                       </a:r>
                     </a:p>
                   </a:txBody>
-                  <a:tcPr marL="9525" marR="9525" marT="9525" marB="0" anchor="b"/>
+                  <a:tcPr marL="12309" marR="12309" marT="12309" marB="0" anchor="b"/>
                 </a:tc>
                 <a:extLst>
                   <a:ext uri="{0D108BD9-81ED-4DB2-BD59-A6C34878D82A}">
@@ -6634,15 +6634,15 @@
                   </a:ext>
                 </a:extLst>
               </a:tr>
-              <a:tr h="85997">
-                <a:tc>
-                  <a:txBody>
-                    <a:bodyPr/>
-                    <a:lstStyle/>
-                    <a:p>
-                      <a:pPr marL="0" algn="ctr" defTabSz="914400" rtl="0" eaLnBrk="1" fontAlgn="b" latinLnBrk="0" hangingPunct="1"/>
-                      <a:r>
-                        <a:rPr lang="nb-NO" sz="500" u="none" strike="noStrike" dirty="0">
+              <a:tr h="111135">
+                <a:tc>
+                  <a:txBody>
+                    <a:bodyPr/>
+                    <a:lstStyle/>
+                    <a:p>
+                      <a:pPr marL="0" algn="ctr" defTabSz="914400" rtl="0" eaLnBrk="1" fontAlgn="b" latinLnBrk="0" hangingPunct="1"/>
+                      <a:r>
+                        <a:rPr lang="nb-NO" sz="600" u="none" strike="noStrike" dirty="0">
                           <a:solidFill>
                             <a:schemeClr val="accent2"/>
                           </a:solidFill>
@@ -6651,7 +6651,7 @@
                         <a:t>§ </a:t>
                       </a:r>
                       <a:r>
-                        <a:rPr lang="nb-NO" sz="500" u="none" strike="noStrike" kern="1200" dirty="0" err="1">
+                        <a:rPr lang="nb-NO" sz="600" u="none" strike="noStrike" kern="1200" dirty="0" err="1">
                           <a:solidFill>
                             <a:schemeClr val="dk1"/>
                           </a:solidFill>
@@ -6662,7 +6662,7 @@
                         </a:rPr>
                         <a:t>runid</a:t>
                       </a:r>
-                      <a:endParaRPr lang="nb-NO" sz="500" u="none" strike="noStrike" kern="1200" dirty="0">
+                      <a:endParaRPr lang="nb-NO" sz="600" u="none" strike="noStrike" kern="1200" dirty="0">
                         <a:solidFill>
                           <a:schemeClr val="dk1"/>
                         </a:solidFill>
@@ -6673,7 +6673,7 @@
                       </a:endParaRPr>
                     </a:p>
                   </a:txBody>
-                  <a:tcPr marL="9525" marR="9525" marT="9525" marB="0" anchor="b"/>
+                  <a:tcPr marL="12309" marR="12309" marT="12309" marB="0" anchor="b"/>
                 </a:tc>
                 <a:extLst>
                   <a:ext uri="{0D108BD9-81ED-4DB2-BD59-A6C34878D82A}">
@@ -6681,15 +6681,15 @@
                   </a:ext>
                 </a:extLst>
               </a:tr>
-              <a:tr h="85997">
-                <a:tc>
-                  <a:txBody>
-                    <a:bodyPr/>
-                    <a:lstStyle/>
-                    <a:p>
-                      <a:pPr marL="0" algn="ctr" defTabSz="914400" rtl="0" eaLnBrk="1" fontAlgn="b" latinLnBrk="0" hangingPunct="1"/>
-                      <a:r>
-                        <a:rPr lang="nb-NO" sz="500" u="none" strike="noStrike" dirty="0">
+              <a:tr h="111135">
+                <a:tc>
+                  <a:txBody>
+                    <a:bodyPr/>
+                    <a:lstStyle/>
+                    <a:p>
+                      <a:pPr marL="0" algn="ctr" defTabSz="914400" rtl="0" eaLnBrk="1" fontAlgn="b" latinLnBrk="0" hangingPunct="1"/>
+                      <a:r>
+                        <a:rPr lang="nb-NO" sz="600" u="none" strike="noStrike" dirty="0">
                           <a:solidFill>
                             <a:schemeClr val="accent2"/>
                           </a:solidFill>
@@ -6698,7 +6698,7 @@
                         <a:t>§ </a:t>
                       </a:r>
                       <a:r>
-                        <a:rPr lang="nb-NO" sz="500" u="none" strike="noStrike" kern="1200" dirty="0">
+                        <a:rPr lang="nb-NO" sz="600" u="none" strike="noStrike" kern="1200" dirty="0">
                           <a:solidFill>
                             <a:schemeClr val="dk1"/>
                           </a:solidFill>
@@ -6711,7 +6711,7 @@
                       </a:r>
                     </a:p>
                   </a:txBody>
-                  <a:tcPr marL="9525" marR="9525" marT="9525" marB="0" anchor="b"/>
+                  <a:tcPr marL="12309" marR="12309" marT="12309" marB="0" anchor="b"/>
                 </a:tc>
                 <a:extLst>
                   <a:ext uri="{0D108BD9-81ED-4DB2-BD59-A6C34878D82A}">
@@ -6719,15 +6719,15 @@
                   </a:ext>
                 </a:extLst>
               </a:tr>
-              <a:tr h="85997">
-                <a:tc>
-                  <a:txBody>
-                    <a:bodyPr/>
-                    <a:lstStyle/>
-                    <a:p>
-                      <a:pPr marL="0" algn="ctr" defTabSz="914400" rtl="0" eaLnBrk="1" fontAlgn="b" latinLnBrk="0" hangingPunct="1"/>
-                      <a:r>
-                        <a:rPr lang="nb-NO" sz="500" u="none" strike="noStrike" kern="1200" dirty="0" err="1">
+              <a:tr h="111135">
+                <a:tc>
+                  <a:txBody>
+                    <a:bodyPr/>
+                    <a:lstStyle/>
+                    <a:p>
+                      <a:pPr marL="0" algn="ctr" defTabSz="914400" rtl="0" eaLnBrk="1" fontAlgn="b" latinLnBrk="0" hangingPunct="1"/>
+                      <a:r>
+                        <a:rPr lang="nb-NO" sz="600" u="none" strike="noStrike" kern="1200" dirty="0" err="1">
                           <a:solidFill>
                             <a:schemeClr val="dk1"/>
                           </a:solidFill>
@@ -6738,7 +6738,7 @@
                         </a:rPr>
                         <a:t>Genliste</a:t>
                       </a:r>
-                      <a:endParaRPr lang="nb-NO" sz="500" u="none" strike="noStrike" kern="1200" dirty="0">
+                      <a:endParaRPr lang="nb-NO" sz="600" u="none" strike="noStrike" kern="1200" dirty="0">
                         <a:solidFill>
                           <a:schemeClr val="dk1"/>
                         </a:solidFill>
@@ -6749,7 +6749,7 @@
                       </a:endParaRPr>
                     </a:p>
                   </a:txBody>
-                  <a:tcPr marL="9525" marR="9525" marT="9525" marB="0" anchor="b"/>
+                  <a:tcPr marL="12309" marR="12309" marT="12309" marB="0" anchor="b"/>
                 </a:tc>
                 <a:extLst>
                   <a:ext uri="{0D108BD9-81ED-4DB2-BD59-A6C34878D82A}">
@@ -6757,15 +6757,15 @@
                   </a:ext>
                 </a:extLst>
               </a:tr>
-              <a:tr h="85997">
-                <a:tc>
-                  <a:txBody>
-                    <a:bodyPr/>
-                    <a:lstStyle/>
-                    <a:p>
-                      <a:pPr marL="0" algn="ctr" defTabSz="914400" rtl="0" eaLnBrk="1" fontAlgn="b" latinLnBrk="0" hangingPunct="1"/>
-                      <a:r>
-                        <a:rPr lang="nb-NO" sz="500" u="none" strike="noStrike" kern="1200" dirty="0" err="1">
+              <a:tr h="111135">
+                <a:tc>
+                  <a:txBody>
+                    <a:bodyPr/>
+                    <a:lstStyle/>
+                    <a:p>
+                      <a:pPr marL="0" algn="ctr" defTabSz="914400" rtl="0" eaLnBrk="1" fontAlgn="b" latinLnBrk="0" hangingPunct="1"/>
+                      <a:r>
+                        <a:rPr lang="nb-NO" sz="600" u="none" strike="noStrike" kern="1200" dirty="0" err="1">
                           <a:solidFill>
                             <a:schemeClr val="dk1"/>
                           </a:solidFill>
@@ -6776,7 +6776,7 @@
                         </a:rPr>
                         <a:t>Perc_Tumor</a:t>
                       </a:r>
-                      <a:endParaRPr lang="nb-NO" sz="500" u="none" strike="noStrike" kern="1200" dirty="0">
+                      <a:endParaRPr lang="nb-NO" sz="600" u="none" strike="noStrike" kern="1200" dirty="0">
                         <a:solidFill>
                           <a:schemeClr val="dk1"/>
                         </a:solidFill>
@@ -6787,7 +6787,7 @@
                       </a:endParaRPr>
                     </a:p>
                   </a:txBody>
-                  <a:tcPr marL="9525" marR="9525" marT="9525" marB="0" anchor="b"/>
+                  <a:tcPr marL="12309" marR="12309" marT="12309" marB="0" anchor="b"/>
                 </a:tc>
                 <a:extLst>
                   <a:ext uri="{0D108BD9-81ED-4DB2-BD59-A6C34878D82A}">
@@ -6795,15 +6795,15 @@
                   </a:ext>
                 </a:extLst>
               </a:tr>
-              <a:tr h="85997">
-                <a:tc>
-                  <a:txBody>
-                    <a:bodyPr/>
-                    <a:lstStyle/>
-                    <a:p>
-                      <a:pPr marL="0" algn="ctr" defTabSz="914400" rtl="0" eaLnBrk="1" fontAlgn="b" latinLnBrk="0" hangingPunct="1"/>
-                      <a:r>
-                        <a:rPr lang="nb-NO" sz="500" u="none" strike="noStrike" kern="1200" dirty="0">
+              <a:tr h="111135">
+                <a:tc>
+                  <a:txBody>
+                    <a:bodyPr/>
+                    <a:lstStyle/>
+                    <a:p>
+                      <a:pPr marL="0" algn="ctr" defTabSz="914400" rtl="0" eaLnBrk="1" fontAlgn="b" latinLnBrk="0" hangingPunct="1"/>
+                      <a:r>
+                        <a:rPr lang="nb-NO" sz="600" u="none" strike="noStrike" kern="1200" dirty="0">
                           <a:solidFill>
                             <a:schemeClr val="dk1"/>
                           </a:solidFill>
@@ -6816,7 +6816,7 @@
                       </a:r>
                     </a:p>
                   </a:txBody>
-                  <a:tcPr marL="9525" marR="9525" marT="9525" marB="0" anchor="b"/>
+                  <a:tcPr marL="12309" marR="12309" marT="12309" marB="0" anchor="b"/>
                 </a:tc>
                 <a:extLst>
                   <a:ext uri="{0D108BD9-81ED-4DB2-BD59-A6C34878D82A}">
@@ -6824,15 +6824,15 @@
                   </a:ext>
                 </a:extLst>
               </a:tr>
-              <a:tr h="85997">
-                <a:tc>
-                  <a:txBody>
-                    <a:bodyPr/>
-                    <a:lstStyle/>
-                    <a:p>
-                      <a:pPr marL="0" algn="ctr" defTabSz="914400" rtl="0" eaLnBrk="1" fontAlgn="b" latinLnBrk="0" hangingPunct="1"/>
-                      <a:r>
-                        <a:rPr lang="nb-NO" sz="500" u="none" strike="noStrike" kern="1200" dirty="0" err="1">
+              <a:tr h="111135">
+                <a:tc>
+                  <a:txBody>
+                    <a:bodyPr/>
+                    <a:lstStyle/>
+                    <a:p>
+                      <a:pPr marL="0" algn="ctr" defTabSz="914400" rtl="0" eaLnBrk="1" fontAlgn="b" latinLnBrk="0" hangingPunct="1"/>
+                      <a:r>
+                        <a:rPr lang="nb-NO" sz="600" u="none" strike="noStrike" kern="1200" dirty="0" err="1">
                           <a:solidFill>
                             <a:schemeClr val="dk1"/>
                           </a:solidFill>
@@ -6843,7 +6843,7 @@
                         </a:rPr>
                         <a:t>Svares_ut</a:t>
                       </a:r>
-                      <a:endParaRPr lang="nb-NO" sz="500" u="none" strike="noStrike" kern="1200" dirty="0">
+                      <a:endParaRPr lang="nb-NO" sz="600" u="none" strike="noStrike" kern="1200" dirty="0">
                         <a:solidFill>
                           <a:schemeClr val="dk1"/>
                         </a:solidFill>
@@ -6854,7 +6854,7 @@
                       </a:endParaRPr>
                     </a:p>
                   </a:txBody>
-                  <a:tcPr marL="9525" marR="9525" marT="9525" marB="0" anchor="b"/>
+                  <a:tcPr marL="12309" marR="12309" marT="12309" marB="0" anchor="b"/>
                 </a:tc>
                 <a:extLst>
                   <a:ext uri="{0D108BD9-81ED-4DB2-BD59-A6C34878D82A}">
@@ -6862,15 +6862,15 @@
                   </a:ext>
                 </a:extLst>
               </a:tr>
-              <a:tr h="85997">
-                <a:tc>
-                  <a:txBody>
-                    <a:bodyPr/>
-                    <a:lstStyle/>
-                    <a:p>
-                      <a:pPr marL="0" algn="ctr" defTabSz="914400" rtl="0" eaLnBrk="1" fontAlgn="b" latinLnBrk="0" hangingPunct="1"/>
-                      <a:r>
-                        <a:rPr lang="nb-NO" sz="500" u="none" strike="noStrike" kern="1200" dirty="0">
+              <a:tr h="111135">
+                <a:tc>
+                  <a:txBody>
+                    <a:bodyPr/>
+                    <a:lstStyle/>
+                    <a:p>
+                      <a:pPr marL="0" algn="ctr" defTabSz="914400" rtl="0" eaLnBrk="1" fontAlgn="b" latinLnBrk="0" hangingPunct="1"/>
+                      <a:r>
+                        <a:rPr lang="nb-NO" sz="600" u="none" strike="noStrike" kern="1200" dirty="0">
                           <a:solidFill>
                             <a:schemeClr val="dk1"/>
                           </a:solidFill>
@@ -6883,7 +6883,7 @@
                       </a:r>
                     </a:p>
                   </a:txBody>
-                  <a:tcPr marL="9525" marR="9525" marT="9525" marB="0" anchor="b"/>
+                  <a:tcPr marL="12309" marR="12309" marT="12309" marB="0" anchor="b"/>
                 </a:tc>
                 <a:extLst>
                   <a:ext uri="{0D108BD9-81ED-4DB2-BD59-A6C34878D82A}">
@@ -6891,15 +6891,15 @@
                   </a:ext>
                 </a:extLst>
               </a:tr>
-              <a:tr h="85997">
-                <a:tc>
-                  <a:txBody>
-                    <a:bodyPr/>
-                    <a:lstStyle/>
-                    <a:p>
-                      <a:pPr marL="0" algn="ctr" defTabSz="914400" rtl="0" eaLnBrk="1" fontAlgn="b" latinLnBrk="0" hangingPunct="1"/>
-                      <a:r>
-                        <a:rPr lang="nb-NO" sz="500" u="none" strike="noStrike" kern="1200" dirty="0">
+              <a:tr h="111135">
+                <a:tc>
+                  <a:txBody>
+                    <a:bodyPr/>
+                    <a:lstStyle/>
+                    <a:p>
+                      <a:pPr marL="0" algn="ctr" defTabSz="914400" rtl="0" eaLnBrk="1" fontAlgn="b" latinLnBrk="0" hangingPunct="1"/>
+                      <a:r>
+                        <a:rPr lang="nb-NO" sz="600" u="none" strike="noStrike" kern="1200" dirty="0">
                           <a:solidFill>
                             <a:schemeClr val="dk1"/>
                           </a:solidFill>
@@ -6912,7 +6912,7 @@
                       </a:r>
                     </a:p>
                   </a:txBody>
-                  <a:tcPr marL="9525" marR="9525" marT="9525" marB="0" anchor="b"/>
+                  <a:tcPr marL="12309" marR="12309" marT="12309" marB="0" anchor="b"/>
                 </a:tc>
                 <a:extLst>
                   <a:ext uri="{0D108BD9-81ED-4DB2-BD59-A6C34878D82A}">
@@ -6920,15 +6920,15 @@
                   </a:ext>
                 </a:extLst>
               </a:tr>
-              <a:tr h="85997">
-                <a:tc>
-                  <a:txBody>
-                    <a:bodyPr/>
-                    <a:lstStyle/>
-                    <a:p>
-                      <a:pPr marL="0" algn="ctr" defTabSz="914400" rtl="0" eaLnBrk="1" fontAlgn="b" latinLnBrk="0" hangingPunct="1"/>
-                      <a:r>
-                        <a:rPr lang="nb-NO" sz="500" u="none" strike="noStrike" kern="1200" dirty="0" err="1">
+              <a:tr h="111135">
+                <a:tc>
+                  <a:txBody>
+                    <a:bodyPr/>
+                    <a:lstStyle/>
+                    <a:p>
+                      <a:pPr marL="0" algn="ctr" defTabSz="914400" rtl="0" eaLnBrk="1" fontAlgn="b" latinLnBrk="0" hangingPunct="1"/>
+                      <a:r>
+                        <a:rPr lang="nb-NO" sz="600" u="none" strike="noStrike" kern="1200" dirty="0" err="1">
                           <a:solidFill>
                             <a:schemeClr val="dk1"/>
                           </a:solidFill>
@@ -6939,7 +6939,7 @@
                         </a:rPr>
                         <a:t>Prediktive_data</a:t>
                       </a:r>
-                      <a:endParaRPr lang="nb-NO" sz="500" u="none" strike="noStrike" kern="1200" dirty="0">
+                      <a:endParaRPr lang="nb-NO" sz="600" u="none" strike="noStrike" kern="1200" dirty="0">
                         <a:solidFill>
                           <a:schemeClr val="dk1"/>
                         </a:solidFill>
@@ -6950,7 +6950,7 @@
                       </a:endParaRPr>
                     </a:p>
                   </a:txBody>
-                  <a:tcPr marL="9525" marR="9525" marT="9525" marB="0" anchor="b"/>
+                  <a:tcPr marL="12309" marR="12309" marT="12309" marB="0" anchor="b"/>
                 </a:tc>
                 <a:extLst>
                   <a:ext uri="{0D108BD9-81ED-4DB2-BD59-A6C34878D82A}">
@@ -6958,15 +6958,15 @@
                   </a:ext>
                 </a:extLst>
               </a:tr>
-              <a:tr h="85997">
-                <a:tc>
-                  <a:txBody>
-                    <a:bodyPr/>
-                    <a:lstStyle/>
-                    <a:p>
-                      <a:pPr marL="0" algn="ctr" defTabSz="914400" rtl="0" eaLnBrk="1" fontAlgn="b" latinLnBrk="0" hangingPunct="1"/>
-                      <a:r>
-                        <a:rPr lang="nb-NO" sz="500" u="none" strike="noStrike" kern="1200" dirty="0" err="1">
+              <a:tr h="111135">
+                <a:tc>
+                  <a:txBody>
+                    <a:bodyPr/>
+                    <a:lstStyle/>
+                    <a:p>
+                      <a:pPr marL="0" algn="ctr" defTabSz="914400" rtl="0" eaLnBrk="1" fontAlgn="b" latinLnBrk="0" hangingPunct="1"/>
+                      <a:r>
+                        <a:rPr lang="nb-NO" sz="600" u="none" strike="noStrike" kern="1200" dirty="0" err="1">
                           <a:solidFill>
                             <a:schemeClr val="dk1"/>
                           </a:solidFill>
@@ -6977,7 +6977,7 @@
                         </a:rPr>
                         <a:t>Cancer_hotspots</a:t>
                       </a:r>
-                      <a:endParaRPr lang="nb-NO" sz="500" u="none" strike="noStrike" kern="1200" dirty="0">
+                      <a:endParaRPr lang="nb-NO" sz="600" u="none" strike="noStrike" kern="1200" dirty="0">
                         <a:solidFill>
                           <a:schemeClr val="dk1"/>
                         </a:solidFill>
@@ -6988,7 +6988,7 @@
                       </a:endParaRPr>
                     </a:p>
                   </a:txBody>
-                  <a:tcPr marL="9525" marR="9525" marT="9525" marB="0" anchor="b"/>
+                  <a:tcPr marL="12309" marR="12309" marT="12309" marB="0" anchor="b"/>
                 </a:tc>
                 <a:extLst>
                   <a:ext uri="{0D108BD9-81ED-4DB2-BD59-A6C34878D82A}">
@@ -6996,15 +6996,15 @@
                   </a:ext>
                 </a:extLst>
               </a:tr>
-              <a:tr h="85997">
-                <a:tc>
-                  <a:txBody>
-                    <a:bodyPr/>
-                    <a:lstStyle/>
-                    <a:p>
-                      <a:pPr marL="0" algn="ctr" defTabSz="914400" rtl="0" eaLnBrk="1" fontAlgn="b" latinLnBrk="0" hangingPunct="1"/>
-                      <a:r>
-                        <a:rPr lang="nb-NO" sz="500" u="none" strike="noStrike" kern="1200" dirty="0" err="1">
+              <a:tr h="111135">
+                <a:tc>
+                  <a:txBody>
+                    <a:bodyPr/>
+                    <a:lstStyle/>
+                    <a:p>
+                      <a:pPr marL="0" algn="ctr" defTabSz="914400" rtl="0" eaLnBrk="1" fontAlgn="b" latinLnBrk="0" hangingPunct="1"/>
+                      <a:r>
+                        <a:rPr lang="nb-NO" sz="600" u="none" strike="noStrike" kern="1200" dirty="0" err="1">
                           <a:solidFill>
                             <a:schemeClr val="dk1"/>
                           </a:solidFill>
@@ -7015,7 +7015,7 @@
                         </a:rPr>
                         <a:t>Computational_evidens</a:t>
                       </a:r>
-                      <a:endParaRPr lang="nb-NO" sz="500" u="none" strike="noStrike" kern="1200" dirty="0">
+                      <a:endParaRPr lang="nb-NO" sz="600" u="none" strike="noStrike" kern="1200" dirty="0">
                         <a:solidFill>
                           <a:schemeClr val="dk1"/>
                         </a:solidFill>
@@ -7026,7 +7026,7 @@
                       </a:endParaRPr>
                     </a:p>
                   </a:txBody>
-                  <a:tcPr marL="9525" marR="9525" marT="9525" marB="0" anchor="b"/>
+                  <a:tcPr marL="12309" marR="12309" marT="12309" marB="0" anchor="b"/>
                 </a:tc>
                 <a:extLst>
                   <a:ext uri="{0D108BD9-81ED-4DB2-BD59-A6C34878D82A}">
@@ -7034,15 +7034,15 @@
                   </a:ext>
                 </a:extLst>
               </a:tr>
-              <a:tr h="85997">
-                <a:tc>
-                  <a:txBody>
-                    <a:bodyPr/>
-                    <a:lstStyle/>
-                    <a:p>
-                      <a:pPr marL="0" algn="ctr" defTabSz="914400" rtl="0" eaLnBrk="1" fontAlgn="b" latinLnBrk="0" hangingPunct="1"/>
-                      <a:r>
-                        <a:rPr lang="nb-NO" sz="500" u="none" strike="noStrike" kern="1200" dirty="0">
+              <a:tr h="111135">
+                <a:tc>
+                  <a:txBody>
+                    <a:bodyPr/>
+                    <a:lstStyle/>
+                    <a:p>
+                      <a:pPr marL="0" algn="ctr" defTabSz="914400" rtl="0" eaLnBrk="1" fontAlgn="b" latinLnBrk="0" hangingPunct="1"/>
+                      <a:r>
+                        <a:rPr lang="nb-NO" sz="600" u="none" strike="noStrike" kern="1200" dirty="0">
                           <a:solidFill>
                             <a:schemeClr val="dk1"/>
                           </a:solidFill>
@@ -7055,7 +7055,7 @@
                       </a:r>
                     </a:p>
                   </a:txBody>
-                  <a:tcPr marL="9525" marR="9525" marT="9525" marB="0" anchor="b"/>
+                  <a:tcPr marL="12309" marR="12309" marT="12309" marB="0" anchor="b"/>
                 </a:tc>
                 <a:extLst>
                   <a:ext uri="{0D108BD9-81ED-4DB2-BD59-A6C34878D82A}">
@@ -7063,15 +7063,15 @@
                   </a:ext>
                 </a:extLst>
               </a:tr>
-              <a:tr h="85997">
-                <a:tc>
-                  <a:txBody>
-                    <a:bodyPr/>
-                    <a:lstStyle/>
-                    <a:p>
-                      <a:pPr marL="0" algn="ctr" defTabSz="914400" rtl="0" eaLnBrk="1" fontAlgn="b" latinLnBrk="0" hangingPunct="1"/>
-                      <a:r>
-                        <a:rPr lang="nb-NO" sz="500" u="none" strike="noStrike" kern="1200" dirty="0" err="1">
+              <a:tr h="111135">
+                <a:tc>
+                  <a:txBody>
+                    <a:bodyPr/>
+                    <a:lstStyle/>
+                    <a:p>
+                      <a:pPr marL="0" algn="ctr" defTabSz="914400" rtl="0" eaLnBrk="1" fontAlgn="b" latinLnBrk="0" hangingPunct="1"/>
+                      <a:r>
+                        <a:rPr lang="nb-NO" sz="600" u="none" strike="noStrike" kern="1200" dirty="0" err="1">
                           <a:solidFill>
                             <a:schemeClr val="dk1"/>
                           </a:solidFill>
@@ -7082,7 +7082,7 @@
                         </a:rPr>
                         <a:t>ClinVar</a:t>
                       </a:r>
-                      <a:endParaRPr lang="nb-NO" sz="500" u="none" strike="noStrike" kern="1200" dirty="0">
+                      <a:endParaRPr lang="nb-NO" sz="600" u="none" strike="noStrike" kern="1200" dirty="0">
                         <a:solidFill>
                           <a:schemeClr val="dk1"/>
                         </a:solidFill>
@@ -7093,7 +7093,7 @@
                       </a:endParaRPr>
                     </a:p>
                   </a:txBody>
-                  <a:tcPr marL="9525" marR="9525" marT="9525" marB="0" anchor="b"/>
+                  <a:tcPr marL="12309" marR="12309" marT="12309" marB="0" anchor="b"/>
                 </a:tc>
                 <a:extLst>
                   <a:ext uri="{0D108BD9-81ED-4DB2-BD59-A6C34878D82A}">
@@ -7101,15 +7101,15 @@
                   </a:ext>
                 </a:extLst>
               </a:tr>
-              <a:tr h="85997">
-                <a:tc>
-                  <a:txBody>
-                    <a:bodyPr/>
-                    <a:lstStyle/>
-                    <a:p>
-                      <a:pPr marL="0" algn="ctr" defTabSz="914400" rtl="0" eaLnBrk="1" fontAlgn="b" latinLnBrk="0" hangingPunct="1"/>
-                      <a:r>
-                        <a:rPr lang="nb-NO" sz="500" u="none" strike="noStrike" kern="1200" dirty="0" err="1">
+              <a:tr h="111135">
+                <a:tc>
+                  <a:txBody>
+                    <a:bodyPr/>
+                    <a:lstStyle/>
+                    <a:p>
+                      <a:pPr marL="0" algn="ctr" defTabSz="914400" rtl="0" eaLnBrk="1" fontAlgn="b" latinLnBrk="0" hangingPunct="1"/>
+                      <a:r>
+                        <a:rPr lang="nb-NO" sz="600" u="none" strike="noStrike" kern="1200" dirty="0" err="1">
                           <a:solidFill>
                             <a:schemeClr val="dk1"/>
                           </a:solidFill>
@@ -7120,7 +7120,7 @@
                         </a:rPr>
                         <a:t>Andre_DB</a:t>
                       </a:r>
-                      <a:endParaRPr lang="nb-NO" sz="500" u="none" strike="noStrike" kern="1200" dirty="0">
+                      <a:endParaRPr lang="nb-NO" sz="600" u="none" strike="noStrike" kern="1200" dirty="0">
                         <a:solidFill>
                           <a:schemeClr val="dk1"/>
                         </a:solidFill>
@@ -7131,7 +7131,7 @@
                       </a:endParaRPr>
                     </a:p>
                   </a:txBody>
-                  <a:tcPr marL="9525" marR="9525" marT="9525" marB="0" anchor="b"/>
+                  <a:tcPr marL="12309" marR="12309" marT="12309" marB="0" anchor="b"/>
                 </a:tc>
                 <a:extLst>
                   <a:ext uri="{0D108BD9-81ED-4DB2-BD59-A6C34878D82A}">
@@ -7139,15 +7139,15 @@
                   </a:ext>
                 </a:extLst>
               </a:tr>
-              <a:tr h="85997">
-                <a:tc>
-                  <a:txBody>
-                    <a:bodyPr/>
-                    <a:lstStyle/>
-                    <a:p>
-                      <a:pPr marL="0" algn="ctr" defTabSz="914400" rtl="0" eaLnBrk="1" fontAlgn="b" latinLnBrk="0" hangingPunct="1"/>
-                      <a:r>
-                        <a:rPr lang="nb-NO" sz="500" u="none" strike="noStrike" kern="1200" dirty="0">
+              <a:tr h="111135">
+                <a:tc>
+                  <a:txBody>
+                    <a:bodyPr/>
+                    <a:lstStyle/>
+                    <a:p>
+                      <a:pPr marL="0" algn="ctr" defTabSz="914400" rtl="0" eaLnBrk="1" fontAlgn="b" latinLnBrk="0" hangingPunct="1"/>
+                      <a:r>
+                        <a:rPr lang="nb-NO" sz="600" u="none" strike="noStrike" kern="1200" dirty="0">
                           <a:solidFill>
                             <a:schemeClr val="dk1"/>
                           </a:solidFill>
@@ -7160,7 +7160,7 @@
                       </a:r>
                     </a:p>
                   </a:txBody>
-                  <a:tcPr marL="9525" marR="9525" marT="9525" marB="0" anchor="b"/>
+                  <a:tcPr marL="12309" marR="12309" marT="12309" marB="0" anchor="b"/>
                 </a:tc>
                 <a:extLst>
                   <a:ext uri="{0D108BD9-81ED-4DB2-BD59-A6C34878D82A}">
@@ -7168,15 +7168,15 @@
                   </a:ext>
                 </a:extLst>
               </a:tr>
-              <a:tr h="85997">
-                <a:tc>
-                  <a:txBody>
-                    <a:bodyPr/>
-                    <a:lstStyle/>
-                    <a:p>
-                      <a:pPr marL="0" algn="ctr" defTabSz="914400" rtl="0" eaLnBrk="1" fontAlgn="b" latinLnBrk="0" hangingPunct="1"/>
-                      <a:r>
-                        <a:rPr lang="nb-NO" sz="500" u="none" strike="noStrike" kern="1200" dirty="0" err="1">
+              <a:tr h="111135">
+                <a:tc>
+                  <a:txBody>
+                    <a:bodyPr/>
+                    <a:lstStyle/>
+                    <a:p>
+                      <a:pPr marL="0" algn="ctr" defTabSz="914400" rtl="0" eaLnBrk="1" fontAlgn="b" latinLnBrk="0" hangingPunct="1"/>
+                      <a:r>
+                        <a:rPr lang="nb-NO" sz="600" u="none" strike="noStrike" kern="1200" dirty="0" err="1">
                           <a:solidFill>
                             <a:schemeClr val="dk1"/>
                           </a:solidFill>
@@ -7187,7 +7187,7 @@
                         </a:rPr>
                         <a:t>Oncogenicity</a:t>
                       </a:r>
-                      <a:endParaRPr lang="nb-NO" sz="500" u="none" strike="noStrike" kern="1200" dirty="0">
+                      <a:endParaRPr lang="nb-NO" sz="600" u="none" strike="noStrike" kern="1200" dirty="0">
                         <a:solidFill>
                           <a:schemeClr val="dk1"/>
                         </a:solidFill>
@@ -7198,7 +7198,7 @@
                       </a:endParaRPr>
                     </a:p>
                   </a:txBody>
-                  <a:tcPr marL="9525" marR="9525" marT="9525" marB="0" anchor="b"/>
+                  <a:tcPr marL="12309" marR="12309" marT="12309" marB="0" anchor="b"/>
                 </a:tc>
                 <a:extLst>
                   <a:ext uri="{0D108BD9-81ED-4DB2-BD59-A6C34878D82A}">
@@ -7206,15 +7206,15 @@
                   </a:ext>
                 </a:extLst>
               </a:tr>
-              <a:tr h="85997">
-                <a:tc>
-                  <a:txBody>
-                    <a:bodyPr/>
-                    <a:lstStyle/>
-                    <a:p>
-                      <a:pPr marL="0" algn="ctr" defTabSz="914400" rtl="0" eaLnBrk="1" fontAlgn="b" latinLnBrk="0" hangingPunct="1"/>
-                      <a:r>
-                        <a:rPr lang="nb-NO" sz="500" u="none" strike="noStrike" kern="1200" dirty="0">
+              <a:tr h="111135">
+                <a:tc>
+                  <a:txBody>
+                    <a:bodyPr/>
+                    <a:lstStyle/>
+                    <a:p>
+                      <a:pPr marL="0" algn="ctr" defTabSz="914400" rtl="0" eaLnBrk="1" fontAlgn="b" latinLnBrk="0" hangingPunct="1"/>
+                      <a:r>
+                        <a:rPr lang="nb-NO" sz="600" u="none" strike="noStrike" kern="1200" dirty="0">
                           <a:solidFill>
                             <a:schemeClr val="dk1"/>
                           </a:solidFill>
@@ -7227,7 +7227,7 @@
                       </a:r>
                     </a:p>
                   </a:txBody>
-                  <a:tcPr marL="9525" marR="9525" marT="9525" marB="0" anchor="b"/>
+                  <a:tcPr marL="12309" marR="12309" marT="12309" marB="0" anchor="b"/>
                 </a:tc>
                 <a:extLst>
                   <a:ext uri="{0D108BD9-81ED-4DB2-BD59-A6C34878D82A}">
@@ -7235,15 +7235,15 @@
                   </a:ext>
                 </a:extLst>
               </a:tr>
-              <a:tr h="85997">
-                <a:tc>
-                  <a:txBody>
-                    <a:bodyPr/>
-                    <a:lstStyle/>
-                    <a:p>
-                      <a:pPr marL="0" algn="ctr" defTabSz="914400" rtl="0" eaLnBrk="1" fontAlgn="b" latinLnBrk="0" hangingPunct="1"/>
-                      <a:r>
-                        <a:rPr lang="nb-NO" sz="500" u="none" strike="noStrike" kern="1200" dirty="0">
+              <a:tr h="111135">
+                <a:tc>
+                  <a:txBody>
+                    <a:bodyPr/>
+                    <a:lstStyle/>
+                    <a:p>
+                      <a:pPr marL="0" algn="ctr" defTabSz="914400" rtl="0" eaLnBrk="1" fontAlgn="b" latinLnBrk="0" hangingPunct="1"/>
+                      <a:r>
+                        <a:rPr lang="nb-NO" sz="600" u="none" strike="noStrike" kern="1200" dirty="0">
                           <a:solidFill>
                             <a:schemeClr val="dk1"/>
                           </a:solidFill>
@@ -7256,7 +7256,7 @@
                       </a:r>
                     </a:p>
                   </a:txBody>
-                  <a:tcPr marL="9525" marR="9525" marT="9525" marB="0" anchor="b"/>
+                  <a:tcPr marL="12309" marR="12309" marT="12309" marB="0" anchor="b"/>
                 </a:tc>
                 <a:extLst>
                   <a:ext uri="{0D108BD9-81ED-4DB2-BD59-A6C34878D82A}">
@@ -7264,15 +7264,15 @@
                   </a:ext>
                 </a:extLst>
               </a:tr>
-              <a:tr h="85997">
-                <a:tc>
-                  <a:txBody>
-                    <a:bodyPr/>
-                    <a:lstStyle/>
-                    <a:p>
-                      <a:pPr marL="0" algn="ctr" defTabSz="914400" rtl="0" eaLnBrk="1" fontAlgn="b" latinLnBrk="0" hangingPunct="1"/>
-                      <a:r>
-                        <a:rPr lang="nb-NO" sz="500" u="none" strike="noStrike" kern="1200" dirty="0">
+              <a:tr h="111135">
+                <a:tc>
+                  <a:txBody>
+                    <a:bodyPr/>
+                    <a:lstStyle/>
+                    <a:p>
+                      <a:pPr marL="0" algn="ctr" defTabSz="914400" rtl="0" eaLnBrk="1" fontAlgn="b" latinLnBrk="0" hangingPunct="1"/>
+                      <a:r>
+                        <a:rPr lang="nb-NO" sz="600" u="none" strike="noStrike" kern="1200" dirty="0">
                           <a:solidFill>
                             <a:schemeClr val="dk1"/>
                           </a:solidFill>
@@ -7285,7 +7285,7 @@
                       </a:r>
                     </a:p>
                   </a:txBody>
-                  <a:tcPr marL="9525" marR="9525" marT="9525" marB="0" anchor="b"/>
+                  <a:tcPr marL="12309" marR="12309" marT="12309" marB="0" anchor="b"/>
                 </a:tc>
                 <a:extLst>
                   <a:ext uri="{0D108BD9-81ED-4DB2-BD59-A6C34878D82A}">
@@ -7293,15 +7293,15 @@
                   </a:ext>
                 </a:extLst>
               </a:tr>
-              <a:tr h="85997">
-                <a:tc>
-                  <a:txBody>
-                    <a:bodyPr/>
-                    <a:lstStyle/>
-                    <a:p>
-                      <a:pPr marL="0" algn="ctr" defTabSz="914400" rtl="0" eaLnBrk="1" fontAlgn="b" latinLnBrk="0" hangingPunct="1"/>
-                      <a:r>
-                        <a:rPr lang="nb-NO" sz="500" u="none" strike="noStrike" kern="1200" dirty="0">
+              <a:tr h="111135">
+                <a:tc>
+                  <a:txBody>
+                    <a:bodyPr/>
+                    <a:lstStyle/>
+                    <a:p>
+                      <a:pPr marL="0" algn="ctr" defTabSz="914400" rtl="0" eaLnBrk="1" fontAlgn="b" latinLnBrk="0" hangingPunct="1"/>
+                      <a:r>
+                        <a:rPr lang="nb-NO" sz="600" u="none" strike="noStrike" kern="1200" dirty="0">
                           <a:solidFill>
                             <a:schemeClr val="dk1"/>
                           </a:solidFill>
@@ -7314,7 +7314,7 @@
                       </a:r>
                     </a:p>
                   </a:txBody>
-                  <a:tcPr marL="9525" marR="9525" marT="9525" marB="0" anchor="b"/>
+                  <a:tcPr marL="12309" marR="12309" marT="12309" marB="0" anchor="b"/>
                 </a:tc>
                 <a:extLst>
                   <a:ext uri="{0D108BD9-81ED-4DB2-BD59-A6C34878D82A}">
@@ -7322,15 +7322,15 @@
                   </a:ext>
                 </a:extLst>
               </a:tr>
-              <a:tr h="85997">
-                <a:tc>
-                  <a:txBody>
-                    <a:bodyPr/>
-                    <a:lstStyle/>
-                    <a:p>
-                      <a:pPr marL="0" algn="ctr" defTabSz="914400" rtl="0" eaLnBrk="1" fontAlgn="b" latinLnBrk="0" hangingPunct="1"/>
-                      <a:r>
-                        <a:rPr lang="nb-NO" sz="500" u="none" strike="noStrike" kern="1200" dirty="0">
+              <a:tr h="111135">
+                <a:tc>
+                  <a:txBody>
+                    <a:bodyPr/>
+                    <a:lstStyle/>
+                    <a:p>
+                      <a:pPr marL="0" algn="ctr" defTabSz="914400" rtl="0" eaLnBrk="1" fontAlgn="b" latinLnBrk="0" hangingPunct="1"/>
+                      <a:r>
+                        <a:rPr lang="nb-NO" sz="600" u="none" strike="noStrike" kern="1200" dirty="0">
                           <a:solidFill>
                             <a:schemeClr val="dk1"/>
                           </a:solidFill>
@@ -7343,7 +7343,7 @@
                       </a:r>
                     </a:p>
                   </a:txBody>
-                  <a:tcPr marL="9525" marR="9525" marT="9525" marB="0" anchor="b"/>
+                  <a:tcPr marL="12309" marR="12309" marT="12309" marB="0" anchor="b"/>
                 </a:tc>
                 <a:extLst>
                   <a:ext uri="{0D108BD9-81ED-4DB2-BD59-A6C34878D82A}">
@@ -7351,15 +7351,15 @@
                   </a:ext>
                 </a:extLst>
               </a:tr>
-              <a:tr h="85997">
-                <a:tc>
-                  <a:txBody>
-                    <a:bodyPr/>
-                    <a:lstStyle/>
-                    <a:p>
-                      <a:pPr marL="0" algn="ctr" defTabSz="914400" rtl="0" eaLnBrk="1" fontAlgn="b" latinLnBrk="0" hangingPunct="1"/>
-                      <a:r>
-                        <a:rPr lang="nb-NO" sz="500" u="none" strike="noStrike" kern="1200" dirty="0">
+              <a:tr h="111135">
+                <a:tc>
+                  <a:txBody>
+                    <a:bodyPr/>
+                    <a:lstStyle/>
+                    <a:p>
+                      <a:pPr marL="0" algn="ctr" defTabSz="914400" rtl="0" eaLnBrk="1" fontAlgn="b" latinLnBrk="0" hangingPunct="1"/>
+                      <a:r>
+                        <a:rPr lang="nb-NO" sz="600" u="none" strike="noStrike" kern="1200" dirty="0">
                           <a:solidFill>
                             <a:schemeClr val="dk1"/>
                           </a:solidFill>
@@ -7372,7 +7372,7 @@
                       </a:r>
                     </a:p>
                   </a:txBody>
-                  <a:tcPr marL="9525" marR="9525" marT="9525" marB="0" anchor="b"/>
+                  <a:tcPr marL="12309" marR="12309" marT="12309" marB="0" anchor="b"/>
                 </a:tc>
                 <a:extLst>
                   <a:ext uri="{0D108BD9-81ED-4DB2-BD59-A6C34878D82A}">
@@ -7380,15 +7380,15 @@
                   </a:ext>
                 </a:extLst>
               </a:tr>
-              <a:tr h="85997">
-                <a:tc>
-                  <a:txBody>
-                    <a:bodyPr/>
-                    <a:lstStyle/>
-                    <a:p>
-                      <a:pPr marL="0" algn="ctr" defTabSz="914400" rtl="0" eaLnBrk="1" fontAlgn="b" latinLnBrk="0" hangingPunct="1"/>
-                      <a:r>
-                        <a:rPr lang="nb-NO" sz="500" u="none" strike="noStrike" kern="1200" dirty="0">
+              <a:tr h="111135">
+                <a:tc>
+                  <a:txBody>
+                    <a:bodyPr/>
+                    <a:lstStyle/>
+                    <a:p>
+                      <a:pPr marL="0" algn="ctr" defTabSz="914400" rtl="0" eaLnBrk="1" fontAlgn="b" latinLnBrk="0" hangingPunct="1"/>
+                      <a:r>
+                        <a:rPr lang="nb-NO" sz="600" u="none" strike="noStrike" kern="1200" dirty="0">
                           <a:solidFill>
                             <a:schemeClr val="dk1"/>
                           </a:solidFill>
@@ -7401,7 +7401,7 @@
                       </a:r>
                     </a:p>
                   </a:txBody>
-                  <a:tcPr marL="9525" marR="9525" marT="9525" marB="0" anchor="b"/>
+                  <a:tcPr marL="12309" marR="12309" marT="12309" marB="0" anchor="b"/>
                 </a:tc>
                 <a:extLst>
                   <a:ext uri="{0D108BD9-81ED-4DB2-BD59-A6C34878D82A}">
@@ -7409,15 +7409,15 @@
                   </a:ext>
                 </a:extLst>
               </a:tr>
-              <a:tr h="85997">
-                <a:tc>
-                  <a:txBody>
-                    <a:bodyPr/>
-                    <a:lstStyle/>
-                    <a:p>
-                      <a:pPr marL="0" algn="ctr" defTabSz="914400" rtl="0" eaLnBrk="1" fontAlgn="b" latinLnBrk="0" hangingPunct="1"/>
-                      <a:r>
-                        <a:rPr lang="nb-NO" sz="500" u="none" strike="noStrike" kern="1200" dirty="0">
+              <a:tr h="111135">
+                <a:tc>
+                  <a:txBody>
+                    <a:bodyPr/>
+                    <a:lstStyle/>
+                    <a:p>
+                      <a:pPr marL="0" algn="ctr" defTabSz="914400" rtl="0" eaLnBrk="1" fontAlgn="b" latinLnBrk="0" hangingPunct="1"/>
+                      <a:r>
+                        <a:rPr lang="nb-NO" sz="600" u="none" strike="noStrike" kern="1200" dirty="0">
                           <a:solidFill>
                             <a:schemeClr val="dk1"/>
                           </a:solidFill>
@@ -7430,7 +7430,7 @@
                       </a:r>
                     </a:p>
                   </a:txBody>
-                  <a:tcPr marL="9525" marR="9525" marT="9525" marB="0" anchor="b"/>
+                  <a:tcPr marL="12309" marR="12309" marT="12309" marB="0" anchor="b"/>
                 </a:tc>
                 <a:extLst>
                   <a:ext uri="{0D108BD9-81ED-4DB2-BD59-A6C34878D82A}">
@@ -7438,15 +7438,15 @@
                   </a:ext>
                 </a:extLst>
               </a:tr>
-              <a:tr h="85997">
-                <a:tc>
-                  <a:txBody>
-                    <a:bodyPr/>
-                    <a:lstStyle/>
-                    <a:p>
-                      <a:pPr marL="0" algn="ctr" defTabSz="914400" rtl="0" eaLnBrk="1" fontAlgn="b" latinLnBrk="0" hangingPunct="1"/>
-                      <a:r>
-                        <a:rPr lang="nb-NO" sz="500" u="none" strike="noStrike" kern="1200" dirty="0">
+              <a:tr h="111135">
+                <a:tc>
+                  <a:txBody>
+                    <a:bodyPr/>
+                    <a:lstStyle/>
+                    <a:p>
+                      <a:pPr marL="0" algn="ctr" defTabSz="914400" rtl="0" eaLnBrk="1" fontAlgn="b" latinLnBrk="0" hangingPunct="1"/>
+                      <a:r>
+                        <a:rPr lang="nb-NO" sz="600" u="none" strike="noStrike" kern="1200" dirty="0">
                           <a:solidFill>
                             <a:schemeClr val="dk1"/>
                           </a:solidFill>
@@ -7459,7 +7459,7 @@
                       </a:r>
                     </a:p>
                   </a:txBody>
-                  <a:tcPr marL="9525" marR="9525" marT="9525" marB="0" anchor="b"/>
+                  <a:tcPr marL="12309" marR="12309" marT="12309" marB="0" anchor="b"/>
                 </a:tc>
                 <a:extLst>
                   <a:ext uri="{0D108BD9-81ED-4DB2-BD59-A6C34878D82A}">
@@ -7467,15 +7467,15 @@
                   </a:ext>
                 </a:extLst>
               </a:tr>
-              <a:tr h="85997">
-                <a:tc>
-                  <a:txBody>
-                    <a:bodyPr/>
-                    <a:lstStyle/>
-                    <a:p>
-                      <a:pPr marL="0" algn="ctr" defTabSz="914400" rtl="0" eaLnBrk="1" fontAlgn="b" latinLnBrk="0" hangingPunct="1"/>
-                      <a:r>
-                        <a:rPr lang="nb-NO" sz="500" u="none" strike="noStrike" kern="1200" dirty="0">
+              <a:tr h="111135">
+                <a:tc>
+                  <a:txBody>
+                    <a:bodyPr/>
+                    <a:lstStyle/>
+                    <a:p>
+                      <a:pPr marL="0" algn="ctr" defTabSz="914400" rtl="0" eaLnBrk="1" fontAlgn="b" latinLnBrk="0" hangingPunct="1"/>
+                      <a:r>
+                        <a:rPr lang="nb-NO" sz="600" u="none" strike="noStrike" kern="1200" dirty="0">
                           <a:solidFill>
                             <a:schemeClr val="dk1"/>
                           </a:solidFill>
@@ -7488,7 +7488,7 @@
                       </a:r>
                     </a:p>
                   </a:txBody>
-                  <a:tcPr marL="9525" marR="9525" marT="9525" marB="0" anchor="b"/>
+                  <a:tcPr marL="12309" marR="12309" marT="12309" marB="0" anchor="b"/>
                 </a:tc>
                 <a:extLst>
                   <a:ext uri="{0D108BD9-81ED-4DB2-BD59-A6C34878D82A}">
@@ -7496,15 +7496,15 @@
                   </a:ext>
                 </a:extLst>
               </a:tr>
-              <a:tr h="85997">
-                <a:tc>
-                  <a:txBody>
-                    <a:bodyPr/>
-                    <a:lstStyle/>
-                    <a:p>
-                      <a:pPr marL="0" algn="ctr" defTabSz="914400" rtl="0" eaLnBrk="1" fontAlgn="b" latinLnBrk="0" hangingPunct="1"/>
-                      <a:r>
-                        <a:rPr lang="nb-NO" sz="500" u="none" strike="noStrike" kern="1200" dirty="0">
+              <a:tr h="111135">
+                <a:tc>
+                  <a:txBody>
+                    <a:bodyPr/>
+                    <a:lstStyle/>
+                    <a:p>
+                      <a:pPr marL="0" algn="ctr" defTabSz="914400" rtl="0" eaLnBrk="1" fontAlgn="b" latinLnBrk="0" hangingPunct="1"/>
+                      <a:r>
+                        <a:rPr lang="nb-NO" sz="600" u="none" strike="noStrike" kern="1200" dirty="0">
                           <a:solidFill>
                             <a:schemeClr val="dk1"/>
                           </a:solidFill>
@@ -7517,7 +7517,7 @@
                       </a:r>
                     </a:p>
                   </a:txBody>
-                  <a:tcPr marL="9525" marR="9525" marT="9525" marB="0" anchor="b"/>
+                  <a:tcPr marL="12309" marR="12309" marT="12309" marB="0" anchor="b"/>
                 </a:tc>
                 <a:extLst>
                   <a:ext uri="{0D108BD9-81ED-4DB2-BD59-A6C34878D82A}">
@@ -7525,14 +7525,14 @@
                   </a:ext>
                 </a:extLst>
               </a:tr>
-              <a:tr h="85997">
-                <a:tc>
-                  <a:txBody>
-                    <a:bodyPr/>
-                    <a:lstStyle/>
-                    <a:p>
-                      <a:pPr marL="0" algn="ctr" defTabSz="914400" rtl="0" eaLnBrk="1" fontAlgn="b" latinLnBrk="0" hangingPunct="1"/>
-                      <a:endParaRPr lang="nb-NO" sz="500" u="none" strike="noStrike" kern="1200" dirty="0">
+              <a:tr h="113493">
+                <a:tc>
+                  <a:txBody>
+                    <a:bodyPr/>
+                    <a:lstStyle/>
+                    <a:p>
+                      <a:pPr marL="0" algn="ctr" defTabSz="914400" rtl="0" eaLnBrk="1" fontAlgn="b" latinLnBrk="0" hangingPunct="1"/>
+                      <a:endParaRPr lang="nb-NO" sz="600" u="none" strike="noStrike" kern="1200" dirty="0">
                         <a:solidFill>
                           <a:schemeClr val="dk1"/>
                         </a:solidFill>
@@ -7543,7 +7543,7 @@
                       </a:endParaRPr>
                     </a:p>
                   </a:txBody>
-                  <a:tcPr marL="11622" marR="11622" marT="11622" marB="0" anchor="b"/>
+                  <a:tcPr marL="15019" marR="15019" marT="15019" marB="0" anchor="b"/>
                 </a:tc>
                 <a:extLst>
                   <a:ext uri="{0D108BD9-81ED-4DB2-BD59-A6C34878D82A}">
@@ -7551,14 +7551,14 @@
                   </a:ext>
                 </a:extLst>
               </a:tr>
-              <a:tr h="85997">
-                <a:tc>
-                  <a:txBody>
-                    <a:bodyPr/>
-                    <a:lstStyle/>
-                    <a:p>
-                      <a:pPr marL="0" algn="ctr" defTabSz="914400" rtl="0" eaLnBrk="1" fontAlgn="b" latinLnBrk="0" hangingPunct="1"/>
-                      <a:endParaRPr lang="nb-NO" sz="500" u="none" strike="noStrike" kern="1200" dirty="0">
+              <a:tr h="113493">
+                <a:tc>
+                  <a:txBody>
+                    <a:bodyPr/>
+                    <a:lstStyle/>
+                    <a:p>
+                      <a:pPr marL="0" algn="ctr" defTabSz="914400" rtl="0" eaLnBrk="1" fontAlgn="b" latinLnBrk="0" hangingPunct="1"/>
+                      <a:endParaRPr lang="nb-NO" sz="600" u="none" strike="noStrike" kern="1200" dirty="0">
                         <a:solidFill>
                           <a:schemeClr val="dk1"/>
                         </a:solidFill>
@@ -7569,7 +7569,7 @@
                       </a:endParaRPr>
                     </a:p>
                   </a:txBody>
-                  <a:tcPr marL="11622" marR="11622" marT="11622" marB="0" anchor="b"/>
+                  <a:tcPr marL="15019" marR="15019" marT="15019" marB="0" anchor="b"/>
                 </a:tc>
                 <a:extLst>
                   <a:ext uri="{0D108BD9-81ED-4DB2-BD59-A6C34878D82A}">
@@ -7577,14 +7577,14 @@
                   </a:ext>
                 </a:extLst>
               </a:tr>
-              <a:tr h="85997">
-                <a:tc>
-                  <a:txBody>
-                    <a:bodyPr/>
-                    <a:lstStyle/>
-                    <a:p>
-                      <a:pPr marL="0" algn="ctr" defTabSz="914400" rtl="0" eaLnBrk="1" fontAlgn="b" latinLnBrk="0" hangingPunct="1"/>
-                      <a:endParaRPr lang="nb-NO" sz="500" u="none" strike="noStrike" kern="1200" dirty="0">
+              <a:tr h="113493">
+                <a:tc>
+                  <a:txBody>
+                    <a:bodyPr/>
+                    <a:lstStyle/>
+                    <a:p>
+                      <a:pPr marL="0" algn="ctr" defTabSz="914400" rtl="0" eaLnBrk="1" fontAlgn="b" latinLnBrk="0" hangingPunct="1"/>
+                      <a:endParaRPr lang="nb-NO" sz="600" u="none" strike="noStrike" kern="1200" dirty="0">
                         <a:solidFill>
                           <a:schemeClr val="dk1"/>
                         </a:solidFill>
@@ -7595,7 +7595,7 @@
                       </a:endParaRPr>
                     </a:p>
                   </a:txBody>
-                  <a:tcPr marL="11622" marR="11622" marT="11622" marB="0" anchor="b"/>
+                  <a:tcPr marL="15019" marR="15019" marT="15019" marB="0" anchor="b"/>
                 </a:tc>
                 <a:extLst>
                   <a:ext uri="{0D108BD9-81ED-4DB2-BD59-A6C34878D82A}">
@@ -7603,14 +7603,14 @@
                   </a:ext>
                 </a:extLst>
               </a:tr>
-              <a:tr h="85997">
-                <a:tc>
-                  <a:txBody>
-                    <a:bodyPr/>
-                    <a:lstStyle/>
-                    <a:p>
-                      <a:pPr marL="0" algn="ctr" defTabSz="914400" rtl="0" eaLnBrk="1" fontAlgn="b" latinLnBrk="0" hangingPunct="1"/>
-                      <a:endParaRPr lang="nb-NO" sz="500" u="none" strike="noStrike" kern="1200" dirty="0">
+              <a:tr h="113493">
+                <a:tc>
+                  <a:txBody>
+                    <a:bodyPr/>
+                    <a:lstStyle/>
+                    <a:p>
+                      <a:pPr marL="0" algn="ctr" defTabSz="914400" rtl="0" eaLnBrk="1" fontAlgn="b" latinLnBrk="0" hangingPunct="1"/>
+                      <a:endParaRPr lang="nb-NO" sz="600" u="none" strike="noStrike" kern="1200" dirty="0">
                         <a:solidFill>
                           <a:schemeClr val="dk1"/>
                         </a:solidFill>
@@ -7621,7 +7621,7 @@
                       </a:endParaRPr>
                     </a:p>
                   </a:txBody>
-                  <a:tcPr marL="11622" marR="11622" marT="11622" marB="0" anchor="b"/>
+                  <a:tcPr marL="15019" marR="15019" marT="15019" marB="0" anchor="b"/>
                 </a:tc>
                 <a:extLst>
                   <a:ext uri="{0D108BD9-81ED-4DB2-BD59-A6C34878D82A}">
@@ -7654,8 +7654,8 @@
           </p:nvPr>
         </p:nvGraphicFramePr>
         <p:xfrm>
-          <a:off x="5084524" y="462356"/>
-          <a:ext cx="858115" cy="3327489"/>
+          <a:off x="6940047" y="597507"/>
+          <a:ext cx="1108949" cy="4300137"/>
         </p:xfrm>
         <a:graphic>
           <a:graphicData uri="http://schemas.openxmlformats.org/drawingml/2006/table">
@@ -7664,7 +7664,7 @@
                 <a:tableStyleId>{5C22544A-7EE6-4342-B048-85BDC9FD1C3A}</a:tableStyleId>
               </a:tblPr>
               <a:tblGrid>
-                <a:gridCol w="858115">
+                <a:gridCol w="1108949">
                   <a:extLst>
                     <a:ext uri="{9D8B030D-6E8A-4147-A177-3AD203B41FA5}">
                       <a16:colId xmlns:a16="http://schemas.microsoft.com/office/drawing/2014/main" val="304410519"/>
@@ -7672,7 +7672,7 @@
                   </a:extLst>
                 </a:gridCol>
               </a:tblGrid>
-              <a:tr h="65411">
+              <a:tr h="101197">
                 <a:tc>
                   <a:txBody>
                     <a:bodyPr/>
@@ -7680,7 +7680,7 @@
                     <a:p>
                       <a:pPr algn="ctr" fontAlgn="b"/>
                       <a:r>
-                        <a:rPr lang="nb-NO" sz="500" b="1" i="0" u="none" strike="noStrike" dirty="0">
+                        <a:rPr lang="nb-NO" sz="600" b="1" i="0" u="none" strike="noStrike" dirty="0">
                           <a:solidFill>
                             <a:schemeClr val="bg1"/>
                           </a:solidFill>
@@ -7691,7 +7691,7 @@
                       </a:r>
                     </a:p>
                   </a:txBody>
-                  <a:tcPr marL="2107" marR="2107" marT="2107" marB="0" anchor="b">
+                  <a:tcPr marL="2723" marR="2723" marT="2723" marB="0" anchor="b">
                     <a:solidFill>
                       <a:schemeClr val="accent1"/>
                     </a:solidFill>
@@ -7703,15 +7703,15 @@
                   </a:ext>
                 </a:extLst>
               </a:tr>
-              <a:tr h="128716">
-                <a:tc>
-                  <a:txBody>
-                    <a:bodyPr/>
-                    <a:lstStyle/>
-                    <a:p>
-                      <a:pPr marL="0" algn="ctr" defTabSz="914400" rtl="0" eaLnBrk="1" fontAlgn="b" latinLnBrk="0" hangingPunct="1"/>
-                      <a:r>
-                        <a:rPr lang="nb-NO" sz="500" u="none" strike="noStrike" dirty="0">
+              <a:tr h="209257">
+                <a:tc>
+                  <a:txBody>
+                    <a:bodyPr/>
+                    <a:lstStyle/>
+                    <a:p>
+                      <a:pPr marL="0" algn="ctr" defTabSz="914400" rtl="0" eaLnBrk="1" fontAlgn="b" latinLnBrk="0" hangingPunct="1"/>
+                      <a:r>
+                        <a:rPr lang="nb-NO" sz="600" u="none" strike="noStrike" dirty="0">
                           <a:solidFill>
                             <a:schemeClr val="accent2"/>
                           </a:solidFill>
@@ -7720,7 +7720,7 @@
                         <a:t>§ </a:t>
                       </a:r>
                       <a:r>
-                        <a:rPr lang="nb-NO" sz="500" u="none" strike="noStrike" kern="1200" dirty="0">
+                        <a:rPr lang="nb-NO" sz="600" u="none" strike="noStrike" kern="1200" dirty="0">
                           <a:solidFill>
                             <a:schemeClr val="dk1"/>
                           </a:solidFill>
@@ -7733,7 +7733,7 @@
                       </a:r>
                     </a:p>
                   </a:txBody>
-                  <a:tcPr marL="9525" marR="9525" marT="9525" marB="0" anchor="b"/>
+                  <a:tcPr marL="12309" marR="12309" marT="12309" marB="0" anchor="b"/>
                 </a:tc>
                 <a:extLst>
                   <a:ext uri="{0D108BD9-81ED-4DB2-BD59-A6C34878D82A}">
@@ -7741,15 +7741,15 @@
                   </a:ext>
                 </a:extLst>
               </a:tr>
-              <a:tr h="86455">
-                <a:tc>
-                  <a:txBody>
-                    <a:bodyPr/>
-                    <a:lstStyle/>
-                    <a:p>
-                      <a:pPr marL="0" algn="ctr" defTabSz="914400" rtl="0" eaLnBrk="1" fontAlgn="b" latinLnBrk="0" hangingPunct="1"/>
-                      <a:r>
-                        <a:rPr lang="nb-NO" sz="500" u="none" strike="noStrike" dirty="0">
+              <a:tr h="111726">
+                <a:tc>
+                  <a:txBody>
+                    <a:bodyPr/>
+                    <a:lstStyle/>
+                    <a:p>
+                      <a:pPr marL="0" algn="ctr" defTabSz="914400" rtl="0" eaLnBrk="1" fontAlgn="b" latinLnBrk="0" hangingPunct="1"/>
+                      <a:r>
+                        <a:rPr lang="nb-NO" sz="600" u="none" strike="noStrike" dirty="0">
                           <a:solidFill>
                             <a:schemeClr val="accent2"/>
                           </a:solidFill>
@@ -7758,7 +7758,7 @@
                         <a:t>§ </a:t>
                       </a:r>
                       <a:r>
-                        <a:rPr lang="nb-NO" sz="500" u="none" strike="noStrike" kern="1200" dirty="0">
+                        <a:rPr lang="nb-NO" sz="600" u="none" strike="noStrike" kern="1200" dirty="0">
                           <a:solidFill>
                             <a:schemeClr val="dk1"/>
                           </a:solidFill>
@@ -7771,7 +7771,7 @@
                       </a:r>
                     </a:p>
                   </a:txBody>
-                  <a:tcPr marL="9525" marR="9525" marT="9525" marB="0" anchor="b"/>
+                  <a:tcPr marL="12309" marR="12309" marT="12309" marB="0" anchor="b"/>
                 </a:tc>
                 <a:extLst>
                   <a:ext uri="{0D108BD9-81ED-4DB2-BD59-A6C34878D82A}">
@@ -7779,15 +7779,15 @@
                   </a:ext>
                 </a:extLst>
               </a:tr>
-              <a:tr h="79307">
-                <a:tc>
-                  <a:txBody>
-                    <a:bodyPr/>
-                    <a:lstStyle/>
-                    <a:p>
-                      <a:pPr marL="0" algn="ctr" defTabSz="914400" rtl="0" eaLnBrk="1" fontAlgn="b" latinLnBrk="0" hangingPunct="1"/>
-                      <a:r>
-                        <a:rPr lang="nb-NO" sz="500" u="none" strike="noStrike" dirty="0">
+              <a:tr h="110783">
+                <a:tc>
+                  <a:txBody>
+                    <a:bodyPr/>
+                    <a:lstStyle/>
+                    <a:p>
+                      <a:pPr marL="0" algn="ctr" defTabSz="914400" rtl="0" eaLnBrk="1" fontAlgn="b" latinLnBrk="0" hangingPunct="1"/>
+                      <a:r>
+                        <a:rPr lang="nb-NO" sz="600" u="none" strike="noStrike" dirty="0">
                           <a:solidFill>
                             <a:schemeClr val="accent2"/>
                           </a:solidFill>
@@ -7796,7 +7796,7 @@
                         <a:t>§ </a:t>
                       </a:r>
                       <a:r>
-                        <a:rPr lang="nb-NO" sz="500" u="none" strike="noStrike" kern="1200" dirty="0">
+                        <a:rPr lang="nb-NO" sz="600" u="none" strike="noStrike" kern="1200" dirty="0">
                           <a:solidFill>
                             <a:schemeClr val="dk1"/>
                           </a:solidFill>
@@ -7809,7 +7809,7 @@
                       </a:r>
                     </a:p>
                   </a:txBody>
-                  <a:tcPr marL="9525" marR="9525" marT="9525" marB="0" anchor="b"/>
+                  <a:tcPr marL="12309" marR="12309" marT="12309" marB="0" anchor="b"/>
                 </a:tc>
                 <a:extLst>
                   <a:ext uri="{0D108BD9-81ED-4DB2-BD59-A6C34878D82A}">
@@ -7817,15 +7817,15 @@
                   </a:ext>
                 </a:extLst>
               </a:tr>
-              <a:tr h="82730">
-                <a:tc>
-                  <a:txBody>
-                    <a:bodyPr/>
-                    <a:lstStyle/>
-                    <a:p>
-                      <a:pPr marL="0" algn="ctr" defTabSz="914400" rtl="0" eaLnBrk="1" fontAlgn="b" latinLnBrk="0" hangingPunct="1"/>
-                      <a:r>
-                        <a:rPr lang="nb-NO" sz="500" u="none" strike="noStrike" kern="1200" dirty="0">
+              <a:tr h="110783">
+                <a:tc>
+                  <a:txBody>
+                    <a:bodyPr/>
+                    <a:lstStyle/>
+                    <a:p>
+                      <a:pPr marL="0" algn="ctr" defTabSz="914400" rtl="0" eaLnBrk="1" fontAlgn="b" latinLnBrk="0" hangingPunct="1"/>
+                      <a:r>
+                        <a:rPr lang="nb-NO" sz="600" u="none" strike="noStrike" kern="1200" dirty="0">
                           <a:solidFill>
                             <a:schemeClr val="dk1"/>
                           </a:solidFill>
@@ -7838,7 +7838,7 @@
                       </a:r>
                     </a:p>
                   </a:txBody>
-                  <a:tcPr marL="9525" marR="9525" marT="9525" marB="0" anchor="b"/>
+                  <a:tcPr marL="12309" marR="12309" marT="12309" marB="0" anchor="b"/>
                 </a:tc>
                 <a:extLst>
                   <a:ext uri="{0D108BD9-81ED-4DB2-BD59-A6C34878D82A}">
@@ -7846,15 +7846,15 @@
                   </a:ext>
                 </a:extLst>
               </a:tr>
-              <a:tr h="86152">
-                <a:tc>
-                  <a:txBody>
-                    <a:bodyPr/>
-                    <a:lstStyle/>
-                    <a:p>
-                      <a:pPr marL="0" algn="ctr" defTabSz="914400" rtl="0" eaLnBrk="1" fontAlgn="b" latinLnBrk="0" hangingPunct="1"/>
-                      <a:r>
-                        <a:rPr lang="nb-NO" sz="500" u="none" strike="noStrike" kern="1200" dirty="0">
+              <a:tr h="111335">
+                <a:tc>
+                  <a:txBody>
+                    <a:bodyPr/>
+                    <a:lstStyle/>
+                    <a:p>
+                      <a:pPr marL="0" algn="ctr" defTabSz="914400" rtl="0" eaLnBrk="1" fontAlgn="b" latinLnBrk="0" hangingPunct="1"/>
+                      <a:r>
+                        <a:rPr lang="nb-NO" sz="600" u="none" strike="noStrike" kern="1200" dirty="0">
                           <a:solidFill>
                             <a:schemeClr val="dk1"/>
                           </a:solidFill>
@@ -7867,7 +7867,7 @@
                       </a:r>
                     </a:p>
                   </a:txBody>
-                  <a:tcPr marL="9525" marR="9525" marT="9525" marB="0" anchor="b"/>
+                  <a:tcPr marL="12309" marR="12309" marT="12309" marB="0" anchor="b"/>
                 </a:tc>
                 <a:extLst>
                   <a:ext uri="{0D108BD9-81ED-4DB2-BD59-A6C34878D82A}">
@@ -7875,15 +7875,15 @@
                   </a:ext>
                 </a:extLst>
               </a:tr>
-              <a:tr h="65411">
-                <a:tc>
-                  <a:txBody>
-                    <a:bodyPr/>
-                    <a:lstStyle/>
-                    <a:p>
-                      <a:pPr marL="0" algn="ctr" defTabSz="914400" rtl="0" eaLnBrk="1" fontAlgn="b" latinLnBrk="0" hangingPunct="1"/>
-                      <a:r>
-                        <a:rPr lang="nb-NO" sz="500" u="none" strike="noStrike" dirty="0">
+              <a:tr h="110783">
+                <a:tc>
+                  <a:txBody>
+                    <a:bodyPr/>
+                    <a:lstStyle/>
+                    <a:p>
+                      <a:pPr marL="0" algn="ctr" defTabSz="914400" rtl="0" eaLnBrk="1" fontAlgn="b" latinLnBrk="0" hangingPunct="1"/>
+                      <a:r>
+                        <a:rPr lang="nb-NO" sz="600" u="none" strike="noStrike" dirty="0">
                           <a:solidFill>
                             <a:schemeClr val="accent2"/>
                           </a:solidFill>
@@ -7892,7 +7892,7 @@
                         <a:t>§ </a:t>
                       </a:r>
                       <a:r>
-                        <a:rPr lang="nb-NO" sz="500" u="none" strike="noStrike" kern="1200" dirty="0">
+                        <a:rPr lang="nb-NO" sz="600" u="none" strike="noStrike" kern="1200" dirty="0">
                           <a:solidFill>
                             <a:schemeClr val="dk1"/>
                           </a:solidFill>
@@ -7905,7 +7905,7 @@
                       </a:r>
                     </a:p>
                   </a:txBody>
-                  <a:tcPr marL="9525" marR="9525" marT="9525" marB="0" anchor="b"/>
+                  <a:tcPr marL="12309" marR="12309" marT="12309" marB="0" anchor="b"/>
                 </a:tc>
                 <a:extLst>
                   <a:ext uri="{0D108BD9-81ED-4DB2-BD59-A6C34878D82A}">
@@ -7913,15 +7913,15 @@
                   </a:ext>
                 </a:extLst>
               </a:tr>
-              <a:tr h="65411">
-                <a:tc>
-                  <a:txBody>
-                    <a:bodyPr/>
-                    <a:lstStyle/>
-                    <a:p>
-                      <a:pPr marL="0" algn="ctr" defTabSz="914400" rtl="0" eaLnBrk="1" fontAlgn="b" latinLnBrk="0" hangingPunct="1"/>
-                      <a:r>
-                        <a:rPr lang="nb-NO" sz="500" u="none" strike="noStrike" dirty="0">
+              <a:tr h="110783">
+                <a:tc>
+                  <a:txBody>
+                    <a:bodyPr/>
+                    <a:lstStyle/>
+                    <a:p>
+                      <a:pPr marL="0" algn="ctr" defTabSz="914400" rtl="0" eaLnBrk="1" fontAlgn="b" latinLnBrk="0" hangingPunct="1"/>
+                      <a:r>
+                        <a:rPr lang="nb-NO" sz="600" u="none" strike="noStrike" dirty="0">
                           <a:solidFill>
                             <a:schemeClr val="accent2"/>
                           </a:solidFill>
@@ -7930,7 +7930,7 @@
                         <a:t>§ </a:t>
                       </a:r>
                       <a:r>
-                        <a:rPr lang="nb-NO" sz="500" u="none" strike="noStrike" kern="1200" dirty="0">
+                        <a:rPr lang="nb-NO" sz="600" u="none" strike="noStrike" kern="1200" dirty="0">
                           <a:solidFill>
                             <a:schemeClr val="dk1"/>
                           </a:solidFill>
@@ -7943,7 +7943,7 @@
                       </a:r>
                     </a:p>
                   </a:txBody>
-                  <a:tcPr marL="9525" marR="9525" marT="9525" marB="0" anchor="b"/>
+                  <a:tcPr marL="12309" marR="12309" marT="12309" marB="0" anchor="b"/>
                 </a:tc>
                 <a:extLst>
                   <a:ext uri="{0D108BD9-81ED-4DB2-BD59-A6C34878D82A}">
@@ -7951,15 +7951,15 @@
                   </a:ext>
                 </a:extLst>
               </a:tr>
-              <a:tr h="65411">
-                <a:tc>
-                  <a:txBody>
-                    <a:bodyPr/>
-                    <a:lstStyle/>
-                    <a:p>
-                      <a:pPr marL="0" algn="ctr" defTabSz="914400" rtl="0" eaLnBrk="1" fontAlgn="b" latinLnBrk="0" hangingPunct="1"/>
-                      <a:r>
-                        <a:rPr lang="nb-NO" sz="500" u="none" strike="noStrike" kern="1200" dirty="0">
+              <a:tr h="110783">
+                <a:tc>
+                  <a:txBody>
+                    <a:bodyPr/>
+                    <a:lstStyle/>
+                    <a:p>
+                      <a:pPr marL="0" algn="ctr" defTabSz="914400" rtl="0" eaLnBrk="1" fontAlgn="b" latinLnBrk="0" hangingPunct="1"/>
+                      <a:r>
+                        <a:rPr lang="nb-NO" sz="600" u="none" strike="noStrike" kern="1200" dirty="0">
                           <a:solidFill>
                             <a:schemeClr val="dk1"/>
                           </a:solidFill>
@@ -7972,7 +7972,7 @@
                       </a:r>
                     </a:p>
                   </a:txBody>
-                  <a:tcPr marL="9525" marR="9525" marT="9525" marB="0" anchor="b"/>
+                  <a:tcPr marL="12309" marR="12309" marT="12309" marB="0" anchor="b"/>
                 </a:tc>
                 <a:extLst>
                   <a:ext uri="{0D108BD9-81ED-4DB2-BD59-A6C34878D82A}">
@@ -7980,15 +7980,15 @@
                   </a:ext>
                 </a:extLst>
               </a:tr>
-              <a:tr h="65411">
-                <a:tc>
-                  <a:txBody>
-                    <a:bodyPr/>
-                    <a:lstStyle/>
-                    <a:p>
-                      <a:pPr marL="0" algn="ctr" defTabSz="914400" rtl="0" eaLnBrk="1" fontAlgn="b" latinLnBrk="0" hangingPunct="1"/>
-                      <a:r>
-                        <a:rPr lang="nb-NO" sz="500" u="none" strike="noStrike" kern="1200" dirty="0">
+              <a:tr h="110783">
+                <a:tc>
+                  <a:txBody>
+                    <a:bodyPr/>
+                    <a:lstStyle/>
+                    <a:p>
+                      <a:pPr marL="0" algn="ctr" defTabSz="914400" rtl="0" eaLnBrk="1" fontAlgn="b" latinLnBrk="0" hangingPunct="1"/>
+                      <a:r>
+                        <a:rPr lang="nb-NO" sz="600" u="none" strike="noStrike" kern="1200" dirty="0">
                           <a:solidFill>
                             <a:schemeClr val="dk1"/>
                           </a:solidFill>
@@ -8001,7 +8001,7 @@
                       </a:r>
                     </a:p>
                   </a:txBody>
-                  <a:tcPr marL="9525" marR="9525" marT="9525" marB="0" anchor="b"/>
+                  <a:tcPr marL="12309" marR="12309" marT="12309" marB="0" anchor="b"/>
                 </a:tc>
                 <a:extLst>
                   <a:ext uri="{0D108BD9-81ED-4DB2-BD59-A6C34878D82A}">
@@ -8009,15 +8009,15 @@
                   </a:ext>
                 </a:extLst>
               </a:tr>
-              <a:tr h="65411">
-                <a:tc>
-                  <a:txBody>
-                    <a:bodyPr/>
-                    <a:lstStyle/>
-                    <a:p>
-                      <a:pPr marL="0" algn="ctr" defTabSz="914400" rtl="0" eaLnBrk="1" fontAlgn="b" latinLnBrk="0" hangingPunct="1"/>
-                      <a:r>
-                        <a:rPr lang="nb-NO" sz="500" u="none" strike="noStrike" kern="1200" dirty="0" err="1">
+              <a:tr h="110783">
+                <a:tc>
+                  <a:txBody>
+                    <a:bodyPr/>
+                    <a:lstStyle/>
+                    <a:p>
+                      <a:pPr marL="0" algn="ctr" defTabSz="914400" rtl="0" eaLnBrk="1" fontAlgn="b" latinLnBrk="0" hangingPunct="1"/>
+                      <a:r>
+                        <a:rPr lang="nb-NO" sz="600" u="none" strike="noStrike" kern="1200" dirty="0" err="1">
                           <a:solidFill>
                             <a:schemeClr val="dk1"/>
                           </a:solidFill>
@@ -8028,7 +8028,7 @@
                         </a:rPr>
                         <a:t>exon</a:t>
                       </a:r>
-                      <a:endParaRPr lang="nb-NO" sz="500" u="none" strike="noStrike" kern="1200" dirty="0">
+                      <a:endParaRPr lang="nb-NO" sz="600" u="none" strike="noStrike" kern="1200" dirty="0">
                         <a:solidFill>
                           <a:schemeClr val="dk1"/>
                         </a:solidFill>
@@ -8039,7 +8039,7 @@
                       </a:endParaRPr>
                     </a:p>
                   </a:txBody>
-                  <a:tcPr marL="9525" marR="9525" marT="9525" marB="0" anchor="b"/>
+                  <a:tcPr marL="12309" marR="12309" marT="12309" marB="0" anchor="b"/>
                 </a:tc>
                 <a:extLst>
                   <a:ext uri="{0D108BD9-81ED-4DB2-BD59-A6C34878D82A}">
@@ -8047,15 +8047,15 @@
                   </a:ext>
                 </a:extLst>
               </a:tr>
-              <a:tr h="65411">
-                <a:tc>
-                  <a:txBody>
-                    <a:bodyPr/>
-                    <a:lstStyle/>
-                    <a:p>
-                      <a:pPr marL="0" algn="ctr" defTabSz="914400" rtl="0" eaLnBrk="1" fontAlgn="b" latinLnBrk="0" hangingPunct="1"/>
-                      <a:r>
-                        <a:rPr lang="nb-NO" sz="500" u="none" strike="noStrike" kern="1200" dirty="0" err="1">
+              <a:tr h="110783">
+                <a:tc>
+                  <a:txBody>
+                    <a:bodyPr/>
+                    <a:lstStyle/>
+                    <a:p>
+                      <a:pPr marL="0" algn="ctr" defTabSz="914400" rtl="0" eaLnBrk="1" fontAlgn="b" latinLnBrk="0" hangingPunct="1"/>
+                      <a:r>
+                        <a:rPr lang="nb-NO" sz="600" u="none" strike="noStrike" kern="1200" dirty="0" err="1">
                           <a:solidFill>
                             <a:schemeClr val="dk1"/>
                           </a:solidFill>
@@ -8066,7 +8066,7 @@
                         </a:rPr>
                         <a:t>oncomineGeneClass</a:t>
                       </a:r>
-                      <a:endParaRPr lang="nb-NO" sz="500" u="none" strike="noStrike" kern="1200" dirty="0">
+                      <a:endParaRPr lang="nb-NO" sz="600" u="none" strike="noStrike" kern="1200" dirty="0">
                         <a:solidFill>
                           <a:schemeClr val="dk1"/>
                         </a:solidFill>
@@ -8077,7 +8077,7 @@
                       </a:endParaRPr>
                     </a:p>
                   </a:txBody>
-                  <a:tcPr marL="9525" marR="9525" marT="9525" marB="0" anchor="b"/>
+                  <a:tcPr marL="12309" marR="12309" marT="12309" marB="0" anchor="b"/>
                 </a:tc>
                 <a:extLst>
                   <a:ext uri="{0D108BD9-81ED-4DB2-BD59-A6C34878D82A}">
@@ -8085,15 +8085,15 @@
                   </a:ext>
                 </a:extLst>
               </a:tr>
-              <a:tr h="65411">
-                <a:tc>
-                  <a:txBody>
-                    <a:bodyPr/>
-                    <a:lstStyle/>
-                    <a:p>
-                      <a:pPr marL="0" algn="ctr" defTabSz="914400" rtl="0" eaLnBrk="1" fontAlgn="b" latinLnBrk="0" hangingPunct="1"/>
-                      <a:r>
-                        <a:rPr lang="nb-NO" sz="500" u="none" strike="noStrike" kern="1200" dirty="0" err="1">
+              <a:tr h="110783">
+                <a:tc>
+                  <a:txBody>
+                    <a:bodyPr/>
+                    <a:lstStyle/>
+                    <a:p>
+                      <a:pPr marL="0" algn="ctr" defTabSz="914400" rtl="0" eaLnBrk="1" fontAlgn="b" latinLnBrk="0" hangingPunct="1"/>
+                      <a:r>
+                        <a:rPr lang="nb-NO" sz="600" u="none" strike="noStrike" kern="1200" dirty="0" err="1">
                           <a:solidFill>
                             <a:schemeClr val="dk1"/>
                           </a:solidFill>
@@ -8104,7 +8104,7 @@
                         </a:rPr>
                         <a:t>oncomineVariantClass</a:t>
                       </a:r>
-                      <a:endParaRPr lang="nb-NO" sz="500" u="none" strike="noStrike" kern="1200" dirty="0">
+                      <a:endParaRPr lang="nb-NO" sz="600" u="none" strike="noStrike" kern="1200" dirty="0">
                         <a:solidFill>
                           <a:schemeClr val="dk1"/>
                         </a:solidFill>
@@ -8115,7 +8115,7 @@
                       </a:endParaRPr>
                     </a:p>
                   </a:txBody>
-                  <a:tcPr marL="9525" marR="9525" marT="9525" marB="0" anchor="b"/>
+                  <a:tcPr marL="12309" marR="12309" marT="12309" marB="0" anchor="b"/>
                 </a:tc>
                 <a:extLst>
                   <a:ext uri="{0D108BD9-81ED-4DB2-BD59-A6C34878D82A}">
@@ -8123,15 +8123,15 @@
                   </a:ext>
                 </a:extLst>
               </a:tr>
-              <a:tr h="65411">
-                <a:tc>
-                  <a:txBody>
-                    <a:bodyPr/>
-                    <a:lstStyle/>
-                    <a:p>
-                      <a:pPr marL="0" algn="ctr" defTabSz="914400" rtl="0" eaLnBrk="1" fontAlgn="b" latinLnBrk="0" hangingPunct="1"/>
-                      <a:r>
-                        <a:rPr lang="nb-NO" sz="500" u="none" strike="noStrike" kern="1200" dirty="0" err="1">
+              <a:tr h="110783">
+                <a:tc>
+                  <a:txBody>
+                    <a:bodyPr/>
+                    <a:lstStyle/>
+                    <a:p>
+                      <a:pPr marL="0" algn="ctr" defTabSz="914400" rtl="0" eaLnBrk="1" fontAlgn="b" latinLnBrk="0" hangingPunct="1"/>
+                      <a:r>
+                        <a:rPr lang="nb-NO" sz="600" u="none" strike="noStrike" kern="1200" dirty="0" err="1">
                           <a:solidFill>
                             <a:schemeClr val="dk1"/>
                           </a:solidFill>
@@ -8142,7 +8142,7 @@
                         </a:rPr>
                         <a:t>origPos</a:t>
                       </a:r>
-                      <a:endParaRPr lang="nb-NO" sz="500" u="none" strike="noStrike" kern="1200" dirty="0">
+                      <a:endParaRPr lang="nb-NO" sz="600" u="none" strike="noStrike" kern="1200" dirty="0">
                         <a:solidFill>
                           <a:schemeClr val="dk1"/>
                         </a:solidFill>
@@ -8153,7 +8153,7 @@
                       </a:endParaRPr>
                     </a:p>
                   </a:txBody>
-                  <a:tcPr marL="9525" marR="9525" marT="9525" marB="0" anchor="b"/>
+                  <a:tcPr marL="12309" marR="12309" marT="12309" marB="0" anchor="b"/>
                 </a:tc>
                 <a:extLst>
                   <a:ext uri="{0D108BD9-81ED-4DB2-BD59-A6C34878D82A}">
@@ -8161,15 +8161,15 @@
                   </a:ext>
                 </a:extLst>
               </a:tr>
-              <a:tr h="65411">
-                <a:tc>
-                  <a:txBody>
-                    <a:bodyPr/>
-                    <a:lstStyle/>
-                    <a:p>
-                      <a:pPr marL="0" algn="ctr" defTabSz="914400" rtl="0" eaLnBrk="1" fontAlgn="b" latinLnBrk="0" hangingPunct="1"/>
-                      <a:r>
-                        <a:rPr lang="nb-NO" sz="500" u="none" strike="noStrike" kern="1200" dirty="0" err="1">
+              <a:tr h="110783">
+                <a:tc>
+                  <a:txBody>
+                    <a:bodyPr/>
+                    <a:lstStyle/>
+                    <a:p>
+                      <a:pPr marL="0" algn="ctr" defTabSz="914400" rtl="0" eaLnBrk="1" fontAlgn="b" latinLnBrk="0" hangingPunct="1"/>
+                      <a:r>
+                        <a:rPr lang="nb-NO" sz="600" u="none" strike="noStrike" kern="1200" dirty="0" err="1">
                           <a:solidFill>
                             <a:schemeClr val="dk1"/>
                           </a:solidFill>
@@ -8180,7 +8180,7 @@
                         </a:rPr>
                         <a:t>origRef</a:t>
                       </a:r>
-                      <a:endParaRPr lang="nb-NO" sz="500" u="none" strike="noStrike" kern="1200" dirty="0">
+                      <a:endParaRPr lang="nb-NO" sz="600" u="none" strike="noStrike" kern="1200" dirty="0">
                         <a:solidFill>
                           <a:schemeClr val="dk1"/>
                         </a:solidFill>
@@ -8191,7 +8191,7 @@
                       </a:endParaRPr>
                     </a:p>
                   </a:txBody>
-                  <a:tcPr marL="9525" marR="9525" marT="9525" marB="0" anchor="b"/>
+                  <a:tcPr marL="12309" marR="12309" marT="12309" marB="0" anchor="b"/>
                 </a:tc>
                 <a:extLst>
                   <a:ext uri="{0D108BD9-81ED-4DB2-BD59-A6C34878D82A}">
@@ -8199,15 +8199,15 @@
                   </a:ext>
                 </a:extLst>
               </a:tr>
-              <a:tr h="65411">
-                <a:tc>
-                  <a:txBody>
-                    <a:bodyPr/>
-                    <a:lstStyle/>
-                    <a:p>
-                      <a:pPr marL="0" algn="ctr" defTabSz="914400" rtl="0" eaLnBrk="1" fontAlgn="b" latinLnBrk="0" hangingPunct="1"/>
-                      <a:r>
-                        <a:rPr lang="nb-NO" sz="500" u="none" strike="noStrike" kern="1200" dirty="0" err="1">
+              <a:tr h="110783">
+                <a:tc>
+                  <a:txBody>
+                    <a:bodyPr/>
+                    <a:lstStyle/>
+                    <a:p>
+                      <a:pPr marL="0" algn="ctr" defTabSz="914400" rtl="0" eaLnBrk="1" fontAlgn="b" latinLnBrk="0" hangingPunct="1"/>
+                      <a:r>
+                        <a:rPr lang="nb-NO" sz="600" u="none" strike="noStrike" kern="1200" dirty="0" err="1">
                           <a:solidFill>
                             <a:schemeClr val="dk1"/>
                           </a:solidFill>
@@ -8218,7 +8218,7 @@
                         </a:rPr>
                         <a:t>normalizedRef</a:t>
                       </a:r>
-                      <a:endParaRPr lang="nb-NO" sz="500" u="none" strike="noStrike" kern="1200" dirty="0">
+                      <a:endParaRPr lang="nb-NO" sz="600" u="none" strike="noStrike" kern="1200" dirty="0">
                         <a:solidFill>
                           <a:schemeClr val="dk1"/>
                         </a:solidFill>
@@ -8229,7 +8229,7 @@
                       </a:endParaRPr>
                     </a:p>
                   </a:txBody>
-                  <a:tcPr marL="9525" marR="9525" marT="9525" marB="0" anchor="b"/>
+                  <a:tcPr marL="12309" marR="12309" marT="12309" marB="0" anchor="b"/>
                 </a:tc>
                 <a:extLst>
                   <a:ext uri="{0D108BD9-81ED-4DB2-BD59-A6C34878D82A}">
@@ -8237,15 +8237,15 @@
                   </a:ext>
                 </a:extLst>
               </a:tr>
-              <a:tr h="65411">
-                <a:tc>
-                  <a:txBody>
-                    <a:bodyPr/>
-                    <a:lstStyle/>
-                    <a:p>
-                      <a:pPr marL="0" algn="ctr" defTabSz="914400" rtl="0" eaLnBrk="1" fontAlgn="b" latinLnBrk="0" hangingPunct="1"/>
-                      <a:r>
-                        <a:rPr lang="nb-NO" sz="500" u="none" strike="noStrike" kern="1200" dirty="0" err="1">
+              <a:tr h="110783">
+                <a:tc>
+                  <a:txBody>
+                    <a:bodyPr/>
+                    <a:lstStyle/>
+                    <a:p>
+                      <a:pPr marL="0" algn="ctr" defTabSz="914400" rtl="0" eaLnBrk="1" fontAlgn="b" latinLnBrk="0" hangingPunct="1"/>
+                      <a:r>
+                        <a:rPr lang="nb-NO" sz="600" u="none" strike="noStrike" kern="1200" dirty="0" err="1">
                           <a:solidFill>
                             <a:schemeClr val="dk1"/>
                           </a:solidFill>
@@ -8256,7 +8256,7 @@
                         </a:rPr>
                         <a:t>normalizedPos</a:t>
                       </a:r>
-                      <a:endParaRPr lang="nb-NO" sz="500" u="none" strike="noStrike" kern="1200" dirty="0">
+                      <a:endParaRPr lang="nb-NO" sz="600" u="none" strike="noStrike" kern="1200" dirty="0">
                         <a:solidFill>
                           <a:schemeClr val="dk1"/>
                         </a:solidFill>
@@ -8267,7 +8267,7 @@
                       </a:endParaRPr>
                     </a:p>
                   </a:txBody>
-                  <a:tcPr marL="9525" marR="9525" marT="9525" marB="0" anchor="b"/>
+                  <a:tcPr marL="12309" marR="12309" marT="12309" marB="0" anchor="b"/>
                 </a:tc>
                 <a:extLst>
                   <a:ext uri="{0D108BD9-81ED-4DB2-BD59-A6C34878D82A}">
@@ -8275,15 +8275,15 @@
                   </a:ext>
                 </a:extLst>
               </a:tr>
-              <a:tr h="65411">
-                <a:tc>
-                  <a:txBody>
-                    <a:bodyPr/>
-                    <a:lstStyle/>
-                    <a:p>
-                      <a:pPr marL="0" algn="ctr" defTabSz="914400" rtl="0" eaLnBrk="1" fontAlgn="b" latinLnBrk="0" hangingPunct="1"/>
-                      <a:r>
-                        <a:rPr lang="nb-NO" sz="500" u="none" strike="noStrike" kern="1200" dirty="0" err="1">
+              <a:tr h="110783">
+                <a:tc>
+                  <a:txBody>
+                    <a:bodyPr/>
+                    <a:lstStyle/>
+                    <a:p>
+                      <a:pPr marL="0" algn="ctr" defTabSz="914400" rtl="0" eaLnBrk="1" fontAlgn="b" latinLnBrk="0" hangingPunct="1"/>
+                      <a:r>
+                        <a:rPr lang="nb-NO" sz="600" u="none" strike="noStrike" kern="1200" dirty="0" err="1">
                           <a:solidFill>
                             <a:schemeClr val="dk1"/>
                           </a:solidFill>
@@ -8294,7 +8294,7 @@
                         </a:rPr>
                         <a:t>normalizedAlt</a:t>
                       </a:r>
-                      <a:endParaRPr lang="nb-NO" sz="500" u="none" strike="noStrike" kern="1200" dirty="0">
+                      <a:endParaRPr lang="nb-NO" sz="600" u="none" strike="noStrike" kern="1200" dirty="0">
                         <a:solidFill>
                           <a:schemeClr val="dk1"/>
                         </a:solidFill>
@@ -8305,7 +8305,7 @@
                       </a:endParaRPr>
                     </a:p>
                   </a:txBody>
-                  <a:tcPr marL="9525" marR="9525" marT="9525" marB="0" anchor="b"/>
+                  <a:tcPr marL="12309" marR="12309" marT="12309" marB="0" anchor="b"/>
                 </a:tc>
                 <a:extLst>
                   <a:ext uri="{0D108BD9-81ED-4DB2-BD59-A6C34878D82A}">
@@ -8313,15 +8313,15 @@
                   </a:ext>
                 </a:extLst>
               </a:tr>
-              <a:tr h="65411">
-                <a:tc>
-                  <a:txBody>
-                    <a:bodyPr/>
-                    <a:lstStyle/>
-                    <a:p>
-                      <a:pPr marL="0" algn="ctr" defTabSz="914400" rtl="0" eaLnBrk="1" fontAlgn="b" latinLnBrk="0" hangingPunct="1"/>
-                      <a:r>
-                        <a:rPr lang="nb-NO" sz="500" u="none" strike="noStrike" kern="1200">
+              <a:tr h="110783">
+                <a:tc>
+                  <a:txBody>
+                    <a:bodyPr/>
+                    <a:lstStyle/>
+                    <a:p>
+                      <a:pPr marL="0" algn="ctr" defTabSz="914400" rtl="0" eaLnBrk="1" fontAlgn="b" latinLnBrk="0" hangingPunct="1"/>
+                      <a:r>
+                        <a:rPr lang="nb-NO" sz="600" u="none" strike="noStrike" kern="1200">
                           <a:solidFill>
                             <a:schemeClr val="dk1"/>
                           </a:solidFill>
@@ -8334,7 +8334,7 @@
                       </a:r>
                     </a:p>
                   </a:txBody>
-                  <a:tcPr marL="9525" marR="9525" marT="9525" marB="0" anchor="b"/>
+                  <a:tcPr marL="12309" marR="12309" marT="12309" marB="0" anchor="b"/>
                 </a:tc>
                 <a:extLst>
                   <a:ext uri="{0D108BD9-81ED-4DB2-BD59-A6C34878D82A}">
@@ -8342,15 +8342,15 @@
                   </a:ext>
                 </a:extLst>
               </a:tr>
-              <a:tr h="65411">
-                <a:tc>
-                  <a:txBody>
-                    <a:bodyPr/>
-                    <a:lstStyle/>
-                    <a:p>
-                      <a:pPr marL="0" algn="ctr" defTabSz="914400" rtl="0" eaLnBrk="1" fontAlgn="b" latinLnBrk="0" hangingPunct="1"/>
-                      <a:r>
-                        <a:rPr lang="nb-NO" sz="500" u="none" strike="noStrike" kern="1200" dirty="0" err="1">
+              <a:tr h="110783">
+                <a:tc>
+                  <a:txBody>
+                    <a:bodyPr/>
+                    <a:lstStyle/>
+                    <a:p>
+                      <a:pPr marL="0" algn="ctr" defTabSz="914400" rtl="0" eaLnBrk="1" fontAlgn="b" latinLnBrk="0" hangingPunct="1"/>
+                      <a:r>
+                        <a:rPr lang="nb-NO" sz="600" u="none" strike="noStrike" kern="1200" dirty="0" err="1">
                           <a:solidFill>
                             <a:schemeClr val="dk1"/>
                           </a:solidFill>
@@ -8361,7 +8361,7 @@
                         </a:rPr>
                         <a:t>codon</a:t>
                       </a:r>
-                      <a:endParaRPr lang="nb-NO" sz="500" u="none" strike="noStrike" kern="1200" dirty="0">
+                      <a:endParaRPr lang="nb-NO" sz="600" u="none" strike="noStrike" kern="1200" dirty="0">
                         <a:solidFill>
                           <a:schemeClr val="dk1"/>
                         </a:solidFill>
@@ -8372,7 +8372,7 @@
                       </a:endParaRPr>
                     </a:p>
                   </a:txBody>
-                  <a:tcPr marL="9525" marR="9525" marT="9525" marB="0" anchor="b"/>
+                  <a:tcPr marL="12309" marR="12309" marT="12309" marB="0" anchor="b"/>
                 </a:tc>
                 <a:extLst>
                   <a:ext uri="{0D108BD9-81ED-4DB2-BD59-A6C34878D82A}">
@@ -8380,15 +8380,15 @@
                   </a:ext>
                 </a:extLst>
               </a:tr>
-              <a:tr h="65411">
-                <a:tc>
-                  <a:txBody>
-                    <a:bodyPr/>
-                    <a:lstStyle/>
-                    <a:p>
-                      <a:pPr marL="0" algn="ctr" defTabSz="914400" rtl="0" eaLnBrk="1" fontAlgn="b" latinLnBrk="0" hangingPunct="1"/>
-                      <a:r>
-                        <a:rPr lang="nb-NO" sz="500" u="none" strike="noStrike" kern="1200" dirty="0" err="1">
+              <a:tr h="110783">
+                <a:tc>
+                  <a:txBody>
+                    <a:bodyPr/>
+                    <a:lstStyle/>
+                    <a:p>
+                      <a:pPr marL="0" algn="ctr" defTabSz="914400" rtl="0" eaLnBrk="1" fontAlgn="b" latinLnBrk="0" hangingPunct="1"/>
+                      <a:r>
+                        <a:rPr lang="nb-NO" sz="600" u="none" strike="noStrike" kern="1200" dirty="0" err="1">
                           <a:solidFill>
                             <a:schemeClr val="dk1"/>
                           </a:solidFill>
@@ -8399,7 +8399,7 @@
                         </a:rPr>
                         <a:t>coding</a:t>
                       </a:r>
-                      <a:endParaRPr lang="nb-NO" sz="500" u="none" strike="noStrike" kern="1200" dirty="0">
+                      <a:endParaRPr lang="nb-NO" sz="600" u="none" strike="noStrike" kern="1200" dirty="0">
                         <a:solidFill>
                           <a:schemeClr val="dk1"/>
                         </a:solidFill>
@@ -8410,7 +8410,7 @@
                       </a:endParaRPr>
                     </a:p>
                   </a:txBody>
-                  <a:tcPr marL="9525" marR="9525" marT="9525" marB="0" anchor="b"/>
+                  <a:tcPr marL="12309" marR="12309" marT="12309" marB="0" anchor="b"/>
                 </a:tc>
                 <a:extLst>
                   <a:ext uri="{0D108BD9-81ED-4DB2-BD59-A6C34878D82A}">
@@ -8418,15 +8418,15 @@
                   </a:ext>
                 </a:extLst>
               </a:tr>
-              <a:tr h="65411">
-                <a:tc>
-                  <a:txBody>
-                    <a:bodyPr/>
-                    <a:lstStyle/>
-                    <a:p>
-                      <a:pPr marL="0" algn="ctr" defTabSz="914400" rtl="0" eaLnBrk="1" fontAlgn="b" latinLnBrk="0" hangingPunct="1"/>
-                      <a:r>
-                        <a:rPr lang="nb-NO" sz="500" u="none" strike="noStrike" kern="1200" dirty="0" err="1">
+              <a:tr h="110783">
+                <a:tc>
+                  <a:txBody>
+                    <a:bodyPr/>
+                    <a:lstStyle/>
+                    <a:p>
+                      <a:pPr marL="0" algn="ctr" defTabSz="914400" rtl="0" eaLnBrk="1" fontAlgn="b" latinLnBrk="0" hangingPunct="1"/>
+                      <a:r>
+                        <a:rPr lang="nb-NO" sz="600" u="none" strike="noStrike" kern="1200" dirty="0" err="1">
                           <a:solidFill>
                             <a:schemeClr val="dk1"/>
                           </a:solidFill>
@@ -8437,7 +8437,7 @@
                         </a:rPr>
                         <a:t>transcript</a:t>
                       </a:r>
-                      <a:endParaRPr lang="nb-NO" sz="500" u="none" strike="noStrike" kern="1200" dirty="0">
+                      <a:endParaRPr lang="nb-NO" sz="600" u="none" strike="noStrike" kern="1200" dirty="0">
                         <a:solidFill>
                           <a:schemeClr val="dk1"/>
                         </a:solidFill>
@@ -8448,7 +8448,7 @@
                       </a:endParaRPr>
                     </a:p>
                   </a:txBody>
-                  <a:tcPr marL="9525" marR="9525" marT="9525" marB="0" anchor="b"/>
+                  <a:tcPr marL="12309" marR="12309" marT="12309" marB="0" anchor="b"/>
                 </a:tc>
                 <a:extLst>
                   <a:ext uri="{0D108BD9-81ED-4DB2-BD59-A6C34878D82A}">
@@ -8456,15 +8456,15 @@
                   </a:ext>
                 </a:extLst>
               </a:tr>
-              <a:tr h="65411">
-                <a:tc>
-                  <a:txBody>
-                    <a:bodyPr/>
-                    <a:lstStyle/>
-                    <a:p>
-                      <a:pPr marL="0" algn="ctr" defTabSz="914400" rtl="0" eaLnBrk="1" fontAlgn="b" latinLnBrk="0" hangingPunct="1"/>
-                      <a:r>
-                        <a:rPr lang="nb-NO" sz="500" u="none" strike="noStrike" kern="1200" dirty="0" err="1">
+              <a:tr h="110783">
+                <a:tc>
+                  <a:txBody>
+                    <a:bodyPr/>
+                    <a:lstStyle/>
+                    <a:p>
+                      <a:pPr marL="0" algn="ctr" defTabSz="914400" rtl="0" eaLnBrk="1" fontAlgn="b" latinLnBrk="0" hangingPunct="1"/>
+                      <a:r>
+                        <a:rPr lang="nb-NO" sz="600" u="none" strike="noStrike" kern="1200" dirty="0" err="1">
                           <a:solidFill>
                             <a:schemeClr val="dk1"/>
                           </a:solidFill>
@@ -8475,7 +8475,7 @@
                         </a:rPr>
                         <a:t>annotation_variant</a:t>
                       </a:r>
-                      <a:endParaRPr lang="nb-NO" sz="500" u="none" strike="noStrike" kern="1200" dirty="0">
+                      <a:endParaRPr lang="nb-NO" sz="600" u="none" strike="noStrike" kern="1200" dirty="0">
                         <a:solidFill>
                           <a:schemeClr val="dk1"/>
                         </a:solidFill>
@@ -8486,7 +8486,7 @@
                       </a:endParaRPr>
                     </a:p>
                   </a:txBody>
-                  <a:tcPr marL="9525" marR="9525" marT="9525" marB="0" anchor="b"/>
+                  <a:tcPr marL="12309" marR="12309" marT="12309" marB="0" anchor="b"/>
                 </a:tc>
                 <a:extLst>
                   <a:ext uri="{0D108BD9-81ED-4DB2-BD59-A6C34878D82A}">
@@ -8494,15 +8494,15 @@
                   </a:ext>
                 </a:extLst>
               </a:tr>
-              <a:tr h="65411">
-                <a:tc>
-                  <a:txBody>
-                    <a:bodyPr/>
-                    <a:lstStyle/>
-                    <a:p>
-                      <a:pPr marL="0" algn="ctr" defTabSz="914400" rtl="0" eaLnBrk="1" fontAlgn="b" latinLnBrk="0" hangingPunct="1"/>
-                      <a:r>
-                        <a:rPr lang="nb-NO" sz="500" u="none" strike="noStrike" kern="1200" dirty="0" err="1">
+              <a:tr h="110783">
+                <a:tc>
+                  <a:txBody>
+                    <a:bodyPr/>
+                    <a:lstStyle/>
+                    <a:p>
+                      <a:pPr marL="0" algn="ctr" defTabSz="914400" rtl="0" eaLnBrk="1" fontAlgn="b" latinLnBrk="0" hangingPunct="1"/>
+                      <a:r>
+                        <a:rPr lang="nb-NO" sz="600" u="none" strike="noStrike" kern="1200" dirty="0" err="1">
                           <a:solidFill>
                             <a:schemeClr val="dk1"/>
                           </a:solidFill>
@@ -8513,7 +8513,7 @@
                         </a:rPr>
                         <a:t>function</a:t>
                       </a:r>
-                      <a:endParaRPr lang="nb-NO" sz="500" u="none" strike="noStrike" kern="1200" dirty="0">
+                      <a:endParaRPr lang="nb-NO" sz="600" u="none" strike="noStrike" kern="1200" dirty="0">
                         <a:solidFill>
                           <a:schemeClr val="dk1"/>
                         </a:solidFill>
@@ -8524,7 +8524,7 @@
                       </a:endParaRPr>
                     </a:p>
                   </a:txBody>
-                  <a:tcPr marL="9525" marR="9525" marT="9525" marB="0" anchor="b"/>
+                  <a:tcPr marL="12309" marR="12309" marT="12309" marB="0" anchor="b"/>
                 </a:tc>
                 <a:extLst>
                   <a:ext uri="{0D108BD9-81ED-4DB2-BD59-A6C34878D82A}">
@@ -8532,15 +8532,15 @@
                   </a:ext>
                 </a:extLst>
               </a:tr>
-              <a:tr h="65411">
-                <a:tc>
-                  <a:txBody>
-                    <a:bodyPr/>
-                    <a:lstStyle/>
-                    <a:p>
-                      <a:pPr marL="0" algn="ctr" defTabSz="914400" rtl="0" eaLnBrk="1" fontAlgn="b" latinLnBrk="0" hangingPunct="1"/>
-                      <a:r>
-                        <a:rPr lang="nb-NO" sz="500" u="none" strike="noStrike" kern="1200">
+              <a:tr h="110783">
+                <a:tc>
+                  <a:txBody>
+                    <a:bodyPr/>
+                    <a:lstStyle/>
+                    <a:p>
+                      <a:pPr marL="0" algn="ctr" defTabSz="914400" rtl="0" eaLnBrk="1" fontAlgn="b" latinLnBrk="0" hangingPunct="1"/>
+                      <a:r>
+                        <a:rPr lang="nb-NO" sz="600" u="none" strike="noStrike" kern="1200">
                           <a:solidFill>
                             <a:schemeClr val="dk1"/>
                           </a:solidFill>
@@ -8553,7 +8553,7 @@
                       </a:r>
                     </a:p>
                   </a:txBody>
-                  <a:tcPr marL="9525" marR="9525" marT="9525" marB="0" anchor="b"/>
+                  <a:tcPr marL="12309" marR="12309" marT="12309" marB="0" anchor="b"/>
                 </a:tc>
                 <a:extLst>
                   <a:ext uri="{0D108BD9-81ED-4DB2-BD59-A6C34878D82A}">
@@ -8561,15 +8561,15 @@
                   </a:ext>
                 </a:extLst>
               </a:tr>
-              <a:tr h="65411">
-                <a:tc>
-                  <a:txBody>
-                    <a:bodyPr/>
-                    <a:lstStyle/>
-                    <a:p>
-                      <a:pPr marL="0" algn="ctr" defTabSz="914400" rtl="0" eaLnBrk="1" fontAlgn="b" latinLnBrk="0" hangingPunct="1"/>
-                      <a:r>
-                        <a:rPr lang="nb-NO" sz="500" u="none" strike="noStrike" kern="1200">
+              <a:tr h="110783">
+                <a:tc>
+                  <a:txBody>
+                    <a:bodyPr/>
+                    <a:lstStyle/>
+                    <a:p>
+                      <a:pPr marL="0" algn="ctr" defTabSz="914400" rtl="0" eaLnBrk="1" fontAlgn="b" latinLnBrk="0" hangingPunct="1"/>
+                      <a:r>
+                        <a:rPr lang="nb-NO" sz="600" u="none" strike="noStrike" kern="1200">
                           <a:solidFill>
                             <a:schemeClr val="dk1"/>
                           </a:solidFill>
@@ -8582,7 +8582,7 @@
                       </a:r>
                     </a:p>
                   </a:txBody>
-                  <a:tcPr marL="9525" marR="9525" marT="9525" marB="0" anchor="b"/>
+                  <a:tcPr marL="12309" marR="12309" marT="12309" marB="0" anchor="b"/>
                 </a:tc>
                 <a:extLst>
                   <a:ext uri="{0D108BD9-81ED-4DB2-BD59-A6C34878D82A}">
@@ -8590,15 +8590,15 @@
                   </a:ext>
                 </a:extLst>
               </a:tr>
-              <a:tr h="65411">
-                <a:tc>
-                  <a:txBody>
-                    <a:bodyPr/>
-                    <a:lstStyle/>
-                    <a:p>
-                      <a:pPr marL="0" algn="ctr" defTabSz="914400" rtl="0" eaLnBrk="1" fontAlgn="b" latinLnBrk="0" hangingPunct="1"/>
-                      <a:r>
-                        <a:rPr lang="nb-NO" sz="500" u="none" strike="noStrike" kern="1200" dirty="0" err="1">
+              <a:tr h="110783">
+                <a:tc>
+                  <a:txBody>
+                    <a:bodyPr/>
+                    <a:lstStyle/>
+                    <a:p>
+                      <a:pPr marL="0" algn="ctr" defTabSz="914400" rtl="0" eaLnBrk="1" fontAlgn="b" latinLnBrk="0" hangingPunct="1"/>
+                      <a:r>
+                        <a:rPr lang="nb-NO" sz="600" u="none" strike="noStrike" kern="1200" dirty="0" err="1">
                           <a:solidFill>
                             <a:schemeClr val="dk1"/>
                           </a:solidFill>
@@ -8609,7 +8609,7 @@
                         </a:rPr>
                         <a:t>origAlt</a:t>
                       </a:r>
-                      <a:endParaRPr lang="nb-NO" sz="500" u="none" strike="noStrike" kern="1200" dirty="0">
+                      <a:endParaRPr lang="nb-NO" sz="600" u="none" strike="noStrike" kern="1200" dirty="0">
                         <a:solidFill>
                           <a:schemeClr val="dk1"/>
                         </a:solidFill>
@@ -8620,7 +8620,7 @@
                       </a:endParaRPr>
                     </a:p>
                   </a:txBody>
-                  <a:tcPr marL="9525" marR="9525" marT="9525" marB="0" anchor="b"/>
+                  <a:tcPr marL="12309" marR="12309" marT="12309" marB="0" anchor="b"/>
                 </a:tc>
                 <a:extLst>
                   <a:ext uri="{0D108BD9-81ED-4DB2-BD59-A6C34878D82A}">
@@ -8628,15 +8628,15 @@
                   </a:ext>
                 </a:extLst>
               </a:tr>
-              <a:tr h="65411">
-                <a:tc>
-                  <a:txBody>
-                    <a:bodyPr/>
-                    <a:lstStyle/>
-                    <a:p>
-                      <a:pPr marL="0" algn="ctr" defTabSz="914400" rtl="0" eaLnBrk="1" fontAlgn="b" latinLnBrk="0" hangingPunct="1"/>
-                      <a:r>
-                        <a:rPr lang="nb-NO" sz="500" u="none" strike="noStrike" kern="1200">
+              <a:tr h="110783">
+                <a:tc>
+                  <a:txBody>
+                    <a:bodyPr/>
+                    <a:lstStyle/>
+                    <a:p>
+                      <a:pPr marL="0" algn="ctr" defTabSz="914400" rtl="0" eaLnBrk="1" fontAlgn="b" latinLnBrk="0" hangingPunct="1"/>
+                      <a:r>
+                        <a:rPr lang="nb-NO" sz="600" u="none" strike="noStrike" kern="1200">
                           <a:solidFill>
                             <a:schemeClr val="dk1"/>
                           </a:solidFill>
@@ -8649,7 +8649,7 @@
                       </a:r>
                     </a:p>
                   </a:txBody>
-                  <a:tcPr marL="9525" marR="9525" marT="9525" marB="0" anchor="b"/>
+                  <a:tcPr marL="12309" marR="12309" marT="12309" marB="0" anchor="b"/>
                 </a:tc>
                 <a:extLst>
                   <a:ext uri="{0D108BD9-81ED-4DB2-BD59-A6C34878D82A}">
@@ -8657,15 +8657,15 @@
                   </a:ext>
                 </a:extLst>
               </a:tr>
-              <a:tr h="65411">
-                <a:tc>
-                  <a:txBody>
-                    <a:bodyPr/>
-                    <a:lstStyle/>
-                    <a:p>
-                      <a:pPr marL="0" algn="ctr" defTabSz="914400" rtl="0" eaLnBrk="1" fontAlgn="b" latinLnBrk="0" hangingPunct="1"/>
-                      <a:r>
-                        <a:rPr lang="nb-NO" sz="500" u="none" strike="noStrike" kern="1200">
+              <a:tr h="110783">
+                <a:tc>
+                  <a:txBody>
+                    <a:bodyPr/>
+                    <a:lstStyle/>
+                    <a:p>
+                      <a:pPr marL="0" algn="ctr" defTabSz="914400" rtl="0" eaLnBrk="1" fontAlgn="b" latinLnBrk="0" hangingPunct="1"/>
+                      <a:r>
+                        <a:rPr lang="nb-NO" sz="600" u="none" strike="noStrike" kern="1200">
                           <a:solidFill>
                             <a:schemeClr val="dk1"/>
                           </a:solidFill>
@@ -8678,7 +8678,7 @@
                       </a:r>
                     </a:p>
                   </a:txBody>
-                  <a:tcPr marL="9525" marR="9525" marT="9525" marB="0" anchor="b"/>
+                  <a:tcPr marL="12309" marR="12309" marT="12309" marB="0" anchor="b"/>
                 </a:tc>
                 <a:extLst>
                   <a:ext uri="{0D108BD9-81ED-4DB2-BD59-A6C34878D82A}">
@@ -8686,15 +8686,15 @@
                   </a:ext>
                 </a:extLst>
               </a:tr>
-              <a:tr h="65411">
-                <a:tc>
-                  <a:txBody>
-                    <a:bodyPr/>
-                    <a:lstStyle/>
-                    <a:p>
-                      <a:pPr marL="0" algn="ctr" defTabSz="914400" rtl="0" eaLnBrk="1" fontAlgn="b" latinLnBrk="0" hangingPunct="1"/>
-                      <a:r>
-                        <a:rPr lang="nb-NO" sz="500" u="none" strike="noStrike" kern="1200">
+              <a:tr h="110783">
+                <a:tc>
+                  <a:txBody>
+                    <a:bodyPr/>
+                    <a:lstStyle/>
+                    <a:p>
+                      <a:pPr marL="0" algn="ctr" defTabSz="914400" rtl="0" eaLnBrk="1" fontAlgn="b" latinLnBrk="0" hangingPunct="1"/>
+                      <a:r>
+                        <a:rPr lang="nb-NO" sz="600" u="none" strike="noStrike" kern="1200">
                           <a:solidFill>
                             <a:schemeClr val="dk1"/>
                           </a:solidFill>
@@ -8707,7 +8707,7 @@
                       </a:r>
                     </a:p>
                   </a:txBody>
-                  <a:tcPr marL="9525" marR="9525" marT="9525" marB="0" anchor="b"/>
+                  <a:tcPr marL="12309" marR="12309" marT="12309" marB="0" anchor="b"/>
                 </a:tc>
                 <a:extLst>
                   <a:ext uri="{0D108BD9-81ED-4DB2-BD59-A6C34878D82A}">
@@ -8715,15 +8715,15 @@
                   </a:ext>
                 </a:extLst>
               </a:tr>
-              <a:tr h="65411">
-                <a:tc>
-                  <a:txBody>
-                    <a:bodyPr/>
-                    <a:lstStyle/>
-                    <a:p>
-                      <a:pPr marL="0" algn="ctr" defTabSz="914400" rtl="0" eaLnBrk="1" fontAlgn="b" latinLnBrk="0" hangingPunct="1"/>
-                      <a:r>
-                        <a:rPr lang="nb-NO" sz="500" u="none" strike="noStrike" kern="1200">
+              <a:tr h="110783">
+                <a:tc>
+                  <a:txBody>
+                    <a:bodyPr/>
+                    <a:lstStyle/>
+                    <a:p>
+                      <a:pPr marL="0" algn="ctr" defTabSz="914400" rtl="0" eaLnBrk="1" fontAlgn="b" latinLnBrk="0" hangingPunct="1"/>
+                      <a:r>
+                        <a:rPr lang="nb-NO" sz="600" u="none" strike="noStrike" kern="1200">
                           <a:solidFill>
                             <a:schemeClr val="dk1"/>
                           </a:solidFill>
@@ -8736,7 +8736,7 @@
                       </a:r>
                     </a:p>
                   </a:txBody>
-                  <a:tcPr marL="9525" marR="9525" marT="9525" marB="0" anchor="b"/>
+                  <a:tcPr marL="12309" marR="12309" marT="12309" marB="0" anchor="b"/>
                 </a:tc>
                 <a:extLst>
                   <a:ext uri="{0D108BD9-81ED-4DB2-BD59-A6C34878D82A}">
@@ -8744,15 +8744,15 @@
                   </a:ext>
                 </a:extLst>
               </a:tr>
-              <a:tr h="65411">
-                <a:tc>
-                  <a:txBody>
-                    <a:bodyPr/>
-                    <a:lstStyle/>
-                    <a:p>
-                      <a:pPr marL="0" algn="ctr" defTabSz="914400" rtl="0" eaLnBrk="1" fontAlgn="b" latinLnBrk="0" hangingPunct="1"/>
-                      <a:r>
-                        <a:rPr lang="nb-NO" sz="500" u="none" strike="noStrike" kern="1200" dirty="0" err="1">
+              <a:tr h="110783">
+                <a:tc>
+                  <a:txBody>
+                    <a:bodyPr/>
+                    <a:lstStyle/>
+                    <a:p>
+                      <a:pPr marL="0" algn="ctr" defTabSz="914400" rtl="0" eaLnBrk="1" fontAlgn="b" latinLnBrk="0" hangingPunct="1"/>
+                      <a:r>
+                        <a:rPr lang="nb-NO" sz="600" u="none" strike="noStrike" kern="1200" dirty="0" err="1">
                           <a:solidFill>
                             <a:schemeClr val="dk1"/>
                           </a:solidFill>
@@ -8763,7 +8763,7 @@
                         </a:rPr>
                         <a:t>polyphen</a:t>
                       </a:r>
-                      <a:endParaRPr lang="nb-NO" sz="500" u="none" strike="noStrike" kern="1200" dirty="0">
+                      <a:endParaRPr lang="nb-NO" sz="600" u="none" strike="noStrike" kern="1200" dirty="0">
                         <a:solidFill>
                           <a:schemeClr val="dk1"/>
                         </a:solidFill>
@@ -8774,7 +8774,7 @@
                       </a:endParaRPr>
                     </a:p>
                   </a:txBody>
-                  <a:tcPr marL="9525" marR="9525" marT="9525" marB="0" anchor="b"/>
+                  <a:tcPr marL="12309" marR="12309" marT="12309" marB="0" anchor="b"/>
                 </a:tc>
                 <a:extLst>
                   <a:ext uri="{0D108BD9-81ED-4DB2-BD59-A6C34878D82A}">
@@ -8782,15 +8782,15 @@
                   </a:ext>
                 </a:extLst>
               </a:tr>
-              <a:tr h="65411">
-                <a:tc>
-                  <a:txBody>
-                    <a:bodyPr/>
-                    <a:lstStyle/>
-                    <a:p>
-                      <a:pPr marL="0" algn="ctr" defTabSz="914400" rtl="0" eaLnBrk="1" fontAlgn="b" latinLnBrk="0" hangingPunct="1"/>
-                      <a:r>
-                        <a:rPr lang="nb-NO" sz="500" u="none" strike="noStrike" kern="1200" dirty="0" err="1">
+              <a:tr h="110783">
+                <a:tc>
+                  <a:txBody>
+                    <a:bodyPr/>
+                    <a:lstStyle/>
+                    <a:p>
+                      <a:pPr marL="0" algn="ctr" defTabSz="914400" rtl="0" eaLnBrk="1" fontAlgn="b" latinLnBrk="0" hangingPunct="1"/>
+                      <a:r>
+                        <a:rPr lang="nb-NO" sz="600" u="none" strike="noStrike" kern="1200" dirty="0" err="1">
                           <a:solidFill>
                             <a:schemeClr val="dk1"/>
                           </a:solidFill>
@@ -8801,7 +8801,7 @@
                         </a:rPr>
                         <a:t>sift</a:t>
                       </a:r>
-                      <a:endParaRPr lang="nb-NO" sz="500" u="none" strike="noStrike" kern="1200" dirty="0">
+                      <a:endParaRPr lang="nb-NO" sz="600" u="none" strike="noStrike" kern="1200" dirty="0">
                         <a:solidFill>
                           <a:schemeClr val="dk1"/>
                         </a:solidFill>
@@ -8812,7 +8812,7 @@
                       </a:endParaRPr>
                     </a:p>
                   </a:txBody>
-                  <a:tcPr marL="9525" marR="9525" marT="9525" marB="0" anchor="b"/>
+                  <a:tcPr marL="12309" marR="12309" marT="12309" marB="0" anchor="b"/>
                 </a:tc>
                 <a:extLst>
                   <a:ext uri="{0D108BD9-81ED-4DB2-BD59-A6C34878D82A}">
@@ -8820,15 +8820,15 @@
                   </a:ext>
                 </a:extLst>
               </a:tr>
-              <a:tr h="65411">
-                <a:tc>
-                  <a:txBody>
-                    <a:bodyPr/>
-                    <a:lstStyle/>
-                    <a:p>
-                      <a:pPr marL="0" algn="ctr" defTabSz="914400" rtl="0" eaLnBrk="1" fontAlgn="b" latinLnBrk="0" hangingPunct="1"/>
-                      <a:r>
-                        <a:rPr lang="nb-NO" sz="500" u="none" strike="noStrike" kern="1200">
+              <a:tr h="110783">
+                <a:tc>
+                  <a:txBody>
+                    <a:bodyPr/>
+                    <a:lstStyle/>
+                    <a:p>
+                      <a:pPr marL="0" algn="ctr" defTabSz="914400" rtl="0" eaLnBrk="1" fontAlgn="b" latinLnBrk="0" hangingPunct="1"/>
+                      <a:r>
+                        <a:rPr lang="nb-NO" sz="600" u="none" strike="noStrike" kern="1200">
                           <a:solidFill>
                             <a:schemeClr val="dk1"/>
                           </a:solidFill>
@@ -8841,7 +8841,7 @@
                       </a:r>
                     </a:p>
                   </a:txBody>
-                  <a:tcPr marL="9525" marR="9525" marT="9525" marB="0" anchor="b"/>
+                  <a:tcPr marL="12309" marR="12309" marT="12309" marB="0" anchor="b"/>
                 </a:tc>
                 <a:extLst>
                   <a:ext uri="{0D108BD9-81ED-4DB2-BD59-A6C34878D82A}">
@@ -8849,15 +8849,15 @@
                   </a:ext>
                 </a:extLst>
               </a:tr>
-              <a:tr h="58477">
-                <a:tc>
-                  <a:txBody>
-                    <a:bodyPr/>
-                    <a:lstStyle/>
-                    <a:p>
-                      <a:pPr marL="0" algn="ctr" defTabSz="914400" rtl="0" eaLnBrk="1" fontAlgn="b" latinLnBrk="0" hangingPunct="1"/>
-                      <a:r>
-                        <a:rPr lang="nb-NO" sz="500" u="none" strike="noStrike" kern="1200">
+              <a:tr h="110783">
+                <a:tc>
+                  <a:txBody>
+                    <a:bodyPr/>
+                    <a:lstStyle/>
+                    <a:p>
+                      <a:pPr marL="0" algn="ctr" defTabSz="914400" rtl="0" eaLnBrk="1" fontAlgn="b" latinLnBrk="0" hangingPunct="1"/>
+                      <a:r>
+                        <a:rPr lang="nb-NO" sz="600" u="none" strike="noStrike" kern="1200">
                           <a:solidFill>
                             <a:schemeClr val="dk1"/>
                           </a:solidFill>
@@ -8870,7 +8870,7 @@
                       </a:r>
                     </a:p>
                   </a:txBody>
-                  <a:tcPr marL="9525" marR="9525" marT="9525" marB="0" anchor="b"/>
+                  <a:tcPr marL="12309" marR="12309" marT="12309" marB="0" anchor="b"/>
                 </a:tc>
                 <a:extLst>
                   <a:ext uri="{0D108BD9-81ED-4DB2-BD59-A6C34878D82A}">
@@ -8878,15 +8878,15 @@
                   </a:ext>
                 </a:extLst>
               </a:tr>
-              <a:tr h="65411">
-                <a:tc>
-                  <a:txBody>
-                    <a:bodyPr/>
-                    <a:lstStyle/>
-                    <a:p>
-                      <a:pPr marL="0" algn="ctr" defTabSz="914400" rtl="0" eaLnBrk="1" fontAlgn="b" latinLnBrk="0" hangingPunct="1"/>
-                      <a:r>
-                        <a:rPr lang="nb-NO" sz="500" u="none" strike="noStrike" kern="1200">
+              <a:tr h="110783">
+                <a:tc>
+                  <a:txBody>
+                    <a:bodyPr/>
+                    <a:lstStyle/>
+                    <a:p>
+                      <a:pPr marL="0" algn="ctr" defTabSz="914400" rtl="0" eaLnBrk="1" fontAlgn="b" latinLnBrk="0" hangingPunct="1"/>
+                      <a:r>
+                        <a:rPr lang="nb-NO" sz="600" u="none" strike="noStrike" kern="1200">
                           <a:solidFill>
                             <a:schemeClr val="dk1"/>
                           </a:solidFill>
@@ -8899,7 +8899,7 @@
                       </a:r>
                     </a:p>
                   </a:txBody>
-                  <a:tcPr marL="9525" marR="9525" marT="9525" marB="0" anchor="b"/>
+                  <a:tcPr marL="12309" marR="12309" marT="12309" marB="0" anchor="b"/>
                 </a:tc>
                 <a:extLst>
                   <a:ext uri="{0D108BD9-81ED-4DB2-BD59-A6C34878D82A}">
@@ -8907,15 +8907,15 @@
                   </a:ext>
                 </a:extLst>
               </a:tr>
-              <a:tr h="65411">
-                <a:tc>
-                  <a:txBody>
-                    <a:bodyPr/>
-                    <a:lstStyle/>
-                    <a:p>
-                      <a:pPr marL="0" algn="ctr" defTabSz="914400" rtl="0" eaLnBrk="1" fontAlgn="b" latinLnBrk="0" hangingPunct="1"/>
-                      <a:r>
-                        <a:rPr lang="nb-NO" sz="500" u="none" strike="noStrike" kern="1200">
+              <a:tr h="110783">
+                <a:tc>
+                  <a:txBody>
+                    <a:bodyPr/>
+                    <a:lstStyle/>
+                    <a:p>
+                      <a:pPr marL="0" algn="ctr" defTabSz="914400" rtl="0" eaLnBrk="1" fontAlgn="b" latinLnBrk="0" hangingPunct="1"/>
+                      <a:r>
+                        <a:rPr lang="nb-NO" sz="600" u="none" strike="noStrike" kern="1200">
                           <a:solidFill>
                             <a:schemeClr val="dk1"/>
                           </a:solidFill>
@@ -8928,7 +8928,7 @@
                       </a:r>
                     </a:p>
                   </a:txBody>
-                  <a:tcPr marL="9525" marR="9525" marT="9525" marB="0" anchor="b"/>
+                  <a:tcPr marL="12309" marR="12309" marT="12309" marB="0" anchor="b"/>
                 </a:tc>
                 <a:extLst>
                   <a:ext uri="{0D108BD9-81ED-4DB2-BD59-A6C34878D82A}">
@@ -8936,15 +8936,15 @@
                   </a:ext>
                 </a:extLst>
               </a:tr>
-              <a:tr h="65411">
-                <a:tc>
-                  <a:txBody>
-                    <a:bodyPr/>
-                    <a:lstStyle/>
-                    <a:p>
-                      <a:pPr marL="0" algn="ctr" defTabSz="914400" rtl="0" eaLnBrk="1" fontAlgn="b" latinLnBrk="0" hangingPunct="1"/>
-                      <a:r>
-                        <a:rPr lang="nb-NO" sz="500" u="none" strike="noStrike" kern="1200" dirty="0" err="1">
+              <a:tr h="110783">
+                <a:tc>
+                  <a:txBody>
+                    <a:bodyPr/>
+                    <a:lstStyle/>
+                    <a:p>
+                      <a:pPr marL="0" algn="ctr" defTabSz="914400" rtl="0" eaLnBrk="1" fontAlgn="b" latinLnBrk="0" hangingPunct="1"/>
+                      <a:r>
+                        <a:rPr lang="nb-NO" sz="600" u="none" strike="noStrike" kern="1200" dirty="0" err="1">
                           <a:solidFill>
                             <a:schemeClr val="dk1"/>
                           </a:solidFill>
@@ -8955,7 +8955,7 @@
                         </a:rPr>
                         <a:t>comment</a:t>
                       </a:r>
-                      <a:endParaRPr lang="nb-NO" sz="500" u="none" strike="noStrike" kern="1200" dirty="0">
+                      <a:endParaRPr lang="nb-NO" sz="600" u="none" strike="noStrike" kern="1200" dirty="0">
                         <a:solidFill>
                           <a:schemeClr val="dk1"/>
                         </a:solidFill>
@@ -8966,7 +8966,7 @@
                       </a:endParaRPr>
                     </a:p>
                   </a:txBody>
-                  <a:tcPr marL="9525" marR="9525" marT="9525" marB="0" anchor="b"/>
+                  <a:tcPr marL="12309" marR="12309" marT="12309" marB="0" anchor="b"/>
                 </a:tc>
                 <a:extLst>
                   <a:ext uri="{0D108BD9-81ED-4DB2-BD59-A6C34878D82A}">

--- a/db/DB schema.pptx
+++ b/db/DB schema.pptx
@@ -243,7 +243,7 @@
           <a:p>
             <a:fld id="{31D4BBC5-235E-4AFB-BCA6-D5338D9E5FA0}" type="datetimeFigureOut">
               <a:rPr lang="nb-NO" smtClean="0"/>
-              <a:t>01.07.2022</a:t>
+              <a:t>04.07.2022</a:t>
             </a:fld>
             <a:endParaRPr lang="nb-NO"/>
           </a:p>
@@ -413,7 +413,7 @@
           <a:p>
             <a:fld id="{31D4BBC5-235E-4AFB-BCA6-D5338D9E5FA0}" type="datetimeFigureOut">
               <a:rPr lang="nb-NO" smtClean="0"/>
-              <a:t>01.07.2022</a:t>
+              <a:t>04.07.2022</a:t>
             </a:fld>
             <a:endParaRPr lang="nb-NO"/>
           </a:p>
@@ -593,7 +593,7 @@
           <a:p>
             <a:fld id="{31D4BBC5-235E-4AFB-BCA6-D5338D9E5FA0}" type="datetimeFigureOut">
               <a:rPr lang="nb-NO" smtClean="0"/>
-              <a:t>01.07.2022</a:t>
+              <a:t>04.07.2022</a:t>
             </a:fld>
             <a:endParaRPr lang="nb-NO"/>
           </a:p>
@@ -763,7 +763,7 @@
           <a:p>
             <a:fld id="{31D4BBC5-235E-4AFB-BCA6-D5338D9E5FA0}" type="datetimeFigureOut">
               <a:rPr lang="nb-NO" smtClean="0"/>
-              <a:t>01.07.2022</a:t>
+              <a:t>04.07.2022</a:t>
             </a:fld>
             <a:endParaRPr lang="nb-NO"/>
           </a:p>
@@ -1007,7 +1007,7 @@
           <a:p>
             <a:fld id="{31D4BBC5-235E-4AFB-BCA6-D5338D9E5FA0}" type="datetimeFigureOut">
               <a:rPr lang="nb-NO" smtClean="0"/>
-              <a:t>01.07.2022</a:t>
+              <a:t>04.07.2022</a:t>
             </a:fld>
             <a:endParaRPr lang="nb-NO"/>
           </a:p>
@@ -1239,7 +1239,7 @@
           <a:p>
             <a:fld id="{31D4BBC5-235E-4AFB-BCA6-D5338D9E5FA0}" type="datetimeFigureOut">
               <a:rPr lang="nb-NO" smtClean="0"/>
-              <a:t>01.07.2022</a:t>
+              <a:t>04.07.2022</a:t>
             </a:fld>
             <a:endParaRPr lang="nb-NO"/>
           </a:p>
@@ -1606,7 +1606,7 @@
           <a:p>
             <a:fld id="{31D4BBC5-235E-4AFB-BCA6-D5338D9E5FA0}" type="datetimeFigureOut">
               <a:rPr lang="nb-NO" smtClean="0"/>
-              <a:t>01.07.2022</a:t>
+              <a:t>04.07.2022</a:t>
             </a:fld>
             <a:endParaRPr lang="nb-NO"/>
           </a:p>
@@ -1724,7 +1724,7 @@
           <a:p>
             <a:fld id="{31D4BBC5-235E-4AFB-BCA6-D5338D9E5FA0}" type="datetimeFigureOut">
               <a:rPr lang="nb-NO" smtClean="0"/>
-              <a:t>01.07.2022</a:t>
+              <a:t>04.07.2022</a:t>
             </a:fld>
             <a:endParaRPr lang="nb-NO"/>
           </a:p>
@@ -1819,7 +1819,7 @@
           <a:p>
             <a:fld id="{31D4BBC5-235E-4AFB-BCA6-D5338D9E5FA0}" type="datetimeFigureOut">
               <a:rPr lang="nb-NO" smtClean="0"/>
-              <a:t>01.07.2022</a:t>
+              <a:t>04.07.2022</a:t>
             </a:fld>
             <a:endParaRPr lang="nb-NO"/>
           </a:p>
@@ -2096,7 +2096,7 @@
           <a:p>
             <a:fld id="{31D4BBC5-235E-4AFB-BCA6-D5338D9E5FA0}" type="datetimeFigureOut">
               <a:rPr lang="nb-NO" smtClean="0"/>
-              <a:t>01.07.2022</a:t>
+              <a:t>04.07.2022</a:t>
             </a:fld>
             <a:endParaRPr lang="nb-NO"/>
           </a:p>
@@ -2353,7 +2353,7 @@
           <a:p>
             <a:fld id="{31D4BBC5-235E-4AFB-BCA6-D5338D9E5FA0}" type="datetimeFigureOut">
               <a:rPr lang="nb-NO" smtClean="0"/>
-              <a:t>01.07.2022</a:t>
+              <a:t>04.07.2022</a:t>
             </a:fld>
             <a:endParaRPr lang="nb-NO"/>
           </a:p>
@@ -2566,7 +2566,7 @@
           <a:p>
             <a:fld id="{31D4BBC5-235E-4AFB-BCA6-D5338D9E5FA0}" type="datetimeFigureOut">
               <a:rPr lang="nb-NO" smtClean="0"/>
-              <a:t>01.07.2022</a:t>
+              <a:t>04.07.2022</a:t>
             </a:fld>
             <a:endParaRPr lang="nb-NO"/>
           </a:p>
@@ -2971,211 +2971,6 @@
           <a:chExt cx="0" cy="0"/>
         </a:xfrm>
       </p:grpSpPr>
-      <p:cxnSp>
-        <p:nvCxnSpPr>
-          <p:cNvPr id="5" name="Rett linje 4">
-            <a:extLst>
-              <a:ext uri="{FF2B5EF4-FFF2-40B4-BE49-F238E27FC236}">
-                <a16:creationId xmlns:a16="http://schemas.microsoft.com/office/drawing/2014/main" id="{3BE19C7B-45B5-4051-A06C-1F2642793762}"/>
-              </a:ext>
-            </a:extLst>
-          </p:cNvPr>
-          <p:cNvCxnSpPr>
-            <a:cxnSpLocks/>
-          </p:cNvCxnSpPr>
-          <p:nvPr/>
-        </p:nvCxnSpPr>
-        <p:spPr>
-          <a:xfrm>
-            <a:off x="3389744" y="683503"/>
-            <a:ext cx="3537792" cy="69997"/>
-          </a:xfrm>
-          <a:prstGeom prst="line">
-            <a:avLst/>
-          </a:prstGeom>
-        </p:spPr>
-        <p:style>
-          <a:lnRef idx="1">
-            <a:schemeClr val="accent1"/>
-          </a:lnRef>
-          <a:fillRef idx="0">
-            <a:schemeClr val="accent1"/>
-          </a:fillRef>
-          <a:effectRef idx="0">
-            <a:schemeClr val="accent1"/>
-          </a:effectRef>
-          <a:fontRef idx="minor">
-            <a:schemeClr val="tx1"/>
-          </a:fontRef>
-        </p:style>
-      </p:cxnSp>
-      <p:cxnSp>
-        <p:nvCxnSpPr>
-          <p:cNvPr id="25" name="Rett linje 24">
-            <a:extLst>
-              <a:ext uri="{FF2B5EF4-FFF2-40B4-BE49-F238E27FC236}">
-                <a16:creationId xmlns:a16="http://schemas.microsoft.com/office/drawing/2014/main" id="{E15EC2A9-F109-491B-A008-4F8B7AE9FBE9}"/>
-              </a:ext>
-            </a:extLst>
-          </p:cNvPr>
-          <p:cNvCxnSpPr>
-            <a:cxnSpLocks/>
-          </p:cNvCxnSpPr>
-          <p:nvPr/>
-        </p:nvCxnSpPr>
-        <p:spPr>
-          <a:xfrm flipV="1">
-            <a:off x="5972562" y="805813"/>
-            <a:ext cx="954974" cy="888418"/>
-          </a:xfrm>
-          <a:prstGeom prst="line">
-            <a:avLst/>
-          </a:prstGeom>
-        </p:spPr>
-        <p:style>
-          <a:lnRef idx="1">
-            <a:schemeClr val="accent1"/>
-          </a:lnRef>
-          <a:fillRef idx="0">
-            <a:schemeClr val="accent1"/>
-          </a:fillRef>
-          <a:effectRef idx="0">
-            <a:schemeClr val="accent1"/>
-          </a:effectRef>
-          <a:fontRef idx="minor">
-            <a:schemeClr val="tx1"/>
-          </a:fontRef>
-        </p:style>
-      </p:cxnSp>
-      <p:cxnSp>
-        <p:nvCxnSpPr>
-          <p:cNvPr id="37" name="Rett linje 36">
-            <a:extLst>
-              <a:ext uri="{FF2B5EF4-FFF2-40B4-BE49-F238E27FC236}">
-                <a16:creationId xmlns:a16="http://schemas.microsoft.com/office/drawing/2014/main" id="{5915BE4B-CAC6-4C93-A91F-5FB860BBF1CD}"/>
-              </a:ext>
-            </a:extLst>
-          </p:cNvPr>
-          <p:cNvCxnSpPr>
-            <a:cxnSpLocks/>
-          </p:cNvCxnSpPr>
-          <p:nvPr/>
-        </p:nvCxnSpPr>
-        <p:spPr>
-          <a:xfrm flipH="1" flipV="1">
-            <a:off x="3381252" y="578160"/>
-            <a:ext cx="1179836" cy="1361718"/>
-          </a:xfrm>
-          <a:prstGeom prst="line">
-            <a:avLst/>
-          </a:prstGeom>
-          <a:ln>
-            <a:solidFill>
-              <a:schemeClr val="accent4"/>
-            </a:solidFill>
-          </a:ln>
-        </p:spPr>
-        <p:style>
-          <a:lnRef idx="1">
-            <a:schemeClr val="accent1"/>
-          </a:lnRef>
-          <a:fillRef idx="0">
-            <a:schemeClr val="accent1"/>
-          </a:fillRef>
-          <a:effectRef idx="0">
-            <a:schemeClr val="accent1"/>
-          </a:effectRef>
-          <a:fontRef idx="minor">
-            <a:schemeClr val="tx1"/>
-          </a:fontRef>
-        </p:style>
-      </p:cxnSp>
-      <p:cxnSp>
-        <p:nvCxnSpPr>
-          <p:cNvPr id="42" name="Rett linje 41">
-            <a:extLst>
-              <a:ext uri="{FF2B5EF4-FFF2-40B4-BE49-F238E27FC236}">
-                <a16:creationId xmlns:a16="http://schemas.microsoft.com/office/drawing/2014/main" id="{CC305FD8-83E2-4033-A111-19F9B51A29BD}"/>
-              </a:ext>
-            </a:extLst>
-          </p:cNvPr>
-          <p:cNvCxnSpPr>
-            <a:cxnSpLocks/>
-          </p:cNvCxnSpPr>
-          <p:nvPr/>
-        </p:nvCxnSpPr>
-        <p:spPr>
-          <a:xfrm flipH="1" flipV="1">
-            <a:off x="3381911" y="457649"/>
-            <a:ext cx="1179176" cy="1379771"/>
-          </a:xfrm>
-          <a:prstGeom prst="line">
-            <a:avLst/>
-          </a:prstGeom>
-          <a:ln>
-            <a:solidFill>
-              <a:schemeClr val="accent4"/>
-            </a:solidFill>
-          </a:ln>
-        </p:spPr>
-        <p:style>
-          <a:lnRef idx="1">
-            <a:schemeClr val="accent1"/>
-          </a:lnRef>
-          <a:fillRef idx="0">
-            <a:schemeClr val="accent1"/>
-          </a:fillRef>
-          <a:effectRef idx="0">
-            <a:schemeClr val="accent1"/>
-          </a:effectRef>
-          <a:fontRef idx="minor">
-            <a:schemeClr val="tx1"/>
-          </a:fontRef>
-        </p:style>
-      </p:cxnSp>
-      <p:cxnSp>
-        <p:nvCxnSpPr>
-          <p:cNvPr id="43" name="Rett linje 42">
-            <a:extLst>
-              <a:ext uri="{FF2B5EF4-FFF2-40B4-BE49-F238E27FC236}">
-                <a16:creationId xmlns:a16="http://schemas.microsoft.com/office/drawing/2014/main" id="{AAC98275-2FEB-4D1E-9279-DE73B46790FE}"/>
-              </a:ext>
-            </a:extLst>
-          </p:cNvPr>
-          <p:cNvCxnSpPr>
-            <a:cxnSpLocks/>
-          </p:cNvCxnSpPr>
-          <p:nvPr/>
-        </p:nvCxnSpPr>
-        <p:spPr>
-          <a:xfrm flipH="1" flipV="1">
-            <a:off x="3382572" y="683504"/>
-            <a:ext cx="1178516" cy="1010728"/>
-          </a:xfrm>
-          <a:prstGeom prst="line">
-            <a:avLst/>
-          </a:prstGeom>
-          <a:ln>
-            <a:solidFill>
-              <a:schemeClr val="accent4"/>
-            </a:solidFill>
-          </a:ln>
-        </p:spPr>
-        <p:style>
-          <a:lnRef idx="1">
-            <a:schemeClr val="accent1"/>
-          </a:lnRef>
-          <a:fillRef idx="0">
-            <a:schemeClr val="accent1"/>
-          </a:fillRef>
-          <a:effectRef idx="0">
-            <a:schemeClr val="accent1"/>
-          </a:effectRef>
-          <a:fontRef idx="minor">
-            <a:schemeClr val="tx1"/>
-          </a:fontRef>
-        </p:style>
-      </p:cxnSp>
       <p:graphicFrame>
         <p:nvGraphicFramePr>
           <p:cNvPr id="10" name="Tabell 9">
@@ -3191,14 +2986,14 @@
           <p:nvPr>
             <p:extLst>
               <p:ext uri="{D42A27DB-BD31-4B8C-83A1-F6EECF244321}">
-                <p14:modId xmlns:p14="http://schemas.microsoft.com/office/powerpoint/2010/main" val="4244186412"/>
+                <p14:modId xmlns:p14="http://schemas.microsoft.com/office/powerpoint/2010/main" val="2339274045"/>
               </p:ext>
             </p:extLst>
           </p:nvPr>
         </p:nvGraphicFramePr>
         <p:xfrm>
-          <a:off x="1512333" y="301121"/>
-          <a:ext cx="1877412" cy="11741873"/>
+          <a:off x="2041481" y="339221"/>
+          <a:ext cx="1806619" cy="11741873"/>
         </p:xfrm>
         <a:graphic>
           <a:graphicData uri="http://schemas.openxmlformats.org/drawingml/2006/table">
@@ -3207,7 +3002,7 @@
                 <a:tableStyleId>{5C22544A-7EE6-4342-B048-85BDC9FD1C3A}</a:tableStyleId>
               </a:tblPr>
               <a:tblGrid>
-                <a:gridCol w="1877412">
+                <a:gridCol w="1806619">
                   <a:extLst>
                     <a:ext uri="{9D8B030D-6E8A-4147-A177-3AD203B41FA5}">
                       <a16:colId xmlns:a16="http://schemas.microsoft.com/office/drawing/2014/main" val="304410519"/>
@@ -3223,7 +3018,7 @@
                     <a:p>
                       <a:pPr marL="0" algn="ctr" defTabSz="914400" rtl="0" eaLnBrk="1" fontAlgn="b" latinLnBrk="0" hangingPunct="1"/>
                       <a:r>
-                        <a:rPr lang="nb-NO" sz="600" u="none" strike="noStrike" kern="1200" dirty="0">
+                        <a:rPr lang="nb-NO" sz="600" b="1" u="none" strike="noStrike" kern="1200" dirty="0" err="1">
                           <a:solidFill>
                             <a:schemeClr val="bg1"/>
                           </a:solidFill>
@@ -3232,8 +3027,17 @@
                           <a:ea typeface="+mn-ea"/>
                           <a:cs typeface="+mn-cs"/>
                         </a:rPr>
-                        <a:t>sample</a:t>
-                      </a:r>
+                        <a:t>VariantsPerSample</a:t>
+                      </a:r>
+                      <a:endParaRPr lang="nb-NO" sz="600" b="1" u="none" strike="noStrike" kern="1200" dirty="0">
+                        <a:solidFill>
+                          <a:schemeClr val="bg1"/>
+                        </a:solidFill>
+                        <a:effectLst/>
+                        <a:latin typeface="+mn-lt"/>
+                        <a:ea typeface="+mn-ea"/>
+                        <a:cs typeface="+mn-cs"/>
+                      </a:endParaRPr>
                     </a:p>
                   </a:txBody>
                   <a:tcPr marL="3339" marR="3339" marT="3339" marB="0" anchor="b">
@@ -3287,7 +3091,7 @@
                       </a:endParaRPr>
                     </a:p>
                   </a:txBody>
-                  <a:tcPr marL="12309" marR="12309" marT="12309" marB="0" anchor="b"/>
+                  <a:tcPr marL="9525" marR="9525" marT="9525" marB="0" anchor="b"/>
                 </a:tc>
                 <a:extLst>
                   <a:ext uri="{0D108BD9-81ED-4DB2-BD59-A6C34878D82A}">
@@ -3325,7 +3129,7 @@
                       </a:r>
                     </a:p>
                   </a:txBody>
-                  <a:tcPr marL="12309" marR="12309" marT="12309" marB="0" anchor="b"/>
+                  <a:tcPr marL="9525" marR="9525" marT="9525" marB="0" anchor="b"/>
                 </a:tc>
                 <a:extLst>
                   <a:ext uri="{0D108BD9-81ED-4DB2-BD59-A6C34878D82A}">
@@ -3363,7 +3167,7 @@
                       </a:r>
                     </a:p>
                   </a:txBody>
-                  <a:tcPr marL="12309" marR="12309" marT="12309" marB="0" anchor="b"/>
+                  <a:tcPr marL="9525" marR="9525" marT="9525" marB="0" anchor="b"/>
                 </a:tc>
                 <a:extLst>
                   <a:ext uri="{0D108BD9-81ED-4DB2-BD59-A6C34878D82A}">
@@ -3379,6 +3183,44 @@
                     <a:p>
                       <a:pPr marL="0" algn="ctr" defTabSz="914400" rtl="0" eaLnBrk="1" fontAlgn="b" latinLnBrk="0" hangingPunct="1"/>
                       <a:r>
+                        <a:rPr lang="nb-NO" sz="600" u="none" strike="noStrike" dirty="0">
+                          <a:solidFill>
+                            <a:schemeClr val="accent2"/>
+                          </a:solidFill>
+                          <a:effectLst/>
+                        </a:rPr>
+                        <a:t>FOREIGN KEY § </a:t>
+                      </a:r>
+                      <a:r>
+                        <a:rPr lang="nb-NO" sz="600" u="none" strike="noStrike" kern="1200" dirty="0">
+                          <a:solidFill>
+                            <a:schemeClr val="dk1"/>
+                          </a:solidFill>
+                          <a:effectLst/>
+                          <a:latin typeface="+mn-lt"/>
+                          <a:ea typeface="+mn-ea"/>
+                          <a:cs typeface="+mn-cs"/>
+                        </a:rPr>
+                        <a:t>DATE_CHANGED_VARIANT_BROWSER</a:t>
+                      </a:r>
+                    </a:p>
+                  </a:txBody>
+                  <a:tcPr marL="9525" marR="9525" marT="9525" marB="0" anchor="b"/>
+                </a:tc>
+                <a:extLst>
+                  <a:ext uri="{0D108BD9-81ED-4DB2-BD59-A6C34878D82A}">
+                    <a16:rowId xmlns:a16="http://schemas.microsoft.com/office/drawing/2014/main" val="2141163069"/>
+                  </a:ext>
+                </a:extLst>
+              </a:tr>
+              <a:tr h="110783">
+                <a:tc>
+                  <a:txBody>
+                    <a:bodyPr/>
+                    <a:lstStyle/>
+                    <a:p>
+                      <a:pPr marL="0" algn="ctr" defTabSz="914400" rtl="0" eaLnBrk="1" fontAlgn="b" latinLnBrk="0" hangingPunct="1"/>
+                      <a:r>
                         <a:rPr lang="nb-NO" sz="600" u="none" strike="noStrike" kern="1200" dirty="0" err="1">
                           <a:solidFill>
                             <a:schemeClr val="dk1"/>
@@ -3388,7 +3230,7 @@
                           <a:ea typeface="+mn-ea"/>
                           <a:cs typeface="+mn-cs"/>
                         </a:rPr>
-                        <a:t>User_Classification</a:t>
+                        <a:t>Reply</a:t>
                       </a:r>
                       <a:endParaRPr lang="nb-NO" sz="600" u="none" strike="noStrike" kern="1200" dirty="0">
                         <a:solidFill>
@@ -3401,11 +3243,11 @@
                       </a:endParaRPr>
                     </a:p>
                   </a:txBody>
-                  <a:tcPr marL="12309" marR="12309" marT="12309" marB="0" anchor="b"/>
-                </a:tc>
-                <a:extLst>
-                  <a:ext uri="{0D108BD9-81ED-4DB2-BD59-A6C34878D82A}">
-                    <a16:rowId xmlns:a16="http://schemas.microsoft.com/office/drawing/2014/main" val="2141163069"/>
+                  <a:tcPr marL="9525" marR="9525" marT="9525" marB="0" anchor="b"/>
+                </a:tc>
+                <a:extLst>
+                  <a:ext uri="{0D108BD9-81ED-4DB2-BD59-A6C34878D82A}">
+                    <a16:rowId xmlns:a16="http://schemas.microsoft.com/office/drawing/2014/main" val="1087957857"/>
                   </a:ext>
                 </a:extLst>
               </a:tr>
@@ -3426,7 +3268,7 @@
                           <a:ea typeface="+mn-ea"/>
                           <a:cs typeface="+mn-cs"/>
                         </a:rPr>
-                        <a:t>Variant_ID</a:t>
+                        <a:t>User_Classification</a:t>
                       </a:r>
                       <a:endParaRPr lang="nb-NO" sz="600" u="none" strike="noStrike" kern="1200" dirty="0">
                         <a:solidFill>
@@ -3439,11 +3281,11 @@
                       </a:endParaRPr>
                     </a:p>
                   </a:txBody>
-                  <a:tcPr marL="12309" marR="12309" marT="12309" marB="0" anchor="b"/>
-                </a:tc>
-                <a:extLst>
-                  <a:ext uri="{0D108BD9-81ED-4DB2-BD59-A6C34878D82A}">
-                    <a16:rowId xmlns:a16="http://schemas.microsoft.com/office/drawing/2014/main" val="1087957857"/>
+                  <a:tcPr marL="9525" marR="9525" marT="9525" marB="0" anchor="b"/>
+                </a:tc>
+                <a:extLst>
+                  <a:ext uri="{0D108BD9-81ED-4DB2-BD59-A6C34878D82A}">
+                    <a16:rowId xmlns:a16="http://schemas.microsoft.com/office/drawing/2014/main" val="670142286"/>
                   </a:ext>
                 </a:extLst>
               </a:tr>
@@ -3464,7 +3306,7 @@
                           <a:ea typeface="+mn-ea"/>
                           <a:cs typeface="+mn-cs"/>
                         </a:rPr>
-                        <a:t>Variant_Name</a:t>
+                        <a:t>Variant_ID</a:t>
                       </a:r>
                       <a:endParaRPr lang="nb-NO" sz="600" u="none" strike="noStrike" kern="1200" dirty="0">
                         <a:solidFill>
@@ -3477,11 +3319,11 @@
                       </a:endParaRPr>
                     </a:p>
                   </a:txBody>
-                  <a:tcPr marL="12309" marR="12309" marT="12309" marB="0" anchor="b"/>
-                </a:tc>
-                <a:extLst>
-                  <a:ext uri="{0D108BD9-81ED-4DB2-BD59-A6C34878D82A}">
-                    <a16:rowId xmlns:a16="http://schemas.microsoft.com/office/drawing/2014/main" val="670142286"/>
+                  <a:tcPr marL="9525" marR="9525" marT="9525" marB="0" anchor="b"/>
+                </a:tc>
+                <a:extLst>
+                  <a:ext uri="{0D108BD9-81ED-4DB2-BD59-A6C34878D82A}">
+                    <a16:rowId xmlns:a16="http://schemas.microsoft.com/office/drawing/2014/main" val="4277704607"/>
                   </a:ext>
                 </a:extLst>
               </a:tr>
@@ -3502,7 +3344,7 @@
                           <a:ea typeface="+mn-ea"/>
                           <a:cs typeface="+mn-cs"/>
                         </a:rPr>
-                        <a:t>Key_Variant</a:t>
+                        <a:t>Variant_Name</a:t>
                       </a:r>
                       <a:endParaRPr lang="nb-NO" sz="600" u="none" strike="noStrike" kern="1200" dirty="0">
                         <a:solidFill>
@@ -3515,11 +3357,11 @@
                       </a:endParaRPr>
                     </a:p>
                   </a:txBody>
-                  <a:tcPr marL="12309" marR="12309" marT="12309" marB="0" anchor="b"/>
-                </a:tc>
-                <a:extLst>
-                  <a:ext uri="{0D108BD9-81ED-4DB2-BD59-A6C34878D82A}">
-                    <a16:rowId xmlns:a16="http://schemas.microsoft.com/office/drawing/2014/main" val="4277704607"/>
+                  <a:tcPr marL="9525" marR="9525" marT="9525" marB="0" anchor="b"/>
+                </a:tc>
+                <a:extLst>
+                  <a:ext uri="{0D108BD9-81ED-4DB2-BD59-A6C34878D82A}">
+                    <a16:rowId xmlns:a16="http://schemas.microsoft.com/office/drawing/2014/main" val="2431540166"/>
                   </a:ext>
                 </a:extLst>
               </a:tr>
@@ -3540,7 +3382,7 @@
                           <a:ea typeface="+mn-ea"/>
                           <a:cs typeface="+mn-cs"/>
                         </a:rPr>
-                        <a:t>Oncomine_Reporter_Evidence</a:t>
+                        <a:t>Key_Variant</a:t>
                       </a:r>
                       <a:endParaRPr lang="nb-NO" sz="600" u="none" strike="noStrike" kern="1200" dirty="0">
                         <a:solidFill>
@@ -3553,36 +3395,7 @@
                       </a:endParaRPr>
                     </a:p>
                   </a:txBody>
-                  <a:tcPr marL="12309" marR="12309" marT="12309" marB="0" anchor="b"/>
-                </a:tc>
-                <a:extLst>
-                  <a:ext uri="{0D108BD9-81ED-4DB2-BD59-A6C34878D82A}">
-                    <a16:rowId xmlns:a16="http://schemas.microsoft.com/office/drawing/2014/main" val="2431540166"/>
-                  </a:ext>
-                </a:extLst>
-              </a:tr>
-              <a:tr h="110783">
-                <a:tc>
-                  <a:txBody>
-                    <a:bodyPr/>
-                    <a:lstStyle/>
-                    <a:p>
-                      <a:pPr marL="0" algn="ctr" defTabSz="914400" rtl="0" eaLnBrk="1" fontAlgn="b" latinLnBrk="0" hangingPunct="1"/>
-                      <a:r>
-                        <a:rPr lang="nb-NO" sz="600" u="none" strike="noStrike" kern="1200" dirty="0">
-                          <a:solidFill>
-                            <a:schemeClr val="dk1"/>
-                          </a:solidFill>
-                          <a:effectLst/>
-                          <a:latin typeface="+mn-lt"/>
-                          <a:ea typeface="+mn-ea"/>
-                          <a:cs typeface="+mn-cs"/>
-                        </a:rPr>
-                        <a:t>Type</a:t>
-                      </a:r>
-                    </a:p>
-                  </a:txBody>
-                  <a:tcPr marL="12309" marR="12309" marT="12309" marB="0" anchor="b"/>
+                  <a:tcPr marL="9525" marR="9525" marT="9525" marB="0" anchor="b"/>
                 </a:tc>
                 <a:extLst>
                   <a:ext uri="{0D108BD9-81ED-4DB2-BD59-A6C34878D82A}">
@@ -3598,35 +3411,6 @@
                     <a:p>
                       <a:pPr marL="0" algn="ctr" defTabSz="914400" rtl="0" eaLnBrk="1" fontAlgn="b" latinLnBrk="0" hangingPunct="1"/>
                       <a:r>
-                        <a:rPr lang="nb-NO" sz="600" u="none" strike="noStrike" kern="1200" dirty="0">
-                          <a:solidFill>
-                            <a:schemeClr val="dk1"/>
-                          </a:solidFill>
-                          <a:effectLst/>
-                          <a:latin typeface="+mn-lt"/>
-                          <a:ea typeface="+mn-ea"/>
-                          <a:cs typeface="+mn-cs"/>
-                        </a:rPr>
-                        <a:t>Call</a:t>
-                      </a:r>
-                    </a:p>
-                  </a:txBody>
-                  <a:tcPr marL="12309" marR="12309" marT="12309" marB="0" anchor="b"/>
-                </a:tc>
-                <a:extLst>
-                  <a:ext uri="{0D108BD9-81ED-4DB2-BD59-A6C34878D82A}">
-                    <a16:rowId xmlns:a16="http://schemas.microsoft.com/office/drawing/2014/main" val="2693939933"/>
-                  </a:ext>
-                </a:extLst>
-              </a:tr>
-              <a:tr h="110783">
-                <a:tc>
-                  <a:txBody>
-                    <a:bodyPr/>
-                    <a:lstStyle/>
-                    <a:p>
-                      <a:pPr marL="0" algn="ctr" defTabSz="914400" rtl="0" eaLnBrk="1" fontAlgn="b" latinLnBrk="0" hangingPunct="1"/>
-                      <a:r>
                         <a:rPr lang="nb-NO" sz="600" u="none" strike="noStrike" kern="1200" dirty="0" err="1">
                           <a:solidFill>
                             <a:schemeClr val="dk1"/>
@@ -3636,7 +3420,7 @@
                           <a:ea typeface="+mn-ea"/>
                           <a:cs typeface="+mn-cs"/>
                         </a:rPr>
-                        <a:t>Call_Details</a:t>
+                        <a:t>Oncomine_Reporter_Evidence</a:t>
                       </a:r>
                       <a:endParaRPr lang="nb-NO" sz="600" u="none" strike="noStrike" kern="1200" dirty="0">
                         <a:solidFill>
@@ -3649,11 +3433,98 @@
                       </a:endParaRPr>
                     </a:p>
                   </a:txBody>
-                  <a:tcPr marL="12309" marR="12309" marT="12309" marB="0" anchor="b"/>
+                  <a:tcPr marL="9525" marR="9525" marT="9525" marB="0" anchor="b"/>
+                </a:tc>
+                <a:extLst>
+                  <a:ext uri="{0D108BD9-81ED-4DB2-BD59-A6C34878D82A}">
+                    <a16:rowId xmlns:a16="http://schemas.microsoft.com/office/drawing/2014/main" val="2693939933"/>
+                  </a:ext>
+                </a:extLst>
+              </a:tr>
+              <a:tr h="110783">
+                <a:tc>
+                  <a:txBody>
+                    <a:bodyPr/>
+                    <a:lstStyle/>
+                    <a:p>
+                      <a:pPr marL="0" algn="ctr" defTabSz="914400" rtl="0" eaLnBrk="1" fontAlgn="b" latinLnBrk="0" hangingPunct="1"/>
+                      <a:r>
+                        <a:rPr lang="nb-NO" sz="600" u="none" strike="noStrike" kern="1200" dirty="0">
+                          <a:solidFill>
+                            <a:schemeClr val="dk1"/>
+                          </a:solidFill>
+                          <a:effectLst/>
+                          <a:latin typeface="+mn-lt"/>
+                          <a:ea typeface="+mn-ea"/>
+                          <a:cs typeface="+mn-cs"/>
+                        </a:rPr>
+                        <a:t>Type</a:t>
+                      </a:r>
+                    </a:p>
+                  </a:txBody>
+                  <a:tcPr marL="9525" marR="9525" marT="9525" marB="0" anchor="b"/>
                 </a:tc>
                 <a:extLst>
                   <a:ext uri="{0D108BD9-81ED-4DB2-BD59-A6C34878D82A}">
                     <a16:rowId xmlns:a16="http://schemas.microsoft.com/office/drawing/2014/main" val="209215182"/>
+                  </a:ext>
+                </a:extLst>
+              </a:tr>
+              <a:tr h="110783">
+                <a:tc>
+                  <a:txBody>
+                    <a:bodyPr/>
+                    <a:lstStyle/>
+                    <a:p>
+                      <a:pPr marL="0" algn="ctr" defTabSz="914400" rtl="0" eaLnBrk="1" fontAlgn="b" latinLnBrk="0" hangingPunct="1"/>
+                      <a:r>
+                        <a:rPr lang="nb-NO" sz="600" u="none" strike="noStrike" kern="1200" dirty="0">
+                          <a:solidFill>
+                            <a:schemeClr val="dk1"/>
+                          </a:solidFill>
+                          <a:effectLst/>
+                          <a:latin typeface="+mn-lt"/>
+                          <a:ea typeface="+mn-ea"/>
+                          <a:cs typeface="+mn-cs"/>
+                        </a:rPr>
+                        <a:t>Call</a:t>
+                      </a:r>
+                    </a:p>
+                  </a:txBody>
+                  <a:tcPr marL="9525" marR="9525" marT="9525" marB="0" anchor="b"/>
+                </a:tc>
+                <a:extLst>
+                  <a:ext uri="{0D108BD9-81ED-4DB2-BD59-A6C34878D82A}">
+                    <a16:rowId xmlns:a16="http://schemas.microsoft.com/office/drawing/2014/main" val="1121441502"/>
+                  </a:ext>
+                </a:extLst>
+              </a:tr>
+              <a:tr h="110783">
+                <a:tc>
+                  <a:txBody>
+                    <a:bodyPr/>
+                    <a:lstStyle/>
+                    <a:p>
+                      <a:pPr marL="0" algn="ctr" defTabSz="914400" rtl="0" eaLnBrk="1" fontAlgn="b" latinLnBrk="0" hangingPunct="1"/>
+                      <a:r>
+                        <a:rPr lang="nb-NO" sz="600" u="none" strike="noStrike" kern="1200">
+                          <a:solidFill>
+                            <a:schemeClr val="dk1"/>
+                          </a:solidFill>
+                          <a:effectLst/>
+                          <a:latin typeface="+mn-lt"/>
+                          <a:ea typeface="+mn-ea"/>
+                          <a:cs typeface="+mn-cs"/>
+                        </a:rPr>
+                        <a:t>Call_Details</a:t>
+                      </a:r>
+                    </a:p>
+                  </a:txBody>
+                  <a:tcPr marL="9525" marR="9525" marT="9525" marB="0" anchor="b"/>
+                </a:tc>
+                <a:extLst>
+                  <a:ext uri="{0D108BD9-81ED-4DB2-BD59-A6C34878D82A}">
+                    <a16:rowId xmlns:a16="http://schemas.microsoft.com/office/drawing/2014/main" val="923886133"/>
                   </a:ext>
                 </a:extLst>
               </a:tr>
@@ -3687,11 +3558,11 @@
                       </a:endParaRPr>
                     </a:p>
                   </a:txBody>
-                  <a:tcPr marL="12309" marR="12309" marT="12309" marB="0" anchor="b"/>
-                </a:tc>
-                <a:extLst>
-                  <a:ext uri="{0D108BD9-81ED-4DB2-BD59-A6C34878D82A}">
-                    <a16:rowId xmlns:a16="http://schemas.microsoft.com/office/drawing/2014/main" val="1121441502"/>
+                  <a:tcPr marL="9525" marR="9525" marT="9525" marB="0" anchor="b"/>
+                </a:tc>
+                <a:extLst>
+                  <a:ext uri="{0D108BD9-81ED-4DB2-BD59-A6C34878D82A}">
+                    <a16:rowId xmlns:a16="http://schemas.microsoft.com/office/drawing/2014/main" val="3881461743"/>
                   </a:ext>
                 </a:extLst>
               </a:tr>
@@ -3725,11 +3596,69 @@
                       </a:endParaRPr>
                     </a:p>
                   </a:txBody>
-                  <a:tcPr marL="12309" marR="12309" marT="12309" marB="0" anchor="b"/>
-                </a:tc>
-                <a:extLst>
-                  <a:ext uri="{0D108BD9-81ED-4DB2-BD59-A6C34878D82A}">
-                    <a16:rowId xmlns:a16="http://schemas.microsoft.com/office/drawing/2014/main" val="923886133"/>
+                  <a:tcPr marL="9525" marR="9525" marT="9525" marB="0" anchor="b"/>
+                </a:tc>
+                <a:extLst>
+                  <a:ext uri="{0D108BD9-81ED-4DB2-BD59-A6C34878D82A}">
+                    <a16:rowId xmlns:a16="http://schemas.microsoft.com/office/drawing/2014/main" val="2114997218"/>
+                  </a:ext>
+                </a:extLst>
+              </a:tr>
+              <a:tr h="110783">
+                <a:tc>
+                  <a:txBody>
+                    <a:bodyPr/>
+                    <a:lstStyle/>
+                    <a:p>
+                      <a:pPr marL="0" algn="ctr" defTabSz="914400" rtl="0" eaLnBrk="1" fontAlgn="b" latinLnBrk="0" hangingPunct="1"/>
+                      <a:r>
+                        <a:rPr lang="nb-NO" sz="600" u="none" strike="noStrike" kern="1200">
+                          <a:solidFill>
+                            <a:schemeClr val="dk1"/>
+                          </a:solidFill>
+                          <a:effectLst/>
+                          <a:latin typeface="+mn-lt"/>
+                          <a:ea typeface="+mn-ea"/>
+                          <a:cs typeface="+mn-cs"/>
+                        </a:rPr>
+                        <a:t>P_Value</a:t>
+                      </a:r>
+                    </a:p>
+                  </a:txBody>
+                  <a:tcPr marL="9525" marR="9525" marT="9525" marB="0" anchor="b"/>
+                </a:tc>
+                <a:extLst>
+                  <a:ext uri="{0D108BD9-81ED-4DB2-BD59-A6C34878D82A}">
+                    <a16:rowId xmlns:a16="http://schemas.microsoft.com/office/drawing/2014/main" val="2626880099"/>
+                  </a:ext>
+                </a:extLst>
+              </a:tr>
+              <a:tr h="110783">
+                <a:tc>
+                  <a:txBody>
+                    <a:bodyPr/>
+                    <a:lstStyle/>
+                    <a:p>
+                      <a:pPr marL="0" algn="ctr" defTabSz="914400" rtl="0" eaLnBrk="1" fontAlgn="b" latinLnBrk="0" hangingPunct="1"/>
+                      <a:r>
+                        <a:rPr lang="nb-NO" sz="600" u="none" strike="noStrike" kern="1200" dirty="0">
+                          <a:solidFill>
+                            <a:schemeClr val="dk1"/>
+                          </a:solidFill>
+                          <a:effectLst/>
+                          <a:latin typeface="+mn-lt"/>
+                          <a:ea typeface="+mn-ea"/>
+                          <a:cs typeface="+mn-cs"/>
+                        </a:rPr>
+                        <a:t>PPA</a:t>
+                      </a:r>
+                    </a:p>
+                  </a:txBody>
+                  <a:tcPr marL="9525" marR="9525" marT="9525" marB="0" anchor="b"/>
+                </a:tc>
+                <a:extLst>
+                  <a:ext uri="{0D108BD9-81ED-4DB2-BD59-A6C34878D82A}">
+                    <a16:rowId xmlns:a16="http://schemas.microsoft.com/office/drawing/2014/main" val="288849893"/>
                   </a:ext>
                 </a:extLst>
               </a:tr>
@@ -3750,7 +3679,7 @@
                           <a:ea typeface="+mn-ea"/>
                           <a:cs typeface="+mn-cs"/>
                         </a:rPr>
-                        <a:t>P_Value</a:t>
+                        <a:t>Read_Counts_Per_Million</a:t>
                       </a:r>
                       <a:endParaRPr lang="nb-NO" sz="600" u="none" strike="noStrike" kern="1200" dirty="0">
                         <a:solidFill>
@@ -3763,40 +3692,11 @@
                       </a:endParaRPr>
                     </a:p>
                   </a:txBody>
-                  <a:tcPr marL="12309" marR="12309" marT="12309" marB="0" anchor="b"/>
-                </a:tc>
-                <a:extLst>
-                  <a:ext uri="{0D108BD9-81ED-4DB2-BD59-A6C34878D82A}">
-                    <a16:rowId xmlns:a16="http://schemas.microsoft.com/office/drawing/2014/main" val="3881461743"/>
-                  </a:ext>
-                </a:extLst>
-              </a:tr>
-              <a:tr h="110783">
-                <a:tc>
-                  <a:txBody>
-                    <a:bodyPr/>
-                    <a:lstStyle/>
-                    <a:p>
-                      <a:pPr marL="0" algn="ctr" defTabSz="914400" rtl="0" eaLnBrk="1" fontAlgn="b" latinLnBrk="0" hangingPunct="1"/>
-                      <a:r>
-                        <a:rPr lang="nb-NO" sz="600" u="none" strike="noStrike" kern="1200" dirty="0">
-                          <a:solidFill>
-                            <a:schemeClr val="dk1"/>
-                          </a:solidFill>
-                          <a:effectLst/>
-                          <a:latin typeface="+mn-lt"/>
-                          <a:ea typeface="+mn-ea"/>
-                          <a:cs typeface="+mn-cs"/>
-                        </a:rPr>
-                        <a:t>PPA</a:t>
-                      </a:r>
-                    </a:p>
-                  </a:txBody>
-                  <a:tcPr marL="12309" marR="12309" marT="12309" marB="0" anchor="b"/>
-                </a:tc>
-                <a:extLst>
-                  <a:ext uri="{0D108BD9-81ED-4DB2-BD59-A6C34878D82A}">
-                    <a16:rowId xmlns:a16="http://schemas.microsoft.com/office/drawing/2014/main" val="2114997218"/>
+                  <a:tcPr marL="9525" marR="9525" marT="9525" marB="0" anchor="b"/>
+                </a:tc>
+                <a:extLst>
+                  <a:ext uri="{0D108BD9-81ED-4DB2-BD59-A6C34878D82A}">
+                    <a16:rowId xmlns:a16="http://schemas.microsoft.com/office/drawing/2014/main" val="2403415415"/>
                   </a:ext>
                 </a:extLst>
               </a:tr>
@@ -3817,7 +3717,7 @@
                           <a:ea typeface="+mn-ea"/>
                           <a:cs typeface="+mn-cs"/>
                         </a:rPr>
-                        <a:t>Read_Counts_Per_Million</a:t>
+                        <a:t>Oncomine_Driver_Gene</a:t>
                       </a:r>
                       <a:endParaRPr lang="nb-NO" sz="600" u="none" strike="noStrike" kern="1200" dirty="0">
                         <a:solidFill>
@@ -3830,11 +3730,11 @@
                       </a:endParaRPr>
                     </a:p>
                   </a:txBody>
-                  <a:tcPr marL="12309" marR="12309" marT="12309" marB="0" anchor="b"/>
-                </a:tc>
-                <a:extLst>
-                  <a:ext uri="{0D108BD9-81ED-4DB2-BD59-A6C34878D82A}">
-                    <a16:rowId xmlns:a16="http://schemas.microsoft.com/office/drawing/2014/main" val="2626880099"/>
+                  <a:tcPr marL="9525" marR="9525" marT="9525" marB="0" anchor="b"/>
+                </a:tc>
+                <a:extLst>
+                  <a:ext uri="{0D108BD9-81ED-4DB2-BD59-A6C34878D82A}">
+                    <a16:rowId xmlns:a16="http://schemas.microsoft.com/office/drawing/2014/main" val="284603073"/>
                   </a:ext>
                 </a:extLst>
               </a:tr>
@@ -3855,7 +3755,7 @@
                           <a:ea typeface="+mn-ea"/>
                           <a:cs typeface="+mn-cs"/>
                         </a:rPr>
-                        <a:t>Oncomine_Driver_Gene</a:t>
+                        <a:t>Gene_Isoform</a:t>
                       </a:r>
                       <a:endParaRPr lang="nb-NO" sz="600" u="none" strike="noStrike" kern="1200" dirty="0">
                         <a:solidFill>
@@ -3868,11 +3768,11 @@
                       </a:endParaRPr>
                     </a:p>
                   </a:txBody>
-                  <a:tcPr marL="12309" marR="12309" marT="12309" marB="0" anchor="b"/>
-                </a:tc>
-                <a:extLst>
-                  <a:ext uri="{0D108BD9-81ED-4DB2-BD59-A6C34878D82A}">
-                    <a16:rowId xmlns:a16="http://schemas.microsoft.com/office/drawing/2014/main" val="288849893"/>
+                  <a:tcPr marL="9525" marR="9525" marT="9525" marB="0" anchor="b"/>
+                </a:tc>
+                <a:extLst>
+                  <a:ext uri="{0D108BD9-81ED-4DB2-BD59-A6C34878D82A}">
+                    <a16:rowId xmlns:a16="http://schemas.microsoft.com/office/drawing/2014/main" val="3604281034"/>
                   </a:ext>
                 </a:extLst>
               </a:tr>
@@ -3893,7 +3793,7 @@
                           <a:ea typeface="+mn-ea"/>
                           <a:cs typeface="+mn-cs"/>
                         </a:rPr>
-                        <a:t>Gene_Isoform</a:t>
+                        <a:t>NormalizedReadCount</a:t>
                       </a:r>
                       <a:endParaRPr lang="nb-NO" sz="600" u="none" strike="noStrike" kern="1200" dirty="0">
                         <a:solidFill>
@@ -3906,11 +3806,11 @@
                       </a:endParaRPr>
                     </a:p>
                   </a:txBody>
-                  <a:tcPr marL="12309" marR="12309" marT="12309" marB="0" anchor="b"/>
-                </a:tc>
-                <a:extLst>
-                  <a:ext uri="{0D108BD9-81ED-4DB2-BD59-A6C34878D82A}">
-                    <a16:rowId xmlns:a16="http://schemas.microsoft.com/office/drawing/2014/main" val="2403415415"/>
+                  <a:tcPr marL="9525" marR="9525" marT="9525" marB="0" anchor="b"/>
+                </a:tc>
+                <a:extLst>
+                  <a:ext uri="{0D108BD9-81ED-4DB2-BD59-A6C34878D82A}">
+                    <a16:rowId xmlns:a16="http://schemas.microsoft.com/office/drawing/2014/main" val="3627290119"/>
                   </a:ext>
                 </a:extLst>
               </a:tr>
@@ -3931,7 +3831,7 @@
                           <a:ea typeface="+mn-ea"/>
                           <a:cs typeface="+mn-cs"/>
                         </a:rPr>
-                        <a:t>NormalizedReadCount</a:t>
+                        <a:t>Imbalance_Score</a:t>
                       </a:r>
                       <a:endParaRPr lang="nb-NO" sz="600" u="none" strike="noStrike" kern="1200" dirty="0">
                         <a:solidFill>
@@ -3944,11 +3844,11 @@
                       </a:endParaRPr>
                     </a:p>
                   </a:txBody>
-                  <a:tcPr marL="12309" marR="12309" marT="12309" marB="0" anchor="b"/>
-                </a:tc>
-                <a:extLst>
-                  <a:ext uri="{0D108BD9-81ED-4DB2-BD59-A6C34878D82A}">
-                    <a16:rowId xmlns:a16="http://schemas.microsoft.com/office/drawing/2014/main" val="284603073"/>
+                  <a:tcPr marL="9525" marR="9525" marT="9525" marB="0" anchor="b"/>
+                </a:tc>
+                <a:extLst>
+                  <a:ext uri="{0D108BD9-81ED-4DB2-BD59-A6C34878D82A}">
+                    <a16:rowId xmlns:a16="http://schemas.microsoft.com/office/drawing/2014/main" val="1002449414"/>
                   </a:ext>
                 </a:extLst>
               </a:tr>
@@ -3969,7 +3869,7 @@
                           <a:ea typeface="+mn-ea"/>
                           <a:cs typeface="+mn-cs"/>
                         </a:rPr>
-                        <a:t>Imbalance_Score</a:t>
+                        <a:t>Copy_Number</a:t>
                       </a:r>
                       <a:endParaRPr lang="nb-NO" sz="600" u="none" strike="noStrike" kern="1200" dirty="0">
                         <a:solidFill>
@@ -3982,11 +3882,40 @@
                       </a:endParaRPr>
                     </a:p>
                   </a:txBody>
-                  <a:tcPr marL="12309" marR="12309" marT="12309" marB="0" anchor="b"/>
-                </a:tc>
-                <a:extLst>
-                  <a:ext uri="{0D108BD9-81ED-4DB2-BD59-A6C34878D82A}">
-                    <a16:rowId xmlns:a16="http://schemas.microsoft.com/office/drawing/2014/main" val="3604281034"/>
+                  <a:tcPr marL="9525" marR="9525" marT="9525" marB="0" anchor="b"/>
+                </a:tc>
+                <a:extLst>
+                  <a:ext uri="{0D108BD9-81ED-4DB2-BD59-A6C34878D82A}">
+                    <a16:rowId xmlns:a16="http://schemas.microsoft.com/office/drawing/2014/main" val="2480614316"/>
+                  </a:ext>
+                </a:extLst>
+              </a:tr>
+              <a:tr h="110783">
+                <a:tc>
+                  <a:txBody>
+                    <a:bodyPr/>
+                    <a:lstStyle/>
+                    <a:p>
+                      <a:pPr marL="0" algn="ctr" defTabSz="914400" rtl="0" eaLnBrk="1" fontAlgn="b" latinLnBrk="0" hangingPunct="1"/>
+                      <a:r>
+                        <a:rPr lang="nb-NO" sz="600" u="none" strike="noStrike" kern="1200" dirty="0">
+                          <a:solidFill>
+                            <a:schemeClr val="dk1"/>
+                          </a:solidFill>
+                          <a:effectLst/>
+                          <a:latin typeface="+mn-lt"/>
+                          <a:ea typeface="+mn-ea"/>
+                          <a:cs typeface="+mn-cs"/>
+                        </a:rPr>
+                        <a:t>P_Value_1</a:t>
+                      </a:r>
+                    </a:p>
+                  </a:txBody>
+                  <a:tcPr marL="9525" marR="9525" marT="9525" marB="0" anchor="b"/>
+                </a:tc>
+                <a:extLst>
+                  <a:ext uri="{0D108BD9-81ED-4DB2-BD59-A6C34878D82A}">
+                    <a16:rowId xmlns:a16="http://schemas.microsoft.com/office/drawing/2014/main" val="3400228634"/>
                   </a:ext>
                 </a:extLst>
               </a:tr>
@@ -4007,7 +3936,7 @@
                           <a:ea typeface="+mn-ea"/>
                           <a:cs typeface="+mn-cs"/>
                         </a:rPr>
-                        <a:t>Copy_Number</a:t>
+                        <a:t>CNV_Confidence</a:t>
                       </a:r>
                       <a:endParaRPr lang="nb-NO" sz="600" u="none" strike="noStrike" kern="1200" dirty="0">
                         <a:solidFill>
@@ -4020,40 +3949,11 @@
                       </a:endParaRPr>
                     </a:p>
                   </a:txBody>
-                  <a:tcPr marL="12309" marR="12309" marT="12309" marB="0" anchor="b"/>
-                </a:tc>
-                <a:extLst>
-                  <a:ext uri="{0D108BD9-81ED-4DB2-BD59-A6C34878D82A}">
-                    <a16:rowId xmlns:a16="http://schemas.microsoft.com/office/drawing/2014/main" val="3627290119"/>
-                  </a:ext>
-                </a:extLst>
-              </a:tr>
-              <a:tr h="110783">
-                <a:tc>
-                  <a:txBody>
-                    <a:bodyPr/>
-                    <a:lstStyle/>
-                    <a:p>
-                      <a:pPr marL="0" algn="ctr" defTabSz="914400" rtl="0" eaLnBrk="1" fontAlgn="b" latinLnBrk="0" hangingPunct="1"/>
-                      <a:r>
-                        <a:rPr lang="nb-NO" sz="600" u="none" strike="noStrike" kern="1200" dirty="0">
-                          <a:solidFill>
-                            <a:schemeClr val="dk1"/>
-                          </a:solidFill>
-                          <a:effectLst/>
-                          <a:latin typeface="+mn-lt"/>
-                          <a:ea typeface="+mn-ea"/>
-                          <a:cs typeface="+mn-cs"/>
-                        </a:rPr>
-                        <a:t>P_Value_1</a:t>
-                      </a:r>
-                    </a:p>
-                  </a:txBody>
-                  <a:tcPr marL="12309" marR="12309" marT="12309" marB="0" anchor="b"/>
-                </a:tc>
-                <a:extLst>
-                  <a:ext uri="{0D108BD9-81ED-4DB2-BD59-A6C34878D82A}">
-                    <a16:rowId xmlns:a16="http://schemas.microsoft.com/office/drawing/2014/main" val="1002449414"/>
+                  <a:tcPr marL="9525" marR="9525" marT="9525" marB="0" anchor="b"/>
+                </a:tc>
+                <a:extLst>
+                  <a:ext uri="{0D108BD9-81ED-4DB2-BD59-A6C34878D82A}">
+                    <a16:rowId xmlns:a16="http://schemas.microsoft.com/office/drawing/2014/main" val="279270260"/>
                   </a:ext>
                 </a:extLst>
               </a:tr>
@@ -4074,7 +3974,7 @@
                           <a:ea typeface="+mn-ea"/>
                           <a:cs typeface="+mn-cs"/>
                         </a:rPr>
-                        <a:t>CNV_Confidence</a:t>
+                        <a:t>Valid_CNV_Amplicons</a:t>
                       </a:r>
                       <a:endParaRPr lang="nb-NO" sz="600" u="none" strike="noStrike" kern="1200" dirty="0">
                         <a:solidFill>
@@ -4087,11 +3987,446 @@
                       </a:endParaRPr>
                     </a:p>
                   </a:txBody>
-                  <a:tcPr marL="12309" marR="12309" marT="12309" marB="0" anchor="b"/>
-                </a:tc>
-                <a:extLst>
-                  <a:ext uri="{0D108BD9-81ED-4DB2-BD59-A6C34878D82A}">
-                    <a16:rowId xmlns:a16="http://schemas.microsoft.com/office/drawing/2014/main" val="2480614316"/>
+                  <a:tcPr marL="9525" marR="9525" marT="9525" marB="0" anchor="b"/>
+                </a:tc>
+                <a:extLst>
+                  <a:ext uri="{0D108BD9-81ED-4DB2-BD59-A6C34878D82A}">
+                    <a16:rowId xmlns:a16="http://schemas.microsoft.com/office/drawing/2014/main" val="2041924223"/>
+                  </a:ext>
+                </a:extLst>
+              </a:tr>
+              <a:tr h="110783">
+                <a:tc>
+                  <a:txBody>
+                    <a:bodyPr/>
+                    <a:lstStyle/>
+                    <a:p>
+                      <a:pPr marL="0" algn="ctr" defTabSz="914400" rtl="0" eaLnBrk="1" fontAlgn="b" latinLnBrk="0" hangingPunct="1"/>
+                      <a:r>
+                        <a:rPr lang="nb-NO" sz="600" u="none" strike="noStrike" kern="1200" dirty="0">
+                          <a:solidFill>
+                            <a:schemeClr val="dk1"/>
+                          </a:solidFill>
+                          <a:effectLst/>
+                          <a:latin typeface="+mn-lt"/>
+                          <a:ea typeface="+mn-ea"/>
+                          <a:cs typeface="+mn-cs"/>
+                        </a:rPr>
+                        <a:t>ID</a:t>
+                      </a:r>
+                    </a:p>
+                  </a:txBody>
+                  <a:tcPr marL="9525" marR="9525" marT="9525" marB="0" anchor="b"/>
+                </a:tc>
+                <a:extLst>
+                  <a:ext uri="{0D108BD9-81ED-4DB2-BD59-A6C34878D82A}">
+                    <a16:rowId xmlns:a16="http://schemas.microsoft.com/office/drawing/2014/main" val="1935581961"/>
+                  </a:ext>
+                </a:extLst>
+              </a:tr>
+              <a:tr h="110783">
+                <a:tc>
+                  <a:txBody>
+                    <a:bodyPr/>
+                    <a:lstStyle/>
+                    <a:p>
+                      <a:pPr marL="0" algn="ctr" defTabSz="914400" rtl="0" eaLnBrk="1" fontAlgn="b" latinLnBrk="0" hangingPunct="1"/>
+                      <a:r>
+                        <a:rPr lang="nb-NO" sz="600" u="none" strike="noStrike" kern="1200" dirty="0">
+                          <a:solidFill>
+                            <a:schemeClr val="dk1"/>
+                          </a:solidFill>
+                          <a:effectLst/>
+                          <a:latin typeface="+mn-lt"/>
+                          <a:ea typeface="+mn-ea"/>
+                          <a:cs typeface="+mn-cs"/>
+                        </a:rPr>
+                        <a:t>QUAL</a:t>
+                      </a:r>
+                    </a:p>
+                  </a:txBody>
+                  <a:tcPr marL="9525" marR="9525" marT="9525" marB="0" anchor="b"/>
+                </a:tc>
+                <a:extLst>
+                  <a:ext uri="{0D108BD9-81ED-4DB2-BD59-A6C34878D82A}">
+                    <a16:rowId xmlns:a16="http://schemas.microsoft.com/office/drawing/2014/main" val="3938660465"/>
+                  </a:ext>
+                </a:extLst>
+              </a:tr>
+              <a:tr h="110783">
+                <a:tc>
+                  <a:txBody>
+                    <a:bodyPr/>
+                    <a:lstStyle/>
+                    <a:p>
+                      <a:pPr marL="0" algn="ctr" defTabSz="914400" rtl="0" eaLnBrk="1" fontAlgn="b" latinLnBrk="0" hangingPunct="1"/>
+                      <a:r>
+                        <a:rPr lang="nb-NO" sz="600" u="none" strike="noStrike" kern="1200" dirty="0">
+                          <a:solidFill>
+                            <a:schemeClr val="dk1"/>
+                          </a:solidFill>
+                          <a:effectLst/>
+                          <a:latin typeface="+mn-lt"/>
+                          <a:ea typeface="+mn-ea"/>
+                          <a:cs typeface="+mn-cs"/>
+                        </a:rPr>
+                        <a:t>FILTER</a:t>
+                      </a:r>
+                    </a:p>
+                  </a:txBody>
+                  <a:tcPr marL="9525" marR="9525" marT="9525" marB="0" anchor="b"/>
+                </a:tc>
+                <a:extLst>
+                  <a:ext uri="{0D108BD9-81ED-4DB2-BD59-A6C34878D82A}">
+                    <a16:rowId xmlns:a16="http://schemas.microsoft.com/office/drawing/2014/main" val="3147225504"/>
+                  </a:ext>
+                </a:extLst>
+              </a:tr>
+              <a:tr h="110783">
+                <a:tc>
+                  <a:txBody>
+                    <a:bodyPr/>
+                    <a:lstStyle/>
+                    <a:p>
+                      <a:pPr marL="0" algn="ctr" defTabSz="914400" rtl="0" eaLnBrk="1" fontAlgn="b" latinLnBrk="0" hangingPunct="1"/>
+                      <a:r>
+                        <a:rPr lang="nb-NO" sz="600" u="none" strike="noStrike" kern="1200" dirty="0">
+                          <a:solidFill>
+                            <a:schemeClr val="dk1"/>
+                          </a:solidFill>
+                          <a:effectLst/>
+                          <a:latin typeface="+mn-lt"/>
+                          <a:ea typeface="+mn-ea"/>
+                          <a:cs typeface="+mn-cs"/>
+                        </a:rPr>
+                        <a:t>GT</a:t>
+                      </a:r>
+                    </a:p>
+                  </a:txBody>
+                  <a:tcPr marL="9525" marR="9525" marT="9525" marB="0" anchor="b"/>
+                </a:tc>
+                <a:extLst>
+                  <a:ext uri="{0D108BD9-81ED-4DB2-BD59-A6C34878D82A}">
+                    <a16:rowId xmlns:a16="http://schemas.microsoft.com/office/drawing/2014/main" val="1963168823"/>
+                  </a:ext>
+                </a:extLst>
+              </a:tr>
+              <a:tr h="110783">
+                <a:tc>
+                  <a:txBody>
+                    <a:bodyPr/>
+                    <a:lstStyle/>
+                    <a:p>
+                      <a:pPr marL="0" algn="ctr" defTabSz="914400" rtl="0" eaLnBrk="1" fontAlgn="b" latinLnBrk="0" hangingPunct="1"/>
+                      <a:r>
+                        <a:rPr lang="nb-NO" sz="600" u="none" strike="noStrike" kern="1200" dirty="0">
+                          <a:solidFill>
+                            <a:schemeClr val="dk1"/>
+                          </a:solidFill>
+                          <a:effectLst/>
+                          <a:latin typeface="+mn-lt"/>
+                          <a:ea typeface="+mn-ea"/>
+                          <a:cs typeface="+mn-cs"/>
+                        </a:rPr>
+                        <a:t>GQ</a:t>
+                      </a:r>
+                    </a:p>
+                  </a:txBody>
+                  <a:tcPr marL="9525" marR="9525" marT="9525" marB="0" anchor="b"/>
+                </a:tc>
+                <a:extLst>
+                  <a:ext uri="{0D108BD9-81ED-4DB2-BD59-A6C34878D82A}">
+                    <a16:rowId xmlns:a16="http://schemas.microsoft.com/office/drawing/2014/main" val="1507829571"/>
+                  </a:ext>
+                </a:extLst>
+              </a:tr>
+              <a:tr h="110783">
+                <a:tc>
+                  <a:txBody>
+                    <a:bodyPr/>
+                    <a:lstStyle/>
+                    <a:p>
+                      <a:pPr marL="0" algn="ctr" defTabSz="914400" rtl="0" eaLnBrk="1" fontAlgn="b" latinLnBrk="0" hangingPunct="1"/>
+                      <a:r>
+                        <a:rPr lang="nb-NO" sz="600" u="none" strike="noStrike" kern="1200" dirty="0">
+                          <a:solidFill>
+                            <a:schemeClr val="dk1"/>
+                          </a:solidFill>
+                          <a:effectLst/>
+                          <a:latin typeface="+mn-lt"/>
+                          <a:ea typeface="+mn-ea"/>
+                          <a:cs typeface="+mn-cs"/>
+                        </a:rPr>
+                        <a:t>CN</a:t>
+                      </a:r>
+                    </a:p>
+                  </a:txBody>
+                  <a:tcPr marL="9525" marR="9525" marT="9525" marB="0" anchor="b"/>
+                </a:tc>
+                <a:extLst>
+                  <a:ext uri="{0D108BD9-81ED-4DB2-BD59-A6C34878D82A}">
+                    <a16:rowId xmlns:a16="http://schemas.microsoft.com/office/drawing/2014/main" val="557692791"/>
+                  </a:ext>
+                </a:extLst>
+              </a:tr>
+              <a:tr h="110783">
+                <a:tc>
+                  <a:txBody>
+                    <a:bodyPr/>
+                    <a:lstStyle/>
+                    <a:p>
+                      <a:pPr marL="0" algn="ctr" defTabSz="914400" rtl="0" eaLnBrk="1" fontAlgn="b" latinLnBrk="0" hangingPunct="1"/>
+                      <a:r>
+                        <a:rPr lang="nb-NO" sz="600" u="none" strike="noStrike" kern="1200" dirty="0">
+                          <a:solidFill>
+                            <a:schemeClr val="dk1"/>
+                          </a:solidFill>
+                          <a:effectLst/>
+                          <a:latin typeface="+mn-lt"/>
+                          <a:ea typeface="+mn-ea"/>
+                          <a:cs typeface="+mn-cs"/>
+                        </a:rPr>
+                        <a:t>READ_COUNT</a:t>
+                      </a:r>
+                    </a:p>
+                  </a:txBody>
+                  <a:tcPr marL="9525" marR="9525" marT="9525" marB="0" anchor="b"/>
+                </a:tc>
+                <a:extLst>
+                  <a:ext uri="{0D108BD9-81ED-4DB2-BD59-A6C34878D82A}">
+                    <a16:rowId xmlns:a16="http://schemas.microsoft.com/office/drawing/2014/main" val="339024770"/>
+                  </a:ext>
+                </a:extLst>
+              </a:tr>
+              <a:tr h="110783">
+                <a:tc>
+                  <a:txBody>
+                    <a:bodyPr/>
+                    <a:lstStyle/>
+                    <a:p>
+                      <a:pPr marL="0" algn="ctr" defTabSz="914400" rtl="0" eaLnBrk="1" fontAlgn="b" latinLnBrk="0" hangingPunct="1"/>
+                      <a:r>
+                        <a:rPr lang="nb-NO" sz="600" u="none" strike="noStrike" kern="1200" dirty="0">
+                          <a:solidFill>
+                            <a:schemeClr val="dk1"/>
+                          </a:solidFill>
+                          <a:effectLst/>
+                          <a:latin typeface="+mn-lt"/>
+                          <a:ea typeface="+mn-ea"/>
+                          <a:cs typeface="+mn-cs"/>
+                        </a:rPr>
+                        <a:t>GENE_NAME</a:t>
+                      </a:r>
+                    </a:p>
+                  </a:txBody>
+                  <a:tcPr marL="9525" marR="9525" marT="9525" marB="0" anchor="b"/>
+                </a:tc>
+                <a:extLst>
+                  <a:ext uri="{0D108BD9-81ED-4DB2-BD59-A6C34878D82A}">
+                    <a16:rowId xmlns:a16="http://schemas.microsoft.com/office/drawing/2014/main" val="2254956388"/>
+                  </a:ext>
+                </a:extLst>
+              </a:tr>
+              <a:tr h="110783">
+                <a:tc>
+                  <a:txBody>
+                    <a:bodyPr/>
+                    <a:lstStyle/>
+                    <a:p>
+                      <a:pPr marL="0" algn="ctr" defTabSz="914400" rtl="0" eaLnBrk="1" fontAlgn="b" latinLnBrk="0" hangingPunct="1"/>
+                      <a:r>
+                        <a:rPr lang="nb-NO" sz="600" u="none" strike="noStrike" kern="1200" dirty="0">
+                          <a:solidFill>
+                            <a:schemeClr val="dk1"/>
+                          </a:solidFill>
+                          <a:effectLst/>
+                          <a:latin typeface="+mn-lt"/>
+                          <a:ea typeface="+mn-ea"/>
+                          <a:cs typeface="+mn-cs"/>
+                        </a:rPr>
+                        <a:t>EXON_NUM</a:t>
+                      </a:r>
+                    </a:p>
+                  </a:txBody>
+                  <a:tcPr marL="9525" marR="9525" marT="9525" marB="0" anchor="b"/>
+                </a:tc>
+                <a:extLst>
+                  <a:ext uri="{0D108BD9-81ED-4DB2-BD59-A6C34878D82A}">
+                    <a16:rowId xmlns:a16="http://schemas.microsoft.com/office/drawing/2014/main" val="3084578004"/>
+                  </a:ext>
+                </a:extLst>
+              </a:tr>
+              <a:tr h="110783">
+                <a:tc>
+                  <a:txBody>
+                    <a:bodyPr/>
+                    <a:lstStyle/>
+                    <a:p>
+                      <a:pPr marL="0" algn="ctr" defTabSz="914400" rtl="0" eaLnBrk="1" fontAlgn="b" latinLnBrk="0" hangingPunct="1"/>
+                      <a:r>
+                        <a:rPr lang="nb-NO" sz="600" u="none" strike="noStrike" kern="1200" dirty="0">
+                          <a:solidFill>
+                            <a:schemeClr val="dk1"/>
+                          </a:solidFill>
+                          <a:effectLst/>
+                          <a:latin typeface="+mn-lt"/>
+                          <a:ea typeface="+mn-ea"/>
+                          <a:cs typeface="+mn-cs"/>
+                        </a:rPr>
+                        <a:t>RPM</a:t>
+                      </a:r>
+                    </a:p>
+                  </a:txBody>
+                  <a:tcPr marL="9525" marR="9525" marT="9525" marB="0" anchor="b"/>
+                </a:tc>
+                <a:extLst>
+                  <a:ext uri="{0D108BD9-81ED-4DB2-BD59-A6C34878D82A}">
+                    <a16:rowId xmlns:a16="http://schemas.microsoft.com/office/drawing/2014/main" val="2382732393"/>
+                  </a:ext>
+                </a:extLst>
+              </a:tr>
+              <a:tr h="110783">
+                <a:tc>
+                  <a:txBody>
+                    <a:bodyPr/>
+                    <a:lstStyle/>
+                    <a:p>
+                      <a:pPr marL="0" algn="ctr" defTabSz="914400" rtl="0" eaLnBrk="1" fontAlgn="b" latinLnBrk="0" hangingPunct="1"/>
+                      <a:r>
+                        <a:rPr lang="nb-NO" sz="600" u="none" strike="noStrike" kern="1200" dirty="0">
+                          <a:solidFill>
+                            <a:schemeClr val="dk1"/>
+                          </a:solidFill>
+                          <a:effectLst/>
+                          <a:latin typeface="+mn-lt"/>
+                          <a:ea typeface="+mn-ea"/>
+                          <a:cs typeface="+mn-cs"/>
+                        </a:rPr>
+                        <a:t>NORM_COUNT</a:t>
+                      </a:r>
+                    </a:p>
+                  </a:txBody>
+                  <a:tcPr marL="9525" marR="9525" marT="9525" marB="0" anchor="b"/>
+                </a:tc>
+                <a:extLst>
+                  <a:ext uri="{0D108BD9-81ED-4DB2-BD59-A6C34878D82A}">
+                    <a16:rowId xmlns:a16="http://schemas.microsoft.com/office/drawing/2014/main" val="3217302946"/>
+                  </a:ext>
+                </a:extLst>
+              </a:tr>
+              <a:tr h="110783">
+                <a:tc>
+                  <a:txBody>
+                    <a:bodyPr/>
+                    <a:lstStyle/>
+                    <a:p>
+                      <a:pPr marL="0" algn="ctr" defTabSz="914400" rtl="0" eaLnBrk="1" fontAlgn="b" latinLnBrk="0" hangingPunct="1"/>
+                      <a:r>
+                        <a:rPr lang="nb-NO" sz="600" u="none" strike="noStrike" kern="1200" dirty="0">
+                          <a:solidFill>
+                            <a:schemeClr val="dk1"/>
+                          </a:solidFill>
+                          <a:effectLst/>
+                          <a:latin typeface="+mn-lt"/>
+                          <a:ea typeface="+mn-ea"/>
+                          <a:cs typeface="+mn-cs"/>
+                        </a:rPr>
+                        <a:t>NORM_COUNT_TO_HK</a:t>
+                      </a:r>
+                    </a:p>
+                  </a:txBody>
+                  <a:tcPr marL="9525" marR="9525" marT="9525" marB="0" anchor="b"/>
+                </a:tc>
+                <a:extLst>
+                  <a:ext uri="{0D108BD9-81ED-4DB2-BD59-A6C34878D82A}">
+                    <a16:rowId xmlns:a16="http://schemas.microsoft.com/office/drawing/2014/main" val="1567172422"/>
+                  </a:ext>
+                </a:extLst>
+              </a:tr>
+              <a:tr h="110783">
+                <a:tc>
+                  <a:txBody>
+                    <a:bodyPr/>
+                    <a:lstStyle/>
+                    <a:p>
+                      <a:pPr marL="0" algn="ctr" defTabSz="914400" rtl="0" eaLnBrk="1" fontAlgn="b" latinLnBrk="0" hangingPunct="1"/>
+                      <a:r>
+                        <a:rPr lang="nb-NO" sz="600" u="none" strike="noStrike" kern="1200" dirty="0">
+                          <a:solidFill>
+                            <a:schemeClr val="dk1"/>
+                          </a:solidFill>
+                          <a:effectLst/>
+                          <a:latin typeface="+mn-lt"/>
+                          <a:ea typeface="+mn-ea"/>
+                          <a:cs typeface="+mn-cs"/>
+                        </a:rPr>
+                        <a:t>FUSION_DRIVER_GENE</a:t>
+                      </a:r>
+                    </a:p>
+                  </a:txBody>
+                  <a:tcPr marL="9525" marR="9525" marT="9525" marB="0" anchor="b"/>
+                </a:tc>
+                <a:extLst>
+                  <a:ext uri="{0D108BD9-81ED-4DB2-BD59-A6C34878D82A}">
+                    <a16:rowId xmlns:a16="http://schemas.microsoft.com/office/drawing/2014/main" val="3140329402"/>
+                  </a:ext>
+                </a:extLst>
+              </a:tr>
+              <a:tr h="110783">
+                <a:tc>
+                  <a:txBody>
+                    <a:bodyPr/>
+                    <a:lstStyle/>
+                    <a:p>
+                      <a:pPr marL="0" algn="ctr" defTabSz="914400" rtl="0" eaLnBrk="1" fontAlgn="b" latinLnBrk="0" hangingPunct="1"/>
+                      <a:r>
+                        <a:rPr lang="nb-NO" sz="600" u="none" strike="noStrike" kern="1200" dirty="0">
+                          <a:solidFill>
+                            <a:schemeClr val="dk1"/>
+                          </a:solidFill>
+                          <a:effectLst/>
+                          <a:latin typeface="+mn-lt"/>
+                          <a:ea typeface="+mn-ea"/>
+                          <a:cs typeface="+mn-cs"/>
+                        </a:rPr>
+                        <a:t>ANNOTATION</a:t>
+                      </a:r>
+                    </a:p>
+                  </a:txBody>
+                  <a:tcPr marL="9525" marR="9525" marT="9525" marB="0" anchor="b"/>
+                </a:tc>
+                <a:extLst>
+                  <a:ext uri="{0D108BD9-81ED-4DB2-BD59-A6C34878D82A}">
+                    <a16:rowId xmlns:a16="http://schemas.microsoft.com/office/drawing/2014/main" val="2613445018"/>
+                  </a:ext>
+                </a:extLst>
+              </a:tr>
+              <a:tr h="110783">
+                <a:tc>
+                  <a:txBody>
+                    <a:bodyPr/>
+                    <a:lstStyle/>
+                    <a:p>
+                      <a:pPr marL="0" algn="ctr" defTabSz="914400" rtl="0" eaLnBrk="1" fontAlgn="b" latinLnBrk="0" hangingPunct="1"/>
+                      <a:r>
+                        <a:rPr lang="nb-NO" sz="600" u="none" strike="noStrike" kern="1200" dirty="0">
+                          <a:solidFill>
+                            <a:schemeClr val="dk1"/>
+                          </a:solidFill>
+                          <a:effectLst/>
+                          <a:latin typeface="+mn-lt"/>
+                          <a:ea typeface="+mn-ea"/>
+                          <a:cs typeface="+mn-cs"/>
+                        </a:rPr>
+                        <a:t>PASS_REASON</a:t>
+                      </a:r>
+                    </a:p>
+                  </a:txBody>
+                  <a:tcPr marL="9525" marR="9525" marT="9525" marB="0" anchor="b"/>
+                </a:tc>
+                <a:extLst>
+                  <a:ext uri="{0D108BD9-81ED-4DB2-BD59-A6C34878D82A}">
+                    <a16:rowId xmlns:a16="http://schemas.microsoft.com/office/drawing/2014/main" val="1137757573"/>
                   </a:ext>
                 </a:extLst>
               </a:tr>
@@ -4112,7 +4447,7 @@
                           <a:ea typeface="+mn-ea"/>
                           <a:cs typeface="+mn-cs"/>
                         </a:rPr>
-                        <a:t>Valid_CNV_Amplicons</a:t>
+                        <a:t>Non_Targeted</a:t>
                       </a:r>
                       <a:endParaRPr lang="nb-NO" sz="600" u="none" strike="noStrike" kern="1200" dirty="0">
                         <a:solidFill>
@@ -4125,484 +4460,11 @@
                       </a:endParaRPr>
                     </a:p>
                   </a:txBody>
-                  <a:tcPr marL="12309" marR="12309" marT="12309" marB="0" anchor="b"/>
-                </a:tc>
-                <a:extLst>
-                  <a:ext uri="{0D108BD9-81ED-4DB2-BD59-A6C34878D82A}">
-                    <a16:rowId xmlns:a16="http://schemas.microsoft.com/office/drawing/2014/main" val="3400228634"/>
-                  </a:ext>
-                </a:extLst>
-              </a:tr>
-              <a:tr h="110783">
-                <a:tc>
-                  <a:txBody>
-                    <a:bodyPr/>
-                    <a:lstStyle/>
-                    <a:p>
-                      <a:pPr marL="0" algn="ctr" defTabSz="914400" rtl="0" eaLnBrk="1" fontAlgn="b" latinLnBrk="0" hangingPunct="1"/>
-                      <a:r>
-                        <a:rPr lang="nb-NO" sz="600" u="none" strike="noStrike" kern="1200" dirty="0">
-                          <a:solidFill>
-                            <a:schemeClr val="dk1"/>
-                          </a:solidFill>
-                          <a:effectLst/>
-                          <a:latin typeface="+mn-lt"/>
-                          <a:ea typeface="+mn-ea"/>
-                          <a:cs typeface="+mn-cs"/>
-                        </a:rPr>
-                        <a:t>ID</a:t>
-                      </a:r>
-                    </a:p>
-                  </a:txBody>
-                  <a:tcPr marL="12309" marR="12309" marT="12309" marB="0" anchor="b"/>
-                </a:tc>
-                <a:extLst>
-                  <a:ext uri="{0D108BD9-81ED-4DB2-BD59-A6C34878D82A}">
-                    <a16:rowId xmlns:a16="http://schemas.microsoft.com/office/drawing/2014/main" val="279270260"/>
-                  </a:ext>
-                </a:extLst>
-              </a:tr>
-              <a:tr h="110783">
-                <a:tc>
-                  <a:txBody>
-                    <a:bodyPr/>
-                    <a:lstStyle/>
-                    <a:p>
-                      <a:pPr marL="0" algn="ctr" defTabSz="914400" rtl="0" eaLnBrk="1" fontAlgn="b" latinLnBrk="0" hangingPunct="1"/>
-                      <a:r>
-                        <a:rPr lang="nb-NO" sz="600" u="none" strike="noStrike" kern="1200" dirty="0">
-                          <a:solidFill>
-                            <a:schemeClr val="dk1"/>
-                          </a:solidFill>
-                          <a:effectLst/>
-                          <a:latin typeface="+mn-lt"/>
-                          <a:ea typeface="+mn-ea"/>
-                          <a:cs typeface="+mn-cs"/>
-                        </a:rPr>
-                        <a:t>QUAL</a:t>
-                      </a:r>
-                    </a:p>
-                  </a:txBody>
-                  <a:tcPr marL="12309" marR="12309" marT="12309" marB="0" anchor="b"/>
-                </a:tc>
-                <a:extLst>
-                  <a:ext uri="{0D108BD9-81ED-4DB2-BD59-A6C34878D82A}">
-                    <a16:rowId xmlns:a16="http://schemas.microsoft.com/office/drawing/2014/main" val="2041924223"/>
-                  </a:ext>
-                </a:extLst>
-              </a:tr>
-              <a:tr h="110783">
-                <a:tc>
-                  <a:txBody>
-                    <a:bodyPr/>
-                    <a:lstStyle/>
-                    <a:p>
-                      <a:pPr marL="0" algn="ctr" defTabSz="914400" rtl="0" eaLnBrk="1" fontAlgn="b" latinLnBrk="0" hangingPunct="1"/>
-                      <a:r>
-                        <a:rPr lang="nb-NO" sz="600" u="none" strike="noStrike" kern="1200" dirty="0">
-                          <a:solidFill>
-                            <a:schemeClr val="dk1"/>
-                          </a:solidFill>
-                          <a:effectLst/>
-                          <a:latin typeface="+mn-lt"/>
-                          <a:ea typeface="+mn-ea"/>
-                          <a:cs typeface="+mn-cs"/>
-                        </a:rPr>
-                        <a:t>FILTER</a:t>
-                      </a:r>
-                    </a:p>
-                  </a:txBody>
-                  <a:tcPr marL="12309" marR="12309" marT="12309" marB="0" anchor="b"/>
-                </a:tc>
-                <a:extLst>
-                  <a:ext uri="{0D108BD9-81ED-4DB2-BD59-A6C34878D82A}">
-                    <a16:rowId xmlns:a16="http://schemas.microsoft.com/office/drawing/2014/main" val="1935581961"/>
-                  </a:ext>
-                </a:extLst>
-              </a:tr>
-              <a:tr h="110783">
-                <a:tc>
-                  <a:txBody>
-                    <a:bodyPr/>
-                    <a:lstStyle/>
-                    <a:p>
-                      <a:pPr marL="0" algn="ctr" defTabSz="914400" rtl="0" eaLnBrk="1" fontAlgn="b" latinLnBrk="0" hangingPunct="1"/>
-                      <a:r>
-                        <a:rPr lang="nb-NO" sz="600" u="none" strike="noStrike" kern="1200" dirty="0">
-                          <a:solidFill>
-                            <a:schemeClr val="dk1"/>
-                          </a:solidFill>
-                          <a:effectLst/>
-                          <a:latin typeface="+mn-lt"/>
-                          <a:ea typeface="+mn-ea"/>
-                          <a:cs typeface="+mn-cs"/>
-                        </a:rPr>
-                        <a:t>GT</a:t>
-                      </a:r>
-                    </a:p>
-                  </a:txBody>
-                  <a:tcPr marL="12309" marR="12309" marT="12309" marB="0" anchor="b"/>
-                </a:tc>
-                <a:extLst>
-                  <a:ext uri="{0D108BD9-81ED-4DB2-BD59-A6C34878D82A}">
-                    <a16:rowId xmlns:a16="http://schemas.microsoft.com/office/drawing/2014/main" val="3938660465"/>
-                  </a:ext>
-                </a:extLst>
-              </a:tr>
-              <a:tr h="110783">
-                <a:tc>
-                  <a:txBody>
-                    <a:bodyPr/>
-                    <a:lstStyle/>
-                    <a:p>
-                      <a:pPr marL="0" algn="ctr" defTabSz="914400" rtl="0" eaLnBrk="1" fontAlgn="b" latinLnBrk="0" hangingPunct="1"/>
-                      <a:r>
-                        <a:rPr lang="nb-NO" sz="600" u="none" strike="noStrike" kern="1200" dirty="0">
-                          <a:solidFill>
-                            <a:schemeClr val="dk1"/>
-                          </a:solidFill>
-                          <a:effectLst/>
-                          <a:latin typeface="+mn-lt"/>
-                          <a:ea typeface="+mn-ea"/>
-                          <a:cs typeface="+mn-cs"/>
-                        </a:rPr>
-                        <a:t>GQ</a:t>
-                      </a:r>
-                    </a:p>
-                  </a:txBody>
-                  <a:tcPr marL="12309" marR="12309" marT="12309" marB="0" anchor="b"/>
-                </a:tc>
-                <a:extLst>
-                  <a:ext uri="{0D108BD9-81ED-4DB2-BD59-A6C34878D82A}">
-                    <a16:rowId xmlns:a16="http://schemas.microsoft.com/office/drawing/2014/main" val="3147225504"/>
-                  </a:ext>
-                </a:extLst>
-              </a:tr>
-              <a:tr h="110783">
-                <a:tc>
-                  <a:txBody>
-                    <a:bodyPr/>
-                    <a:lstStyle/>
-                    <a:p>
-                      <a:pPr marL="0" algn="ctr" defTabSz="914400" rtl="0" eaLnBrk="1" fontAlgn="b" latinLnBrk="0" hangingPunct="1"/>
-                      <a:r>
-                        <a:rPr lang="nb-NO" sz="600" u="none" strike="noStrike" kern="1200" dirty="0">
-                          <a:solidFill>
-                            <a:schemeClr val="dk1"/>
-                          </a:solidFill>
-                          <a:effectLst/>
-                          <a:latin typeface="+mn-lt"/>
-                          <a:ea typeface="+mn-ea"/>
-                          <a:cs typeface="+mn-cs"/>
-                        </a:rPr>
-                        <a:t>CN</a:t>
-                      </a:r>
-                    </a:p>
-                  </a:txBody>
-                  <a:tcPr marL="12309" marR="12309" marT="12309" marB="0" anchor="b"/>
-                </a:tc>
-                <a:extLst>
-                  <a:ext uri="{0D108BD9-81ED-4DB2-BD59-A6C34878D82A}">
-                    <a16:rowId xmlns:a16="http://schemas.microsoft.com/office/drawing/2014/main" val="1963168823"/>
-                  </a:ext>
-                </a:extLst>
-              </a:tr>
-              <a:tr h="110783">
-                <a:tc>
-                  <a:txBody>
-                    <a:bodyPr/>
-                    <a:lstStyle/>
-                    <a:p>
-                      <a:pPr marL="0" algn="ctr" defTabSz="914400" rtl="0" eaLnBrk="1" fontAlgn="b" latinLnBrk="0" hangingPunct="1"/>
-                      <a:r>
-                        <a:rPr lang="nb-NO" sz="600" u="none" strike="noStrike" kern="1200" dirty="0">
-                          <a:solidFill>
-                            <a:schemeClr val="dk1"/>
-                          </a:solidFill>
-                          <a:effectLst/>
-                          <a:latin typeface="+mn-lt"/>
-                          <a:ea typeface="+mn-ea"/>
-                          <a:cs typeface="+mn-cs"/>
-                        </a:rPr>
-                        <a:t>READ_COUNT</a:t>
-                      </a:r>
-                    </a:p>
-                  </a:txBody>
-                  <a:tcPr marL="12309" marR="12309" marT="12309" marB="0" anchor="b"/>
-                </a:tc>
-                <a:extLst>
-                  <a:ext uri="{0D108BD9-81ED-4DB2-BD59-A6C34878D82A}">
-                    <a16:rowId xmlns:a16="http://schemas.microsoft.com/office/drawing/2014/main" val="1507829571"/>
-                  </a:ext>
-                </a:extLst>
-              </a:tr>
-              <a:tr h="110783">
-                <a:tc>
-                  <a:txBody>
-                    <a:bodyPr/>
-                    <a:lstStyle/>
-                    <a:p>
-                      <a:pPr marL="0" algn="ctr" defTabSz="914400" rtl="0" eaLnBrk="1" fontAlgn="b" latinLnBrk="0" hangingPunct="1"/>
-                      <a:r>
-                        <a:rPr lang="nb-NO" sz="600" u="none" strike="noStrike" kern="1200" dirty="0">
-                          <a:solidFill>
-                            <a:schemeClr val="dk1"/>
-                          </a:solidFill>
-                          <a:effectLst/>
-                          <a:latin typeface="+mn-lt"/>
-                          <a:ea typeface="+mn-ea"/>
-                          <a:cs typeface="+mn-cs"/>
-                        </a:rPr>
-                        <a:t>GENE_NAME</a:t>
-                      </a:r>
-                    </a:p>
-                  </a:txBody>
-                  <a:tcPr marL="12309" marR="12309" marT="12309" marB="0" anchor="b"/>
-                </a:tc>
-                <a:extLst>
-                  <a:ext uri="{0D108BD9-81ED-4DB2-BD59-A6C34878D82A}">
-                    <a16:rowId xmlns:a16="http://schemas.microsoft.com/office/drawing/2014/main" val="557692791"/>
-                  </a:ext>
-                </a:extLst>
-              </a:tr>
-              <a:tr h="110783">
-                <a:tc>
-                  <a:txBody>
-                    <a:bodyPr/>
-                    <a:lstStyle/>
-                    <a:p>
-                      <a:pPr marL="0" algn="ctr" defTabSz="914400" rtl="0" eaLnBrk="1" fontAlgn="b" latinLnBrk="0" hangingPunct="1"/>
-                      <a:r>
-                        <a:rPr lang="nb-NO" sz="600" u="none" strike="noStrike" kern="1200" dirty="0">
-                          <a:solidFill>
-                            <a:schemeClr val="dk1"/>
-                          </a:solidFill>
-                          <a:effectLst/>
-                          <a:latin typeface="+mn-lt"/>
-                          <a:ea typeface="+mn-ea"/>
-                          <a:cs typeface="+mn-cs"/>
-                        </a:rPr>
-                        <a:t>EXON_NUM</a:t>
-                      </a:r>
-                    </a:p>
-                  </a:txBody>
-                  <a:tcPr marL="12309" marR="12309" marT="12309" marB="0" anchor="b"/>
-                </a:tc>
-                <a:extLst>
-                  <a:ext uri="{0D108BD9-81ED-4DB2-BD59-A6C34878D82A}">
-                    <a16:rowId xmlns:a16="http://schemas.microsoft.com/office/drawing/2014/main" val="339024770"/>
-                  </a:ext>
-                </a:extLst>
-              </a:tr>
-              <a:tr h="110783">
-                <a:tc>
-                  <a:txBody>
-                    <a:bodyPr/>
-                    <a:lstStyle/>
-                    <a:p>
-                      <a:pPr marL="0" algn="ctr" defTabSz="914400" rtl="0" eaLnBrk="1" fontAlgn="b" latinLnBrk="0" hangingPunct="1"/>
-                      <a:r>
-                        <a:rPr lang="nb-NO" sz="600" u="none" strike="noStrike" kern="1200" dirty="0">
-                          <a:solidFill>
-                            <a:schemeClr val="dk1"/>
-                          </a:solidFill>
-                          <a:effectLst/>
-                          <a:latin typeface="+mn-lt"/>
-                          <a:ea typeface="+mn-ea"/>
-                          <a:cs typeface="+mn-cs"/>
-                        </a:rPr>
-                        <a:t>RPM</a:t>
-                      </a:r>
-                    </a:p>
-                  </a:txBody>
-                  <a:tcPr marL="12309" marR="12309" marT="12309" marB="0" anchor="b"/>
-                </a:tc>
-                <a:extLst>
-                  <a:ext uri="{0D108BD9-81ED-4DB2-BD59-A6C34878D82A}">
-                    <a16:rowId xmlns:a16="http://schemas.microsoft.com/office/drawing/2014/main" val="2254956388"/>
-                  </a:ext>
-                </a:extLst>
-              </a:tr>
-              <a:tr h="110783">
-                <a:tc>
-                  <a:txBody>
-                    <a:bodyPr/>
-                    <a:lstStyle/>
-                    <a:p>
-                      <a:pPr marL="0" algn="ctr" defTabSz="914400" rtl="0" eaLnBrk="1" fontAlgn="b" latinLnBrk="0" hangingPunct="1"/>
-                      <a:r>
-                        <a:rPr lang="nb-NO" sz="600" u="none" strike="noStrike" kern="1200" dirty="0">
-                          <a:solidFill>
-                            <a:schemeClr val="dk1"/>
-                          </a:solidFill>
-                          <a:effectLst/>
-                          <a:latin typeface="+mn-lt"/>
-                          <a:ea typeface="+mn-ea"/>
-                          <a:cs typeface="+mn-cs"/>
-                        </a:rPr>
-                        <a:t>NORM_COUNT</a:t>
-                      </a:r>
-                    </a:p>
-                  </a:txBody>
-                  <a:tcPr marL="12309" marR="12309" marT="12309" marB="0" anchor="b"/>
-                </a:tc>
-                <a:extLst>
-                  <a:ext uri="{0D108BD9-81ED-4DB2-BD59-A6C34878D82A}">
-                    <a16:rowId xmlns:a16="http://schemas.microsoft.com/office/drawing/2014/main" val="3084578004"/>
-                  </a:ext>
-                </a:extLst>
-              </a:tr>
-              <a:tr h="110783">
-                <a:tc>
-                  <a:txBody>
-                    <a:bodyPr/>
-                    <a:lstStyle/>
-                    <a:p>
-                      <a:pPr marL="0" algn="ctr" defTabSz="914400" rtl="0" eaLnBrk="1" fontAlgn="b" latinLnBrk="0" hangingPunct="1"/>
-                      <a:r>
-                        <a:rPr lang="nb-NO" sz="600" u="none" strike="noStrike" kern="1200" dirty="0">
-                          <a:solidFill>
-                            <a:schemeClr val="dk1"/>
-                          </a:solidFill>
-                          <a:effectLst/>
-                          <a:latin typeface="+mn-lt"/>
-                          <a:ea typeface="+mn-ea"/>
-                          <a:cs typeface="+mn-cs"/>
-                        </a:rPr>
-                        <a:t>NORM_COUNT_TO_HK</a:t>
-                      </a:r>
-                    </a:p>
-                  </a:txBody>
-                  <a:tcPr marL="12309" marR="12309" marT="12309" marB="0" anchor="b"/>
-                </a:tc>
-                <a:extLst>
-                  <a:ext uri="{0D108BD9-81ED-4DB2-BD59-A6C34878D82A}">
-                    <a16:rowId xmlns:a16="http://schemas.microsoft.com/office/drawing/2014/main" val="2382732393"/>
-                  </a:ext>
-                </a:extLst>
-              </a:tr>
-              <a:tr h="110783">
-                <a:tc>
-                  <a:txBody>
-                    <a:bodyPr/>
-                    <a:lstStyle/>
-                    <a:p>
-                      <a:pPr marL="0" algn="ctr" defTabSz="914400" rtl="0" eaLnBrk="1" fontAlgn="b" latinLnBrk="0" hangingPunct="1"/>
-                      <a:r>
-                        <a:rPr lang="nb-NO" sz="600" u="none" strike="noStrike" kern="1200" dirty="0">
-                          <a:solidFill>
-                            <a:schemeClr val="dk1"/>
-                          </a:solidFill>
-                          <a:effectLst/>
-                          <a:latin typeface="+mn-lt"/>
-                          <a:ea typeface="+mn-ea"/>
-                          <a:cs typeface="+mn-cs"/>
-                        </a:rPr>
-                        <a:t>FUSION_DRIVER_GENE</a:t>
-                      </a:r>
-                    </a:p>
-                  </a:txBody>
-                  <a:tcPr marL="12309" marR="12309" marT="12309" marB="0" anchor="b"/>
-                </a:tc>
-                <a:extLst>
-                  <a:ext uri="{0D108BD9-81ED-4DB2-BD59-A6C34878D82A}">
-                    <a16:rowId xmlns:a16="http://schemas.microsoft.com/office/drawing/2014/main" val="3217302946"/>
-                  </a:ext>
-                </a:extLst>
-              </a:tr>
-              <a:tr h="110783">
-                <a:tc>
-                  <a:txBody>
-                    <a:bodyPr/>
-                    <a:lstStyle/>
-                    <a:p>
-                      <a:pPr marL="0" algn="ctr" defTabSz="914400" rtl="0" eaLnBrk="1" fontAlgn="b" latinLnBrk="0" hangingPunct="1"/>
-                      <a:r>
-                        <a:rPr lang="nb-NO" sz="600" u="none" strike="noStrike" kern="1200" dirty="0">
-                          <a:solidFill>
-                            <a:schemeClr val="dk1"/>
-                          </a:solidFill>
-                          <a:effectLst/>
-                          <a:latin typeface="+mn-lt"/>
-                          <a:ea typeface="+mn-ea"/>
-                          <a:cs typeface="+mn-cs"/>
-                        </a:rPr>
-                        <a:t>ANNOTATION</a:t>
-                      </a:r>
-                    </a:p>
-                  </a:txBody>
-                  <a:tcPr marL="12309" marR="12309" marT="12309" marB="0" anchor="b"/>
-                </a:tc>
-                <a:extLst>
-                  <a:ext uri="{0D108BD9-81ED-4DB2-BD59-A6C34878D82A}">
-                    <a16:rowId xmlns:a16="http://schemas.microsoft.com/office/drawing/2014/main" val="1567172422"/>
-                  </a:ext>
-                </a:extLst>
-              </a:tr>
-              <a:tr h="110783">
-                <a:tc>
-                  <a:txBody>
-                    <a:bodyPr/>
-                    <a:lstStyle/>
-                    <a:p>
-                      <a:pPr marL="0" algn="ctr" defTabSz="914400" rtl="0" eaLnBrk="1" fontAlgn="b" latinLnBrk="0" hangingPunct="1"/>
-                      <a:r>
-                        <a:rPr lang="nb-NO" sz="600" u="none" strike="noStrike" kern="1200" dirty="0">
-                          <a:solidFill>
-                            <a:schemeClr val="dk1"/>
-                          </a:solidFill>
-                          <a:effectLst/>
-                          <a:latin typeface="+mn-lt"/>
-                          <a:ea typeface="+mn-ea"/>
-                          <a:cs typeface="+mn-cs"/>
-                        </a:rPr>
-                        <a:t>PASS_REASON</a:t>
-                      </a:r>
-                    </a:p>
-                  </a:txBody>
-                  <a:tcPr marL="12309" marR="12309" marT="12309" marB="0" anchor="b"/>
-                </a:tc>
-                <a:extLst>
-                  <a:ext uri="{0D108BD9-81ED-4DB2-BD59-A6C34878D82A}">
-                    <a16:rowId xmlns:a16="http://schemas.microsoft.com/office/drawing/2014/main" val="3140329402"/>
-                  </a:ext>
-                </a:extLst>
-              </a:tr>
-              <a:tr h="110783">
-                <a:tc>
-                  <a:txBody>
-                    <a:bodyPr/>
-                    <a:lstStyle/>
-                    <a:p>
-                      <a:pPr marL="0" algn="ctr" defTabSz="914400" rtl="0" eaLnBrk="1" fontAlgn="b" latinLnBrk="0" hangingPunct="1"/>
-                      <a:r>
-                        <a:rPr lang="nb-NO" sz="600" u="none" strike="noStrike" kern="1200" dirty="0" err="1">
-                          <a:solidFill>
-                            <a:schemeClr val="dk1"/>
-                          </a:solidFill>
-                          <a:effectLst/>
-                          <a:latin typeface="+mn-lt"/>
-                          <a:ea typeface="+mn-ea"/>
-                          <a:cs typeface="+mn-cs"/>
-                        </a:rPr>
-                        <a:t>Non_Targeted</a:t>
-                      </a:r>
-                      <a:endParaRPr lang="nb-NO" sz="600" u="none" strike="noStrike" kern="1200" dirty="0">
-                        <a:solidFill>
-                          <a:schemeClr val="dk1"/>
-                        </a:solidFill>
-                        <a:effectLst/>
-                        <a:latin typeface="+mn-lt"/>
-                        <a:ea typeface="+mn-ea"/>
-                        <a:cs typeface="+mn-cs"/>
-                      </a:endParaRPr>
-                    </a:p>
-                  </a:txBody>
-                  <a:tcPr marL="12309" marR="12309" marT="12309" marB="0" anchor="b"/>
-                </a:tc>
-                <a:extLst>
-                  <a:ext uri="{0D108BD9-81ED-4DB2-BD59-A6C34878D82A}">
-                    <a16:rowId xmlns:a16="http://schemas.microsoft.com/office/drawing/2014/main" val="2613445018"/>
+                  <a:tcPr marL="9525" marR="9525" marT="9525" marB="0" anchor="b"/>
+                </a:tc>
+                <a:extLst>
+                  <a:ext uri="{0D108BD9-81ED-4DB2-BD59-A6C34878D82A}">
+                    <a16:rowId xmlns:a16="http://schemas.microsoft.com/office/drawing/2014/main" val="1467219244"/>
                   </a:ext>
                 </a:extLst>
               </a:tr>
@@ -4627,11 +4489,11 @@
                       </a:r>
                     </a:p>
                   </a:txBody>
-                  <a:tcPr marL="12309" marR="12309" marT="12309" marB="0" anchor="b"/>
-                </a:tc>
-                <a:extLst>
-                  <a:ext uri="{0D108BD9-81ED-4DB2-BD59-A6C34878D82A}">
-                    <a16:rowId xmlns:a16="http://schemas.microsoft.com/office/drawing/2014/main" val="1137757573"/>
+                  <a:tcPr marL="9525" marR="9525" marT="9525" marB="0" anchor="b"/>
+                </a:tc>
+                <a:extLst>
+                  <a:ext uri="{0D108BD9-81ED-4DB2-BD59-A6C34878D82A}">
+                    <a16:rowId xmlns:a16="http://schemas.microsoft.com/office/drawing/2014/main" val="3092446246"/>
                   </a:ext>
                 </a:extLst>
               </a:tr>
@@ -4656,11 +4518,11 @@
                       </a:r>
                     </a:p>
                   </a:txBody>
-                  <a:tcPr marL="12309" marR="12309" marT="12309" marB="0" anchor="b"/>
-                </a:tc>
-                <a:extLst>
-                  <a:ext uri="{0D108BD9-81ED-4DB2-BD59-A6C34878D82A}">
-                    <a16:rowId xmlns:a16="http://schemas.microsoft.com/office/drawing/2014/main" val="1467219244"/>
+                  <a:tcPr marL="9525" marR="9525" marT="9525" marB="0" anchor="b"/>
+                </a:tc>
+                <a:extLst>
+                  <a:ext uri="{0D108BD9-81ED-4DB2-BD59-A6C34878D82A}">
+                    <a16:rowId xmlns:a16="http://schemas.microsoft.com/office/drawing/2014/main" val="1232853322"/>
                   </a:ext>
                 </a:extLst>
               </a:tr>
@@ -4685,11 +4547,11 @@
                       </a:r>
                     </a:p>
                   </a:txBody>
-                  <a:tcPr marL="12309" marR="12309" marT="12309" marB="0" anchor="b"/>
-                </a:tc>
-                <a:extLst>
-                  <a:ext uri="{0D108BD9-81ED-4DB2-BD59-A6C34878D82A}">
-                    <a16:rowId xmlns:a16="http://schemas.microsoft.com/office/drawing/2014/main" val="3092446246"/>
+                  <a:tcPr marL="9525" marR="9525" marT="9525" marB="0" anchor="b"/>
+                </a:tc>
+                <a:extLst>
+                  <a:ext uri="{0D108BD9-81ED-4DB2-BD59-A6C34878D82A}">
+                    <a16:rowId xmlns:a16="http://schemas.microsoft.com/office/drawing/2014/main" val="2777156829"/>
                   </a:ext>
                 </a:extLst>
               </a:tr>
@@ -4714,11 +4576,11 @@
                       </a:r>
                     </a:p>
                   </a:txBody>
-                  <a:tcPr marL="12309" marR="12309" marT="12309" marB="0" anchor="b"/>
-                </a:tc>
-                <a:extLst>
-                  <a:ext uri="{0D108BD9-81ED-4DB2-BD59-A6C34878D82A}">
-                    <a16:rowId xmlns:a16="http://schemas.microsoft.com/office/drawing/2014/main" val="1232853322"/>
+                  <a:tcPr marL="9525" marR="9525" marT="9525" marB="0" anchor="b"/>
+                </a:tc>
+                <a:extLst>
+                  <a:ext uri="{0D108BD9-81ED-4DB2-BD59-A6C34878D82A}">
+                    <a16:rowId xmlns:a16="http://schemas.microsoft.com/office/drawing/2014/main" val="3837358596"/>
                   </a:ext>
                 </a:extLst>
               </a:tr>
@@ -4743,11 +4605,11 @@
                       </a:r>
                     </a:p>
                   </a:txBody>
-                  <a:tcPr marL="12309" marR="12309" marT="12309" marB="0" anchor="b"/>
-                </a:tc>
-                <a:extLst>
-                  <a:ext uri="{0D108BD9-81ED-4DB2-BD59-A6C34878D82A}">
-                    <a16:rowId xmlns:a16="http://schemas.microsoft.com/office/drawing/2014/main" val="2777156829"/>
+                  <a:tcPr marL="9525" marR="9525" marT="9525" marB="0" anchor="b"/>
+                </a:tc>
+                <a:extLst>
+                  <a:ext uri="{0D108BD9-81ED-4DB2-BD59-A6C34878D82A}">
+                    <a16:rowId xmlns:a16="http://schemas.microsoft.com/office/drawing/2014/main" val="3164597749"/>
                   </a:ext>
                 </a:extLst>
               </a:tr>
@@ -4772,11 +4634,11 @@
                       </a:r>
                     </a:p>
                   </a:txBody>
-                  <a:tcPr marL="12309" marR="12309" marT="12309" marB="0" anchor="b"/>
-                </a:tc>
-                <a:extLst>
-                  <a:ext uri="{0D108BD9-81ED-4DB2-BD59-A6C34878D82A}">
-                    <a16:rowId xmlns:a16="http://schemas.microsoft.com/office/drawing/2014/main" val="3837358596"/>
+                  <a:tcPr marL="9525" marR="9525" marT="9525" marB="0" anchor="b"/>
+                </a:tc>
+                <a:extLst>
+                  <a:ext uri="{0D108BD9-81ED-4DB2-BD59-A6C34878D82A}">
+                    <a16:rowId xmlns:a16="http://schemas.microsoft.com/office/drawing/2014/main" val="3558839302"/>
                   </a:ext>
                 </a:extLst>
               </a:tr>
@@ -4801,11 +4663,11 @@
                       </a:r>
                     </a:p>
                   </a:txBody>
-                  <a:tcPr marL="12309" marR="12309" marT="12309" marB="0" anchor="b"/>
-                </a:tc>
-                <a:extLst>
-                  <a:ext uri="{0D108BD9-81ED-4DB2-BD59-A6C34878D82A}">
-                    <a16:rowId xmlns:a16="http://schemas.microsoft.com/office/drawing/2014/main" val="3164597749"/>
+                  <a:tcPr marL="9525" marR="9525" marT="9525" marB="0" anchor="b"/>
+                </a:tc>
+                <a:extLst>
+                  <a:ext uri="{0D108BD9-81ED-4DB2-BD59-A6C34878D82A}">
+                    <a16:rowId xmlns:a16="http://schemas.microsoft.com/office/drawing/2014/main" val="266919842"/>
                   </a:ext>
                 </a:extLst>
               </a:tr>
@@ -4830,11 +4692,11 @@
                       </a:r>
                     </a:p>
                   </a:txBody>
-                  <a:tcPr marL="12309" marR="12309" marT="12309" marB="0" anchor="b"/>
-                </a:tc>
-                <a:extLst>
-                  <a:ext uri="{0D108BD9-81ED-4DB2-BD59-A6C34878D82A}">
-                    <a16:rowId xmlns:a16="http://schemas.microsoft.com/office/drawing/2014/main" val="3558839302"/>
+                  <a:tcPr marL="9525" marR="9525" marT="9525" marB="0" anchor="b"/>
+                </a:tc>
+                <a:extLst>
+                  <a:ext uri="{0D108BD9-81ED-4DB2-BD59-A6C34878D82A}">
+                    <a16:rowId xmlns:a16="http://schemas.microsoft.com/office/drawing/2014/main" val="1459182824"/>
                   </a:ext>
                 </a:extLst>
               </a:tr>
@@ -4859,11 +4721,11 @@
                       </a:r>
                     </a:p>
                   </a:txBody>
-                  <a:tcPr marL="12309" marR="12309" marT="12309" marB="0" anchor="b"/>
-                </a:tc>
-                <a:extLst>
-                  <a:ext uri="{0D108BD9-81ED-4DB2-BD59-A6C34878D82A}">
-                    <a16:rowId xmlns:a16="http://schemas.microsoft.com/office/drawing/2014/main" val="266919842"/>
+                  <a:tcPr marL="9525" marR="9525" marT="9525" marB="0" anchor="b"/>
+                </a:tc>
+                <a:extLst>
+                  <a:ext uri="{0D108BD9-81ED-4DB2-BD59-A6C34878D82A}">
+                    <a16:rowId xmlns:a16="http://schemas.microsoft.com/office/drawing/2014/main" val="3082816135"/>
                   </a:ext>
                 </a:extLst>
               </a:tr>
@@ -4888,11 +4750,11 @@
                       </a:r>
                     </a:p>
                   </a:txBody>
-                  <a:tcPr marL="12309" marR="12309" marT="12309" marB="0" anchor="b"/>
-                </a:tc>
-                <a:extLst>
-                  <a:ext uri="{0D108BD9-81ED-4DB2-BD59-A6C34878D82A}">
-                    <a16:rowId xmlns:a16="http://schemas.microsoft.com/office/drawing/2014/main" val="1459182824"/>
+                  <a:tcPr marL="9525" marR="9525" marT="9525" marB="0" anchor="b"/>
+                </a:tc>
+                <a:extLst>
+                  <a:ext uri="{0D108BD9-81ED-4DB2-BD59-A6C34878D82A}">
+                    <a16:rowId xmlns:a16="http://schemas.microsoft.com/office/drawing/2014/main" val="2101604364"/>
                   </a:ext>
                 </a:extLst>
               </a:tr>
@@ -4917,11 +4779,11 @@
                       </a:r>
                     </a:p>
                   </a:txBody>
-                  <a:tcPr marL="12309" marR="12309" marT="12309" marB="0" anchor="b"/>
-                </a:tc>
-                <a:extLst>
-                  <a:ext uri="{0D108BD9-81ED-4DB2-BD59-A6C34878D82A}">
-                    <a16:rowId xmlns:a16="http://schemas.microsoft.com/office/drawing/2014/main" val="3082816135"/>
+                  <a:tcPr marL="9525" marR="9525" marT="9525" marB="0" anchor="b"/>
+                </a:tc>
+                <a:extLst>
+                  <a:ext uri="{0D108BD9-81ED-4DB2-BD59-A6C34878D82A}">
+                    <a16:rowId xmlns:a16="http://schemas.microsoft.com/office/drawing/2014/main" val="3530534726"/>
                   </a:ext>
                 </a:extLst>
               </a:tr>
@@ -4946,23 +4808,23 @@
                       </a:r>
                     </a:p>
                   </a:txBody>
-                  <a:tcPr marL="12309" marR="12309" marT="12309" marB="0" anchor="b"/>
-                </a:tc>
-                <a:extLst>
-                  <a:ext uri="{0D108BD9-81ED-4DB2-BD59-A6C34878D82A}">
-                    <a16:rowId xmlns:a16="http://schemas.microsoft.com/office/drawing/2014/main" val="2101604364"/>
-                  </a:ext>
-                </a:extLst>
-              </a:tr>
-              <a:tr h="110783">
-                <a:tc>
-                  <a:txBody>
-                    <a:bodyPr/>
-                    <a:lstStyle/>
-                    <a:p>
-                      <a:pPr marL="0" algn="ctr" defTabSz="914400" rtl="0" eaLnBrk="1" fontAlgn="b" latinLnBrk="0" hangingPunct="1"/>
-                      <a:r>
-                        <a:rPr lang="nb-NO" sz="600" u="none" strike="noStrike" kern="1200" dirty="0">
+                  <a:tcPr marL="9525" marR="9525" marT="9525" marB="0" anchor="b"/>
+                </a:tc>
+                <a:extLst>
+                  <a:ext uri="{0D108BD9-81ED-4DB2-BD59-A6C34878D82A}">
+                    <a16:rowId xmlns:a16="http://schemas.microsoft.com/office/drawing/2014/main" val="1125748357"/>
+                  </a:ext>
+                </a:extLst>
+              </a:tr>
+              <a:tr h="110783">
+                <a:tc>
+                  <a:txBody>
+                    <a:bodyPr/>
+                    <a:lstStyle/>
+                    <a:p>
+                      <a:pPr marL="0" algn="ctr" defTabSz="914400" rtl="0" eaLnBrk="1" fontAlgn="b" latinLnBrk="0" hangingPunct="1"/>
+                      <a:r>
+                        <a:rPr lang="nb-NO" sz="600" u="none" strike="noStrike" kern="1200">
                           <a:solidFill>
                             <a:schemeClr val="dk1"/>
                           </a:solidFill>
@@ -4975,11 +4837,11 @@
                       </a:r>
                     </a:p>
                   </a:txBody>
-                  <a:tcPr marL="12309" marR="12309" marT="12309" marB="0" anchor="b"/>
-                </a:tc>
-                <a:extLst>
-                  <a:ext uri="{0D108BD9-81ED-4DB2-BD59-A6C34878D82A}">
-                    <a16:rowId xmlns:a16="http://schemas.microsoft.com/office/drawing/2014/main" val="3530534726"/>
+                  <a:tcPr marL="9525" marR="9525" marT="9525" marB="0" anchor="b"/>
+                </a:tc>
+                <a:extLst>
+                  <a:ext uri="{0D108BD9-81ED-4DB2-BD59-A6C34878D82A}">
+                    <a16:rowId xmlns:a16="http://schemas.microsoft.com/office/drawing/2014/main" val="4138863883"/>
                   </a:ext>
                 </a:extLst>
               </a:tr>
@@ -5004,23 +4866,23 @@
                       </a:r>
                     </a:p>
                   </a:txBody>
-                  <a:tcPr marL="12309" marR="12309" marT="12309" marB="0" anchor="b"/>
-                </a:tc>
-                <a:extLst>
-                  <a:ext uri="{0D108BD9-81ED-4DB2-BD59-A6C34878D82A}">
-                    <a16:rowId xmlns:a16="http://schemas.microsoft.com/office/drawing/2014/main" val="1125748357"/>
-                  </a:ext>
-                </a:extLst>
-              </a:tr>
-              <a:tr h="110783">
-                <a:tc>
-                  <a:txBody>
-                    <a:bodyPr/>
-                    <a:lstStyle/>
-                    <a:p>
-                      <a:pPr marL="0" algn="ctr" defTabSz="914400" rtl="0" eaLnBrk="1" fontAlgn="b" latinLnBrk="0" hangingPunct="1"/>
-                      <a:r>
-                        <a:rPr lang="nb-NO" sz="600" u="none" strike="noStrike" kern="1200" dirty="0">
+                  <a:tcPr marL="9525" marR="9525" marT="9525" marB="0" anchor="b"/>
+                </a:tc>
+                <a:extLst>
+                  <a:ext uri="{0D108BD9-81ED-4DB2-BD59-A6C34878D82A}">
+                    <a16:rowId xmlns:a16="http://schemas.microsoft.com/office/drawing/2014/main" val="3846392734"/>
+                  </a:ext>
+                </a:extLst>
+              </a:tr>
+              <a:tr h="110783">
+                <a:tc>
+                  <a:txBody>
+                    <a:bodyPr/>
+                    <a:lstStyle/>
+                    <a:p>
+                      <a:pPr marL="0" algn="ctr" defTabSz="914400" rtl="0" eaLnBrk="1" fontAlgn="b" latinLnBrk="0" hangingPunct="1"/>
+                      <a:r>
+                        <a:rPr lang="nb-NO" sz="600" u="none" strike="noStrike" kern="1200">
                           <a:solidFill>
                             <a:schemeClr val="dk1"/>
                           </a:solidFill>
@@ -5033,11 +4895,11 @@
                       </a:r>
                     </a:p>
                   </a:txBody>
-                  <a:tcPr marL="12309" marR="12309" marT="12309" marB="0" anchor="b"/>
-                </a:tc>
-                <a:extLst>
-                  <a:ext uri="{0D108BD9-81ED-4DB2-BD59-A6C34878D82A}">
-                    <a16:rowId xmlns:a16="http://schemas.microsoft.com/office/drawing/2014/main" val="4138863883"/>
+                  <a:tcPr marL="9525" marR="9525" marT="9525" marB="0" anchor="b"/>
+                </a:tc>
+                <a:extLst>
+                  <a:ext uri="{0D108BD9-81ED-4DB2-BD59-A6C34878D82A}">
+                    <a16:rowId xmlns:a16="http://schemas.microsoft.com/office/drawing/2014/main" val="1800190699"/>
                   </a:ext>
                 </a:extLst>
               </a:tr>
@@ -5062,11 +4924,11 @@
                       </a:r>
                     </a:p>
                   </a:txBody>
-                  <a:tcPr marL="12309" marR="12309" marT="12309" marB="0" anchor="b"/>
-                </a:tc>
-                <a:extLst>
-                  <a:ext uri="{0D108BD9-81ED-4DB2-BD59-A6C34878D82A}">
-                    <a16:rowId xmlns:a16="http://schemas.microsoft.com/office/drawing/2014/main" val="3846392734"/>
+                  <a:tcPr marL="9525" marR="9525" marT="9525" marB="0" anchor="b"/>
+                </a:tc>
+                <a:extLst>
+                  <a:ext uri="{0D108BD9-81ED-4DB2-BD59-A6C34878D82A}">
+                    <a16:rowId xmlns:a16="http://schemas.microsoft.com/office/drawing/2014/main" val="269708809"/>
                   </a:ext>
                 </a:extLst>
               </a:tr>
@@ -5091,23 +4953,23 @@
                       </a:r>
                     </a:p>
                   </a:txBody>
-                  <a:tcPr marL="12309" marR="12309" marT="12309" marB="0" anchor="b"/>
-                </a:tc>
-                <a:extLst>
-                  <a:ext uri="{0D108BD9-81ED-4DB2-BD59-A6C34878D82A}">
-                    <a16:rowId xmlns:a16="http://schemas.microsoft.com/office/drawing/2014/main" val="1800190699"/>
-                  </a:ext>
-                </a:extLst>
-              </a:tr>
-              <a:tr h="110783">
-                <a:tc>
-                  <a:txBody>
-                    <a:bodyPr/>
-                    <a:lstStyle/>
-                    <a:p>
-                      <a:pPr marL="0" algn="ctr" defTabSz="914400" rtl="0" eaLnBrk="1" fontAlgn="b" latinLnBrk="0" hangingPunct="1"/>
-                      <a:r>
-                        <a:rPr lang="nb-NO" sz="600" u="none" strike="noStrike" kern="1200" dirty="0">
+                  <a:tcPr marL="9525" marR="9525" marT="9525" marB="0" anchor="b"/>
+                </a:tc>
+                <a:extLst>
+                  <a:ext uri="{0D108BD9-81ED-4DB2-BD59-A6C34878D82A}">
+                    <a16:rowId xmlns:a16="http://schemas.microsoft.com/office/drawing/2014/main" val="564785199"/>
+                  </a:ext>
+                </a:extLst>
+              </a:tr>
+              <a:tr h="110783">
+                <a:tc>
+                  <a:txBody>
+                    <a:bodyPr/>
+                    <a:lstStyle/>
+                    <a:p>
+                      <a:pPr marL="0" algn="ctr" defTabSz="914400" rtl="0" eaLnBrk="1" fontAlgn="b" latinLnBrk="0" hangingPunct="1"/>
+                      <a:r>
+                        <a:rPr lang="nb-NO" sz="600" u="none" strike="noStrike" kern="1200">
                           <a:solidFill>
                             <a:schemeClr val="dk1"/>
                           </a:solidFill>
@@ -5120,11 +4982,11 @@
                       </a:r>
                     </a:p>
                   </a:txBody>
-                  <a:tcPr marL="12309" marR="12309" marT="12309" marB="0" anchor="b"/>
-                </a:tc>
-                <a:extLst>
-                  <a:ext uri="{0D108BD9-81ED-4DB2-BD59-A6C34878D82A}">
-                    <a16:rowId xmlns:a16="http://schemas.microsoft.com/office/drawing/2014/main" val="269708809"/>
+                  <a:tcPr marL="9525" marR="9525" marT="9525" marB="0" anchor="b"/>
+                </a:tc>
+                <a:extLst>
+                  <a:ext uri="{0D108BD9-81ED-4DB2-BD59-A6C34878D82A}">
+                    <a16:rowId xmlns:a16="http://schemas.microsoft.com/office/drawing/2014/main" val="924957793"/>
                   </a:ext>
                 </a:extLst>
               </a:tr>
@@ -5149,11 +5011,40 @@
                       </a:r>
                     </a:p>
                   </a:txBody>
-                  <a:tcPr marL="12309" marR="12309" marT="12309" marB="0" anchor="b"/>
-                </a:tc>
-                <a:extLst>
-                  <a:ext uri="{0D108BD9-81ED-4DB2-BD59-A6C34878D82A}">
-                    <a16:rowId xmlns:a16="http://schemas.microsoft.com/office/drawing/2014/main" val="564785199"/>
+                  <a:tcPr marL="9525" marR="9525" marT="9525" marB="0" anchor="b"/>
+                </a:tc>
+                <a:extLst>
+                  <a:ext uri="{0D108BD9-81ED-4DB2-BD59-A6C34878D82A}">
+                    <a16:rowId xmlns:a16="http://schemas.microsoft.com/office/drawing/2014/main" val="2375375097"/>
+                  </a:ext>
+                </a:extLst>
+              </a:tr>
+              <a:tr h="110783">
+                <a:tc>
+                  <a:txBody>
+                    <a:bodyPr/>
+                    <a:lstStyle/>
+                    <a:p>
+                      <a:pPr marL="0" algn="ctr" defTabSz="914400" rtl="0" eaLnBrk="1" fontAlgn="b" latinLnBrk="0" hangingPunct="1"/>
+                      <a:r>
+                        <a:rPr lang="nb-NO" sz="600" u="none" strike="noStrike" kern="1200" dirty="0">
+                          <a:solidFill>
+                            <a:schemeClr val="dk1"/>
+                          </a:solidFill>
+                          <a:effectLst/>
+                          <a:latin typeface="+mn-lt"/>
+                          <a:ea typeface="+mn-ea"/>
+                          <a:cs typeface="+mn-cs"/>
+                        </a:rPr>
+                        <a:t>FSRF</a:t>
+                      </a:r>
+                    </a:p>
+                  </a:txBody>
+                  <a:tcPr marL="9525" marR="9525" marT="9525" marB="0" anchor="b"/>
+                </a:tc>
+                <a:extLst>
+                  <a:ext uri="{0D108BD9-81ED-4DB2-BD59-A6C34878D82A}">
+                    <a16:rowId xmlns:a16="http://schemas.microsoft.com/office/drawing/2014/main" val="893303741"/>
                   </a:ext>
                 </a:extLst>
               </a:tr>
@@ -5174,44 +5065,15 @@
                           <a:ea typeface="+mn-ea"/>
                           <a:cs typeface="+mn-cs"/>
                         </a:rPr>
-                        <a:t>FSRF</a:t>
-                      </a:r>
-                    </a:p>
-                  </a:txBody>
-                  <a:tcPr marL="12309" marR="12309" marT="12309" marB="0" anchor="b"/>
-                </a:tc>
-                <a:extLst>
-                  <a:ext uri="{0D108BD9-81ED-4DB2-BD59-A6C34878D82A}">
-                    <a16:rowId xmlns:a16="http://schemas.microsoft.com/office/drawing/2014/main" val="924957793"/>
-                  </a:ext>
-                </a:extLst>
-              </a:tr>
-              <a:tr h="110783">
-                <a:tc>
-                  <a:txBody>
-                    <a:bodyPr/>
-                    <a:lstStyle/>
-                    <a:p>
-                      <a:pPr marL="0" algn="ctr" defTabSz="914400" rtl="0" eaLnBrk="1" fontAlgn="b" latinLnBrk="0" hangingPunct="1"/>
-                      <a:r>
-                        <a:rPr lang="nb-NO" sz="600" u="none" strike="noStrike" kern="1200" dirty="0">
-                          <a:solidFill>
-                            <a:schemeClr val="dk1"/>
-                          </a:solidFill>
-                          <a:effectLst/>
-                          <a:latin typeface="+mn-lt"/>
-                          <a:ea typeface="+mn-ea"/>
-                          <a:cs typeface="+mn-cs"/>
-                        </a:rPr>
                         <a:t>FSRR</a:t>
                       </a:r>
                     </a:p>
                   </a:txBody>
-                  <a:tcPr marL="12309" marR="12309" marT="12309" marB="0" anchor="b"/>
-                </a:tc>
-                <a:extLst>
-                  <a:ext uri="{0D108BD9-81ED-4DB2-BD59-A6C34878D82A}">
-                    <a16:rowId xmlns:a16="http://schemas.microsoft.com/office/drawing/2014/main" val="2375375097"/>
+                  <a:tcPr marL="9525" marR="9525" marT="9525" marB="0" anchor="b"/>
+                </a:tc>
+                <a:extLst>
+                  <a:ext uri="{0D108BD9-81ED-4DB2-BD59-A6C34878D82A}">
+                    <a16:rowId xmlns:a16="http://schemas.microsoft.com/office/drawing/2014/main" val="3012523296"/>
                   </a:ext>
                 </a:extLst>
               </a:tr>
@@ -5236,23 +5098,23 @@
                       </a:r>
                     </a:p>
                   </a:txBody>
-                  <a:tcPr marL="12309" marR="12309" marT="12309" marB="0" anchor="b"/>
-                </a:tc>
-                <a:extLst>
-                  <a:ext uri="{0D108BD9-81ED-4DB2-BD59-A6C34878D82A}">
-                    <a16:rowId xmlns:a16="http://schemas.microsoft.com/office/drawing/2014/main" val="893303741"/>
-                  </a:ext>
-                </a:extLst>
-              </a:tr>
-              <a:tr h="110783">
-                <a:tc>
-                  <a:txBody>
-                    <a:bodyPr/>
-                    <a:lstStyle/>
-                    <a:p>
-                      <a:pPr marL="0" algn="ctr" defTabSz="914400" rtl="0" eaLnBrk="1" fontAlgn="b" latinLnBrk="0" hangingPunct="1"/>
-                      <a:r>
-                        <a:rPr lang="nb-NO" sz="600" u="none" strike="noStrike" kern="1200" dirty="0">
+                  <a:tcPr marL="9525" marR="9525" marT="9525" marB="0" anchor="b"/>
+                </a:tc>
+                <a:extLst>
+                  <a:ext uri="{0D108BD9-81ED-4DB2-BD59-A6C34878D82A}">
+                    <a16:rowId xmlns:a16="http://schemas.microsoft.com/office/drawing/2014/main" val="2247825797"/>
+                  </a:ext>
+                </a:extLst>
+              </a:tr>
+              <a:tr h="110783">
+                <a:tc>
+                  <a:txBody>
+                    <a:bodyPr/>
+                    <a:lstStyle/>
+                    <a:p>
+                      <a:pPr marL="0" algn="ctr" defTabSz="914400" rtl="0" eaLnBrk="1" fontAlgn="b" latinLnBrk="0" hangingPunct="1"/>
+                      <a:r>
+                        <a:rPr lang="nb-NO" sz="600" u="none" strike="noStrike" kern="1200">
                           <a:solidFill>
                             <a:schemeClr val="dk1"/>
                           </a:solidFill>
@@ -5265,11 +5127,11 @@
                       </a:r>
                     </a:p>
                   </a:txBody>
-                  <a:tcPr marL="12309" marR="12309" marT="12309" marB="0" anchor="b"/>
-                </a:tc>
-                <a:extLst>
-                  <a:ext uri="{0D108BD9-81ED-4DB2-BD59-A6C34878D82A}">
-                    <a16:rowId xmlns:a16="http://schemas.microsoft.com/office/drawing/2014/main" val="3012523296"/>
+                  <a:tcPr marL="9525" marR="9525" marT="9525" marB="0" anchor="b"/>
+                </a:tc>
+                <a:extLst>
+                  <a:ext uri="{0D108BD9-81ED-4DB2-BD59-A6C34878D82A}">
+                    <a16:rowId xmlns:a16="http://schemas.microsoft.com/office/drawing/2014/main" val="347052502"/>
                   </a:ext>
                 </a:extLst>
               </a:tr>
@@ -5294,15 +5156,15 @@
                       </a:r>
                     </a:p>
                   </a:txBody>
-                  <a:tcPr marL="12309" marR="12309" marT="12309" marB="0" anchor="b"/>
-                </a:tc>
-                <a:extLst>
-                  <a:ext uri="{0D108BD9-81ED-4DB2-BD59-A6C34878D82A}">
-                    <a16:rowId xmlns:a16="http://schemas.microsoft.com/office/drawing/2014/main" val="2247825797"/>
-                  </a:ext>
-                </a:extLst>
-              </a:tr>
-              <a:tr h="110783">
+                  <a:tcPr marL="9525" marR="9525" marT="9525" marB="0" anchor="b"/>
+                </a:tc>
+                <a:extLst>
+                  <a:ext uri="{0D108BD9-81ED-4DB2-BD59-A6C34878D82A}">
+                    <a16:rowId xmlns:a16="http://schemas.microsoft.com/office/drawing/2014/main" val="3909564355"/>
+                  </a:ext>
+                </a:extLst>
+              </a:tr>
+              <a:tr h="116865">
                 <a:tc>
                   <a:txBody>
                     <a:bodyPr/>
@@ -5323,11 +5185,11 @@
                       </a:r>
                     </a:p>
                   </a:txBody>
-                  <a:tcPr marL="12309" marR="12309" marT="12309" marB="0" anchor="b"/>
-                </a:tc>
-                <a:extLst>
-                  <a:ext uri="{0D108BD9-81ED-4DB2-BD59-A6C34878D82A}">
-                    <a16:rowId xmlns:a16="http://schemas.microsoft.com/office/drawing/2014/main" val="347052502"/>
+                  <a:tcPr marL="9525" marR="9525" marT="9525" marB="0" anchor="b"/>
+                </a:tc>
+                <a:extLst>
+                  <a:ext uri="{0D108BD9-81ED-4DB2-BD59-A6C34878D82A}">
+                    <a16:rowId xmlns:a16="http://schemas.microsoft.com/office/drawing/2014/main" val="3450279186"/>
                   </a:ext>
                 </a:extLst>
               </a:tr>
@@ -5352,15 +5214,15 @@
                       </a:r>
                     </a:p>
                   </a:txBody>
-                  <a:tcPr marL="12309" marR="12309" marT="12309" marB="0" anchor="b"/>
-                </a:tc>
-                <a:extLst>
-                  <a:ext uri="{0D108BD9-81ED-4DB2-BD59-A6C34878D82A}">
-                    <a16:rowId xmlns:a16="http://schemas.microsoft.com/office/drawing/2014/main" val="3909564355"/>
-                  </a:ext>
-                </a:extLst>
-              </a:tr>
-              <a:tr h="116865">
+                  <a:tcPr marL="9525" marR="9525" marT="9525" marB="0" anchor="b"/>
+                </a:tc>
+                <a:extLst>
+                  <a:ext uri="{0D108BD9-81ED-4DB2-BD59-A6C34878D82A}">
+                    <a16:rowId xmlns:a16="http://schemas.microsoft.com/office/drawing/2014/main" val="2869539175"/>
+                  </a:ext>
+                </a:extLst>
+              </a:tr>
+              <a:tr h="110783">
                 <a:tc>
                   <a:txBody>
                     <a:bodyPr/>
@@ -5381,11 +5243,11 @@
                       </a:r>
                     </a:p>
                   </a:txBody>
-                  <a:tcPr marL="12309" marR="12309" marT="12309" marB="0" anchor="b"/>
-                </a:tc>
-                <a:extLst>
-                  <a:ext uri="{0D108BD9-81ED-4DB2-BD59-A6C34878D82A}">
-                    <a16:rowId xmlns:a16="http://schemas.microsoft.com/office/drawing/2014/main" val="3450279186"/>
+                  <a:tcPr marL="9525" marR="9525" marT="9525" marB="0" anchor="b"/>
+                </a:tc>
+                <a:extLst>
+                  <a:ext uri="{0D108BD9-81ED-4DB2-BD59-A6C34878D82A}">
+                    <a16:rowId xmlns:a16="http://schemas.microsoft.com/office/drawing/2014/main" val="1882490074"/>
                   </a:ext>
                 </a:extLst>
               </a:tr>
@@ -5410,11 +5272,11 @@
                       </a:r>
                     </a:p>
                   </a:txBody>
-                  <a:tcPr marL="12309" marR="12309" marT="12309" marB="0" anchor="b"/>
-                </a:tc>
-                <a:extLst>
-                  <a:ext uri="{0D108BD9-81ED-4DB2-BD59-A6C34878D82A}">
-                    <a16:rowId xmlns:a16="http://schemas.microsoft.com/office/drawing/2014/main" val="2869539175"/>
+                  <a:tcPr marL="9525" marR="9525" marT="9525" marB="0" anchor="b"/>
+                </a:tc>
+                <a:extLst>
+                  <a:ext uri="{0D108BD9-81ED-4DB2-BD59-A6C34878D82A}">
+                    <a16:rowId xmlns:a16="http://schemas.microsoft.com/office/drawing/2014/main" val="1251897758"/>
                   </a:ext>
                 </a:extLst>
               </a:tr>
@@ -5439,11 +5301,11 @@
                       </a:r>
                     </a:p>
                   </a:txBody>
-                  <a:tcPr marL="12309" marR="12309" marT="12309" marB="0" anchor="b"/>
-                </a:tc>
-                <a:extLst>
-                  <a:ext uri="{0D108BD9-81ED-4DB2-BD59-A6C34878D82A}">
-                    <a16:rowId xmlns:a16="http://schemas.microsoft.com/office/drawing/2014/main" val="1882490074"/>
+                  <a:tcPr marL="9525" marR="9525" marT="9525" marB="0" anchor="b"/>
+                </a:tc>
+                <a:extLst>
+                  <a:ext uri="{0D108BD9-81ED-4DB2-BD59-A6C34878D82A}">
+                    <a16:rowId xmlns:a16="http://schemas.microsoft.com/office/drawing/2014/main" val="2300038049"/>
                   </a:ext>
                 </a:extLst>
               </a:tr>
@@ -5468,11 +5330,11 @@
                       </a:r>
                     </a:p>
                   </a:txBody>
-                  <a:tcPr marL="12309" marR="12309" marT="12309" marB="0" anchor="b"/>
-                </a:tc>
-                <a:extLst>
-                  <a:ext uri="{0D108BD9-81ED-4DB2-BD59-A6C34878D82A}">
-                    <a16:rowId xmlns:a16="http://schemas.microsoft.com/office/drawing/2014/main" val="1251897758"/>
+                  <a:tcPr marL="9525" marR="9525" marT="9525" marB="0" anchor="b"/>
+                </a:tc>
+                <a:extLst>
+                  <a:ext uri="{0D108BD9-81ED-4DB2-BD59-A6C34878D82A}">
+                    <a16:rowId xmlns:a16="http://schemas.microsoft.com/office/drawing/2014/main" val="3523560874"/>
                   </a:ext>
                 </a:extLst>
               </a:tr>
@@ -5497,11 +5359,11 @@
                       </a:r>
                     </a:p>
                   </a:txBody>
-                  <a:tcPr marL="12309" marR="12309" marT="12309" marB="0" anchor="b"/>
-                </a:tc>
-                <a:extLst>
-                  <a:ext uri="{0D108BD9-81ED-4DB2-BD59-A6C34878D82A}">
-                    <a16:rowId xmlns:a16="http://schemas.microsoft.com/office/drawing/2014/main" val="2300038049"/>
+                  <a:tcPr marL="9525" marR="9525" marT="9525" marB="0" anchor="b"/>
+                </a:tc>
+                <a:extLst>
+                  <a:ext uri="{0D108BD9-81ED-4DB2-BD59-A6C34878D82A}">
+                    <a16:rowId xmlns:a16="http://schemas.microsoft.com/office/drawing/2014/main" val="1550074763"/>
                   </a:ext>
                 </a:extLst>
               </a:tr>
@@ -5526,11 +5388,11 @@
                       </a:r>
                     </a:p>
                   </a:txBody>
-                  <a:tcPr marL="12309" marR="12309" marT="12309" marB="0" anchor="b"/>
-                </a:tc>
-                <a:extLst>
-                  <a:ext uri="{0D108BD9-81ED-4DB2-BD59-A6C34878D82A}">
-                    <a16:rowId xmlns:a16="http://schemas.microsoft.com/office/drawing/2014/main" val="3523560874"/>
+                  <a:tcPr marL="9525" marR="9525" marT="9525" marB="0" anchor="b"/>
+                </a:tc>
+                <a:extLst>
+                  <a:ext uri="{0D108BD9-81ED-4DB2-BD59-A6C34878D82A}">
+                    <a16:rowId xmlns:a16="http://schemas.microsoft.com/office/drawing/2014/main" val="2166264835"/>
                   </a:ext>
                 </a:extLst>
               </a:tr>
@@ -5555,11 +5417,11 @@
                       </a:r>
                     </a:p>
                   </a:txBody>
-                  <a:tcPr marL="12309" marR="12309" marT="12309" marB="0" anchor="b"/>
-                </a:tc>
-                <a:extLst>
-                  <a:ext uri="{0D108BD9-81ED-4DB2-BD59-A6C34878D82A}">
-                    <a16:rowId xmlns:a16="http://schemas.microsoft.com/office/drawing/2014/main" val="1550074763"/>
+                  <a:tcPr marL="9525" marR="9525" marT="9525" marB="0" anchor="b"/>
+                </a:tc>
+                <a:extLst>
+                  <a:ext uri="{0D108BD9-81ED-4DB2-BD59-A6C34878D82A}">
+                    <a16:rowId xmlns:a16="http://schemas.microsoft.com/office/drawing/2014/main" val="2436050988"/>
                   </a:ext>
                 </a:extLst>
               </a:tr>
@@ -5584,11 +5446,11 @@
                       </a:r>
                     </a:p>
                   </a:txBody>
-                  <a:tcPr marL="12309" marR="12309" marT="12309" marB="0" anchor="b"/>
-                </a:tc>
-                <a:extLst>
-                  <a:ext uri="{0D108BD9-81ED-4DB2-BD59-A6C34878D82A}">
-                    <a16:rowId xmlns:a16="http://schemas.microsoft.com/office/drawing/2014/main" val="2166264835"/>
+                  <a:tcPr marL="9525" marR="9525" marT="9525" marB="0" anchor="b"/>
+                </a:tc>
+                <a:extLst>
+                  <a:ext uri="{0D108BD9-81ED-4DB2-BD59-A6C34878D82A}">
+                    <a16:rowId xmlns:a16="http://schemas.microsoft.com/office/drawing/2014/main" val="1524672878"/>
                   </a:ext>
                 </a:extLst>
               </a:tr>
@@ -5613,11 +5475,11 @@
                       </a:r>
                     </a:p>
                   </a:txBody>
-                  <a:tcPr marL="12309" marR="12309" marT="12309" marB="0" anchor="b"/>
-                </a:tc>
-                <a:extLst>
-                  <a:ext uri="{0D108BD9-81ED-4DB2-BD59-A6C34878D82A}">
-                    <a16:rowId xmlns:a16="http://schemas.microsoft.com/office/drawing/2014/main" val="2436050988"/>
+                  <a:tcPr marL="9525" marR="9525" marT="9525" marB="0" anchor="b"/>
+                </a:tc>
+                <a:extLst>
+                  <a:ext uri="{0D108BD9-81ED-4DB2-BD59-A6C34878D82A}">
+                    <a16:rowId xmlns:a16="http://schemas.microsoft.com/office/drawing/2014/main" val="3052162193"/>
                   </a:ext>
                 </a:extLst>
               </a:tr>
@@ -5642,11 +5504,11 @@
                       </a:r>
                     </a:p>
                   </a:txBody>
-                  <a:tcPr marL="12309" marR="12309" marT="12309" marB="0" anchor="b"/>
-                </a:tc>
-                <a:extLst>
-                  <a:ext uri="{0D108BD9-81ED-4DB2-BD59-A6C34878D82A}">
-                    <a16:rowId xmlns:a16="http://schemas.microsoft.com/office/drawing/2014/main" val="1524672878"/>
+                  <a:tcPr marL="9525" marR="9525" marT="9525" marB="0" anchor="b"/>
+                </a:tc>
+                <a:extLst>
+                  <a:ext uri="{0D108BD9-81ED-4DB2-BD59-A6C34878D82A}">
+                    <a16:rowId xmlns:a16="http://schemas.microsoft.com/office/drawing/2014/main" val="3847227070"/>
                   </a:ext>
                 </a:extLst>
               </a:tr>
@@ -5671,11 +5533,11 @@
                       </a:r>
                     </a:p>
                   </a:txBody>
-                  <a:tcPr marL="12309" marR="12309" marT="12309" marB="0" anchor="b"/>
-                </a:tc>
-                <a:extLst>
-                  <a:ext uri="{0D108BD9-81ED-4DB2-BD59-A6C34878D82A}">
-                    <a16:rowId xmlns:a16="http://schemas.microsoft.com/office/drawing/2014/main" val="3052162193"/>
+                  <a:tcPr marL="9525" marR="9525" marT="9525" marB="0" anchor="b"/>
+                </a:tc>
+                <a:extLst>
+                  <a:ext uri="{0D108BD9-81ED-4DB2-BD59-A6C34878D82A}">
+                    <a16:rowId xmlns:a16="http://schemas.microsoft.com/office/drawing/2014/main" val="1437462859"/>
                   </a:ext>
                 </a:extLst>
               </a:tr>
@@ -5700,11 +5562,11 @@
                       </a:r>
                     </a:p>
                   </a:txBody>
-                  <a:tcPr marL="12309" marR="12309" marT="12309" marB="0" anchor="b"/>
-                </a:tc>
-                <a:extLst>
-                  <a:ext uri="{0D108BD9-81ED-4DB2-BD59-A6C34878D82A}">
-                    <a16:rowId xmlns:a16="http://schemas.microsoft.com/office/drawing/2014/main" val="3847227070"/>
+                  <a:tcPr marL="9525" marR="9525" marT="9525" marB="0" anchor="b"/>
+                </a:tc>
+                <a:extLst>
+                  <a:ext uri="{0D108BD9-81ED-4DB2-BD59-A6C34878D82A}">
+                    <a16:rowId xmlns:a16="http://schemas.microsoft.com/office/drawing/2014/main" val="2313272139"/>
                   </a:ext>
                 </a:extLst>
               </a:tr>
@@ -5729,11 +5591,11 @@
                       </a:r>
                     </a:p>
                   </a:txBody>
-                  <a:tcPr marL="12309" marR="12309" marT="12309" marB="0" anchor="b"/>
-                </a:tc>
-                <a:extLst>
-                  <a:ext uri="{0D108BD9-81ED-4DB2-BD59-A6C34878D82A}">
-                    <a16:rowId xmlns:a16="http://schemas.microsoft.com/office/drawing/2014/main" val="1437462859"/>
+                  <a:tcPr marL="9525" marR="9525" marT="9525" marB="0" anchor="b"/>
+                </a:tc>
+                <a:extLst>
+                  <a:ext uri="{0D108BD9-81ED-4DB2-BD59-A6C34878D82A}">
+                    <a16:rowId xmlns:a16="http://schemas.microsoft.com/office/drawing/2014/main" val="2738264042"/>
                   </a:ext>
                 </a:extLst>
               </a:tr>
@@ -5758,11 +5620,11 @@
                       </a:r>
                     </a:p>
                   </a:txBody>
-                  <a:tcPr marL="12309" marR="12309" marT="12309" marB="0" anchor="b"/>
-                </a:tc>
-                <a:extLst>
-                  <a:ext uri="{0D108BD9-81ED-4DB2-BD59-A6C34878D82A}">
-                    <a16:rowId xmlns:a16="http://schemas.microsoft.com/office/drawing/2014/main" val="2313272139"/>
+                  <a:tcPr marL="9525" marR="9525" marT="9525" marB="0" anchor="b"/>
+                </a:tc>
+                <a:extLst>
+                  <a:ext uri="{0D108BD9-81ED-4DB2-BD59-A6C34878D82A}">
+                    <a16:rowId xmlns:a16="http://schemas.microsoft.com/office/drawing/2014/main" val="1524610945"/>
                   </a:ext>
                 </a:extLst>
               </a:tr>
@@ -5787,11 +5649,11 @@
                       </a:r>
                     </a:p>
                   </a:txBody>
-                  <a:tcPr marL="12309" marR="12309" marT="12309" marB="0" anchor="b"/>
-                </a:tc>
-                <a:extLst>
-                  <a:ext uri="{0D108BD9-81ED-4DB2-BD59-A6C34878D82A}">
-                    <a16:rowId xmlns:a16="http://schemas.microsoft.com/office/drawing/2014/main" val="2738264042"/>
+                  <a:tcPr marL="9525" marR="9525" marT="9525" marB="0" anchor="b"/>
+                </a:tc>
+                <a:extLst>
+                  <a:ext uri="{0D108BD9-81ED-4DB2-BD59-A6C34878D82A}">
+                    <a16:rowId xmlns:a16="http://schemas.microsoft.com/office/drawing/2014/main" val="3992877091"/>
                   </a:ext>
                 </a:extLst>
               </a:tr>
@@ -5816,11 +5678,11 @@
                       </a:r>
                     </a:p>
                   </a:txBody>
-                  <a:tcPr marL="12309" marR="12309" marT="12309" marB="0" anchor="b"/>
-                </a:tc>
-                <a:extLst>
-                  <a:ext uri="{0D108BD9-81ED-4DB2-BD59-A6C34878D82A}">
-                    <a16:rowId xmlns:a16="http://schemas.microsoft.com/office/drawing/2014/main" val="1524610945"/>
+                  <a:tcPr marL="9525" marR="9525" marT="9525" marB="0" anchor="b"/>
+                </a:tc>
+                <a:extLst>
+                  <a:ext uri="{0D108BD9-81ED-4DB2-BD59-A6C34878D82A}">
+                    <a16:rowId xmlns:a16="http://schemas.microsoft.com/office/drawing/2014/main" val="1845504573"/>
                   </a:ext>
                 </a:extLst>
               </a:tr>
@@ -5845,11 +5707,11 @@
                       </a:r>
                     </a:p>
                   </a:txBody>
-                  <a:tcPr marL="12309" marR="12309" marT="12309" marB="0" anchor="b"/>
-                </a:tc>
-                <a:extLst>
-                  <a:ext uri="{0D108BD9-81ED-4DB2-BD59-A6C34878D82A}">
-                    <a16:rowId xmlns:a16="http://schemas.microsoft.com/office/drawing/2014/main" val="3992877091"/>
+                  <a:tcPr marL="9525" marR="9525" marT="9525" marB="0" anchor="b"/>
+                </a:tc>
+                <a:extLst>
+                  <a:ext uri="{0D108BD9-81ED-4DB2-BD59-A6C34878D82A}">
+                    <a16:rowId xmlns:a16="http://schemas.microsoft.com/office/drawing/2014/main" val="4126572972"/>
                   </a:ext>
                 </a:extLst>
               </a:tr>
@@ -5874,11 +5736,185 @@
                       </a:r>
                     </a:p>
                   </a:txBody>
-                  <a:tcPr marL="12309" marR="12309" marT="12309" marB="0" anchor="b"/>
-                </a:tc>
-                <a:extLst>
-                  <a:ext uri="{0D108BD9-81ED-4DB2-BD59-A6C34878D82A}">
-                    <a16:rowId xmlns:a16="http://schemas.microsoft.com/office/drawing/2014/main" val="1845504573"/>
+                  <a:tcPr marL="9525" marR="9525" marT="9525" marB="0" anchor="b"/>
+                </a:tc>
+                <a:extLst>
+                  <a:ext uri="{0D108BD9-81ED-4DB2-BD59-A6C34878D82A}">
+                    <a16:rowId xmlns:a16="http://schemas.microsoft.com/office/drawing/2014/main" val="2873320955"/>
+                  </a:ext>
+                </a:extLst>
+              </a:tr>
+              <a:tr h="110783">
+                <a:tc>
+                  <a:txBody>
+                    <a:bodyPr/>
+                    <a:lstStyle/>
+                    <a:p>
+                      <a:pPr marL="0" algn="ctr" defTabSz="914400" rtl="0" eaLnBrk="1" fontAlgn="b" latinLnBrk="0" hangingPunct="1"/>
+                      <a:r>
+                        <a:rPr lang="nb-NO" sz="600" u="none" strike="noStrike" kern="1200" dirty="0">
+                          <a:solidFill>
+                            <a:schemeClr val="dk1"/>
+                          </a:solidFill>
+                          <a:effectLst/>
+                          <a:latin typeface="+mn-lt"/>
+                          <a:ea typeface="+mn-ea"/>
+                          <a:cs typeface="+mn-cs"/>
+                        </a:rPr>
+                        <a:t>SRF</a:t>
+                      </a:r>
+                    </a:p>
+                  </a:txBody>
+                  <a:tcPr marL="9525" marR="9525" marT="9525" marB="0" anchor="b"/>
+                </a:tc>
+                <a:extLst>
+                  <a:ext uri="{0D108BD9-81ED-4DB2-BD59-A6C34878D82A}">
+                    <a16:rowId xmlns:a16="http://schemas.microsoft.com/office/drawing/2014/main" val="2458305971"/>
+                  </a:ext>
+                </a:extLst>
+              </a:tr>
+              <a:tr h="110783">
+                <a:tc>
+                  <a:txBody>
+                    <a:bodyPr/>
+                    <a:lstStyle/>
+                    <a:p>
+                      <a:pPr marL="0" algn="ctr" defTabSz="914400" rtl="0" eaLnBrk="1" fontAlgn="b" latinLnBrk="0" hangingPunct="1"/>
+                      <a:r>
+                        <a:rPr lang="nb-NO" sz="600" u="none" strike="noStrike" kern="1200" dirty="0">
+                          <a:solidFill>
+                            <a:schemeClr val="dk1"/>
+                          </a:solidFill>
+                          <a:effectLst/>
+                          <a:latin typeface="+mn-lt"/>
+                          <a:ea typeface="+mn-ea"/>
+                          <a:cs typeface="+mn-cs"/>
+                        </a:rPr>
+                        <a:t>SRR</a:t>
+                      </a:r>
+                    </a:p>
+                  </a:txBody>
+                  <a:tcPr marL="9525" marR="9525" marT="9525" marB="0" anchor="b"/>
+                </a:tc>
+                <a:extLst>
+                  <a:ext uri="{0D108BD9-81ED-4DB2-BD59-A6C34878D82A}">
+                    <a16:rowId xmlns:a16="http://schemas.microsoft.com/office/drawing/2014/main" val="1582144960"/>
+                  </a:ext>
+                </a:extLst>
+              </a:tr>
+              <a:tr h="110783">
+                <a:tc>
+                  <a:txBody>
+                    <a:bodyPr/>
+                    <a:lstStyle/>
+                    <a:p>
+                      <a:pPr marL="0" algn="ctr" defTabSz="914400" rtl="0" eaLnBrk="1" fontAlgn="b" latinLnBrk="0" hangingPunct="1"/>
+                      <a:r>
+                        <a:rPr lang="nb-NO" sz="600" u="none" strike="noStrike" kern="1200" dirty="0">
+                          <a:solidFill>
+                            <a:schemeClr val="dk1"/>
+                          </a:solidFill>
+                          <a:effectLst/>
+                          <a:latin typeface="+mn-lt"/>
+                          <a:ea typeface="+mn-ea"/>
+                          <a:cs typeface="+mn-cs"/>
+                        </a:rPr>
+                        <a:t>SSEN</a:t>
+                      </a:r>
+                    </a:p>
+                  </a:txBody>
+                  <a:tcPr marL="9525" marR="9525" marT="9525" marB="0" anchor="b"/>
+                </a:tc>
+                <a:extLst>
+                  <a:ext uri="{0D108BD9-81ED-4DB2-BD59-A6C34878D82A}">
+                    <a16:rowId xmlns:a16="http://schemas.microsoft.com/office/drawing/2014/main" val="478887847"/>
+                  </a:ext>
+                </a:extLst>
+              </a:tr>
+              <a:tr h="110783">
+                <a:tc>
+                  <a:txBody>
+                    <a:bodyPr/>
+                    <a:lstStyle/>
+                    <a:p>
+                      <a:pPr marL="0" algn="ctr" defTabSz="914400" rtl="0" eaLnBrk="1" fontAlgn="b" latinLnBrk="0" hangingPunct="1"/>
+                      <a:r>
+                        <a:rPr lang="nb-NO" sz="600" u="none" strike="noStrike" kern="1200" dirty="0">
+                          <a:solidFill>
+                            <a:schemeClr val="dk1"/>
+                          </a:solidFill>
+                          <a:effectLst/>
+                          <a:latin typeface="+mn-lt"/>
+                          <a:ea typeface="+mn-ea"/>
+                          <a:cs typeface="+mn-cs"/>
+                        </a:rPr>
+                        <a:t>SSEP</a:t>
+                      </a:r>
+                    </a:p>
+                  </a:txBody>
+                  <a:tcPr marL="9525" marR="9525" marT="9525" marB="0" anchor="b"/>
+                </a:tc>
+                <a:extLst>
+                  <a:ext uri="{0D108BD9-81ED-4DB2-BD59-A6C34878D82A}">
+                    <a16:rowId xmlns:a16="http://schemas.microsoft.com/office/drawing/2014/main" val="2326047648"/>
+                  </a:ext>
+                </a:extLst>
+              </a:tr>
+              <a:tr h="110783">
+                <a:tc>
+                  <a:txBody>
+                    <a:bodyPr/>
+                    <a:lstStyle/>
+                    <a:p>
+                      <a:pPr marL="0" algn="ctr" defTabSz="914400" rtl="0" eaLnBrk="1" fontAlgn="b" latinLnBrk="0" hangingPunct="1"/>
+                      <a:r>
+                        <a:rPr lang="nb-NO" sz="600" u="none" strike="noStrike" kern="1200" dirty="0">
+                          <a:solidFill>
+                            <a:schemeClr val="dk1"/>
+                          </a:solidFill>
+                          <a:effectLst/>
+                          <a:latin typeface="+mn-lt"/>
+                          <a:ea typeface="+mn-ea"/>
+                          <a:cs typeface="+mn-cs"/>
+                        </a:rPr>
+                        <a:t>SSSB</a:t>
+                      </a:r>
+                    </a:p>
+                  </a:txBody>
+                  <a:tcPr marL="9525" marR="9525" marT="9525" marB="0" anchor="b"/>
+                </a:tc>
+                <a:extLst>
+                  <a:ext uri="{0D108BD9-81ED-4DB2-BD59-A6C34878D82A}">
+                    <a16:rowId xmlns:a16="http://schemas.microsoft.com/office/drawing/2014/main" val="812835418"/>
+                  </a:ext>
+                </a:extLst>
+              </a:tr>
+              <a:tr h="110783">
+                <a:tc>
+                  <a:txBody>
+                    <a:bodyPr/>
+                    <a:lstStyle/>
+                    <a:p>
+                      <a:pPr marL="0" algn="ctr" defTabSz="914400" rtl="0" eaLnBrk="1" fontAlgn="b" latinLnBrk="0" hangingPunct="1"/>
+                      <a:r>
+                        <a:rPr lang="nb-NO" sz="600" u="none" strike="noStrike" kern="1200" dirty="0">
+                          <a:solidFill>
+                            <a:schemeClr val="dk1"/>
+                          </a:solidFill>
+                          <a:effectLst/>
+                          <a:latin typeface="+mn-lt"/>
+                          <a:ea typeface="+mn-ea"/>
+                          <a:cs typeface="+mn-cs"/>
+                        </a:rPr>
+                        <a:t>STB</a:t>
+                      </a:r>
+                    </a:p>
+                  </a:txBody>
+                  <a:tcPr marL="9525" marR="9525" marT="9525" marB="0" anchor="b"/>
+                </a:tc>
+                <a:extLst>
+                  <a:ext uri="{0D108BD9-81ED-4DB2-BD59-A6C34878D82A}">
+                    <a16:rowId xmlns:a16="http://schemas.microsoft.com/office/drawing/2014/main" val="1024913918"/>
                   </a:ext>
                 </a:extLst>
               </a:tr>
@@ -5899,189 +5935,15 @@
                           <a:ea typeface="+mn-ea"/>
                           <a:cs typeface="+mn-cs"/>
                         </a:rPr>
-                        <a:t>SRF</a:t>
-                      </a:r>
-                    </a:p>
-                  </a:txBody>
-                  <a:tcPr marL="12309" marR="12309" marT="12309" marB="0" anchor="b"/>
-                </a:tc>
-                <a:extLst>
-                  <a:ext uri="{0D108BD9-81ED-4DB2-BD59-A6C34878D82A}">
-                    <a16:rowId xmlns:a16="http://schemas.microsoft.com/office/drawing/2014/main" val="4126572972"/>
-                  </a:ext>
-                </a:extLst>
-              </a:tr>
-              <a:tr h="110783">
-                <a:tc>
-                  <a:txBody>
-                    <a:bodyPr/>
-                    <a:lstStyle/>
-                    <a:p>
-                      <a:pPr marL="0" algn="ctr" defTabSz="914400" rtl="0" eaLnBrk="1" fontAlgn="b" latinLnBrk="0" hangingPunct="1"/>
-                      <a:r>
-                        <a:rPr lang="nb-NO" sz="600" u="none" strike="noStrike" kern="1200" dirty="0">
-                          <a:solidFill>
-                            <a:schemeClr val="dk1"/>
-                          </a:solidFill>
-                          <a:effectLst/>
-                          <a:latin typeface="+mn-lt"/>
-                          <a:ea typeface="+mn-ea"/>
-                          <a:cs typeface="+mn-cs"/>
-                        </a:rPr>
-                        <a:t>SRR</a:t>
-                      </a:r>
-                    </a:p>
-                  </a:txBody>
-                  <a:tcPr marL="12309" marR="12309" marT="12309" marB="0" anchor="b"/>
-                </a:tc>
-                <a:extLst>
-                  <a:ext uri="{0D108BD9-81ED-4DB2-BD59-A6C34878D82A}">
-                    <a16:rowId xmlns:a16="http://schemas.microsoft.com/office/drawing/2014/main" val="2873320955"/>
-                  </a:ext>
-                </a:extLst>
-              </a:tr>
-              <a:tr h="110783">
-                <a:tc>
-                  <a:txBody>
-                    <a:bodyPr/>
-                    <a:lstStyle/>
-                    <a:p>
-                      <a:pPr marL="0" algn="ctr" defTabSz="914400" rtl="0" eaLnBrk="1" fontAlgn="b" latinLnBrk="0" hangingPunct="1"/>
-                      <a:r>
-                        <a:rPr lang="nb-NO" sz="600" u="none" strike="noStrike" kern="1200" dirty="0">
-                          <a:solidFill>
-                            <a:schemeClr val="dk1"/>
-                          </a:solidFill>
-                          <a:effectLst/>
-                          <a:latin typeface="+mn-lt"/>
-                          <a:ea typeface="+mn-ea"/>
-                          <a:cs typeface="+mn-cs"/>
-                        </a:rPr>
-                        <a:t>SSEN</a:t>
-                      </a:r>
-                    </a:p>
-                  </a:txBody>
-                  <a:tcPr marL="12309" marR="12309" marT="12309" marB="0" anchor="b"/>
-                </a:tc>
-                <a:extLst>
-                  <a:ext uri="{0D108BD9-81ED-4DB2-BD59-A6C34878D82A}">
-                    <a16:rowId xmlns:a16="http://schemas.microsoft.com/office/drawing/2014/main" val="2458305971"/>
-                  </a:ext>
-                </a:extLst>
-              </a:tr>
-              <a:tr h="110783">
-                <a:tc>
-                  <a:txBody>
-                    <a:bodyPr/>
-                    <a:lstStyle/>
-                    <a:p>
-                      <a:pPr marL="0" algn="ctr" defTabSz="914400" rtl="0" eaLnBrk="1" fontAlgn="b" latinLnBrk="0" hangingPunct="1"/>
-                      <a:r>
-                        <a:rPr lang="nb-NO" sz="600" u="none" strike="noStrike" kern="1200" dirty="0">
-                          <a:solidFill>
-                            <a:schemeClr val="dk1"/>
-                          </a:solidFill>
-                          <a:effectLst/>
-                          <a:latin typeface="+mn-lt"/>
-                          <a:ea typeface="+mn-ea"/>
-                          <a:cs typeface="+mn-cs"/>
-                        </a:rPr>
-                        <a:t>SSEP</a:t>
-                      </a:r>
-                    </a:p>
-                  </a:txBody>
-                  <a:tcPr marL="12309" marR="12309" marT="12309" marB="0" anchor="b"/>
-                </a:tc>
-                <a:extLst>
-                  <a:ext uri="{0D108BD9-81ED-4DB2-BD59-A6C34878D82A}">
-                    <a16:rowId xmlns:a16="http://schemas.microsoft.com/office/drawing/2014/main" val="1582144960"/>
-                  </a:ext>
-                </a:extLst>
-              </a:tr>
-              <a:tr h="110783">
-                <a:tc>
-                  <a:txBody>
-                    <a:bodyPr/>
-                    <a:lstStyle/>
-                    <a:p>
-                      <a:pPr marL="0" algn="ctr" defTabSz="914400" rtl="0" eaLnBrk="1" fontAlgn="b" latinLnBrk="0" hangingPunct="1"/>
-                      <a:r>
-                        <a:rPr lang="nb-NO" sz="600" u="none" strike="noStrike" kern="1200" dirty="0">
-                          <a:solidFill>
-                            <a:schemeClr val="dk1"/>
-                          </a:solidFill>
-                          <a:effectLst/>
-                          <a:latin typeface="+mn-lt"/>
-                          <a:ea typeface="+mn-ea"/>
-                          <a:cs typeface="+mn-cs"/>
-                        </a:rPr>
-                        <a:t>SSSB</a:t>
-                      </a:r>
-                    </a:p>
-                  </a:txBody>
-                  <a:tcPr marL="12309" marR="12309" marT="12309" marB="0" anchor="b"/>
-                </a:tc>
-                <a:extLst>
-                  <a:ext uri="{0D108BD9-81ED-4DB2-BD59-A6C34878D82A}">
-                    <a16:rowId xmlns:a16="http://schemas.microsoft.com/office/drawing/2014/main" val="478887847"/>
-                  </a:ext>
-                </a:extLst>
-              </a:tr>
-              <a:tr h="110783">
-                <a:tc>
-                  <a:txBody>
-                    <a:bodyPr/>
-                    <a:lstStyle/>
-                    <a:p>
-                      <a:pPr marL="0" algn="ctr" defTabSz="914400" rtl="0" eaLnBrk="1" fontAlgn="b" latinLnBrk="0" hangingPunct="1"/>
-                      <a:r>
-                        <a:rPr lang="nb-NO" sz="600" u="none" strike="noStrike" kern="1200" dirty="0">
-                          <a:solidFill>
-                            <a:schemeClr val="dk1"/>
-                          </a:solidFill>
-                          <a:effectLst/>
-                          <a:latin typeface="+mn-lt"/>
-                          <a:ea typeface="+mn-ea"/>
-                          <a:cs typeface="+mn-cs"/>
-                        </a:rPr>
-                        <a:t>STB</a:t>
-                      </a:r>
-                    </a:p>
-                  </a:txBody>
-                  <a:tcPr marL="12309" marR="12309" marT="12309" marB="0" anchor="b"/>
-                </a:tc>
-                <a:extLst>
-                  <a:ext uri="{0D108BD9-81ED-4DB2-BD59-A6C34878D82A}">
-                    <a16:rowId xmlns:a16="http://schemas.microsoft.com/office/drawing/2014/main" val="2326047648"/>
-                  </a:ext>
-                </a:extLst>
-              </a:tr>
-              <a:tr h="110783">
-                <a:tc>
-                  <a:txBody>
-                    <a:bodyPr/>
-                    <a:lstStyle/>
-                    <a:p>
-                      <a:pPr marL="0" algn="ctr" defTabSz="914400" rtl="0" eaLnBrk="1" fontAlgn="b" latinLnBrk="0" hangingPunct="1"/>
-                      <a:r>
-                        <a:rPr lang="nb-NO" sz="600" u="none" strike="noStrike" kern="1200" dirty="0">
-                          <a:solidFill>
-                            <a:schemeClr val="dk1"/>
-                          </a:solidFill>
-                          <a:effectLst/>
-                          <a:latin typeface="+mn-lt"/>
-                          <a:ea typeface="+mn-ea"/>
-                          <a:cs typeface="+mn-cs"/>
-                        </a:rPr>
                         <a:t>STBP</a:t>
                       </a:r>
                     </a:p>
                   </a:txBody>
-                  <a:tcPr marL="12309" marR="12309" marT="12309" marB="0" anchor="b"/>
-                </a:tc>
-                <a:extLst>
-                  <a:ext uri="{0D108BD9-81ED-4DB2-BD59-A6C34878D82A}">
-                    <a16:rowId xmlns:a16="http://schemas.microsoft.com/office/drawing/2014/main" val="812835418"/>
+                  <a:tcPr marL="9525" marR="9525" marT="9525" marB="0" anchor="b"/>
+                </a:tc>
+                <a:extLst>
+                  <a:ext uri="{0D108BD9-81ED-4DB2-BD59-A6C34878D82A}">
+                    <a16:rowId xmlns:a16="http://schemas.microsoft.com/office/drawing/2014/main" val="2623824222"/>
                   </a:ext>
                 </a:extLst>
               </a:tr>
@@ -6106,23 +5968,23 @@
                       </a:r>
                     </a:p>
                   </a:txBody>
-                  <a:tcPr marL="12309" marR="12309" marT="12309" marB="0" anchor="b"/>
-                </a:tc>
-                <a:extLst>
-                  <a:ext uri="{0D108BD9-81ED-4DB2-BD59-A6C34878D82A}">
-                    <a16:rowId xmlns:a16="http://schemas.microsoft.com/office/drawing/2014/main" val="1024913918"/>
-                  </a:ext>
-                </a:extLst>
-              </a:tr>
-              <a:tr h="110783">
-                <a:tc>
-                  <a:txBody>
-                    <a:bodyPr/>
-                    <a:lstStyle/>
-                    <a:p>
-                      <a:pPr marL="0" algn="ctr" defTabSz="914400" rtl="0" eaLnBrk="1" fontAlgn="b" latinLnBrk="0" hangingPunct="1"/>
-                      <a:r>
-                        <a:rPr lang="nb-NO" sz="600" u="none" strike="noStrike" kern="1200" dirty="0">
+                  <a:tcPr marL="9525" marR="9525" marT="9525" marB="0" anchor="b"/>
+                </a:tc>
+                <a:extLst>
+                  <a:ext uri="{0D108BD9-81ED-4DB2-BD59-A6C34878D82A}">
+                    <a16:rowId xmlns:a16="http://schemas.microsoft.com/office/drawing/2014/main" val="468430675"/>
+                  </a:ext>
+                </a:extLst>
+              </a:tr>
+              <a:tr h="110783">
+                <a:tc>
+                  <a:txBody>
+                    <a:bodyPr/>
+                    <a:lstStyle/>
+                    <a:p>
+                      <a:pPr marL="0" algn="ctr" defTabSz="914400" rtl="0" eaLnBrk="1" fontAlgn="b" latinLnBrk="0" hangingPunct="1"/>
+                      <a:r>
+                        <a:rPr lang="nb-NO" sz="600" u="none" strike="noStrike" kern="1200">
                           <a:solidFill>
                             <a:schemeClr val="dk1"/>
                           </a:solidFill>
@@ -6135,11 +5997,11 @@
                       </a:r>
                     </a:p>
                   </a:txBody>
-                  <a:tcPr marL="12309" marR="12309" marT="12309" marB="0" anchor="b"/>
-                </a:tc>
-                <a:extLst>
-                  <a:ext uri="{0D108BD9-81ED-4DB2-BD59-A6C34878D82A}">
-                    <a16:rowId xmlns:a16="http://schemas.microsoft.com/office/drawing/2014/main" val="2623824222"/>
+                  <a:tcPr marL="9525" marR="9525" marT="9525" marB="0" anchor="b"/>
+                </a:tc>
+                <a:extLst>
+                  <a:ext uri="{0D108BD9-81ED-4DB2-BD59-A6C34878D82A}">
+                    <a16:rowId xmlns:a16="http://schemas.microsoft.com/office/drawing/2014/main" val="2913404225"/>
                   </a:ext>
                 </a:extLst>
               </a:tr>
@@ -6164,23 +6026,23 @@
                       </a:r>
                     </a:p>
                   </a:txBody>
-                  <a:tcPr marL="12309" marR="12309" marT="12309" marB="0" anchor="b"/>
-                </a:tc>
-                <a:extLst>
-                  <a:ext uri="{0D108BD9-81ED-4DB2-BD59-A6C34878D82A}">
-                    <a16:rowId xmlns:a16="http://schemas.microsoft.com/office/drawing/2014/main" val="468430675"/>
-                  </a:ext>
-                </a:extLst>
-              </a:tr>
-              <a:tr h="110783">
-                <a:tc>
-                  <a:txBody>
-                    <a:bodyPr/>
-                    <a:lstStyle/>
-                    <a:p>
-                      <a:pPr marL="0" algn="ctr" defTabSz="914400" rtl="0" eaLnBrk="1" fontAlgn="b" latinLnBrk="0" hangingPunct="1"/>
-                      <a:r>
-                        <a:rPr lang="nb-NO" sz="600" u="none" strike="noStrike" kern="1200" dirty="0">
+                  <a:tcPr marL="9525" marR="9525" marT="9525" marB="0" anchor="b"/>
+                </a:tc>
+                <a:extLst>
+                  <a:ext uri="{0D108BD9-81ED-4DB2-BD59-A6C34878D82A}">
+                    <a16:rowId xmlns:a16="http://schemas.microsoft.com/office/drawing/2014/main" val="2232787187"/>
+                  </a:ext>
+                </a:extLst>
+              </a:tr>
+              <a:tr h="110783">
+                <a:tc>
+                  <a:txBody>
+                    <a:bodyPr/>
+                    <a:lstStyle/>
+                    <a:p>
+                      <a:pPr marL="0" algn="ctr" defTabSz="914400" rtl="0" eaLnBrk="1" fontAlgn="b" latinLnBrk="0" hangingPunct="1"/>
+                      <a:r>
+                        <a:rPr lang="nb-NO" sz="600" u="none" strike="noStrike" kern="1200">
                           <a:solidFill>
                             <a:schemeClr val="dk1"/>
                           </a:solidFill>
@@ -6193,11 +6055,11 @@
                       </a:r>
                     </a:p>
                   </a:txBody>
-                  <a:tcPr marL="12309" marR="12309" marT="12309" marB="0" anchor="b"/>
-                </a:tc>
-                <a:extLst>
-                  <a:ext uri="{0D108BD9-81ED-4DB2-BD59-A6C34878D82A}">
-                    <a16:rowId xmlns:a16="http://schemas.microsoft.com/office/drawing/2014/main" val="2913404225"/>
+                  <a:tcPr marL="9525" marR="9525" marT="9525" marB="0" anchor="b"/>
+                </a:tc>
+                <a:extLst>
+                  <a:ext uri="{0D108BD9-81ED-4DB2-BD59-A6C34878D82A}">
+                    <a16:rowId xmlns:a16="http://schemas.microsoft.com/office/drawing/2014/main" val="3139867663"/>
                   </a:ext>
                 </a:extLst>
               </a:tr>
@@ -6222,11 +6084,11 @@
                       </a:r>
                     </a:p>
                   </a:txBody>
-                  <a:tcPr marL="12309" marR="12309" marT="12309" marB="0" anchor="b"/>
-                </a:tc>
-                <a:extLst>
-                  <a:ext uri="{0D108BD9-81ED-4DB2-BD59-A6C34878D82A}">
-                    <a16:rowId xmlns:a16="http://schemas.microsoft.com/office/drawing/2014/main" val="2232787187"/>
+                  <a:tcPr marL="9525" marR="9525" marT="9525" marB="0" anchor="b"/>
+                </a:tc>
+                <a:extLst>
+                  <a:ext uri="{0D108BD9-81ED-4DB2-BD59-A6C34878D82A}">
+                    <a16:rowId xmlns:a16="http://schemas.microsoft.com/office/drawing/2014/main" val="2731358781"/>
                   </a:ext>
                 </a:extLst>
               </a:tr>
@@ -6251,11 +6113,11 @@
                       </a:r>
                     </a:p>
                   </a:txBody>
-                  <a:tcPr marL="12309" marR="12309" marT="12309" marB="0" anchor="b"/>
-                </a:tc>
-                <a:extLst>
-                  <a:ext uri="{0D108BD9-81ED-4DB2-BD59-A6C34878D82A}">
-                    <a16:rowId xmlns:a16="http://schemas.microsoft.com/office/drawing/2014/main" val="3139867663"/>
+                  <a:tcPr marL="9525" marR="9525" marT="9525" marB="0" anchor="b"/>
+                </a:tc>
+                <a:extLst>
+                  <a:ext uri="{0D108BD9-81ED-4DB2-BD59-A6C34878D82A}">
+                    <a16:rowId xmlns:a16="http://schemas.microsoft.com/office/drawing/2014/main" val="1120989814"/>
                   </a:ext>
                 </a:extLst>
               </a:tr>
@@ -6280,11 +6142,11 @@
                       </a:r>
                     </a:p>
                   </a:txBody>
-                  <a:tcPr marL="12309" marR="12309" marT="12309" marB="0" anchor="b"/>
-                </a:tc>
-                <a:extLst>
-                  <a:ext uri="{0D108BD9-81ED-4DB2-BD59-A6C34878D82A}">
-                    <a16:rowId xmlns:a16="http://schemas.microsoft.com/office/drawing/2014/main" val="2731358781"/>
+                  <a:tcPr marL="9525" marR="9525" marT="9525" marB="0" anchor="b"/>
+                </a:tc>
+                <a:extLst>
+                  <a:ext uri="{0D108BD9-81ED-4DB2-BD59-A6C34878D82A}">
+                    <a16:rowId xmlns:a16="http://schemas.microsoft.com/office/drawing/2014/main" val="2113736583"/>
                   </a:ext>
                 </a:extLst>
               </a:tr>
@@ -6309,15 +6171,15 @@
                       </a:r>
                     </a:p>
                   </a:txBody>
-                  <a:tcPr marL="12309" marR="12309" marT="12309" marB="0" anchor="b"/>
-                </a:tc>
-                <a:extLst>
-                  <a:ext uri="{0D108BD9-81ED-4DB2-BD59-A6C34878D82A}">
-                    <a16:rowId xmlns:a16="http://schemas.microsoft.com/office/drawing/2014/main" val="1120989814"/>
-                  </a:ext>
-                </a:extLst>
-              </a:tr>
-              <a:tr h="110783">
+                  <a:tcPr marL="9525" marR="9525" marT="9525" marB="0" anchor="b"/>
+                </a:tc>
+                <a:extLst>
+                  <a:ext uri="{0D108BD9-81ED-4DB2-BD59-A6C34878D82A}">
+                    <a16:rowId xmlns:a16="http://schemas.microsoft.com/office/drawing/2014/main" val="588914894"/>
+                  </a:ext>
+                </a:extLst>
+              </a:tr>
+              <a:tr h="110764">
                 <a:tc>
                   <a:txBody>
                     <a:bodyPr/>
@@ -6338,15 +6200,15 @@
                       </a:r>
                     </a:p>
                   </a:txBody>
-                  <a:tcPr marL="12309" marR="12309" marT="12309" marB="0" anchor="b"/>
-                </a:tc>
-                <a:extLst>
-                  <a:ext uri="{0D108BD9-81ED-4DB2-BD59-A6C34878D82A}">
-                    <a16:rowId xmlns:a16="http://schemas.microsoft.com/office/drawing/2014/main" val="2113736583"/>
-                  </a:ext>
-                </a:extLst>
-              </a:tr>
-              <a:tr h="110783">
+                  <a:tcPr marL="9525" marR="9525" marT="9525" marB="0" anchor="b"/>
+                </a:tc>
+                <a:extLst>
+                  <a:ext uri="{0D108BD9-81ED-4DB2-BD59-A6C34878D82A}">
+                    <a16:rowId xmlns:a16="http://schemas.microsoft.com/office/drawing/2014/main" val="1488177192"/>
+                  </a:ext>
+                </a:extLst>
+              </a:tr>
+              <a:tr h="110764">
                 <a:tc>
                   <a:txBody>
                     <a:bodyPr/>
@@ -6367,37 +6229,11 @@
                       </a:r>
                     </a:p>
                   </a:txBody>
-                  <a:tcPr marL="12309" marR="12309" marT="12309" marB="0" anchor="b"/>
-                </a:tc>
-                <a:extLst>
-                  <a:ext uri="{0D108BD9-81ED-4DB2-BD59-A6C34878D82A}">
-                    <a16:rowId xmlns:a16="http://schemas.microsoft.com/office/drawing/2014/main" val="588914894"/>
-                  </a:ext>
-                </a:extLst>
-              </a:tr>
-              <a:tr h="110764">
-                <a:tc>
-                  <a:txBody>
-                    <a:bodyPr/>
-                    <a:lstStyle/>
-                    <a:p>
-                      <a:pPr marL="0" algn="ctr" defTabSz="914400" rtl="0" eaLnBrk="1" fontAlgn="b" latinLnBrk="0" hangingPunct="1"/>
-                      <a:endParaRPr lang="nb-NO" sz="600" u="none" strike="noStrike" kern="1200" dirty="0">
-                        <a:solidFill>
-                          <a:schemeClr val="dk1"/>
-                        </a:solidFill>
-                        <a:effectLst/>
-                        <a:latin typeface="+mn-lt"/>
-                        <a:ea typeface="+mn-ea"/>
-                        <a:cs typeface="+mn-cs"/>
-                      </a:endParaRPr>
-                    </a:p>
-                  </a:txBody>
-                  <a:tcPr marL="10450" marR="10450" marT="10450" marB="0" anchor="b"/>
-                </a:tc>
-                <a:extLst>
-                  <a:ext uri="{0D108BD9-81ED-4DB2-BD59-A6C34878D82A}">
-                    <a16:rowId xmlns:a16="http://schemas.microsoft.com/office/drawing/2014/main" val="1488177192"/>
+                  <a:tcPr marL="9525" marR="9525" marT="9525" marB="0" anchor="b"/>
+                </a:tc>
+                <a:extLst>
+                  <a:ext uri="{0D108BD9-81ED-4DB2-BD59-A6C34878D82A}">
+                    <a16:rowId xmlns:a16="http://schemas.microsoft.com/office/drawing/2014/main" val="2613952429"/>
                   </a:ext>
                 </a:extLst>
               </a:tr>
@@ -6439,48 +6275,6 @@
                 </a:tc>
                 <a:extLst>
                   <a:ext uri="{0D108BD9-81ED-4DB2-BD59-A6C34878D82A}">
-                    <a16:rowId xmlns:a16="http://schemas.microsoft.com/office/drawing/2014/main" val="2613952429"/>
-                  </a:ext>
-                </a:extLst>
-              </a:tr>
-              <a:tr h="110764">
-                <a:tc>
-                  <a:txBody>
-                    <a:bodyPr/>
-                    <a:lstStyle/>
-                    <a:p>
-                      <a:pPr marL="0" marR="0" lvl="0" indent="0" algn="ctr" defTabSz="914400" rtl="0" eaLnBrk="1" fontAlgn="b" latinLnBrk="0" hangingPunct="1">
-                        <a:lnSpc>
-                          <a:spcPct val="100000"/>
-                        </a:lnSpc>
-                        <a:spcBef>
-                          <a:spcPts val="0"/>
-                        </a:spcBef>
-                        <a:spcAft>
-                          <a:spcPts val="0"/>
-                        </a:spcAft>
-                        <a:buClrTx/>
-                        <a:buSzTx/>
-                        <a:buFontTx/>
-                        <a:buNone/>
-                        <a:tabLst/>
-                        <a:defRPr/>
-                      </a:pPr>
-                      <a:endParaRPr lang="nb-NO" sz="600" u="none" strike="noStrike" kern="1200" dirty="0">
-                        <a:solidFill>
-                          <a:schemeClr val="dk1"/>
-                        </a:solidFill>
-                        <a:effectLst/>
-                        <a:latin typeface="+mn-lt"/>
-                        <a:ea typeface="+mn-ea"/>
-                        <a:cs typeface="+mn-cs"/>
-                      </a:endParaRPr>
-                    </a:p>
-                  </a:txBody>
-                  <a:tcPr marL="10450" marR="10450" marT="10450" marB="0" anchor="b"/>
-                </a:tc>
-                <a:extLst>
-                  <a:ext uri="{0D108BD9-81ED-4DB2-BD59-A6C34878D82A}">
                     <a16:rowId xmlns:a16="http://schemas.microsoft.com/office/drawing/2014/main" val="2359759781"/>
                   </a:ext>
                 </a:extLst>
@@ -6530,14 +6324,14 @@
           <p:nvPr>
             <p:extLst>
               <p:ext uri="{D42A27DB-BD31-4B8C-83A1-F6EECF244321}">
-                <p14:modId xmlns:p14="http://schemas.microsoft.com/office/powerpoint/2010/main" val="2725207913"/>
+                <p14:modId xmlns:p14="http://schemas.microsoft.com/office/powerpoint/2010/main" val="3344450056"/>
               </p:ext>
             </p:extLst>
           </p:nvPr>
         </p:nvGraphicFramePr>
         <p:xfrm>
-          <a:off x="4561748" y="1561907"/>
-          <a:ext cx="1410814" cy="3672412"/>
+          <a:off x="4518310" y="1180908"/>
+          <a:ext cx="1410814" cy="2036393"/>
         </p:xfrm>
         <a:graphic>
           <a:graphicData uri="http://schemas.openxmlformats.org/drawingml/2006/table">
@@ -6571,7 +6365,7 @@
                           <a:ea typeface="+mn-ea"/>
                           <a:cs typeface="+mn-cs"/>
                         </a:rPr>
-                        <a:t>interpretation</a:t>
+                        <a:t>Classification</a:t>
                       </a:r>
                       <a:endParaRPr lang="nb-NO" sz="600" b="1" i="0" u="none" strike="noStrike" kern="1200" dirty="0">
                         <a:solidFill>
@@ -6596,7 +6390,7 @@
                   </a:ext>
                 </a:extLst>
               </a:tr>
-              <a:tr h="110783">
+              <a:tr h="113493">
                 <a:tc>
                   <a:txBody>
                     <a:bodyPr/>
@@ -6626,15 +6420,15 @@
                       </a:r>
                     </a:p>
                   </a:txBody>
-                  <a:tcPr marL="12309" marR="12309" marT="12309" marB="0" anchor="b"/>
-                </a:tc>
-                <a:extLst>
-                  <a:ext uri="{0D108BD9-81ED-4DB2-BD59-A6C34878D82A}">
-                    <a16:rowId xmlns:a16="http://schemas.microsoft.com/office/drawing/2014/main" val="2391019195"/>
-                  </a:ext>
-                </a:extLst>
-              </a:tr>
-              <a:tr h="111135">
+                  <a:tcPr marL="9525" marR="9525" marT="9525" marB="0" anchor="b"/>
+                </a:tc>
+                <a:extLst>
+                  <a:ext uri="{0D108BD9-81ED-4DB2-BD59-A6C34878D82A}">
+                    <a16:rowId xmlns:a16="http://schemas.microsoft.com/office/drawing/2014/main" val="3215555353"/>
+                  </a:ext>
+                </a:extLst>
+              </a:tr>
+              <a:tr h="113493">
                 <a:tc>
                   <a:txBody>
                     <a:bodyPr/>
@@ -6651,6 +6445,122 @@
                         <a:t>§ </a:t>
                       </a:r>
                       <a:r>
+                        <a:rPr lang="nb-NO" sz="600" u="none" strike="noStrike" kern="1200" dirty="0">
+                          <a:solidFill>
+                            <a:schemeClr val="dk1"/>
+                          </a:solidFill>
+                          <a:effectLst/>
+                          <a:latin typeface="+mn-lt"/>
+                          <a:ea typeface="+mn-ea"/>
+                          <a:cs typeface="+mn-cs"/>
+                        </a:rPr>
+                        <a:t>DATE_CHANGED_VARIANT_BROWSER</a:t>
+                      </a:r>
+                    </a:p>
+                  </a:txBody>
+                  <a:tcPr marL="9525" marR="9525" marT="9525" marB="0" anchor="b"/>
+                </a:tc>
+                <a:extLst>
+                  <a:ext uri="{0D108BD9-81ED-4DB2-BD59-A6C34878D82A}">
+                    <a16:rowId xmlns:a16="http://schemas.microsoft.com/office/drawing/2014/main" val="1427295804"/>
+                  </a:ext>
+                </a:extLst>
+              </a:tr>
+              <a:tr h="113493">
+                <a:tc>
+                  <a:txBody>
+                    <a:bodyPr/>
+                    <a:lstStyle/>
+                    <a:p>
+                      <a:pPr marL="0" algn="ctr" defTabSz="914400" rtl="0" eaLnBrk="1" fontAlgn="b" latinLnBrk="0" hangingPunct="1"/>
+                      <a:r>
+                        <a:rPr lang="nb-NO" sz="600" u="none" strike="noStrike" kern="1200" dirty="0">
+                          <a:solidFill>
+                            <a:schemeClr val="dk1"/>
+                          </a:solidFill>
+                          <a:effectLst/>
+                          <a:latin typeface="+mn-lt"/>
+                          <a:ea typeface="+mn-ea"/>
+                          <a:cs typeface="+mn-cs"/>
+                        </a:rPr>
+                        <a:t>COSMIC</a:t>
+                      </a:r>
+                    </a:p>
+                  </a:txBody>
+                  <a:tcPr marL="9525" marR="9525" marT="9525" marB="0" anchor="b"/>
+                </a:tc>
+                <a:extLst>
+                  <a:ext uri="{0D108BD9-81ED-4DB2-BD59-A6C34878D82A}">
+                    <a16:rowId xmlns:a16="http://schemas.microsoft.com/office/drawing/2014/main" val="2259838017"/>
+                  </a:ext>
+                </a:extLst>
+              </a:tr>
+              <a:tr h="113493">
+                <a:tc>
+                  <a:txBody>
+                    <a:bodyPr/>
+                    <a:lstStyle/>
+                    <a:p>
+                      <a:pPr marL="0" algn="ctr" defTabSz="914400" rtl="0" eaLnBrk="1" fontAlgn="b" latinLnBrk="0" hangingPunct="1"/>
+                      <a:r>
+                        <a:rPr lang="nb-NO" sz="600" u="none" strike="noStrike" kern="1200" dirty="0">
+                          <a:solidFill>
+                            <a:schemeClr val="dk1"/>
+                          </a:solidFill>
+                          <a:effectLst/>
+                          <a:latin typeface="+mn-lt"/>
+                          <a:ea typeface="+mn-ea"/>
+                          <a:cs typeface="+mn-cs"/>
+                        </a:rPr>
+                        <a:t>Populasjonsdata</a:t>
+                      </a:r>
+                    </a:p>
+                  </a:txBody>
+                  <a:tcPr marL="9525" marR="9525" marT="9525" marB="0" anchor="b"/>
+                </a:tc>
+                <a:extLst>
+                  <a:ext uri="{0D108BD9-81ED-4DB2-BD59-A6C34878D82A}">
+                    <a16:rowId xmlns:a16="http://schemas.microsoft.com/office/drawing/2014/main" val="2897876386"/>
+                  </a:ext>
+                </a:extLst>
+              </a:tr>
+              <a:tr h="113493">
+                <a:tc>
+                  <a:txBody>
+                    <a:bodyPr/>
+                    <a:lstStyle/>
+                    <a:p>
+                      <a:pPr marL="0" algn="ctr" defTabSz="914400" rtl="0" eaLnBrk="1" fontAlgn="b" latinLnBrk="0" hangingPunct="1"/>
+                      <a:r>
+                        <a:rPr lang="nb-NO" sz="600" u="none" strike="noStrike" kern="1200" dirty="0">
+                          <a:solidFill>
+                            <a:schemeClr val="dk1"/>
+                          </a:solidFill>
+                          <a:effectLst/>
+                          <a:latin typeface="+mn-lt"/>
+                          <a:ea typeface="+mn-ea"/>
+                          <a:cs typeface="+mn-cs"/>
+                        </a:rPr>
+                        <a:t>Funksjonsstudier</a:t>
+                      </a:r>
+                    </a:p>
+                  </a:txBody>
+                  <a:tcPr marL="9525" marR="9525" marT="9525" marB="0" anchor="b"/>
+                </a:tc>
+                <a:extLst>
+                  <a:ext uri="{0D108BD9-81ED-4DB2-BD59-A6C34878D82A}">
+                    <a16:rowId xmlns:a16="http://schemas.microsoft.com/office/drawing/2014/main" val="1996326320"/>
+                  </a:ext>
+                </a:extLst>
+              </a:tr>
+              <a:tr h="113493">
+                <a:tc>
+                  <a:txBody>
+                    <a:bodyPr/>
+                    <a:lstStyle/>
+                    <a:p>
+                      <a:pPr marL="0" algn="ctr" defTabSz="914400" rtl="0" eaLnBrk="1" fontAlgn="b" latinLnBrk="0" hangingPunct="1"/>
+                      <a:r>
                         <a:rPr lang="nb-NO" sz="600" u="none" strike="noStrike" kern="1200" dirty="0" err="1">
                           <a:solidFill>
                             <a:schemeClr val="dk1"/>
@@ -6660,7 +6570,7 @@
                           <a:ea typeface="+mn-ea"/>
                           <a:cs typeface="+mn-cs"/>
                         </a:rPr>
-                        <a:t>runid</a:t>
+                        <a:t>Prediktive_data</a:t>
                       </a:r>
                       <a:endParaRPr lang="nb-NO" sz="600" u="none" strike="noStrike" kern="1200" dirty="0">
                         <a:solidFill>
@@ -6673,53 +6583,15 @@
                       </a:endParaRPr>
                     </a:p>
                   </a:txBody>
-                  <a:tcPr marL="12309" marR="12309" marT="12309" marB="0" anchor="b"/>
-                </a:tc>
-                <a:extLst>
-                  <a:ext uri="{0D108BD9-81ED-4DB2-BD59-A6C34878D82A}">
-                    <a16:rowId xmlns:a16="http://schemas.microsoft.com/office/drawing/2014/main" val="2033809946"/>
-                  </a:ext>
-                </a:extLst>
-              </a:tr>
-              <a:tr h="111135">
-                <a:tc>
-                  <a:txBody>
-                    <a:bodyPr/>
-                    <a:lstStyle/>
-                    <a:p>
-                      <a:pPr marL="0" algn="ctr" defTabSz="914400" rtl="0" eaLnBrk="1" fontAlgn="b" latinLnBrk="0" hangingPunct="1"/>
-                      <a:r>
-                        <a:rPr lang="nb-NO" sz="600" u="none" strike="noStrike" dirty="0">
-                          <a:solidFill>
-                            <a:schemeClr val="accent2"/>
-                          </a:solidFill>
-                          <a:effectLst/>
-                        </a:rPr>
-                        <a:t>§ </a:t>
-                      </a:r>
-                      <a:r>
-                        <a:rPr lang="nb-NO" sz="600" u="none" strike="noStrike" kern="1200" dirty="0">
-                          <a:solidFill>
-                            <a:schemeClr val="dk1"/>
-                          </a:solidFill>
-                          <a:effectLst/>
-                          <a:latin typeface="+mn-lt"/>
-                          <a:ea typeface="+mn-ea"/>
-                          <a:cs typeface="+mn-cs"/>
-                        </a:rPr>
-                        <a:t>sampleid</a:t>
-                      </a:r>
-                    </a:p>
-                  </a:txBody>
-                  <a:tcPr marL="12309" marR="12309" marT="12309" marB="0" anchor="b"/>
-                </a:tc>
-                <a:extLst>
-                  <a:ext uri="{0D108BD9-81ED-4DB2-BD59-A6C34878D82A}">
-                    <a16:rowId xmlns:a16="http://schemas.microsoft.com/office/drawing/2014/main" val="2237139754"/>
-                  </a:ext>
-                </a:extLst>
-              </a:tr>
-              <a:tr h="111135">
+                  <a:tcPr marL="9525" marR="9525" marT="9525" marB="0" anchor="b"/>
+                </a:tc>
+                <a:extLst>
+                  <a:ext uri="{0D108BD9-81ED-4DB2-BD59-A6C34878D82A}">
+                    <a16:rowId xmlns:a16="http://schemas.microsoft.com/office/drawing/2014/main" val="3384624602"/>
+                  </a:ext>
+                </a:extLst>
+              </a:tr>
+              <a:tr h="113493">
                 <a:tc>
                   <a:txBody>
                     <a:bodyPr/>
@@ -6736,7 +6608,7 @@
                           <a:ea typeface="+mn-ea"/>
                           <a:cs typeface="+mn-cs"/>
                         </a:rPr>
-                        <a:t>Genliste</a:t>
+                        <a:t>Cancer_hotspots</a:t>
                       </a:r>
                       <a:endParaRPr lang="nb-NO" sz="600" u="none" strike="noStrike" kern="1200" dirty="0">
                         <a:solidFill>
@@ -6749,15 +6621,15 @@
                       </a:endParaRPr>
                     </a:p>
                   </a:txBody>
-                  <a:tcPr marL="12309" marR="12309" marT="12309" marB="0" anchor="b"/>
-                </a:tc>
-                <a:extLst>
-                  <a:ext uri="{0D108BD9-81ED-4DB2-BD59-A6C34878D82A}">
-                    <a16:rowId xmlns:a16="http://schemas.microsoft.com/office/drawing/2014/main" val="3425125051"/>
-                  </a:ext>
-                </a:extLst>
-              </a:tr>
-              <a:tr h="111135">
+                  <a:tcPr marL="9525" marR="9525" marT="9525" marB="0" anchor="b"/>
+                </a:tc>
+                <a:extLst>
+                  <a:ext uri="{0D108BD9-81ED-4DB2-BD59-A6C34878D82A}">
+                    <a16:rowId xmlns:a16="http://schemas.microsoft.com/office/drawing/2014/main" val="1853821123"/>
+                  </a:ext>
+                </a:extLst>
+              </a:tr>
+              <a:tr h="113493">
                 <a:tc>
                   <a:txBody>
                     <a:bodyPr/>
@@ -6774,7 +6646,7 @@
                           <a:ea typeface="+mn-ea"/>
                           <a:cs typeface="+mn-cs"/>
                         </a:rPr>
-                        <a:t>Perc_Tumor</a:t>
+                        <a:t>Computational_evidens</a:t>
                       </a:r>
                       <a:endParaRPr lang="nb-NO" sz="600" u="none" strike="noStrike" kern="1200" dirty="0">
                         <a:solidFill>
@@ -6787,44 +6659,44 @@
                       </a:endParaRPr>
                     </a:p>
                   </a:txBody>
-                  <a:tcPr marL="12309" marR="12309" marT="12309" marB="0" anchor="b"/>
-                </a:tc>
-                <a:extLst>
-                  <a:ext uri="{0D108BD9-81ED-4DB2-BD59-A6C34878D82A}">
-                    <a16:rowId xmlns:a16="http://schemas.microsoft.com/office/drawing/2014/main" val="654851751"/>
-                  </a:ext>
-                </a:extLst>
-              </a:tr>
-              <a:tr h="111135">
-                <a:tc>
-                  <a:txBody>
-                    <a:bodyPr/>
-                    <a:lstStyle/>
-                    <a:p>
-                      <a:pPr marL="0" algn="ctr" defTabSz="914400" rtl="0" eaLnBrk="1" fontAlgn="b" latinLnBrk="0" hangingPunct="1"/>
-                      <a:r>
-                        <a:rPr lang="nb-NO" sz="600" u="none" strike="noStrike" kern="1200" dirty="0">
-                          <a:solidFill>
-                            <a:schemeClr val="dk1"/>
-                          </a:solidFill>
-                          <a:effectLst/>
-                          <a:latin typeface="+mn-lt"/>
-                          <a:ea typeface="+mn-ea"/>
-                          <a:cs typeface="+mn-cs"/>
-                        </a:rPr>
-                        <a:t>COSMIC</a:t>
-                      </a:r>
-                    </a:p>
-                  </a:txBody>
-                  <a:tcPr marL="12309" marR="12309" marT="12309" marB="0" anchor="b"/>
-                </a:tc>
-                <a:extLst>
-                  <a:ext uri="{0D108BD9-81ED-4DB2-BD59-A6C34878D82A}">
-                    <a16:rowId xmlns:a16="http://schemas.microsoft.com/office/drawing/2014/main" val="1053030124"/>
-                  </a:ext>
-                </a:extLst>
-              </a:tr>
-              <a:tr h="111135">
+                  <a:tcPr marL="9525" marR="9525" marT="9525" marB="0" anchor="b"/>
+                </a:tc>
+                <a:extLst>
+                  <a:ext uri="{0D108BD9-81ED-4DB2-BD59-A6C34878D82A}">
+                    <a16:rowId xmlns:a16="http://schemas.microsoft.com/office/drawing/2014/main" val="3002574734"/>
+                  </a:ext>
+                </a:extLst>
+              </a:tr>
+              <a:tr h="113493">
+                <a:tc>
+                  <a:txBody>
+                    <a:bodyPr/>
+                    <a:lstStyle/>
+                    <a:p>
+                      <a:pPr marL="0" algn="ctr" defTabSz="914400" rtl="0" eaLnBrk="1" fontAlgn="b" latinLnBrk="0" hangingPunct="1"/>
+                      <a:r>
+                        <a:rPr lang="nb-NO" sz="600" u="none" strike="noStrike" kern="1200" dirty="0">
+                          <a:solidFill>
+                            <a:schemeClr val="dk1"/>
+                          </a:solidFill>
+                          <a:effectLst/>
+                          <a:latin typeface="+mn-lt"/>
+                          <a:ea typeface="+mn-ea"/>
+                          <a:cs typeface="+mn-cs"/>
+                        </a:rPr>
+                        <a:t>Konservering</a:t>
+                      </a:r>
+                    </a:p>
+                  </a:txBody>
+                  <a:tcPr marL="9525" marR="9525" marT="9525" marB="0" anchor="b"/>
+                </a:tc>
+                <a:extLst>
+                  <a:ext uri="{0D108BD9-81ED-4DB2-BD59-A6C34878D82A}">
+                    <a16:rowId xmlns:a16="http://schemas.microsoft.com/office/drawing/2014/main" val="4163829310"/>
+                  </a:ext>
+                </a:extLst>
+              </a:tr>
+              <a:tr h="113493">
                 <a:tc>
                   <a:txBody>
                     <a:bodyPr/>
@@ -6841,7 +6713,7 @@
                           <a:ea typeface="+mn-ea"/>
                           <a:cs typeface="+mn-cs"/>
                         </a:rPr>
-                        <a:t>Svares_ut</a:t>
+                        <a:t>ClinVar</a:t>
                       </a:r>
                       <a:endParaRPr lang="nb-NO" sz="600" u="none" strike="noStrike" kern="1200" dirty="0">
                         <a:solidFill>
@@ -6854,73 +6726,15 @@
                       </a:endParaRPr>
                     </a:p>
                   </a:txBody>
-                  <a:tcPr marL="12309" marR="12309" marT="12309" marB="0" anchor="b"/>
-                </a:tc>
-                <a:extLst>
-                  <a:ext uri="{0D108BD9-81ED-4DB2-BD59-A6C34878D82A}">
-                    <a16:rowId xmlns:a16="http://schemas.microsoft.com/office/drawing/2014/main" val="2841058928"/>
-                  </a:ext>
-                </a:extLst>
-              </a:tr>
-              <a:tr h="111135">
-                <a:tc>
-                  <a:txBody>
-                    <a:bodyPr/>
-                    <a:lstStyle/>
-                    <a:p>
-                      <a:pPr marL="0" algn="ctr" defTabSz="914400" rtl="0" eaLnBrk="1" fontAlgn="b" latinLnBrk="0" hangingPunct="1"/>
-                      <a:r>
-                        <a:rPr lang="nb-NO" sz="600" u="none" strike="noStrike" kern="1200" dirty="0">
-                          <a:solidFill>
-                            <a:schemeClr val="dk1"/>
-                          </a:solidFill>
-                          <a:effectLst/>
-                          <a:latin typeface="+mn-lt"/>
-                          <a:ea typeface="+mn-ea"/>
-                          <a:cs typeface="+mn-cs"/>
-                        </a:rPr>
-                        <a:t>Populasjonsdata</a:t>
-                      </a:r>
-                    </a:p>
-                  </a:txBody>
-                  <a:tcPr marL="12309" marR="12309" marT="12309" marB="0" anchor="b"/>
-                </a:tc>
-                <a:extLst>
-                  <a:ext uri="{0D108BD9-81ED-4DB2-BD59-A6C34878D82A}">
-                    <a16:rowId xmlns:a16="http://schemas.microsoft.com/office/drawing/2014/main" val="79735779"/>
-                  </a:ext>
-                </a:extLst>
-              </a:tr>
-              <a:tr h="111135">
-                <a:tc>
-                  <a:txBody>
-                    <a:bodyPr/>
-                    <a:lstStyle/>
-                    <a:p>
-                      <a:pPr marL="0" algn="ctr" defTabSz="914400" rtl="0" eaLnBrk="1" fontAlgn="b" latinLnBrk="0" hangingPunct="1"/>
-                      <a:r>
-                        <a:rPr lang="nb-NO" sz="600" u="none" strike="noStrike" kern="1200" dirty="0">
-                          <a:solidFill>
-                            <a:schemeClr val="dk1"/>
-                          </a:solidFill>
-                          <a:effectLst/>
-                          <a:latin typeface="+mn-lt"/>
-                          <a:ea typeface="+mn-ea"/>
-                          <a:cs typeface="+mn-cs"/>
-                        </a:rPr>
-                        <a:t>Funksjonsstudier</a:t>
-                      </a:r>
-                    </a:p>
-                  </a:txBody>
-                  <a:tcPr marL="12309" marR="12309" marT="12309" marB="0" anchor="b"/>
-                </a:tc>
-                <a:extLst>
-                  <a:ext uri="{0D108BD9-81ED-4DB2-BD59-A6C34878D82A}">
-                    <a16:rowId xmlns:a16="http://schemas.microsoft.com/office/drawing/2014/main" val="909364051"/>
-                  </a:ext>
-                </a:extLst>
-              </a:tr>
-              <a:tr h="111135">
+                  <a:tcPr marL="9525" marR="9525" marT="9525" marB="0" anchor="b"/>
+                </a:tc>
+                <a:extLst>
+                  <a:ext uri="{0D108BD9-81ED-4DB2-BD59-A6C34878D82A}">
+                    <a16:rowId xmlns:a16="http://schemas.microsoft.com/office/drawing/2014/main" val="3345859907"/>
+                  </a:ext>
+                </a:extLst>
+              </a:tr>
+              <a:tr h="113493">
                 <a:tc>
                   <a:txBody>
                     <a:bodyPr/>
@@ -6937,7 +6751,7 @@
                           <a:ea typeface="+mn-ea"/>
                           <a:cs typeface="+mn-cs"/>
                         </a:rPr>
-                        <a:t>Prediktive_data</a:t>
+                        <a:t>Andre_DB</a:t>
                       </a:r>
                       <a:endParaRPr lang="nb-NO" sz="600" u="none" strike="noStrike" kern="1200" dirty="0">
                         <a:solidFill>
@@ -6950,15 +6764,15 @@
                       </a:endParaRPr>
                     </a:p>
                   </a:txBody>
-                  <a:tcPr marL="12309" marR="12309" marT="12309" marB="0" anchor="b"/>
-                </a:tc>
-                <a:extLst>
-                  <a:ext uri="{0D108BD9-81ED-4DB2-BD59-A6C34878D82A}">
-                    <a16:rowId xmlns:a16="http://schemas.microsoft.com/office/drawing/2014/main" val="2312687238"/>
-                  </a:ext>
-                </a:extLst>
-              </a:tr>
-              <a:tr h="111135">
+                  <a:tcPr marL="9525" marR="9525" marT="9525" marB="0" anchor="b"/>
+                </a:tc>
+                <a:extLst>
+                  <a:ext uri="{0D108BD9-81ED-4DB2-BD59-A6C34878D82A}">
+                    <a16:rowId xmlns:a16="http://schemas.microsoft.com/office/drawing/2014/main" val="2562429129"/>
+                  </a:ext>
+                </a:extLst>
+              </a:tr>
+              <a:tr h="113493">
                 <a:tc>
                   <a:txBody>
                     <a:bodyPr/>
@@ -6975,7 +6789,7 @@
                           <a:ea typeface="+mn-ea"/>
                           <a:cs typeface="+mn-cs"/>
                         </a:rPr>
-                        <a:t>Cancer_hotspots</a:t>
+                        <a:t>Comment</a:t>
                       </a:r>
                       <a:endParaRPr lang="nb-NO" sz="600" u="none" strike="noStrike" kern="1200" dirty="0">
                         <a:solidFill>
@@ -6988,15 +6802,15 @@
                       </a:endParaRPr>
                     </a:p>
                   </a:txBody>
-                  <a:tcPr marL="12309" marR="12309" marT="12309" marB="0" anchor="b"/>
-                </a:tc>
-                <a:extLst>
-                  <a:ext uri="{0D108BD9-81ED-4DB2-BD59-A6C34878D82A}">
-                    <a16:rowId xmlns:a16="http://schemas.microsoft.com/office/drawing/2014/main" val="3044864361"/>
-                  </a:ext>
-                </a:extLst>
-              </a:tr>
-              <a:tr h="111135">
+                  <a:tcPr marL="9525" marR="9525" marT="9525" marB="0" anchor="b"/>
+                </a:tc>
+                <a:extLst>
+                  <a:ext uri="{0D108BD9-81ED-4DB2-BD59-A6C34878D82A}">
+                    <a16:rowId xmlns:a16="http://schemas.microsoft.com/office/drawing/2014/main" val="3129989499"/>
+                  </a:ext>
+                </a:extLst>
+              </a:tr>
+              <a:tr h="113493">
                 <a:tc>
                   <a:txBody>
                     <a:bodyPr/>
@@ -7013,7 +6827,7 @@
                           <a:ea typeface="+mn-ea"/>
                           <a:cs typeface="+mn-cs"/>
                         </a:rPr>
-                        <a:t>Computational_evidens</a:t>
+                        <a:t>Oncogenicity</a:t>
                       </a:r>
                       <a:endParaRPr lang="nb-NO" sz="600" u="none" strike="noStrike" kern="1200" dirty="0">
                         <a:solidFill>
@@ -7026,44 +6840,44 @@
                       </a:endParaRPr>
                     </a:p>
                   </a:txBody>
-                  <a:tcPr marL="12309" marR="12309" marT="12309" marB="0" anchor="b"/>
-                </a:tc>
-                <a:extLst>
-                  <a:ext uri="{0D108BD9-81ED-4DB2-BD59-A6C34878D82A}">
-                    <a16:rowId xmlns:a16="http://schemas.microsoft.com/office/drawing/2014/main" val="2640093774"/>
-                  </a:ext>
-                </a:extLst>
-              </a:tr>
-              <a:tr h="111135">
-                <a:tc>
-                  <a:txBody>
-                    <a:bodyPr/>
-                    <a:lstStyle/>
-                    <a:p>
-                      <a:pPr marL="0" algn="ctr" defTabSz="914400" rtl="0" eaLnBrk="1" fontAlgn="b" latinLnBrk="0" hangingPunct="1"/>
-                      <a:r>
-                        <a:rPr lang="nb-NO" sz="600" u="none" strike="noStrike" kern="1200" dirty="0">
-                          <a:solidFill>
-                            <a:schemeClr val="dk1"/>
-                          </a:solidFill>
-                          <a:effectLst/>
-                          <a:latin typeface="+mn-lt"/>
-                          <a:ea typeface="+mn-ea"/>
-                          <a:cs typeface="+mn-cs"/>
-                        </a:rPr>
-                        <a:t>Konservering</a:t>
-                      </a:r>
-                    </a:p>
-                  </a:txBody>
-                  <a:tcPr marL="12309" marR="12309" marT="12309" marB="0" anchor="b"/>
-                </a:tc>
-                <a:extLst>
-                  <a:ext uri="{0D108BD9-81ED-4DB2-BD59-A6C34878D82A}">
-                    <a16:rowId xmlns:a16="http://schemas.microsoft.com/office/drawing/2014/main" val="2733109138"/>
-                  </a:ext>
-                </a:extLst>
-              </a:tr>
-              <a:tr h="111135">
+                  <a:tcPr marL="9525" marR="9525" marT="9525" marB="0" anchor="b"/>
+                </a:tc>
+                <a:extLst>
+                  <a:ext uri="{0D108BD9-81ED-4DB2-BD59-A6C34878D82A}">
+                    <a16:rowId xmlns:a16="http://schemas.microsoft.com/office/drawing/2014/main" val="2559102"/>
+                  </a:ext>
+                </a:extLst>
+              </a:tr>
+              <a:tr h="113493">
+                <a:tc>
+                  <a:txBody>
+                    <a:bodyPr/>
+                    <a:lstStyle/>
+                    <a:p>
+                      <a:pPr marL="0" algn="ctr" defTabSz="914400" rtl="0" eaLnBrk="1" fontAlgn="b" latinLnBrk="0" hangingPunct="1"/>
+                      <a:r>
+                        <a:rPr lang="nb-NO" sz="600" u="none" strike="noStrike" kern="1200" dirty="0">
+                          <a:solidFill>
+                            <a:schemeClr val="dk1"/>
+                          </a:solidFill>
+                          <a:effectLst/>
+                          <a:latin typeface="+mn-lt"/>
+                          <a:ea typeface="+mn-ea"/>
+                          <a:cs typeface="+mn-cs"/>
+                        </a:rPr>
+                        <a:t>Tier</a:t>
+                      </a:r>
+                    </a:p>
+                  </a:txBody>
+                  <a:tcPr marL="9525" marR="9525" marT="9525" marB="0" anchor="b"/>
+                </a:tc>
+                <a:extLst>
+                  <a:ext uri="{0D108BD9-81ED-4DB2-BD59-A6C34878D82A}">
+                    <a16:rowId xmlns:a16="http://schemas.microsoft.com/office/drawing/2014/main" val="3176698418"/>
+                  </a:ext>
+                </a:extLst>
+              </a:tr>
+              <a:tr h="113493">
                 <a:tc>
                   <a:txBody>
                     <a:bodyPr/>
@@ -7080,7 +6894,7 @@
                           <a:ea typeface="+mn-ea"/>
                           <a:cs typeface="+mn-cs"/>
                         </a:rPr>
-                        <a:t>ClinVar</a:t>
+                        <a:t>class</a:t>
                       </a:r>
                       <a:endParaRPr lang="nb-NO" sz="600" u="none" strike="noStrike" kern="1200" dirty="0">
                         <a:solidFill>
@@ -7093,15 +6907,15 @@
                       </a:endParaRPr>
                     </a:p>
                   </a:txBody>
-                  <a:tcPr marL="12309" marR="12309" marT="12309" marB="0" anchor="b"/>
-                </a:tc>
-                <a:extLst>
-                  <a:ext uri="{0D108BD9-81ED-4DB2-BD59-A6C34878D82A}">
-                    <a16:rowId xmlns:a16="http://schemas.microsoft.com/office/drawing/2014/main" val="4093301928"/>
-                  </a:ext>
-                </a:extLst>
-              </a:tr>
-              <a:tr h="111135">
+                  <a:tcPr marL="9525" marR="9525" marT="9525" marB="0" anchor="b"/>
+                </a:tc>
+                <a:extLst>
+                  <a:ext uri="{0D108BD9-81ED-4DB2-BD59-A6C34878D82A}">
+                    <a16:rowId xmlns:a16="http://schemas.microsoft.com/office/drawing/2014/main" val="60295672"/>
+                  </a:ext>
+                </a:extLst>
+              </a:tr>
+              <a:tr h="113493">
                 <a:tc>
                   <a:txBody>
                     <a:bodyPr/>
@@ -7118,7 +6932,7 @@
                           <a:ea typeface="+mn-ea"/>
                           <a:cs typeface="+mn-cs"/>
                         </a:rPr>
-                        <a:t>Andre_DB</a:t>
+                        <a:t>changed</a:t>
                       </a:r>
                       <a:endParaRPr lang="nb-NO" sz="600" u="none" strike="noStrike" kern="1200" dirty="0">
                         <a:solidFill>
@@ -7131,44 +6945,15 @@
                       </a:endParaRPr>
                     </a:p>
                   </a:txBody>
-                  <a:tcPr marL="12309" marR="12309" marT="12309" marB="0" anchor="b"/>
-                </a:tc>
-                <a:extLst>
-                  <a:ext uri="{0D108BD9-81ED-4DB2-BD59-A6C34878D82A}">
-                    <a16:rowId xmlns:a16="http://schemas.microsoft.com/office/drawing/2014/main" val="3908787473"/>
-                  </a:ext>
-                </a:extLst>
-              </a:tr>
-              <a:tr h="111135">
-                <a:tc>
-                  <a:txBody>
-                    <a:bodyPr/>
-                    <a:lstStyle/>
-                    <a:p>
-                      <a:pPr marL="0" algn="ctr" defTabSz="914400" rtl="0" eaLnBrk="1" fontAlgn="b" latinLnBrk="0" hangingPunct="1"/>
-                      <a:r>
-                        <a:rPr lang="nb-NO" sz="600" u="none" strike="noStrike" kern="1200" dirty="0">
-                          <a:solidFill>
-                            <a:schemeClr val="dk1"/>
-                          </a:solidFill>
-                          <a:effectLst/>
-                          <a:latin typeface="+mn-lt"/>
-                          <a:ea typeface="+mn-ea"/>
-                          <a:cs typeface="+mn-cs"/>
-                        </a:rPr>
-                        <a:t>Kommentar</a:t>
-                      </a:r>
-                    </a:p>
-                  </a:txBody>
-                  <a:tcPr marL="12309" marR="12309" marT="12309" marB="0" anchor="b"/>
-                </a:tc>
-                <a:extLst>
-                  <a:ext uri="{0D108BD9-81ED-4DB2-BD59-A6C34878D82A}">
-                    <a16:rowId xmlns:a16="http://schemas.microsoft.com/office/drawing/2014/main" val="3926381392"/>
-                  </a:ext>
-                </a:extLst>
-              </a:tr>
-              <a:tr h="111135">
+                  <a:tcPr marL="9525" marR="9525" marT="9525" marB="0" anchor="b"/>
+                </a:tc>
+                <a:extLst>
+                  <a:ext uri="{0D108BD9-81ED-4DB2-BD59-A6C34878D82A}">
+                    <a16:rowId xmlns:a16="http://schemas.microsoft.com/office/drawing/2014/main" val="262223289"/>
+                  </a:ext>
+                </a:extLst>
+              </a:tr>
+              <a:tr h="113493">
                 <a:tc>
                   <a:txBody>
                     <a:bodyPr/>
@@ -7185,7 +6970,7 @@
                           <a:ea typeface="+mn-ea"/>
                           <a:cs typeface="+mn-cs"/>
                         </a:rPr>
-                        <a:t>Oncogenicity</a:t>
+                        <a:t>visibility</a:t>
                       </a:r>
                       <a:endParaRPr lang="nb-NO" sz="600" u="none" strike="noStrike" kern="1200" dirty="0">
                         <a:solidFill>
@@ -7198,434 +6983,11 @@
                       </a:endParaRPr>
                     </a:p>
                   </a:txBody>
-                  <a:tcPr marL="12309" marR="12309" marT="12309" marB="0" anchor="b"/>
-                </a:tc>
-                <a:extLst>
-                  <a:ext uri="{0D108BD9-81ED-4DB2-BD59-A6C34878D82A}">
-                    <a16:rowId xmlns:a16="http://schemas.microsoft.com/office/drawing/2014/main" val="3408859803"/>
-                  </a:ext>
-                </a:extLst>
-              </a:tr>
-              <a:tr h="111135">
-                <a:tc>
-                  <a:txBody>
-                    <a:bodyPr/>
-                    <a:lstStyle/>
-                    <a:p>
-                      <a:pPr marL="0" algn="ctr" defTabSz="914400" rtl="0" eaLnBrk="1" fontAlgn="b" latinLnBrk="0" hangingPunct="1"/>
-                      <a:r>
-                        <a:rPr lang="nb-NO" sz="600" u="none" strike="noStrike" kern="1200" dirty="0">
-                          <a:solidFill>
-                            <a:schemeClr val="dk1"/>
-                          </a:solidFill>
-                          <a:effectLst/>
-                          <a:latin typeface="+mn-lt"/>
-                          <a:ea typeface="+mn-ea"/>
-                          <a:cs typeface="+mn-cs"/>
-                        </a:rPr>
-                        <a:t>Tier</a:t>
-                      </a:r>
-                    </a:p>
-                  </a:txBody>
-                  <a:tcPr marL="12309" marR="12309" marT="12309" marB="0" anchor="b"/>
-                </a:tc>
-                <a:extLst>
-                  <a:ext uri="{0D108BD9-81ED-4DB2-BD59-A6C34878D82A}">
-                    <a16:rowId xmlns:a16="http://schemas.microsoft.com/office/drawing/2014/main" val="4070799251"/>
-                  </a:ext>
-                </a:extLst>
-              </a:tr>
-              <a:tr h="111135">
-                <a:tc>
-                  <a:txBody>
-                    <a:bodyPr/>
-                    <a:lstStyle/>
-                    <a:p>
-                      <a:pPr marL="0" algn="ctr" defTabSz="914400" rtl="0" eaLnBrk="1" fontAlgn="b" latinLnBrk="0" hangingPunct="1"/>
-                      <a:r>
-                        <a:rPr lang="nb-NO" sz="600" u="none" strike="noStrike" kern="1200" dirty="0">
-                          <a:solidFill>
-                            <a:schemeClr val="dk1"/>
-                          </a:solidFill>
-                          <a:effectLst/>
-                          <a:latin typeface="+mn-lt"/>
-                          <a:ea typeface="+mn-ea"/>
-                          <a:cs typeface="+mn-cs"/>
-                        </a:rPr>
-                        <a:t>Kommentar2</a:t>
-                      </a:r>
-                    </a:p>
-                  </a:txBody>
-                  <a:tcPr marL="12309" marR="12309" marT="12309" marB="0" anchor="b"/>
-                </a:tc>
-                <a:extLst>
-                  <a:ext uri="{0D108BD9-81ED-4DB2-BD59-A6C34878D82A}">
-                    <a16:rowId xmlns:a16="http://schemas.microsoft.com/office/drawing/2014/main" val="1401508998"/>
-                  </a:ext>
-                </a:extLst>
-              </a:tr>
-              <a:tr h="111135">
-                <a:tc>
-                  <a:txBody>
-                    <a:bodyPr/>
-                    <a:lstStyle/>
-                    <a:p>
-                      <a:pPr marL="0" algn="ctr" defTabSz="914400" rtl="0" eaLnBrk="1" fontAlgn="b" latinLnBrk="0" hangingPunct="1"/>
-                      <a:r>
-                        <a:rPr lang="nb-NO" sz="600" u="none" strike="noStrike" kern="1200" dirty="0">
-                          <a:solidFill>
-                            <a:schemeClr val="dk1"/>
-                          </a:solidFill>
-                          <a:effectLst/>
-                          <a:latin typeface="+mn-lt"/>
-                          <a:ea typeface="+mn-ea"/>
-                          <a:cs typeface="+mn-cs"/>
-                        </a:rPr>
-                        <a:t>DATO</a:t>
-                      </a:r>
-                    </a:p>
-                  </a:txBody>
-                  <a:tcPr marL="12309" marR="12309" marT="12309" marB="0" anchor="b"/>
-                </a:tc>
-                <a:extLst>
-                  <a:ext uri="{0D108BD9-81ED-4DB2-BD59-A6C34878D82A}">
-                    <a16:rowId xmlns:a16="http://schemas.microsoft.com/office/drawing/2014/main" val="3476311723"/>
-                  </a:ext>
-                </a:extLst>
-              </a:tr>
-              <a:tr h="111135">
-                <a:tc>
-                  <a:txBody>
-                    <a:bodyPr/>
-                    <a:lstStyle/>
-                    <a:p>
-                      <a:pPr marL="0" algn="ctr" defTabSz="914400" rtl="0" eaLnBrk="1" fontAlgn="b" latinLnBrk="0" hangingPunct="1"/>
-                      <a:r>
-                        <a:rPr lang="nb-NO" sz="600" u="none" strike="noStrike" kern="1200" dirty="0">
-                          <a:solidFill>
-                            <a:schemeClr val="dk1"/>
-                          </a:solidFill>
-                          <a:effectLst/>
-                          <a:latin typeface="+mn-lt"/>
-                          <a:ea typeface="+mn-ea"/>
-                          <a:cs typeface="+mn-cs"/>
-                        </a:rPr>
-                        <a:t>BRUKER</a:t>
-                      </a:r>
-                    </a:p>
-                  </a:txBody>
-                  <a:tcPr marL="12309" marR="12309" marT="12309" marB="0" anchor="b"/>
-                </a:tc>
-                <a:extLst>
-                  <a:ext uri="{0D108BD9-81ED-4DB2-BD59-A6C34878D82A}">
-                    <a16:rowId xmlns:a16="http://schemas.microsoft.com/office/drawing/2014/main" val="3007530498"/>
-                  </a:ext>
-                </a:extLst>
-              </a:tr>
-              <a:tr h="111135">
-                <a:tc>
-                  <a:txBody>
-                    <a:bodyPr/>
-                    <a:lstStyle/>
-                    <a:p>
-                      <a:pPr marL="0" algn="ctr" defTabSz="914400" rtl="0" eaLnBrk="1" fontAlgn="b" latinLnBrk="0" hangingPunct="1"/>
-                      <a:r>
-                        <a:rPr lang="nb-NO" sz="600" u="none" strike="noStrike" kern="1200" dirty="0">
-                          <a:solidFill>
-                            <a:schemeClr val="dk1"/>
-                          </a:solidFill>
-                          <a:effectLst/>
-                          <a:latin typeface="+mn-lt"/>
-                          <a:ea typeface="+mn-ea"/>
-                          <a:cs typeface="+mn-cs"/>
-                        </a:rPr>
-                        <a:t>DATO_SIGNOFF</a:t>
-                      </a:r>
-                    </a:p>
-                  </a:txBody>
-                  <a:tcPr marL="12309" marR="12309" marT="12309" marB="0" anchor="b"/>
-                </a:tc>
-                <a:extLst>
-                  <a:ext uri="{0D108BD9-81ED-4DB2-BD59-A6C34878D82A}">
-                    <a16:rowId xmlns:a16="http://schemas.microsoft.com/office/drawing/2014/main" val="1342454558"/>
-                  </a:ext>
-                </a:extLst>
-              </a:tr>
-              <a:tr h="111135">
-                <a:tc>
-                  <a:txBody>
-                    <a:bodyPr/>
-                    <a:lstStyle/>
-                    <a:p>
-                      <a:pPr marL="0" algn="ctr" defTabSz="914400" rtl="0" eaLnBrk="1" fontAlgn="b" latinLnBrk="0" hangingPunct="1"/>
-                      <a:r>
-                        <a:rPr lang="nb-NO" sz="600" u="none" strike="noStrike" kern="1200" dirty="0">
-                          <a:solidFill>
-                            <a:schemeClr val="dk1"/>
-                          </a:solidFill>
-                          <a:effectLst/>
-                          <a:latin typeface="+mn-lt"/>
-                          <a:ea typeface="+mn-ea"/>
-                          <a:cs typeface="+mn-cs"/>
-                        </a:rPr>
-                        <a:t>KONTROLL</a:t>
-                      </a:r>
-                    </a:p>
-                  </a:txBody>
-                  <a:tcPr marL="12309" marR="12309" marT="12309" marB="0" anchor="b"/>
-                </a:tc>
-                <a:extLst>
-                  <a:ext uri="{0D108BD9-81ED-4DB2-BD59-A6C34878D82A}">
-                    <a16:rowId xmlns:a16="http://schemas.microsoft.com/office/drawing/2014/main" val="1284439354"/>
-                  </a:ext>
-                </a:extLst>
-              </a:tr>
-              <a:tr h="111135">
-                <a:tc>
-                  <a:txBody>
-                    <a:bodyPr/>
-                    <a:lstStyle/>
-                    <a:p>
-                      <a:pPr marL="0" algn="ctr" defTabSz="914400" rtl="0" eaLnBrk="1" fontAlgn="b" latinLnBrk="0" hangingPunct="1"/>
-                      <a:r>
-                        <a:rPr lang="nb-NO" sz="600" u="none" strike="noStrike" kern="1200" dirty="0">
-                          <a:solidFill>
-                            <a:schemeClr val="dk1"/>
-                          </a:solidFill>
-                          <a:effectLst/>
-                          <a:latin typeface="+mn-lt"/>
-                          <a:ea typeface="+mn-ea"/>
-                          <a:cs typeface="+mn-cs"/>
-                        </a:rPr>
-                        <a:t>DATO_GODKJENNING</a:t>
-                      </a:r>
-                    </a:p>
-                  </a:txBody>
-                  <a:tcPr marL="12309" marR="12309" marT="12309" marB="0" anchor="b"/>
-                </a:tc>
-                <a:extLst>
-                  <a:ext uri="{0D108BD9-81ED-4DB2-BD59-A6C34878D82A}">
-                    <a16:rowId xmlns:a16="http://schemas.microsoft.com/office/drawing/2014/main" val="1089793000"/>
-                  </a:ext>
-                </a:extLst>
-              </a:tr>
-              <a:tr h="111135">
-                <a:tc>
-                  <a:txBody>
-                    <a:bodyPr/>
-                    <a:lstStyle/>
-                    <a:p>
-                      <a:pPr marL="0" algn="ctr" defTabSz="914400" rtl="0" eaLnBrk="1" fontAlgn="b" latinLnBrk="0" hangingPunct="1"/>
-                      <a:r>
-                        <a:rPr lang="nb-NO" sz="600" u="none" strike="noStrike" kern="1200" dirty="0">
-                          <a:solidFill>
-                            <a:schemeClr val="dk1"/>
-                          </a:solidFill>
-                          <a:effectLst/>
-                          <a:latin typeface="+mn-lt"/>
-                          <a:ea typeface="+mn-ea"/>
-                          <a:cs typeface="+mn-cs"/>
-                        </a:rPr>
-                        <a:t>KOLONNE8</a:t>
-                      </a:r>
-                    </a:p>
-                  </a:txBody>
-                  <a:tcPr marL="12309" marR="12309" marT="12309" marB="0" anchor="b"/>
-                </a:tc>
-                <a:extLst>
-                  <a:ext uri="{0D108BD9-81ED-4DB2-BD59-A6C34878D82A}">
-                    <a16:rowId xmlns:a16="http://schemas.microsoft.com/office/drawing/2014/main" val="1066411483"/>
-                  </a:ext>
-                </a:extLst>
-              </a:tr>
-              <a:tr h="111135">
-                <a:tc>
-                  <a:txBody>
-                    <a:bodyPr/>
-                    <a:lstStyle/>
-                    <a:p>
-                      <a:pPr marL="0" algn="ctr" defTabSz="914400" rtl="0" eaLnBrk="1" fontAlgn="b" latinLnBrk="0" hangingPunct="1"/>
-                      <a:r>
-                        <a:rPr lang="nb-NO" sz="600" u="none" strike="noStrike" kern="1200" dirty="0">
-                          <a:solidFill>
-                            <a:schemeClr val="dk1"/>
-                          </a:solidFill>
-                          <a:effectLst/>
-                          <a:latin typeface="+mn-lt"/>
-                          <a:ea typeface="+mn-ea"/>
-                          <a:cs typeface="+mn-cs"/>
-                        </a:rPr>
-                        <a:t>KOLONNE9</a:t>
-                      </a:r>
-                    </a:p>
-                  </a:txBody>
-                  <a:tcPr marL="12309" marR="12309" marT="12309" marB="0" anchor="b"/>
-                </a:tc>
-                <a:extLst>
-                  <a:ext uri="{0D108BD9-81ED-4DB2-BD59-A6C34878D82A}">
-                    <a16:rowId xmlns:a16="http://schemas.microsoft.com/office/drawing/2014/main" val="2722636360"/>
-                  </a:ext>
-                </a:extLst>
-              </a:tr>
-              <a:tr h="111135">
-                <a:tc>
-                  <a:txBody>
-                    <a:bodyPr/>
-                    <a:lstStyle/>
-                    <a:p>
-                      <a:pPr marL="0" algn="ctr" defTabSz="914400" rtl="0" eaLnBrk="1" fontAlgn="b" latinLnBrk="0" hangingPunct="1"/>
-                      <a:r>
-                        <a:rPr lang="nb-NO" sz="600" u="none" strike="noStrike" kern="1200" dirty="0">
-                          <a:solidFill>
-                            <a:schemeClr val="dk1"/>
-                          </a:solidFill>
-                          <a:effectLst/>
-                          <a:latin typeface="+mn-lt"/>
-                          <a:ea typeface="+mn-ea"/>
-                          <a:cs typeface="+mn-cs"/>
-                        </a:rPr>
-                        <a:t>KOLONNE10</a:t>
-                      </a:r>
-                    </a:p>
-                  </a:txBody>
-                  <a:tcPr marL="12309" marR="12309" marT="12309" marB="0" anchor="b"/>
-                </a:tc>
-                <a:extLst>
-                  <a:ext uri="{0D108BD9-81ED-4DB2-BD59-A6C34878D82A}">
-                    <a16:rowId xmlns:a16="http://schemas.microsoft.com/office/drawing/2014/main" val="962862525"/>
-                  </a:ext>
-                </a:extLst>
-              </a:tr>
-              <a:tr h="111135">
-                <a:tc>
-                  <a:txBody>
-                    <a:bodyPr/>
-                    <a:lstStyle/>
-                    <a:p>
-                      <a:pPr marL="0" algn="ctr" defTabSz="914400" rtl="0" eaLnBrk="1" fontAlgn="b" latinLnBrk="0" hangingPunct="1"/>
-                      <a:r>
-                        <a:rPr lang="nb-NO" sz="600" u="none" strike="noStrike" kern="1200" dirty="0">
-                          <a:solidFill>
-                            <a:schemeClr val="dk1"/>
-                          </a:solidFill>
-                          <a:effectLst/>
-                          <a:latin typeface="+mn-lt"/>
-                          <a:ea typeface="+mn-ea"/>
-                          <a:cs typeface="+mn-cs"/>
-                        </a:rPr>
-                        <a:t>KOLONNE11</a:t>
-                      </a:r>
-                    </a:p>
-                  </a:txBody>
-                  <a:tcPr marL="12309" marR="12309" marT="12309" marB="0" anchor="b"/>
-                </a:tc>
-                <a:extLst>
-                  <a:ext uri="{0D108BD9-81ED-4DB2-BD59-A6C34878D82A}">
-                    <a16:rowId xmlns:a16="http://schemas.microsoft.com/office/drawing/2014/main" val="1537834264"/>
-                  </a:ext>
-                </a:extLst>
-              </a:tr>
-              <a:tr h="113493">
-                <a:tc>
-                  <a:txBody>
-                    <a:bodyPr/>
-                    <a:lstStyle/>
-                    <a:p>
-                      <a:pPr marL="0" algn="ctr" defTabSz="914400" rtl="0" eaLnBrk="1" fontAlgn="b" latinLnBrk="0" hangingPunct="1"/>
-                      <a:endParaRPr lang="nb-NO" sz="600" u="none" strike="noStrike" kern="1200" dirty="0">
-                        <a:solidFill>
-                          <a:schemeClr val="dk1"/>
-                        </a:solidFill>
-                        <a:effectLst/>
-                        <a:latin typeface="+mn-lt"/>
-                        <a:ea typeface="+mn-ea"/>
-                        <a:cs typeface="+mn-cs"/>
-                      </a:endParaRPr>
-                    </a:p>
-                  </a:txBody>
-                  <a:tcPr marL="15019" marR="15019" marT="15019" marB="0" anchor="b"/>
-                </a:tc>
-                <a:extLst>
-                  <a:ext uri="{0D108BD9-81ED-4DB2-BD59-A6C34878D82A}">
-                    <a16:rowId xmlns:a16="http://schemas.microsoft.com/office/drawing/2014/main" val="2559234957"/>
-                  </a:ext>
-                </a:extLst>
-              </a:tr>
-              <a:tr h="113493">
-                <a:tc>
-                  <a:txBody>
-                    <a:bodyPr/>
-                    <a:lstStyle/>
-                    <a:p>
-                      <a:pPr marL="0" algn="ctr" defTabSz="914400" rtl="0" eaLnBrk="1" fontAlgn="b" latinLnBrk="0" hangingPunct="1"/>
-                      <a:endParaRPr lang="nb-NO" sz="600" u="none" strike="noStrike" kern="1200" dirty="0">
-                        <a:solidFill>
-                          <a:schemeClr val="dk1"/>
-                        </a:solidFill>
-                        <a:effectLst/>
-                        <a:latin typeface="+mn-lt"/>
-                        <a:ea typeface="+mn-ea"/>
-                        <a:cs typeface="+mn-cs"/>
-                      </a:endParaRPr>
-                    </a:p>
-                  </a:txBody>
-                  <a:tcPr marL="15019" marR="15019" marT="15019" marB="0" anchor="b"/>
-                </a:tc>
-                <a:extLst>
-                  <a:ext uri="{0D108BD9-81ED-4DB2-BD59-A6C34878D82A}">
-                    <a16:rowId xmlns:a16="http://schemas.microsoft.com/office/drawing/2014/main" val="3215555353"/>
-                  </a:ext>
-                </a:extLst>
-              </a:tr>
-              <a:tr h="113493">
-                <a:tc>
-                  <a:txBody>
-                    <a:bodyPr/>
-                    <a:lstStyle/>
-                    <a:p>
-                      <a:pPr marL="0" algn="ctr" defTabSz="914400" rtl="0" eaLnBrk="1" fontAlgn="b" latinLnBrk="0" hangingPunct="1"/>
-                      <a:endParaRPr lang="nb-NO" sz="600" u="none" strike="noStrike" kern="1200" dirty="0">
-                        <a:solidFill>
-                          <a:schemeClr val="dk1"/>
-                        </a:solidFill>
-                        <a:effectLst/>
-                        <a:latin typeface="+mn-lt"/>
-                        <a:ea typeface="+mn-ea"/>
-                        <a:cs typeface="+mn-cs"/>
-                      </a:endParaRPr>
-                    </a:p>
-                  </a:txBody>
-                  <a:tcPr marL="15019" marR="15019" marT="15019" marB="0" anchor="b"/>
-                </a:tc>
-                <a:extLst>
-                  <a:ext uri="{0D108BD9-81ED-4DB2-BD59-A6C34878D82A}">
-                    <a16:rowId xmlns:a16="http://schemas.microsoft.com/office/drawing/2014/main" val="1654141552"/>
-                  </a:ext>
-                </a:extLst>
-              </a:tr>
-              <a:tr h="113493">
-                <a:tc>
-                  <a:txBody>
-                    <a:bodyPr/>
-                    <a:lstStyle/>
-                    <a:p>
-                      <a:pPr marL="0" algn="ctr" defTabSz="914400" rtl="0" eaLnBrk="1" fontAlgn="b" latinLnBrk="0" hangingPunct="1"/>
-                      <a:endParaRPr lang="nb-NO" sz="600" u="none" strike="noStrike" kern="1200" dirty="0">
-                        <a:solidFill>
-                          <a:schemeClr val="dk1"/>
-                        </a:solidFill>
-                        <a:effectLst/>
-                        <a:latin typeface="+mn-lt"/>
-                        <a:ea typeface="+mn-ea"/>
-                        <a:cs typeface="+mn-cs"/>
-                      </a:endParaRPr>
-                    </a:p>
-                  </a:txBody>
-                  <a:tcPr marL="15019" marR="15019" marT="15019" marB="0" anchor="b"/>
-                </a:tc>
-                <a:extLst>
-                  <a:ext uri="{0D108BD9-81ED-4DB2-BD59-A6C34878D82A}">
-                    <a16:rowId xmlns:a16="http://schemas.microsoft.com/office/drawing/2014/main" val="2561503379"/>
+                  <a:tcPr marL="9525" marR="9525" marT="9525" marB="0" anchor="b"/>
+                </a:tc>
+                <a:extLst>
+                  <a:ext uri="{0D108BD9-81ED-4DB2-BD59-A6C34878D82A}">
+                    <a16:rowId xmlns:a16="http://schemas.microsoft.com/office/drawing/2014/main" val="2585288978"/>
                   </a:ext>
                 </a:extLst>
               </a:tr>
@@ -7648,14 +7010,14 @@
           <p:nvPr>
             <p:extLst>
               <p:ext uri="{D42A27DB-BD31-4B8C-83A1-F6EECF244321}">
-                <p14:modId xmlns:p14="http://schemas.microsoft.com/office/powerpoint/2010/main" val="3128717826"/>
+                <p14:modId xmlns:p14="http://schemas.microsoft.com/office/powerpoint/2010/main" val="1680384026"/>
               </p:ext>
             </p:extLst>
           </p:nvPr>
         </p:nvGraphicFramePr>
         <p:xfrm>
-          <a:off x="6940047" y="597507"/>
-          <a:ext cx="1108949" cy="4300137"/>
+          <a:off x="6425854" y="339221"/>
+          <a:ext cx="1344507" cy="4300137"/>
         </p:xfrm>
         <a:graphic>
           <a:graphicData uri="http://schemas.openxmlformats.org/drawingml/2006/table">
@@ -7664,7 +7026,7 @@
                 <a:tableStyleId>{5C22544A-7EE6-4342-B048-85BDC9FD1C3A}</a:tableStyleId>
               </a:tblPr>
               <a:tblGrid>
-                <a:gridCol w="1108949">
+                <a:gridCol w="1344507">
                   <a:extLst>
                     <a:ext uri="{9D8B030D-6E8A-4147-A177-3AD203B41FA5}">
                       <a16:colId xmlns:a16="http://schemas.microsoft.com/office/drawing/2014/main" val="304410519"/>
@@ -7687,7 +7049,7 @@
                           <a:effectLst/>
                           <a:latin typeface="Calibri" panose="020F0502020204030204" pitchFamily="34" charset="0"/>
                         </a:rPr>
-                        <a:t>Variant </a:t>
+                        <a:t>Variants </a:t>
                       </a:r>
                     </a:p>
                   </a:txBody>
@@ -7717,6 +7079,55 @@
                           </a:solidFill>
                           <a:effectLst/>
                         </a:rPr>
+                        <a:t>FOREIGN KEY § </a:t>
+                      </a:r>
+                      <a:br>
+                        <a:rPr lang="nb-NO" sz="600" u="none" strike="noStrike" kern="1200" dirty="0">
+                          <a:solidFill>
+                            <a:schemeClr val="dk1"/>
+                          </a:solidFill>
+                          <a:effectLst/>
+                          <a:latin typeface="+mn-lt"/>
+                          <a:ea typeface="+mn-ea"/>
+                          <a:cs typeface="+mn-cs"/>
+                        </a:rPr>
+                      </a:br>
+                      <a:r>
+                        <a:rPr lang="nb-NO" sz="600" u="none" strike="noStrike" kern="1200" dirty="0">
+                          <a:solidFill>
+                            <a:schemeClr val="dk1"/>
+                          </a:solidFill>
+                          <a:effectLst/>
+                          <a:latin typeface="+mn-lt"/>
+                          <a:ea typeface="+mn-ea"/>
+                          <a:cs typeface="+mn-cs"/>
+                        </a:rPr>
+                        <a:t>CHROM_POS_ALTEND_DATE</a:t>
+                      </a:r>
+                    </a:p>
+                  </a:txBody>
+                  <a:tcPr marL="9525" marR="9525" marT="9525" marB="0" anchor="b"/>
+                </a:tc>
+                <a:extLst>
+                  <a:ext uri="{0D108BD9-81ED-4DB2-BD59-A6C34878D82A}">
+                    <a16:rowId xmlns:a16="http://schemas.microsoft.com/office/drawing/2014/main" val="3237847192"/>
+                  </a:ext>
+                </a:extLst>
+              </a:tr>
+              <a:tr h="111726">
+                <a:tc>
+                  <a:txBody>
+                    <a:bodyPr/>
+                    <a:lstStyle/>
+                    <a:p>
+                      <a:pPr marL="0" algn="ctr" defTabSz="914400" rtl="0" eaLnBrk="1" fontAlgn="b" latinLnBrk="0" hangingPunct="1"/>
+                      <a:r>
+                        <a:rPr lang="nb-NO" sz="600" u="none" strike="noStrike" dirty="0">
+                          <a:solidFill>
+                            <a:schemeClr val="accent2"/>
+                          </a:solidFill>
+                          <a:effectLst/>
+                        </a:rPr>
                         <a:t>§ </a:t>
                       </a:r>
                       <a:r>
@@ -7729,19 +7140,19 @@
                           <a:ea typeface="+mn-ea"/>
                           <a:cs typeface="+mn-cs"/>
                         </a:rPr>
-                        <a:t>FOREIGN KEY CHROM_POS_ALTEND_DATE</a:t>
-                      </a:r>
-                    </a:p>
-                  </a:txBody>
-                  <a:tcPr marL="12309" marR="12309" marT="12309" marB="0" anchor="b"/>
-                </a:tc>
-                <a:extLst>
-                  <a:ext uri="{0D108BD9-81ED-4DB2-BD59-A6C34878D82A}">
-                    <a16:rowId xmlns:a16="http://schemas.microsoft.com/office/drawing/2014/main" val="3237847192"/>
-                  </a:ext>
-                </a:extLst>
-              </a:tr>
-              <a:tr h="111726">
+                        <a:t>CHROM</a:t>
+                      </a:r>
+                    </a:p>
+                  </a:txBody>
+                  <a:tcPr marL="9525" marR="9525" marT="9525" marB="0" anchor="b"/>
+                </a:tc>
+                <a:extLst>
+                  <a:ext uri="{0D108BD9-81ED-4DB2-BD59-A6C34878D82A}">
+                    <a16:rowId xmlns:a16="http://schemas.microsoft.com/office/drawing/2014/main" val="2439562404"/>
+                  </a:ext>
+                </a:extLst>
+              </a:tr>
+              <a:tr h="110783">
                 <a:tc>
                   <a:txBody>
                     <a:bodyPr/>
@@ -7767,15 +7178,73 @@
                           <a:ea typeface="+mn-ea"/>
                           <a:cs typeface="+mn-cs"/>
                         </a:rPr>
-                        <a:t>CHROM</a:t>
-                      </a:r>
-                    </a:p>
-                  </a:txBody>
-                  <a:tcPr marL="12309" marR="12309" marT="12309" marB="0" anchor="b"/>
-                </a:tc>
-                <a:extLst>
-                  <a:ext uri="{0D108BD9-81ED-4DB2-BD59-A6C34878D82A}">
-                    <a16:rowId xmlns:a16="http://schemas.microsoft.com/office/drawing/2014/main" val="2439562404"/>
+                        <a:t>POS</a:t>
+                      </a:r>
+                    </a:p>
+                  </a:txBody>
+                  <a:tcPr marL="9525" marR="9525" marT="9525" marB="0" anchor="b"/>
+                </a:tc>
+                <a:extLst>
+                  <a:ext uri="{0D108BD9-81ED-4DB2-BD59-A6C34878D82A}">
+                    <a16:rowId xmlns:a16="http://schemas.microsoft.com/office/drawing/2014/main" val="2520899336"/>
+                  </a:ext>
+                </a:extLst>
+              </a:tr>
+              <a:tr h="110783">
+                <a:tc>
+                  <a:txBody>
+                    <a:bodyPr/>
+                    <a:lstStyle/>
+                    <a:p>
+                      <a:pPr marL="0" algn="ctr" defTabSz="914400" rtl="0" eaLnBrk="1" fontAlgn="b" latinLnBrk="0" hangingPunct="1"/>
+                      <a:r>
+                        <a:rPr lang="nb-NO" sz="600" u="none" strike="noStrike" kern="1200" dirty="0">
+                          <a:solidFill>
+                            <a:schemeClr val="dk1"/>
+                          </a:solidFill>
+                          <a:effectLst/>
+                          <a:latin typeface="+mn-lt"/>
+                          <a:ea typeface="+mn-ea"/>
+                          <a:cs typeface="+mn-cs"/>
+                        </a:rPr>
+                        <a:t>ID</a:t>
+                      </a:r>
+                    </a:p>
+                  </a:txBody>
+                  <a:tcPr marL="9525" marR="9525" marT="9525" marB="0" anchor="b"/>
+                </a:tc>
+                <a:extLst>
+                  <a:ext uri="{0D108BD9-81ED-4DB2-BD59-A6C34878D82A}">
+                    <a16:rowId xmlns:a16="http://schemas.microsoft.com/office/drawing/2014/main" val="1291891602"/>
+                  </a:ext>
+                </a:extLst>
+              </a:tr>
+              <a:tr h="111335">
+                <a:tc>
+                  <a:txBody>
+                    <a:bodyPr/>
+                    <a:lstStyle/>
+                    <a:p>
+                      <a:pPr marL="0" algn="ctr" defTabSz="914400" rtl="0" eaLnBrk="1" fontAlgn="b" latinLnBrk="0" hangingPunct="1"/>
+                      <a:r>
+                        <a:rPr lang="nb-NO" sz="600" u="none" strike="noStrike" kern="1200" dirty="0">
+                          <a:solidFill>
+                            <a:schemeClr val="dk1"/>
+                          </a:solidFill>
+                          <a:effectLst/>
+                          <a:latin typeface="+mn-lt"/>
+                          <a:ea typeface="+mn-ea"/>
+                          <a:cs typeface="+mn-cs"/>
+                        </a:rPr>
+                        <a:t>REF</a:t>
+                      </a:r>
+                    </a:p>
+                  </a:txBody>
+                  <a:tcPr marL="9525" marR="9525" marT="9525" marB="0" anchor="b"/>
+                </a:tc>
+                <a:extLst>
+                  <a:ext uri="{0D108BD9-81ED-4DB2-BD59-A6C34878D82A}">
+                    <a16:rowId xmlns:a16="http://schemas.microsoft.com/office/drawing/2014/main" val="751748573"/>
                   </a:ext>
                 </a:extLst>
               </a:tr>
@@ -7805,73 +7274,15 @@
                           <a:ea typeface="+mn-ea"/>
                           <a:cs typeface="+mn-cs"/>
                         </a:rPr>
-                        <a:t>POS</a:t>
-                      </a:r>
-                    </a:p>
-                  </a:txBody>
-                  <a:tcPr marL="12309" marR="12309" marT="12309" marB="0" anchor="b"/>
-                </a:tc>
-                <a:extLst>
-                  <a:ext uri="{0D108BD9-81ED-4DB2-BD59-A6C34878D82A}">
-                    <a16:rowId xmlns:a16="http://schemas.microsoft.com/office/drawing/2014/main" val="2520899336"/>
-                  </a:ext>
-                </a:extLst>
-              </a:tr>
-              <a:tr h="110783">
-                <a:tc>
-                  <a:txBody>
-                    <a:bodyPr/>
-                    <a:lstStyle/>
-                    <a:p>
-                      <a:pPr marL="0" algn="ctr" defTabSz="914400" rtl="0" eaLnBrk="1" fontAlgn="b" latinLnBrk="0" hangingPunct="1"/>
-                      <a:r>
-                        <a:rPr lang="nb-NO" sz="600" u="none" strike="noStrike" kern="1200" dirty="0">
-                          <a:solidFill>
-                            <a:schemeClr val="dk1"/>
-                          </a:solidFill>
-                          <a:effectLst/>
-                          <a:latin typeface="+mn-lt"/>
-                          <a:ea typeface="+mn-ea"/>
-                          <a:cs typeface="+mn-cs"/>
-                        </a:rPr>
-                        <a:t>ID</a:t>
-                      </a:r>
-                    </a:p>
-                  </a:txBody>
-                  <a:tcPr marL="12309" marR="12309" marT="12309" marB="0" anchor="b"/>
-                </a:tc>
-                <a:extLst>
-                  <a:ext uri="{0D108BD9-81ED-4DB2-BD59-A6C34878D82A}">
-                    <a16:rowId xmlns:a16="http://schemas.microsoft.com/office/drawing/2014/main" val="1291891602"/>
-                  </a:ext>
-                </a:extLst>
-              </a:tr>
-              <a:tr h="111335">
-                <a:tc>
-                  <a:txBody>
-                    <a:bodyPr/>
-                    <a:lstStyle/>
-                    <a:p>
-                      <a:pPr marL="0" algn="ctr" defTabSz="914400" rtl="0" eaLnBrk="1" fontAlgn="b" latinLnBrk="0" hangingPunct="1"/>
-                      <a:r>
-                        <a:rPr lang="nb-NO" sz="600" u="none" strike="noStrike" kern="1200" dirty="0">
-                          <a:solidFill>
-                            <a:schemeClr val="dk1"/>
-                          </a:solidFill>
-                          <a:effectLst/>
-                          <a:latin typeface="+mn-lt"/>
-                          <a:ea typeface="+mn-ea"/>
-                          <a:cs typeface="+mn-cs"/>
-                        </a:rPr>
-                        <a:t>REF</a:t>
-                      </a:r>
-                    </a:p>
-                  </a:txBody>
-                  <a:tcPr marL="12309" marR="12309" marT="12309" marB="0" anchor="b"/>
-                </a:tc>
-                <a:extLst>
-                  <a:ext uri="{0D108BD9-81ED-4DB2-BD59-A6C34878D82A}">
-                    <a16:rowId xmlns:a16="http://schemas.microsoft.com/office/drawing/2014/main" val="751748573"/>
+                        <a:t>ALTEND</a:t>
+                      </a:r>
+                    </a:p>
+                  </a:txBody>
+                  <a:tcPr marL="9525" marR="9525" marT="9525" marB="0" anchor="b"/>
+                </a:tc>
+                <a:extLst>
+                  <a:ext uri="{0D108BD9-81ED-4DB2-BD59-A6C34878D82A}">
+                    <a16:rowId xmlns:a16="http://schemas.microsoft.com/office/drawing/2014/main" val="4152115689"/>
                   </a:ext>
                 </a:extLst>
               </a:tr>
@@ -7901,49 +7312,11 @@
                           <a:ea typeface="+mn-ea"/>
                           <a:cs typeface="+mn-cs"/>
                         </a:rPr>
-                        <a:t>ALTEND</a:t>
-                      </a:r>
-                    </a:p>
-                  </a:txBody>
-                  <a:tcPr marL="12309" marR="12309" marT="12309" marB="0" anchor="b"/>
-                </a:tc>
-                <a:extLst>
-                  <a:ext uri="{0D108BD9-81ED-4DB2-BD59-A6C34878D82A}">
-                    <a16:rowId xmlns:a16="http://schemas.microsoft.com/office/drawing/2014/main" val="4152115689"/>
-                  </a:ext>
-                </a:extLst>
-              </a:tr>
-              <a:tr h="110783">
-                <a:tc>
-                  <a:txBody>
-                    <a:bodyPr/>
-                    <a:lstStyle/>
-                    <a:p>
-                      <a:pPr marL="0" algn="ctr" defTabSz="914400" rtl="0" eaLnBrk="1" fontAlgn="b" latinLnBrk="0" hangingPunct="1"/>
-                      <a:r>
-                        <a:rPr lang="nb-NO" sz="600" u="none" strike="noStrike" dirty="0">
-                          <a:solidFill>
-                            <a:schemeClr val="accent2"/>
-                          </a:solidFill>
-                          <a:effectLst/>
-                        </a:rPr>
-                        <a:t>§ </a:t>
-                      </a:r>
-                      <a:r>
-                        <a:rPr lang="nb-NO" sz="600" u="none" strike="noStrike" kern="1200" dirty="0">
-                          <a:solidFill>
-                            <a:schemeClr val="dk1"/>
-                          </a:solidFill>
-                          <a:effectLst/>
-                          <a:latin typeface="+mn-lt"/>
-                          <a:ea typeface="+mn-ea"/>
-                          <a:cs typeface="+mn-cs"/>
-                        </a:rPr>
                         <a:t>DATE</a:t>
                       </a:r>
                     </a:p>
                   </a:txBody>
-                  <a:tcPr marL="12309" marR="12309" marT="12309" marB="0" anchor="b"/>
+                  <a:tcPr marL="9525" marR="9525" marT="9525" marB="0" anchor="b"/>
                 </a:tc>
                 <a:extLst>
                   <a:ext uri="{0D108BD9-81ED-4DB2-BD59-A6C34878D82A}">
@@ -7972,7 +7345,7 @@
                       </a:r>
                     </a:p>
                   </a:txBody>
-                  <a:tcPr marL="12309" marR="12309" marT="12309" marB="0" anchor="b"/>
+                  <a:tcPr marL="9525" marR="9525" marT="9525" marB="0" anchor="b"/>
                 </a:tc>
                 <a:extLst>
                   <a:ext uri="{0D108BD9-81ED-4DB2-BD59-A6C34878D82A}">
@@ -7997,11 +7370,11 @@
                           <a:ea typeface="+mn-ea"/>
                           <a:cs typeface="+mn-cs"/>
                         </a:rPr>
-                        <a:t>Gene</a:t>
-                      </a:r>
-                    </a:p>
-                  </a:txBody>
-                  <a:tcPr marL="12309" marR="12309" marT="12309" marB="0" anchor="b"/>
+                        <a:t>gene</a:t>
+                      </a:r>
+                    </a:p>
+                  </a:txBody>
+                  <a:tcPr marL="9525" marR="9525" marT="9525" marB="0" anchor="b"/>
                 </a:tc>
                 <a:extLst>
                   <a:ext uri="{0D108BD9-81ED-4DB2-BD59-A6C34878D82A}">
@@ -8039,7 +7412,7 @@
                       </a:endParaRPr>
                     </a:p>
                   </a:txBody>
-                  <a:tcPr marL="12309" marR="12309" marT="12309" marB="0" anchor="b"/>
+                  <a:tcPr marL="9525" marR="9525" marT="9525" marB="0" anchor="b"/>
                 </a:tc>
                 <a:extLst>
                   <a:ext uri="{0D108BD9-81ED-4DB2-BD59-A6C34878D82A}">
@@ -8077,7 +7450,7 @@
                       </a:endParaRPr>
                     </a:p>
                   </a:txBody>
-                  <a:tcPr marL="12309" marR="12309" marT="12309" marB="0" anchor="b"/>
+                  <a:tcPr marL="9525" marR="9525" marT="9525" marB="0" anchor="b"/>
                 </a:tc>
                 <a:extLst>
                   <a:ext uri="{0D108BD9-81ED-4DB2-BD59-A6C34878D82A}">
@@ -8115,7 +7488,7 @@
                       </a:endParaRPr>
                     </a:p>
                   </a:txBody>
-                  <a:tcPr marL="12309" marR="12309" marT="12309" marB="0" anchor="b"/>
+                  <a:tcPr marL="9525" marR="9525" marT="9525" marB="0" anchor="b"/>
                 </a:tc>
                 <a:extLst>
                   <a:ext uri="{0D108BD9-81ED-4DB2-BD59-A6C34878D82A}">
@@ -8153,7 +7526,7 @@
                       </a:endParaRPr>
                     </a:p>
                   </a:txBody>
-                  <a:tcPr marL="12309" marR="12309" marT="12309" marB="0" anchor="b"/>
+                  <a:tcPr marL="9525" marR="9525" marT="9525" marB="0" anchor="b"/>
                 </a:tc>
                 <a:extLst>
                   <a:ext uri="{0D108BD9-81ED-4DB2-BD59-A6C34878D82A}">
@@ -8191,7 +7564,7 @@
                       </a:endParaRPr>
                     </a:p>
                   </a:txBody>
-                  <a:tcPr marL="12309" marR="12309" marT="12309" marB="0" anchor="b"/>
+                  <a:tcPr marL="9525" marR="9525" marT="9525" marB="0" anchor="b"/>
                 </a:tc>
                 <a:extLst>
                   <a:ext uri="{0D108BD9-81ED-4DB2-BD59-A6C34878D82A}">
@@ -8229,7 +7602,7 @@
                       </a:endParaRPr>
                     </a:p>
                   </a:txBody>
-                  <a:tcPr marL="12309" marR="12309" marT="12309" marB="0" anchor="b"/>
+                  <a:tcPr marL="9525" marR="9525" marT="9525" marB="0" anchor="b"/>
                 </a:tc>
                 <a:extLst>
                   <a:ext uri="{0D108BD9-81ED-4DB2-BD59-A6C34878D82A}">
@@ -8267,7 +7640,7 @@
                       </a:endParaRPr>
                     </a:p>
                   </a:txBody>
-                  <a:tcPr marL="12309" marR="12309" marT="12309" marB="0" anchor="b"/>
+                  <a:tcPr marL="9525" marR="9525" marT="9525" marB="0" anchor="b"/>
                 </a:tc>
                 <a:extLst>
                   <a:ext uri="{0D108BD9-81ED-4DB2-BD59-A6C34878D82A}">
@@ -8305,7 +7678,7 @@
                       </a:endParaRPr>
                     </a:p>
                   </a:txBody>
-                  <a:tcPr marL="12309" marR="12309" marT="12309" marB="0" anchor="b"/>
+                  <a:tcPr marL="9525" marR="9525" marT="9525" marB="0" anchor="b"/>
                 </a:tc>
                 <a:extLst>
                   <a:ext uri="{0D108BD9-81ED-4DB2-BD59-A6C34878D82A}">
@@ -8321,7 +7694,7 @@
                     <a:p>
                       <a:pPr marL="0" algn="ctr" defTabSz="914400" rtl="0" eaLnBrk="1" fontAlgn="b" latinLnBrk="0" hangingPunct="1"/>
                       <a:r>
-                        <a:rPr lang="nb-NO" sz="600" u="none" strike="noStrike" kern="1200">
+                        <a:rPr lang="nb-NO" sz="600" u="none" strike="noStrike" kern="1200" dirty="0" err="1">
                           <a:solidFill>
                             <a:schemeClr val="dk1"/>
                           </a:solidFill>
@@ -8331,35 +7704,6 @@
                           <a:cs typeface="+mn-cs"/>
                         </a:rPr>
                         <a:t>gt</a:t>
-                      </a:r>
-                    </a:p>
-                  </a:txBody>
-                  <a:tcPr marL="12309" marR="12309" marT="12309" marB="0" anchor="b"/>
-                </a:tc>
-                <a:extLst>
-                  <a:ext uri="{0D108BD9-81ED-4DB2-BD59-A6C34878D82A}">
-                    <a16:rowId xmlns:a16="http://schemas.microsoft.com/office/drawing/2014/main" val="2711276596"/>
-                  </a:ext>
-                </a:extLst>
-              </a:tr>
-              <a:tr h="110783">
-                <a:tc>
-                  <a:txBody>
-                    <a:bodyPr/>
-                    <a:lstStyle/>
-                    <a:p>
-                      <a:pPr marL="0" algn="ctr" defTabSz="914400" rtl="0" eaLnBrk="1" fontAlgn="b" latinLnBrk="0" hangingPunct="1"/>
-                      <a:r>
-                        <a:rPr lang="nb-NO" sz="600" u="none" strike="noStrike" kern="1200" dirty="0" err="1">
-                          <a:solidFill>
-                            <a:schemeClr val="dk1"/>
-                          </a:solidFill>
-                          <a:effectLst/>
-                          <a:latin typeface="+mn-lt"/>
-                          <a:ea typeface="+mn-ea"/>
-                          <a:cs typeface="+mn-cs"/>
-                        </a:rPr>
-                        <a:t>codon</a:t>
                       </a:r>
                       <a:endParaRPr lang="nb-NO" sz="600" u="none" strike="noStrike" kern="1200" dirty="0">
                         <a:solidFill>
@@ -8372,11 +7716,11 @@
                       </a:endParaRPr>
                     </a:p>
                   </a:txBody>
-                  <a:tcPr marL="12309" marR="12309" marT="12309" marB="0" anchor="b"/>
-                </a:tc>
-                <a:extLst>
-                  <a:ext uri="{0D108BD9-81ED-4DB2-BD59-A6C34878D82A}">
-                    <a16:rowId xmlns:a16="http://schemas.microsoft.com/office/drawing/2014/main" val="2636384645"/>
+                  <a:tcPr marL="9525" marR="9525" marT="9525" marB="0" anchor="b"/>
+                </a:tc>
+                <a:extLst>
+                  <a:ext uri="{0D108BD9-81ED-4DB2-BD59-A6C34878D82A}">
+                    <a16:rowId xmlns:a16="http://schemas.microsoft.com/office/drawing/2014/main" val="2711276596"/>
                   </a:ext>
                 </a:extLst>
               </a:tr>
@@ -8397,7 +7741,7 @@
                           <a:ea typeface="+mn-ea"/>
                           <a:cs typeface="+mn-cs"/>
                         </a:rPr>
-                        <a:t>coding</a:t>
+                        <a:t>codon</a:t>
                       </a:r>
                       <a:endParaRPr lang="nb-NO" sz="600" u="none" strike="noStrike" kern="1200" dirty="0">
                         <a:solidFill>
@@ -8410,11 +7754,11 @@
                       </a:endParaRPr>
                     </a:p>
                   </a:txBody>
-                  <a:tcPr marL="12309" marR="12309" marT="12309" marB="0" anchor="b"/>
-                </a:tc>
-                <a:extLst>
-                  <a:ext uri="{0D108BD9-81ED-4DB2-BD59-A6C34878D82A}">
-                    <a16:rowId xmlns:a16="http://schemas.microsoft.com/office/drawing/2014/main" val="2380343444"/>
+                  <a:tcPr marL="9525" marR="9525" marT="9525" marB="0" anchor="b"/>
+                </a:tc>
+                <a:extLst>
+                  <a:ext uri="{0D108BD9-81ED-4DB2-BD59-A6C34878D82A}">
+                    <a16:rowId xmlns:a16="http://schemas.microsoft.com/office/drawing/2014/main" val="2636384645"/>
                   </a:ext>
                 </a:extLst>
               </a:tr>
@@ -8435,7 +7779,7 @@
                           <a:ea typeface="+mn-ea"/>
                           <a:cs typeface="+mn-cs"/>
                         </a:rPr>
-                        <a:t>transcript</a:t>
+                        <a:t>coding</a:t>
                       </a:r>
                       <a:endParaRPr lang="nb-NO" sz="600" u="none" strike="noStrike" kern="1200" dirty="0">
                         <a:solidFill>
@@ -8448,11 +7792,11 @@
                       </a:endParaRPr>
                     </a:p>
                   </a:txBody>
-                  <a:tcPr marL="12309" marR="12309" marT="12309" marB="0" anchor="b"/>
-                </a:tc>
-                <a:extLst>
-                  <a:ext uri="{0D108BD9-81ED-4DB2-BD59-A6C34878D82A}">
-                    <a16:rowId xmlns:a16="http://schemas.microsoft.com/office/drawing/2014/main" val="895793621"/>
+                  <a:tcPr marL="9525" marR="9525" marT="9525" marB="0" anchor="b"/>
+                </a:tc>
+                <a:extLst>
+                  <a:ext uri="{0D108BD9-81ED-4DB2-BD59-A6C34878D82A}">
+                    <a16:rowId xmlns:a16="http://schemas.microsoft.com/office/drawing/2014/main" val="2380343444"/>
                   </a:ext>
                 </a:extLst>
               </a:tr>
@@ -8473,7 +7817,7 @@
                           <a:ea typeface="+mn-ea"/>
                           <a:cs typeface="+mn-cs"/>
                         </a:rPr>
-                        <a:t>annotation_variant</a:t>
+                        <a:t>transcript</a:t>
                       </a:r>
                       <a:endParaRPr lang="nb-NO" sz="600" u="none" strike="noStrike" kern="1200" dirty="0">
                         <a:solidFill>
@@ -8486,11 +7830,11 @@
                       </a:endParaRPr>
                     </a:p>
                   </a:txBody>
-                  <a:tcPr marL="12309" marR="12309" marT="12309" marB="0" anchor="b"/>
-                </a:tc>
-                <a:extLst>
-                  <a:ext uri="{0D108BD9-81ED-4DB2-BD59-A6C34878D82A}">
-                    <a16:rowId xmlns:a16="http://schemas.microsoft.com/office/drawing/2014/main" val="2989597245"/>
+                  <a:tcPr marL="9525" marR="9525" marT="9525" marB="0" anchor="b"/>
+                </a:tc>
+                <a:extLst>
+                  <a:ext uri="{0D108BD9-81ED-4DB2-BD59-A6C34878D82A}">
+                    <a16:rowId xmlns:a16="http://schemas.microsoft.com/office/drawing/2014/main" val="895793621"/>
                   </a:ext>
                 </a:extLst>
               </a:tr>
@@ -8511,7 +7855,7 @@
                           <a:ea typeface="+mn-ea"/>
                           <a:cs typeface="+mn-cs"/>
                         </a:rPr>
-                        <a:t>function</a:t>
+                        <a:t>annotation_variant</a:t>
                       </a:r>
                       <a:endParaRPr lang="nb-NO" sz="600" u="none" strike="noStrike" kern="1200" dirty="0">
                         <a:solidFill>
@@ -8524,69 +7868,11 @@
                       </a:endParaRPr>
                     </a:p>
                   </a:txBody>
-                  <a:tcPr marL="12309" marR="12309" marT="12309" marB="0" anchor="b"/>
-                </a:tc>
-                <a:extLst>
-                  <a:ext uri="{0D108BD9-81ED-4DB2-BD59-A6C34878D82A}">
-                    <a16:rowId xmlns:a16="http://schemas.microsoft.com/office/drawing/2014/main" val="2833972734"/>
-                  </a:ext>
-                </a:extLst>
-              </a:tr>
-              <a:tr h="110783">
-                <a:tc>
-                  <a:txBody>
-                    <a:bodyPr/>
-                    <a:lstStyle/>
-                    <a:p>
-                      <a:pPr marL="0" algn="ctr" defTabSz="914400" rtl="0" eaLnBrk="1" fontAlgn="b" latinLnBrk="0" hangingPunct="1"/>
-                      <a:r>
-                        <a:rPr lang="nb-NO" sz="600" u="none" strike="noStrike" kern="1200">
-                          <a:solidFill>
-                            <a:schemeClr val="dk1"/>
-                          </a:solidFill>
-                          <a:effectLst/>
-                          <a:latin typeface="+mn-lt"/>
-                          <a:ea typeface="+mn-ea"/>
-                          <a:cs typeface="+mn-cs"/>
-                        </a:rPr>
-                        <a:t>protein</a:t>
-                      </a:r>
-                    </a:p>
-                  </a:txBody>
-                  <a:tcPr marL="12309" marR="12309" marT="12309" marB="0" anchor="b"/>
-                </a:tc>
-                <a:extLst>
-                  <a:ext uri="{0D108BD9-81ED-4DB2-BD59-A6C34878D82A}">
-                    <a16:rowId xmlns:a16="http://schemas.microsoft.com/office/drawing/2014/main" val="2112885600"/>
-                  </a:ext>
-                </a:extLst>
-              </a:tr>
-              <a:tr h="110783">
-                <a:tc>
-                  <a:txBody>
-                    <a:bodyPr/>
-                    <a:lstStyle/>
-                    <a:p>
-                      <a:pPr marL="0" algn="ctr" defTabSz="914400" rtl="0" eaLnBrk="1" fontAlgn="b" latinLnBrk="0" hangingPunct="1"/>
-                      <a:r>
-                        <a:rPr lang="nb-NO" sz="600" u="none" strike="noStrike" kern="1200">
-                          <a:solidFill>
-                            <a:schemeClr val="dk1"/>
-                          </a:solidFill>
-                          <a:effectLst/>
-                          <a:latin typeface="+mn-lt"/>
-                          <a:ea typeface="+mn-ea"/>
-                          <a:cs typeface="+mn-cs"/>
-                        </a:rPr>
-                        <a:t>location</a:t>
-                      </a:r>
-                    </a:p>
-                  </a:txBody>
-                  <a:tcPr marL="12309" marR="12309" marT="12309" marB="0" anchor="b"/>
-                </a:tc>
-                <a:extLst>
-                  <a:ext uri="{0D108BD9-81ED-4DB2-BD59-A6C34878D82A}">
-                    <a16:rowId xmlns:a16="http://schemas.microsoft.com/office/drawing/2014/main" val="373109163"/>
+                  <a:tcPr marL="9525" marR="9525" marT="9525" marB="0" anchor="b"/>
+                </a:tc>
+                <a:extLst>
+                  <a:ext uri="{0D108BD9-81ED-4DB2-BD59-A6C34878D82A}">
+                    <a16:rowId xmlns:a16="http://schemas.microsoft.com/office/drawing/2014/main" val="2989597245"/>
                   </a:ext>
                 </a:extLst>
               </a:tr>
@@ -8607,7 +7893,7 @@
                           <a:ea typeface="+mn-ea"/>
                           <a:cs typeface="+mn-cs"/>
                         </a:rPr>
-                        <a:t>origAlt</a:t>
+                        <a:t>function</a:t>
                       </a:r>
                       <a:endParaRPr lang="nb-NO" sz="600" u="none" strike="noStrike" kern="1200" dirty="0">
                         <a:solidFill>
@@ -8620,127 +7906,69 @@
                       </a:endParaRPr>
                     </a:p>
                   </a:txBody>
-                  <a:tcPr marL="12309" marR="12309" marT="12309" marB="0" anchor="b"/>
-                </a:tc>
-                <a:extLst>
-                  <a:ext uri="{0D108BD9-81ED-4DB2-BD59-A6C34878D82A}">
-                    <a16:rowId xmlns:a16="http://schemas.microsoft.com/office/drawing/2014/main" val="3810284299"/>
-                  </a:ext>
-                </a:extLst>
-              </a:tr>
-              <a:tr h="110783">
-                <a:tc>
-                  <a:txBody>
-                    <a:bodyPr/>
-                    <a:lstStyle/>
-                    <a:p>
-                      <a:pPr marL="0" algn="ctr" defTabSz="914400" rtl="0" eaLnBrk="1" fontAlgn="b" latinLnBrk="0" hangingPunct="1"/>
-                      <a:r>
-                        <a:rPr lang="nb-NO" sz="600" u="none" strike="noStrike" kern="1200">
-                          <a:solidFill>
-                            <a:schemeClr val="dk1"/>
-                          </a:solidFill>
-                          <a:effectLst/>
-                          <a:latin typeface="+mn-lt"/>
-                          <a:ea typeface="+mn-ea"/>
-                          <a:cs typeface="+mn-cs"/>
-                        </a:rPr>
-                        <a:t>CLNACC1</a:t>
-                      </a:r>
-                    </a:p>
-                  </a:txBody>
-                  <a:tcPr marL="12309" marR="12309" marT="12309" marB="0" anchor="b"/>
-                </a:tc>
-                <a:extLst>
-                  <a:ext uri="{0D108BD9-81ED-4DB2-BD59-A6C34878D82A}">
-                    <a16:rowId xmlns:a16="http://schemas.microsoft.com/office/drawing/2014/main" val="184629512"/>
-                  </a:ext>
-                </a:extLst>
-              </a:tr>
-              <a:tr h="110783">
-                <a:tc>
-                  <a:txBody>
-                    <a:bodyPr/>
-                    <a:lstStyle/>
-                    <a:p>
-                      <a:pPr marL="0" algn="ctr" defTabSz="914400" rtl="0" eaLnBrk="1" fontAlgn="b" latinLnBrk="0" hangingPunct="1"/>
-                      <a:r>
-                        <a:rPr lang="nb-NO" sz="600" u="none" strike="noStrike" kern="1200">
-                          <a:solidFill>
-                            <a:schemeClr val="dk1"/>
-                          </a:solidFill>
-                          <a:effectLst/>
-                          <a:latin typeface="+mn-lt"/>
-                          <a:ea typeface="+mn-ea"/>
-                          <a:cs typeface="+mn-cs"/>
-                        </a:rPr>
-                        <a:t>CLNSIG1</a:t>
-                      </a:r>
-                    </a:p>
-                  </a:txBody>
-                  <a:tcPr marL="12309" marR="12309" marT="12309" marB="0" anchor="b"/>
-                </a:tc>
-                <a:extLst>
-                  <a:ext uri="{0D108BD9-81ED-4DB2-BD59-A6C34878D82A}">
-                    <a16:rowId xmlns:a16="http://schemas.microsoft.com/office/drawing/2014/main" val="4086359629"/>
-                  </a:ext>
-                </a:extLst>
-              </a:tr>
-              <a:tr h="110783">
-                <a:tc>
-                  <a:txBody>
-                    <a:bodyPr/>
-                    <a:lstStyle/>
-                    <a:p>
-                      <a:pPr marL="0" algn="ctr" defTabSz="914400" rtl="0" eaLnBrk="1" fontAlgn="b" latinLnBrk="0" hangingPunct="1"/>
-                      <a:r>
-                        <a:rPr lang="nb-NO" sz="600" u="none" strike="noStrike" kern="1200">
-                          <a:solidFill>
-                            <a:schemeClr val="dk1"/>
-                          </a:solidFill>
-                          <a:effectLst/>
-                          <a:latin typeface="+mn-lt"/>
-                          <a:ea typeface="+mn-ea"/>
-                          <a:cs typeface="+mn-cs"/>
-                        </a:rPr>
-                        <a:t>CLNREVSTAT1</a:t>
-                      </a:r>
-                    </a:p>
-                  </a:txBody>
-                  <a:tcPr marL="12309" marR="12309" marT="12309" marB="0" anchor="b"/>
-                </a:tc>
-                <a:extLst>
-                  <a:ext uri="{0D108BD9-81ED-4DB2-BD59-A6C34878D82A}">
-                    <a16:rowId xmlns:a16="http://schemas.microsoft.com/office/drawing/2014/main" val="1706105911"/>
-                  </a:ext>
-                </a:extLst>
-              </a:tr>
-              <a:tr h="110783">
-                <a:tc>
-                  <a:txBody>
-                    <a:bodyPr/>
-                    <a:lstStyle/>
-                    <a:p>
-                      <a:pPr marL="0" algn="ctr" defTabSz="914400" rtl="0" eaLnBrk="1" fontAlgn="b" latinLnBrk="0" hangingPunct="1"/>
-                      <a:r>
-                        <a:rPr lang="nb-NO" sz="600" u="none" strike="noStrike" kern="1200">
-                          <a:solidFill>
-                            <a:schemeClr val="dk1"/>
-                          </a:solidFill>
-                          <a:effectLst/>
-                          <a:latin typeface="+mn-lt"/>
-                          <a:ea typeface="+mn-ea"/>
-                          <a:cs typeface="+mn-cs"/>
-                        </a:rPr>
-                        <a:t>CLNID1</a:t>
-                      </a:r>
-                    </a:p>
-                  </a:txBody>
-                  <a:tcPr marL="12309" marR="12309" marT="12309" marB="0" anchor="b"/>
-                </a:tc>
-                <a:extLst>
-                  <a:ext uri="{0D108BD9-81ED-4DB2-BD59-A6C34878D82A}">
-                    <a16:rowId xmlns:a16="http://schemas.microsoft.com/office/drawing/2014/main" val="40205871"/>
+                  <a:tcPr marL="9525" marR="9525" marT="9525" marB="0" anchor="b"/>
+                </a:tc>
+                <a:extLst>
+                  <a:ext uri="{0D108BD9-81ED-4DB2-BD59-A6C34878D82A}">
+                    <a16:rowId xmlns:a16="http://schemas.microsoft.com/office/drawing/2014/main" val="2833972734"/>
+                  </a:ext>
+                </a:extLst>
+              </a:tr>
+              <a:tr h="110783">
+                <a:tc>
+                  <a:txBody>
+                    <a:bodyPr/>
+                    <a:lstStyle/>
+                    <a:p>
+                      <a:pPr marL="0" algn="ctr" defTabSz="914400" rtl="0" eaLnBrk="1" fontAlgn="b" latinLnBrk="0" hangingPunct="1"/>
+                      <a:r>
+                        <a:rPr lang="nb-NO" sz="600" u="none" strike="noStrike" kern="1200" dirty="0">
+                          <a:solidFill>
+                            <a:schemeClr val="dk1"/>
+                          </a:solidFill>
+                          <a:effectLst/>
+                          <a:latin typeface="+mn-lt"/>
+                          <a:ea typeface="+mn-ea"/>
+                          <a:cs typeface="+mn-cs"/>
+                        </a:rPr>
+                        <a:t>protein</a:t>
+                      </a:r>
+                    </a:p>
+                  </a:txBody>
+                  <a:tcPr marL="9525" marR="9525" marT="9525" marB="0" anchor="b"/>
+                </a:tc>
+                <a:extLst>
+                  <a:ext uri="{0D108BD9-81ED-4DB2-BD59-A6C34878D82A}">
+                    <a16:rowId xmlns:a16="http://schemas.microsoft.com/office/drawing/2014/main" val="2112885600"/>
+                  </a:ext>
+                </a:extLst>
+              </a:tr>
+              <a:tr h="110783">
+                <a:tc>
+                  <a:txBody>
+                    <a:bodyPr/>
+                    <a:lstStyle/>
+                    <a:p>
+                      <a:pPr marL="0" algn="ctr" defTabSz="914400" rtl="0" eaLnBrk="1" fontAlgn="b" latinLnBrk="0" hangingPunct="1"/>
+                      <a:r>
+                        <a:rPr lang="nb-NO" sz="600" u="none" strike="noStrike" kern="1200" dirty="0">
+                          <a:solidFill>
+                            <a:schemeClr val="dk1"/>
+                          </a:solidFill>
+                          <a:effectLst/>
+                          <a:latin typeface="+mn-lt"/>
+                          <a:ea typeface="+mn-ea"/>
+                          <a:cs typeface="+mn-cs"/>
+                        </a:rPr>
+                        <a:t>location</a:t>
+                      </a:r>
+                    </a:p>
+                  </a:txBody>
+                  <a:tcPr marL="9525" marR="9525" marT="9525" marB="0" anchor="b"/>
+                </a:tc>
+                <a:extLst>
+                  <a:ext uri="{0D108BD9-81ED-4DB2-BD59-A6C34878D82A}">
+                    <a16:rowId xmlns:a16="http://schemas.microsoft.com/office/drawing/2014/main" val="373109163"/>
                   </a:ext>
                 </a:extLst>
               </a:tr>
@@ -8761,7 +7989,7 @@
                           <a:ea typeface="+mn-ea"/>
                           <a:cs typeface="+mn-cs"/>
                         </a:rPr>
-                        <a:t>polyphen</a:t>
+                        <a:t>origAlt</a:t>
                       </a:r>
                       <a:endParaRPr lang="nb-NO" sz="600" u="none" strike="noStrike" kern="1200" dirty="0">
                         <a:solidFill>
@@ -8774,11 +8002,127 @@
                       </a:endParaRPr>
                     </a:p>
                   </a:txBody>
-                  <a:tcPr marL="12309" marR="12309" marT="12309" marB="0" anchor="b"/>
-                </a:tc>
-                <a:extLst>
-                  <a:ext uri="{0D108BD9-81ED-4DB2-BD59-A6C34878D82A}">
-                    <a16:rowId xmlns:a16="http://schemas.microsoft.com/office/drawing/2014/main" val="1323648746"/>
+                  <a:tcPr marL="9525" marR="9525" marT="9525" marB="0" anchor="b"/>
+                </a:tc>
+                <a:extLst>
+                  <a:ext uri="{0D108BD9-81ED-4DB2-BD59-A6C34878D82A}">
+                    <a16:rowId xmlns:a16="http://schemas.microsoft.com/office/drawing/2014/main" val="3810284299"/>
+                  </a:ext>
+                </a:extLst>
+              </a:tr>
+              <a:tr h="110783">
+                <a:tc>
+                  <a:txBody>
+                    <a:bodyPr/>
+                    <a:lstStyle/>
+                    <a:p>
+                      <a:pPr marL="0" algn="ctr" defTabSz="914400" rtl="0" eaLnBrk="1" fontAlgn="b" latinLnBrk="0" hangingPunct="1"/>
+                      <a:r>
+                        <a:rPr lang="nb-NO" sz="600" u="none" strike="noStrike" kern="1200" dirty="0">
+                          <a:solidFill>
+                            <a:schemeClr val="dk1"/>
+                          </a:solidFill>
+                          <a:effectLst/>
+                          <a:latin typeface="+mn-lt"/>
+                          <a:ea typeface="+mn-ea"/>
+                          <a:cs typeface="+mn-cs"/>
+                        </a:rPr>
+                        <a:t>CLNACC1</a:t>
+                      </a:r>
+                    </a:p>
+                  </a:txBody>
+                  <a:tcPr marL="9525" marR="9525" marT="9525" marB="0" anchor="b"/>
+                </a:tc>
+                <a:extLst>
+                  <a:ext uri="{0D108BD9-81ED-4DB2-BD59-A6C34878D82A}">
+                    <a16:rowId xmlns:a16="http://schemas.microsoft.com/office/drawing/2014/main" val="184629512"/>
+                  </a:ext>
+                </a:extLst>
+              </a:tr>
+              <a:tr h="110783">
+                <a:tc>
+                  <a:txBody>
+                    <a:bodyPr/>
+                    <a:lstStyle/>
+                    <a:p>
+                      <a:pPr marL="0" algn="ctr" defTabSz="914400" rtl="0" eaLnBrk="1" fontAlgn="b" latinLnBrk="0" hangingPunct="1"/>
+                      <a:r>
+                        <a:rPr lang="nb-NO" sz="600" u="none" strike="noStrike" kern="1200" dirty="0">
+                          <a:solidFill>
+                            <a:schemeClr val="dk1"/>
+                          </a:solidFill>
+                          <a:effectLst/>
+                          <a:latin typeface="+mn-lt"/>
+                          <a:ea typeface="+mn-ea"/>
+                          <a:cs typeface="+mn-cs"/>
+                        </a:rPr>
+                        <a:t>CLNSIG1</a:t>
+                      </a:r>
+                    </a:p>
+                  </a:txBody>
+                  <a:tcPr marL="9525" marR="9525" marT="9525" marB="0" anchor="b"/>
+                </a:tc>
+                <a:extLst>
+                  <a:ext uri="{0D108BD9-81ED-4DB2-BD59-A6C34878D82A}">
+                    <a16:rowId xmlns:a16="http://schemas.microsoft.com/office/drawing/2014/main" val="4086359629"/>
+                  </a:ext>
+                </a:extLst>
+              </a:tr>
+              <a:tr h="110783">
+                <a:tc>
+                  <a:txBody>
+                    <a:bodyPr/>
+                    <a:lstStyle/>
+                    <a:p>
+                      <a:pPr marL="0" algn="ctr" defTabSz="914400" rtl="0" eaLnBrk="1" fontAlgn="b" latinLnBrk="0" hangingPunct="1"/>
+                      <a:r>
+                        <a:rPr lang="nb-NO" sz="600" u="none" strike="noStrike" kern="1200" dirty="0">
+                          <a:solidFill>
+                            <a:schemeClr val="dk1"/>
+                          </a:solidFill>
+                          <a:effectLst/>
+                          <a:latin typeface="+mn-lt"/>
+                          <a:ea typeface="+mn-ea"/>
+                          <a:cs typeface="+mn-cs"/>
+                        </a:rPr>
+                        <a:t>CLNREVSTAT1</a:t>
+                      </a:r>
+                    </a:p>
+                  </a:txBody>
+                  <a:tcPr marL="9525" marR="9525" marT="9525" marB="0" anchor="b"/>
+                </a:tc>
+                <a:extLst>
+                  <a:ext uri="{0D108BD9-81ED-4DB2-BD59-A6C34878D82A}">
+                    <a16:rowId xmlns:a16="http://schemas.microsoft.com/office/drawing/2014/main" val="1706105911"/>
+                  </a:ext>
+                </a:extLst>
+              </a:tr>
+              <a:tr h="110783">
+                <a:tc>
+                  <a:txBody>
+                    <a:bodyPr/>
+                    <a:lstStyle/>
+                    <a:p>
+                      <a:pPr marL="0" algn="ctr" defTabSz="914400" rtl="0" eaLnBrk="1" fontAlgn="b" latinLnBrk="0" hangingPunct="1"/>
+                      <a:r>
+                        <a:rPr lang="nb-NO" sz="600" u="none" strike="noStrike" kern="1200" dirty="0">
+                          <a:solidFill>
+                            <a:schemeClr val="dk1"/>
+                          </a:solidFill>
+                          <a:effectLst/>
+                          <a:latin typeface="+mn-lt"/>
+                          <a:ea typeface="+mn-ea"/>
+                          <a:cs typeface="+mn-cs"/>
+                        </a:rPr>
+                        <a:t>CLNID1</a:t>
+                      </a:r>
+                    </a:p>
+                  </a:txBody>
+                  <a:tcPr marL="9525" marR="9525" marT="9525" marB="0" anchor="b"/>
+                </a:tc>
+                <a:extLst>
+                  <a:ext uri="{0D108BD9-81ED-4DB2-BD59-A6C34878D82A}">
+                    <a16:rowId xmlns:a16="http://schemas.microsoft.com/office/drawing/2014/main" val="40205871"/>
                   </a:ext>
                 </a:extLst>
               </a:tr>
@@ -8799,7 +8143,7 @@
                           <a:ea typeface="+mn-ea"/>
                           <a:cs typeface="+mn-cs"/>
                         </a:rPr>
-                        <a:t>sift</a:t>
+                        <a:t>polyphen</a:t>
                       </a:r>
                       <a:endParaRPr lang="nb-NO" sz="600" u="none" strike="noStrike" kern="1200" dirty="0">
                         <a:solidFill>
@@ -8812,127 +8156,11 @@
                       </a:endParaRPr>
                     </a:p>
                   </a:txBody>
-                  <a:tcPr marL="12309" marR="12309" marT="12309" marB="0" anchor="b"/>
-                </a:tc>
-                <a:extLst>
-                  <a:ext uri="{0D108BD9-81ED-4DB2-BD59-A6C34878D82A}">
-                    <a16:rowId xmlns:a16="http://schemas.microsoft.com/office/drawing/2014/main" val="2335224633"/>
-                  </a:ext>
-                </a:extLst>
-              </a:tr>
-              <a:tr h="110783">
-                <a:tc>
-                  <a:txBody>
-                    <a:bodyPr/>
-                    <a:lstStyle/>
-                    <a:p>
-                      <a:pPr marL="0" algn="ctr" defTabSz="914400" rtl="0" eaLnBrk="1" fontAlgn="b" latinLnBrk="0" hangingPunct="1"/>
-                      <a:r>
-                        <a:rPr lang="nb-NO" sz="600" u="none" strike="noStrike" kern="1200">
-                          <a:solidFill>
-                            <a:schemeClr val="dk1"/>
-                          </a:solidFill>
-                          <a:effectLst/>
-                          <a:latin typeface="+mn-lt"/>
-                          <a:ea typeface="+mn-ea"/>
-                          <a:cs typeface="+mn-cs"/>
-                        </a:rPr>
-                        <a:t>grantham</a:t>
-                      </a:r>
-                    </a:p>
-                  </a:txBody>
-                  <a:tcPr marL="12309" marR="12309" marT="12309" marB="0" anchor="b"/>
-                </a:tc>
-                <a:extLst>
-                  <a:ext uri="{0D108BD9-81ED-4DB2-BD59-A6C34878D82A}">
-                    <a16:rowId xmlns:a16="http://schemas.microsoft.com/office/drawing/2014/main" val="3892531914"/>
-                  </a:ext>
-                </a:extLst>
-              </a:tr>
-              <a:tr h="110783">
-                <a:tc>
-                  <a:txBody>
-                    <a:bodyPr/>
-                    <a:lstStyle/>
-                    <a:p>
-                      <a:pPr marL="0" algn="ctr" defTabSz="914400" rtl="0" eaLnBrk="1" fontAlgn="b" latinLnBrk="0" hangingPunct="1"/>
-                      <a:r>
-                        <a:rPr lang="nb-NO" sz="600" u="none" strike="noStrike" kern="1200">
-                          <a:solidFill>
-                            <a:schemeClr val="dk1"/>
-                          </a:solidFill>
-                          <a:effectLst/>
-                          <a:latin typeface="+mn-lt"/>
-                          <a:ea typeface="+mn-ea"/>
-                          <a:cs typeface="+mn-cs"/>
-                        </a:rPr>
-                        <a:t>changed</a:t>
-                      </a:r>
-                    </a:p>
-                  </a:txBody>
-                  <a:tcPr marL="12309" marR="12309" marT="12309" marB="0" anchor="b"/>
-                </a:tc>
-                <a:extLst>
-                  <a:ext uri="{0D108BD9-81ED-4DB2-BD59-A6C34878D82A}">
-                    <a16:rowId xmlns:a16="http://schemas.microsoft.com/office/drawing/2014/main" val="3460452745"/>
-                  </a:ext>
-                </a:extLst>
-              </a:tr>
-              <a:tr h="110783">
-                <a:tc>
-                  <a:txBody>
-                    <a:bodyPr/>
-                    <a:lstStyle/>
-                    <a:p>
-                      <a:pPr marL="0" algn="ctr" defTabSz="914400" rtl="0" eaLnBrk="1" fontAlgn="b" latinLnBrk="0" hangingPunct="1"/>
-                      <a:r>
-                        <a:rPr lang="nb-NO" sz="600" u="none" strike="noStrike" kern="1200">
-                          <a:solidFill>
-                            <a:schemeClr val="dk1"/>
-                          </a:solidFill>
-                          <a:effectLst/>
-                          <a:latin typeface="+mn-lt"/>
-                          <a:ea typeface="+mn-ea"/>
-                          <a:cs typeface="+mn-cs"/>
-                        </a:rPr>
-                        <a:t>visibility</a:t>
-                      </a:r>
-                    </a:p>
-                  </a:txBody>
-                  <a:tcPr marL="12309" marR="12309" marT="12309" marB="0" anchor="b"/>
-                </a:tc>
-                <a:extLst>
-                  <a:ext uri="{0D108BD9-81ED-4DB2-BD59-A6C34878D82A}">
-                    <a16:rowId xmlns:a16="http://schemas.microsoft.com/office/drawing/2014/main" val="3599784950"/>
-                  </a:ext>
-                </a:extLst>
-              </a:tr>
-              <a:tr h="110783">
-                <a:tc>
-                  <a:txBody>
-                    <a:bodyPr/>
-                    <a:lstStyle/>
-                    <a:p>
-                      <a:pPr marL="0" algn="ctr" defTabSz="914400" rtl="0" eaLnBrk="1" fontAlgn="b" latinLnBrk="0" hangingPunct="1"/>
-                      <a:r>
-                        <a:rPr lang="nb-NO" sz="600" u="none" strike="noStrike" kern="1200">
-                          <a:solidFill>
-                            <a:schemeClr val="dk1"/>
-                          </a:solidFill>
-                          <a:effectLst/>
-                          <a:latin typeface="+mn-lt"/>
-                          <a:ea typeface="+mn-ea"/>
-                          <a:cs typeface="+mn-cs"/>
-                        </a:rPr>
-                        <a:t>class</a:t>
-                      </a:r>
-                    </a:p>
-                  </a:txBody>
-                  <a:tcPr marL="12309" marR="12309" marT="12309" marB="0" anchor="b"/>
-                </a:tc>
-                <a:extLst>
-                  <a:ext uri="{0D108BD9-81ED-4DB2-BD59-A6C34878D82A}">
-                    <a16:rowId xmlns:a16="http://schemas.microsoft.com/office/drawing/2014/main" val="679534044"/>
+                  <a:tcPr marL="9525" marR="9525" marT="9525" marB="0" anchor="b"/>
+                </a:tc>
+                <a:extLst>
+                  <a:ext uri="{0D108BD9-81ED-4DB2-BD59-A6C34878D82A}">
+                    <a16:rowId xmlns:a16="http://schemas.microsoft.com/office/drawing/2014/main" val="1323648746"/>
                   </a:ext>
                 </a:extLst>
               </a:tr>
@@ -8953,7 +8181,7 @@
                           <a:ea typeface="+mn-ea"/>
                           <a:cs typeface="+mn-cs"/>
                         </a:rPr>
-                        <a:t>comment</a:t>
+                        <a:t>sift</a:t>
                       </a:r>
                       <a:endParaRPr lang="nb-NO" sz="600" u="none" strike="noStrike" kern="1200" dirty="0">
                         <a:solidFill>
@@ -8966,6 +8194,148 @@
                       </a:endParaRPr>
                     </a:p>
                   </a:txBody>
+                  <a:tcPr marL="9525" marR="9525" marT="9525" marB="0" anchor="b"/>
+                </a:tc>
+                <a:extLst>
+                  <a:ext uri="{0D108BD9-81ED-4DB2-BD59-A6C34878D82A}">
+                    <a16:rowId xmlns:a16="http://schemas.microsoft.com/office/drawing/2014/main" val="2335224633"/>
+                  </a:ext>
+                </a:extLst>
+              </a:tr>
+              <a:tr h="110783">
+                <a:tc>
+                  <a:txBody>
+                    <a:bodyPr/>
+                    <a:lstStyle/>
+                    <a:p>
+                      <a:pPr marL="0" algn="ctr" defTabSz="914400" rtl="0" eaLnBrk="1" fontAlgn="b" latinLnBrk="0" hangingPunct="1"/>
+                      <a:r>
+                        <a:rPr lang="nb-NO" sz="600" u="none" strike="noStrike" kern="1200" dirty="0" err="1">
+                          <a:solidFill>
+                            <a:schemeClr val="dk1"/>
+                          </a:solidFill>
+                          <a:effectLst/>
+                          <a:latin typeface="+mn-lt"/>
+                          <a:ea typeface="+mn-ea"/>
+                          <a:cs typeface="+mn-cs"/>
+                        </a:rPr>
+                        <a:t>grantham</a:t>
+                      </a:r>
+                      <a:endParaRPr lang="nb-NO" sz="600" u="none" strike="noStrike" kern="1200" dirty="0">
+                        <a:solidFill>
+                          <a:schemeClr val="dk1"/>
+                        </a:solidFill>
+                        <a:effectLst/>
+                        <a:latin typeface="+mn-lt"/>
+                        <a:ea typeface="+mn-ea"/>
+                        <a:cs typeface="+mn-cs"/>
+                      </a:endParaRPr>
+                    </a:p>
+                  </a:txBody>
+                  <a:tcPr marL="9525" marR="9525" marT="9525" marB="0" anchor="b"/>
+                </a:tc>
+                <a:extLst>
+                  <a:ext uri="{0D108BD9-81ED-4DB2-BD59-A6C34878D82A}">
+                    <a16:rowId xmlns:a16="http://schemas.microsoft.com/office/drawing/2014/main" val="3892531914"/>
+                  </a:ext>
+                </a:extLst>
+              </a:tr>
+              <a:tr h="110783">
+                <a:tc>
+                  <a:txBody>
+                    <a:bodyPr/>
+                    <a:lstStyle/>
+                    <a:p>
+                      <a:pPr marL="0" algn="ctr" defTabSz="914400" rtl="0" eaLnBrk="1" fontAlgn="b" latinLnBrk="0" hangingPunct="1"/>
+                      <a:endParaRPr lang="nb-NO" sz="600" u="none" strike="noStrike" kern="1200" dirty="0">
+                        <a:solidFill>
+                          <a:schemeClr val="dk1"/>
+                        </a:solidFill>
+                        <a:effectLst/>
+                        <a:latin typeface="+mn-lt"/>
+                        <a:ea typeface="+mn-ea"/>
+                        <a:cs typeface="+mn-cs"/>
+                      </a:endParaRPr>
+                    </a:p>
+                  </a:txBody>
+                  <a:tcPr marL="12309" marR="12309" marT="12309" marB="0" anchor="b"/>
+                </a:tc>
+                <a:extLst>
+                  <a:ext uri="{0D108BD9-81ED-4DB2-BD59-A6C34878D82A}">
+                    <a16:rowId xmlns:a16="http://schemas.microsoft.com/office/drawing/2014/main" val="3460452745"/>
+                  </a:ext>
+                </a:extLst>
+              </a:tr>
+              <a:tr h="110783">
+                <a:tc>
+                  <a:txBody>
+                    <a:bodyPr/>
+                    <a:lstStyle/>
+                    <a:p>
+                      <a:pPr marL="0" algn="ctr" defTabSz="914400" rtl="0" eaLnBrk="1" fontAlgn="b" latinLnBrk="0" hangingPunct="1"/>
+                      <a:endParaRPr lang="nb-NO" sz="600" u="none" strike="noStrike" kern="1200" dirty="0">
+                        <a:solidFill>
+                          <a:schemeClr val="dk1"/>
+                        </a:solidFill>
+                        <a:effectLst/>
+                        <a:latin typeface="+mn-lt"/>
+                        <a:ea typeface="+mn-ea"/>
+                        <a:cs typeface="+mn-cs"/>
+                      </a:endParaRPr>
+                    </a:p>
+                  </a:txBody>
+                  <a:tcPr marL="12309" marR="12309" marT="12309" marB="0" anchor="b"/>
+                </a:tc>
+                <a:extLst>
+                  <a:ext uri="{0D108BD9-81ED-4DB2-BD59-A6C34878D82A}">
+                    <a16:rowId xmlns:a16="http://schemas.microsoft.com/office/drawing/2014/main" val="3599784950"/>
+                  </a:ext>
+                </a:extLst>
+              </a:tr>
+              <a:tr h="110783">
+                <a:tc>
+                  <a:txBody>
+                    <a:bodyPr/>
+                    <a:lstStyle/>
+                    <a:p>
+                      <a:pPr marL="0" algn="ctr" defTabSz="914400" rtl="0" eaLnBrk="1" fontAlgn="b" latinLnBrk="0" hangingPunct="1"/>
+                      <a:endParaRPr lang="nb-NO" sz="600" u="none" strike="noStrike" kern="1200" dirty="0">
+                        <a:solidFill>
+                          <a:schemeClr val="dk1"/>
+                        </a:solidFill>
+                        <a:effectLst/>
+                        <a:latin typeface="+mn-lt"/>
+                        <a:ea typeface="+mn-ea"/>
+                        <a:cs typeface="+mn-cs"/>
+                      </a:endParaRPr>
+                    </a:p>
+                  </a:txBody>
+                  <a:tcPr marL="12309" marR="12309" marT="12309" marB="0" anchor="b"/>
+                </a:tc>
+                <a:extLst>
+                  <a:ext uri="{0D108BD9-81ED-4DB2-BD59-A6C34878D82A}">
+                    <a16:rowId xmlns:a16="http://schemas.microsoft.com/office/drawing/2014/main" val="679534044"/>
+                  </a:ext>
+                </a:extLst>
+              </a:tr>
+              <a:tr h="110783">
+                <a:tc>
+                  <a:txBody>
+                    <a:bodyPr/>
+                    <a:lstStyle/>
+                    <a:p>
+                      <a:pPr marL="0" algn="ctr" defTabSz="914400" rtl="0" eaLnBrk="1" fontAlgn="b" latinLnBrk="0" hangingPunct="1"/>
+                      <a:endParaRPr lang="nb-NO" sz="600" u="none" strike="noStrike" kern="1200" dirty="0">
+                        <a:solidFill>
+                          <a:schemeClr val="dk1"/>
+                        </a:solidFill>
+                        <a:effectLst/>
+                        <a:latin typeface="+mn-lt"/>
+                        <a:ea typeface="+mn-ea"/>
+                        <a:cs typeface="+mn-cs"/>
+                      </a:endParaRPr>
+                    </a:p>
+                  </a:txBody>
                   <a:tcPr marL="12309" marR="12309" marT="12309" marB="0" anchor="b"/>
                 </a:tc>
                 <a:extLst>
@@ -8978,6 +8348,646 @@
           </a:graphicData>
         </a:graphic>
       </p:graphicFrame>
+      <p:graphicFrame>
+        <p:nvGraphicFramePr>
+          <p:cNvPr id="11" name="Tabell 10">
+            <a:extLst>
+              <a:ext uri="{FF2B5EF4-FFF2-40B4-BE49-F238E27FC236}">
+                <a16:creationId xmlns:a16="http://schemas.microsoft.com/office/drawing/2014/main" id="{7C8A1DDC-CBF7-4293-8234-4D7C0A0D9C8D}"/>
+              </a:ext>
+            </a:extLst>
+          </p:cNvPr>
+          <p:cNvGraphicFramePr>
+            <a:graphicFrameLocks noGrp="1"/>
+          </p:cNvGraphicFramePr>
+          <p:nvPr>
+            <p:extLst>
+              <p:ext uri="{D42A27DB-BD31-4B8C-83A1-F6EECF244321}">
+                <p14:modId xmlns:p14="http://schemas.microsoft.com/office/powerpoint/2010/main" val="520190859"/>
+              </p:ext>
+            </p:extLst>
+          </p:nvPr>
+        </p:nvGraphicFramePr>
+        <p:xfrm>
+          <a:off x="231915" y="339221"/>
+          <a:ext cx="1410814" cy="1222726"/>
+        </p:xfrm>
+        <a:graphic>
+          <a:graphicData uri="http://schemas.openxmlformats.org/drawingml/2006/table">
+            <a:tbl>
+              <a:tblPr>
+                <a:tableStyleId>{5C22544A-7EE6-4342-B048-85BDC9FD1C3A}</a:tableStyleId>
+              </a:tblPr>
+              <a:tblGrid>
+                <a:gridCol w="1410814">
+                  <a:extLst>
+                    <a:ext uri="{9D8B030D-6E8A-4147-A177-3AD203B41FA5}">
+                      <a16:colId xmlns:a16="http://schemas.microsoft.com/office/drawing/2014/main" val="2671564098"/>
+                    </a:ext>
+                  </a:extLst>
+                </a:gridCol>
+              </a:tblGrid>
+              <a:tr h="107012">
+                <a:tc>
+                  <a:txBody>
+                    <a:bodyPr/>
+                    <a:lstStyle/>
+                    <a:p>
+                      <a:pPr algn="ctr" fontAlgn="b"/>
+                      <a:r>
+                        <a:rPr lang="nb-NO" sz="600" b="1" i="0" u="none" strike="noStrike" kern="1200" dirty="0">
+                          <a:solidFill>
+                            <a:schemeClr val="bg1"/>
+                          </a:solidFill>
+                          <a:effectLst/>
+                          <a:latin typeface="Calibri" panose="020F0502020204030204" pitchFamily="34" charset="0"/>
+                          <a:ea typeface="+mn-ea"/>
+                          <a:cs typeface="+mn-cs"/>
+                        </a:rPr>
+                        <a:t>Samples</a:t>
+                      </a:r>
+                    </a:p>
+                  </a:txBody>
+                  <a:tcPr marL="7198" marR="7198" marT="7198" marB="0" anchor="b">
+                    <a:solidFill>
+                      <a:srgbClr val="0070C0"/>
+                    </a:solidFill>
+                  </a:tcPr>
+                </a:tc>
+                <a:extLst>
+                  <a:ext uri="{0D108BD9-81ED-4DB2-BD59-A6C34878D82A}">
+                    <a16:rowId xmlns:a16="http://schemas.microsoft.com/office/drawing/2014/main" val="3879713417"/>
+                  </a:ext>
+                </a:extLst>
+              </a:tr>
+              <a:tr h="110783">
+                <a:tc>
+                  <a:txBody>
+                    <a:bodyPr/>
+                    <a:lstStyle/>
+                    <a:p>
+                      <a:pPr marL="0" algn="ctr" defTabSz="914400" rtl="0" eaLnBrk="1" fontAlgn="b" latinLnBrk="0" hangingPunct="1"/>
+                      <a:r>
+                        <a:rPr lang="nb-NO" sz="600" u="none" strike="noStrike" dirty="0">
+                          <a:solidFill>
+                            <a:schemeClr val="accent2"/>
+                          </a:solidFill>
+                          <a:effectLst/>
+                        </a:rPr>
+                        <a:t>§ </a:t>
+                      </a:r>
+                      <a:r>
+                        <a:rPr lang="nb-NO" sz="600" u="none" strike="noStrike" kern="1200" dirty="0" err="1">
+                          <a:solidFill>
+                            <a:schemeClr val="dk1"/>
+                          </a:solidFill>
+                          <a:effectLst/>
+                          <a:latin typeface="+mn-lt"/>
+                          <a:ea typeface="+mn-ea"/>
+                          <a:cs typeface="+mn-cs"/>
+                        </a:rPr>
+                        <a:t>runid</a:t>
+                      </a:r>
+                      <a:endParaRPr lang="nb-NO" sz="600" u="none" strike="noStrike" kern="1200" dirty="0">
+                        <a:solidFill>
+                          <a:schemeClr val="dk1"/>
+                        </a:solidFill>
+                        <a:effectLst/>
+                        <a:latin typeface="+mn-lt"/>
+                        <a:ea typeface="+mn-ea"/>
+                        <a:cs typeface="+mn-cs"/>
+                      </a:endParaRPr>
+                    </a:p>
+                  </a:txBody>
+                  <a:tcPr marL="9525" marR="9525" marT="9525" marB="0" anchor="b"/>
+                </a:tc>
+                <a:extLst>
+                  <a:ext uri="{0D108BD9-81ED-4DB2-BD59-A6C34878D82A}">
+                    <a16:rowId xmlns:a16="http://schemas.microsoft.com/office/drawing/2014/main" val="2391019195"/>
+                  </a:ext>
+                </a:extLst>
+              </a:tr>
+              <a:tr h="111135">
+                <a:tc>
+                  <a:txBody>
+                    <a:bodyPr/>
+                    <a:lstStyle/>
+                    <a:p>
+                      <a:pPr marL="0" algn="ctr" defTabSz="914400" rtl="0" eaLnBrk="1" fontAlgn="b" latinLnBrk="0" hangingPunct="1"/>
+                      <a:r>
+                        <a:rPr lang="nb-NO" sz="600" u="none" strike="noStrike" dirty="0">
+                          <a:solidFill>
+                            <a:schemeClr val="accent2"/>
+                          </a:solidFill>
+                          <a:effectLst/>
+                        </a:rPr>
+                        <a:t>§ </a:t>
+                      </a:r>
+                      <a:r>
+                        <a:rPr lang="nb-NO" sz="600" u="none" strike="noStrike" kern="1200" dirty="0">
+                          <a:solidFill>
+                            <a:schemeClr val="dk1"/>
+                          </a:solidFill>
+                          <a:effectLst/>
+                          <a:latin typeface="+mn-lt"/>
+                          <a:ea typeface="+mn-ea"/>
+                          <a:cs typeface="+mn-cs"/>
+                        </a:rPr>
+                        <a:t>sampleid</a:t>
+                      </a:r>
+                    </a:p>
+                  </a:txBody>
+                  <a:tcPr marL="9525" marR="9525" marT="9525" marB="0" anchor="b"/>
+                </a:tc>
+                <a:extLst>
+                  <a:ext uri="{0D108BD9-81ED-4DB2-BD59-A6C34878D82A}">
+                    <a16:rowId xmlns:a16="http://schemas.microsoft.com/office/drawing/2014/main" val="2033809946"/>
+                  </a:ext>
+                </a:extLst>
+              </a:tr>
+              <a:tr h="111135">
+                <a:tc>
+                  <a:txBody>
+                    <a:bodyPr/>
+                    <a:lstStyle/>
+                    <a:p>
+                      <a:pPr marL="0" algn="ctr" defTabSz="914400" rtl="0" eaLnBrk="1" fontAlgn="b" latinLnBrk="0" hangingPunct="1"/>
+                      <a:r>
+                        <a:rPr lang="nb-NO" sz="600" u="none" strike="noStrike" kern="1200" dirty="0" err="1">
+                          <a:solidFill>
+                            <a:schemeClr val="dk1"/>
+                          </a:solidFill>
+                          <a:effectLst/>
+                          <a:latin typeface="+mn-lt"/>
+                          <a:ea typeface="+mn-ea"/>
+                          <a:cs typeface="+mn-cs"/>
+                        </a:rPr>
+                        <a:t>Genelist</a:t>
+                      </a:r>
+                      <a:endParaRPr lang="nb-NO" sz="600" u="none" strike="noStrike" kern="1200" dirty="0">
+                        <a:solidFill>
+                          <a:schemeClr val="dk1"/>
+                        </a:solidFill>
+                        <a:effectLst/>
+                        <a:latin typeface="+mn-lt"/>
+                        <a:ea typeface="+mn-ea"/>
+                        <a:cs typeface="+mn-cs"/>
+                      </a:endParaRPr>
+                    </a:p>
+                  </a:txBody>
+                  <a:tcPr marL="9525" marR="9525" marT="9525" marB="0" anchor="b"/>
+                </a:tc>
+                <a:extLst>
+                  <a:ext uri="{0D108BD9-81ED-4DB2-BD59-A6C34878D82A}">
+                    <a16:rowId xmlns:a16="http://schemas.microsoft.com/office/drawing/2014/main" val="2237139754"/>
+                  </a:ext>
+                </a:extLst>
+              </a:tr>
+              <a:tr h="111135">
+                <a:tc>
+                  <a:txBody>
+                    <a:bodyPr/>
+                    <a:lstStyle/>
+                    <a:p>
+                      <a:pPr marL="0" algn="ctr" defTabSz="914400" rtl="0" eaLnBrk="1" fontAlgn="b" latinLnBrk="0" hangingPunct="1"/>
+                      <a:r>
+                        <a:rPr lang="nb-NO" sz="600" u="none" strike="noStrike" kern="1200" dirty="0" err="1">
+                          <a:solidFill>
+                            <a:schemeClr val="dk1"/>
+                          </a:solidFill>
+                          <a:effectLst/>
+                          <a:latin typeface="+mn-lt"/>
+                          <a:ea typeface="+mn-ea"/>
+                          <a:cs typeface="+mn-cs"/>
+                        </a:rPr>
+                        <a:t>Perc_Tumor</a:t>
+                      </a:r>
+                      <a:endParaRPr lang="nb-NO" sz="600" u="none" strike="noStrike" kern="1200" dirty="0">
+                        <a:solidFill>
+                          <a:schemeClr val="dk1"/>
+                        </a:solidFill>
+                        <a:effectLst/>
+                        <a:latin typeface="+mn-lt"/>
+                        <a:ea typeface="+mn-ea"/>
+                        <a:cs typeface="+mn-cs"/>
+                      </a:endParaRPr>
+                    </a:p>
+                  </a:txBody>
+                  <a:tcPr marL="9525" marR="9525" marT="9525" marB="0" anchor="b"/>
+                </a:tc>
+                <a:extLst>
+                  <a:ext uri="{0D108BD9-81ED-4DB2-BD59-A6C34878D82A}">
+                    <a16:rowId xmlns:a16="http://schemas.microsoft.com/office/drawing/2014/main" val="3425125051"/>
+                  </a:ext>
+                </a:extLst>
+              </a:tr>
+              <a:tr h="111135">
+                <a:tc>
+                  <a:txBody>
+                    <a:bodyPr/>
+                    <a:lstStyle/>
+                    <a:p>
+                      <a:pPr marL="0" algn="ctr" defTabSz="914400" rtl="0" eaLnBrk="1" fontAlgn="b" latinLnBrk="0" hangingPunct="1"/>
+                      <a:r>
+                        <a:rPr lang="nb-NO" sz="600" u="none" strike="noStrike" kern="1200" dirty="0" err="1">
+                          <a:solidFill>
+                            <a:schemeClr val="dk1"/>
+                          </a:solidFill>
+                          <a:effectLst/>
+                          <a:latin typeface="+mn-lt"/>
+                          <a:ea typeface="+mn-ea"/>
+                          <a:cs typeface="+mn-cs"/>
+                        </a:rPr>
+                        <a:t>User_Signoff</a:t>
+                      </a:r>
+                      <a:endParaRPr lang="nb-NO" sz="600" u="none" strike="noStrike" kern="1200" dirty="0">
+                        <a:solidFill>
+                          <a:schemeClr val="dk1"/>
+                        </a:solidFill>
+                        <a:effectLst/>
+                        <a:latin typeface="+mn-lt"/>
+                        <a:ea typeface="+mn-ea"/>
+                        <a:cs typeface="+mn-cs"/>
+                      </a:endParaRPr>
+                    </a:p>
+                  </a:txBody>
+                  <a:tcPr marL="9525" marR="9525" marT="9525" marB="0" anchor="b"/>
+                </a:tc>
+                <a:extLst>
+                  <a:ext uri="{0D108BD9-81ED-4DB2-BD59-A6C34878D82A}">
+                    <a16:rowId xmlns:a16="http://schemas.microsoft.com/office/drawing/2014/main" val="654851751"/>
+                  </a:ext>
+                </a:extLst>
+              </a:tr>
+              <a:tr h="111135">
+                <a:tc>
+                  <a:txBody>
+                    <a:bodyPr/>
+                    <a:lstStyle/>
+                    <a:p>
+                      <a:pPr marL="0" algn="ctr" defTabSz="914400" rtl="0" eaLnBrk="1" fontAlgn="b" latinLnBrk="0" hangingPunct="1"/>
+                      <a:r>
+                        <a:rPr lang="nb-NO" sz="600" u="none" strike="noStrike" kern="1200" dirty="0" err="1">
+                          <a:solidFill>
+                            <a:schemeClr val="dk1"/>
+                          </a:solidFill>
+                          <a:effectLst/>
+                          <a:latin typeface="+mn-lt"/>
+                          <a:ea typeface="+mn-ea"/>
+                          <a:cs typeface="+mn-cs"/>
+                        </a:rPr>
+                        <a:t>Date_Signoff</a:t>
+                      </a:r>
+                      <a:endParaRPr lang="nb-NO" sz="600" u="none" strike="noStrike" kern="1200" dirty="0">
+                        <a:solidFill>
+                          <a:schemeClr val="dk1"/>
+                        </a:solidFill>
+                        <a:effectLst/>
+                        <a:latin typeface="+mn-lt"/>
+                        <a:ea typeface="+mn-ea"/>
+                        <a:cs typeface="+mn-cs"/>
+                      </a:endParaRPr>
+                    </a:p>
+                  </a:txBody>
+                  <a:tcPr marL="9525" marR="9525" marT="9525" marB="0" anchor="b"/>
+                </a:tc>
+                <a:extLst>
+                  <a:ext uri="{0D108BD9-81ED-4DB2-BD59-A6C34878D82A}">
+                    <a16:rowId xmlns:a16="http://schemas.microsoft.com/office/drawing/2014/main" val="1053030124"/>
+                  </a:ext>
+                </a:extLst>
+              </a:tr>
+              <a:tr h="111135">
+                <a:tc>
+                  <a:txBody>
+                    <a:bodyPr/>
+                    <a:lstStyle/>
+                    <a:p>
+                      <a:pPr marL="0" algn="ctr" defTabSz="914400" rtl="0" eaLnBrk="1" fontAlgn="b" latinLnBrk="0" hangingPunct="1"/>
+                      <a:r>
+                        <a:rPr lang="nb-NO" sz="600" u="none" strike="noStrike" kern="1200" dirty="0" err="1">
+                          <a:solidFill>
+                            <a:schemeClr val="dk1"/>
+                          </a:solidFill>
+                          <a:effectLst/>
+                          <a:latin typeface="+mn-lt"/>
+                          <a:ea typeface="+mn-ea"/>
+                          <a:cs typeface="+mn-cs"/>
+                        </a:rPr>
+                        <a:t>User_Approval</a:t>
+                      </a:r>
+                      <a:endParaRPr lang="nb-NO" sz="600" u="none" strike="noStrike" kern="1200" dirty="0">
+                        <a:solidFill>
+                          <a:schemeClr val="dk1"/>
+                        </a:solidFill>
+                        <a:effectLst/>
+                        <a:latin typeface="+mn-lt"/>
+                        <a:ea typeface="+mn-ea"/>
+                        <a:cs typeface="+mn-cs"/>
+                      </a:endParaRPr>
+                    </a:p>
+                  </a:txBody>
+                  <a:tcPr marL="9525" marR="9525" marT="9525" marB="0" anchor="b"/>
+                </a:tc>
+                <a:extLst>
+                  <a:ext uri="{0D108BD9-81ED-4DB2-BD59-A6C34878D82A}">
+                    <a16:rowId xmlns:a16="http://schemas.microsoft.com/office/drawing/2014/main" val="2841058928"/>
+                  </a:ext>
+                </a:extLst>
+              </a:tr>
+              <a:tr h="111135">
+                <a:tc>
+                  <a:txBody>
+                    <a:bodyPr/>
+                    <a:lstStyle/>
+                    <a:p>
+                      <a:pPr marL="0" algn="ctr" defTabSz="914400" rtl="0" eaLnBrk="1" fontAlgn="b" latinLnBrk="0" hangingPunct="1"/>
+                      <a:r>
+                        <a:rPr lang="nb-NO" sz="600" u="none" strike="noStrike" kern="1200">
+                          <a:solidFill>
+                            <a:schemeClr val="dk1"/>
+                          </a:solidFill>
+                          <a:effectLst/>
+                          <a:latin typeface="+mn-lt"/>
+                          <a:ea typeface="+mn-ea"/>
+                          <a:cs typeface="+mn-cs"/>
+                        </a:rPr>
+                        <a:t>Date_Approval</a:t>
+                      </a:r>
+                    </a:p>
+                  </a:txBody>
+                  <a:tcPr marL="9525" marR="9525" marT="9525" marB="0" anchor="b"/>
+                </a:tc>
+                <a:extLst>
+                  <a:ext uri="{0D108BD9-81ED-4DB2-BD59-A6C34878D82A}">
+                    <a16:rowId xmlns:a16="http://schemas.microsoft.com/office/drawing/2014/main" val="79735779"/>
+                  </a:ext>
+                </a:extLst>
+              </a:tr>
+              <a:tr h="113493">
+                <a:tc>
+                  <a:txBody>
+                    <a:bodyPr/>
+                    <a:lstStyle/>
+                    <a:p>
+                      <a:pPr marL="0" algn="ctr" defTabSz="914400" rtl="0" eaLnBrk="1" fontAlgn="b" latinLnBrk="0" hangingPunct="1"/>
+                      <a:endParaRPr lang="nb-NO" sz="600" u="none" strike="noStrike" kern="1200" dirty="0">
+                        <a:solidFill>
+                          <a:schemeClr val="dk1"/>
+                        </a:solidFill>
+                        <a:effectLst/>
+                        <a:latin typeface="+mn-lt"/>
+                        <a:ea typeface="+mn-ea"/>
+                        <a:cs typeface="+mn-cs"/>
+                      </a:endParaRPr>
+                    </a:p>
+                  </a:txBody>
+                  <a:tcPr marL="15019" marR="15019" marT="15019" marB="0" anchor="b"/>
+                </a:tc>
+                <a:extLst>
+                  <a:ext uri="{0D108BD9-81ED-4DB2-BD59-A6C34878D82A}">
+                    <a16:rowId xmlns:a16="http://schemas.microsoft.com/office/drawing/2014/main" val="1654141552"/>
+                  </a:ext>
+                </a:extLst>
+              </a:tr>
+              <a:tr h="113493">
+                <a:tc>
+                  <a:txBody>
+                    <a:bodyPr/>
+                    <a:lstStyle/>
+                    <a:p>
+                      <a:pPr marL="0" algn="ctr" defTabSz="914400" rtl="0" eaLnBrk="1" fontAlgn="b" latinLnBrk="0" hangingPunct="1"/>
+                      <a:endParaRPr lang="nb-NO" sz="600" u="none" strike="noStrike" kern="1200" dirty="0">
+                        <a:solidFill>
+                          <a:schemeClr val="dk1"/>
+                        </a:solidFill>
+                        <a:effectLst/>
+                        <a:latin typeface="+mn-lt"/>
+                        <a:ea typeface="+mn-ea"/>
+                        <a:cs typeface="+mn-cs"/>
+                      </a:endParaRPr>
+                    </a:p>
+                  </a:txBody>
+                  <a:tcPr marL="15019" marR="15019" marT="15019" marB="0" anchor="b"/>
+                </a:tc>
+                <a:extLst>
+                  <a:ext uri="{0D108BD9-81ED-4DB2-BD59-A6C34878D82A}">
+                    <a16:rowId xmlns:a16="http://schemas.microsoft.com/office/drawing/2014/main" val="2561503379"/>
+                  </a:ext>
+                </a:extLst>
+              </a:tr>
+            </a:tbl>
+          </a:graphicData>
+        </a:graphic>
+      </p:graphicFrame>
+      <p:cxnSp>
+        <p:nvCxnSpPr>
+          <p:cNvPr id="6" name="Kobling: vinkel 5">
+            <a:extLst>
+              <a:ext uri="{FF2B5EF4-FFF2-40B4-BE49-F238E27FC236}">
+                <a16:creationId xmlns:a16="http://schemas.microsoft.com/office/drawing/2014/main" id="{2D27B994-C080-4223-8C34-FA4ECDE297B9}"/>
+              </a:ext>
+            </a:extLst>
+          </p:cNvPr>
+          <p:cNvCxnSpPr>
+            <a:cxnSpLocks/>
+          </p:cNvCxnSpPr>
+          <p:nvPr/>
+        </p:nvCxnSpPr>
+        <p:spPr>
+          <a:xfrm>
+            <a:off x="3848100" y="733427"/>
+            <a:ext cx="670210" cy="633416"/>
+          </a:xfrm>
+          <a:prstGeom prst="bentConnector3">
+            <a:avLst>
+              <a:gd name="adj1" fmla="val 61370"/>
+            </a:avLst>
+          </a:prstGeom>
+          <a:ln>
+            <a:headEnd type="triangle"/>
+            <a:tailEnd type="triangle"/>
+          </a:ln>
+        </p:spPr>
+        <p:style>
+          <a:lnRef idx="1">
+            <a:schemeClr val="accent1"/>
+          </a:lnRef>
+          <a:fillRef idx="0">
+            <a:schemeClr val="accent1"/>
+          </a:fillRef>
+          <a:effectRef idx="0">
+            <a:schemeClr val="accent1"/>
+          </a:effectRef>
+          <a:fontRef idx="minor">
+            <a:schemeClr val="tx1"/>
+          </a:fontRef>
+        </p:style>
+      </p:cxnSp>
+      <p:cxnSp>
+        <p:nvCxnSpPr>
+          <p:cNvPr id="15" name="Kobling: vinkel 14">
+            <a:extLst>
+              <a:ext uri="{FF2B5EF4-FFF2-40B4-BE49-F238E27FC236}">
+                <a16:creationId xmlns:a16="http://schemas.microsoft.com/office/drawing/2014/main" id="{25B12421-7EC8-467E-8033-1ABEDC2133FF}"/>
+              </a:ext>
+            </a:extLst>
+          </p:cNvPr>
+          <p:cNvCxnSpPr>
+            <a:cxnSpLocks/>
+          </p:cNvCxnSpPr>
+          <p:nvPr/>
+        </p:nvCxnSpPr>
+        <p:spPr>
+          <a:xfrm>
+            <a:off x="3848099" y="823909"/>
+            <a:ext cx="670211" cy="638179"/>
+          </a:xfrm>
+          <a:prstGeom prst="bentConnector3">
+            <a:avLst>
+              <a:gd name="adj1" fmla="val 50000"/>
+            </a:avLst>
+          </a:prstGeom>
+          <a:ln>
+            <a:headEnd type="triangle"/>
+            <a:tailEnd type="triangle"/>
+          </a:ln>
+        </p:spPr>
+        <p:style>
+          <a:lnRef idx="1">
+            <a:schemeClr val="accent1"/>
+          </a:lnRef>
+          <a:fillRef idx="0">
+            <a:schemeClr val="accent1"/>
+          </a:fillRef>
+          <a:effectRef idx="0">
+            <a:schemeClr val="accent1"/>
+          </a:effectRef>
+          <a:fontRef idx="minor">
+            <a:schemeClr val="tx1"/>
+          </a:fontRef>
+        </p:style>
+      </p:cxnSp>
+      <p:cxnSp>
+        <p:nvCxnSpPr>
+          <p:cNvPr id="18" name="Kobling: vinkel 17">
+            <a:extLst>
+              <a:ext uri="{FF2B5EF4-FFF2-40B4-BE49-F238E27FC236}">
+                <a16:creationId xmlns:a16="http://schemas.microsoft.com/office/drawing/2014/main" id="{3BE59FDD-998D-4A44-BDC6-034A7E14C6CF}"/>
+              </a:ext>
+            </a:extLst>
+          </p:cNvPr>
+          <p:cNvCxnSpPr/>
+          <p:nvPr/>
+        </p:nvCxnSpPr>
+        <p:spPr>
+          <a:xfrm flipV="1">
+            <a:off x="3848099" y="519112"/>
+            <a:ext cx="2577755" cy="185737"/>
+          </a:xfrm>
+          <a:prstGeom prst="bentConnector3">
+            <a:avLst/>
+          </a:prstGeom>
+          <a:ln>
+            <a:headEnd type="triangle"/>
+            <a:tailEnd type="triangle"/>
+          </a:ln>
+        </p:spPr>
+        <p:style>
+          <a:lnRef idx="1">
+            <a:schemeClr val="accent1"/>
+          </a:lnRef>
+          <a:fillRef idx="0">
+            <a:schemeClr val="accent1"/>
+          </a:fillRef>
+          <a:effectRef idx="0">
+            <a:schemeClr val="accent1"/>
+          </a:effectRef>
+          <a:fontRef idx="minor">
+            <a:schemeClr val="tx1"/>
+          </a:fontRef>
+        </p:style>
+      </p:cxnSp>
+      <p:cxnSp>
+        <p:nvCxnSpPr>
+          <p:cNvPr id="22" name="Rett pilkobling 21">
+            <a:extLst>
+              <a:ext uri="{FF2B5EF4-FFF2-40B4-BE49-F238E27FC236}">
+                <a16:creationId xmlns:a16="http://schemas.microsoft.com/office/drawing/2014/main" id="{DE46C454-D852-4CE4-A414-520CB8EB257E}"/>
+              </a:ext>
+            </a:extLst>
+          </p:cNvPr>
+          <p:cNvCxnSpPr/>
+          <p:nvPr/>
+        </p:nvCxnSpPr>
+        <p:spPr>
+          <a:xfrm>
+            <a:off x="1642729" y="500060"/>
+            <a:ext cx="398752" cy="0"/>
+          </a:xfrm>
+          <a:prstGeom prst="straightConnector1">
+            <a:avLst/>
+          </a:prstGeom>
+          <a:ln>
+            <a:headEnd type="triangle"/>
+            <a:tailEnd type="triangle"/>
+          </a:ln>
+        </p:spPr>
+        <p:style>
+          <a:lnRef idx="1">
+            <a:schemeClr val="accent1"/>
+          </a:lnRef>
+          <a:fillRef idx="0">
+            <a:schemeClr val="accent1"/>
+          </a:fillRef>
+          <a:effectRef idx="0">
+            <a:schemeClr val="accent1"/>
+          </a:effectRef>
+          <a:fontRef idx="minor">
+            <a:schemeClr val="tx1"/>
+          </a:fontRef>
+        </p:style>
+      </p:cxnSp>
+      <p:cxnSp>
+        <p:nvCxnSpPr>
+          <p:cNvPr id="27" name="Rett pilkobling 26">
+            <a:extLst>
+              <a:ext uri="{FF2B5EF4-FFF2-40B4-BE49-F238E27FC236}">
+                <a16:creationId xmlns:a16="http://schemas.microsoft.com/office/drawing/2014/main" id="{CB9A2414-D0AB-49C7-A63F-822511688EAB}"/>
+              </a:ext>
+            </a:extLst>
+          </p:cNvPr>
+          <p:cNvCxnSpPr/>
+          <p:nvPr/>
+        </p:nvCxnSpPr>
+        <p:spPr>
+          <a:xfrm>
+            <a:off x="1642729" y="614356"/>
+            <a:ext cx="398752" cy="0"/>
+          </a:xfrm>
+          <a:prstGeom prst="straightConnector1">
+            <a:avLst/>
+          </a:prstGeom>
+          <a:ln>
+            <a:headEnd type="triangle"/>
+            <a:tailEnd type="triangle"/>
+          </a:ln>
+        </p:spPr>
+        <p:style>
+          <a:lnRef idx="1">
+            <a:schemeClr val="accent1"/>
+          </a:lnRef>
+          <a:fillRef idx="0">
+            <a:schemeClr val="accent1"/>
+          </a:fillRef>
+          <a:effectRef idx="0">
+            <a:schemeClr val="accent1"/>
+          </a:effectRef>
+          <a:fontRef idx="minor">
+            <a:schemeClr val="tx1"/>
+          </a:fontRef>
+        </p:style>
+      </p:cxnSp>
     </p:spTree>
     <p:extLst>
       <p:ext uri="{BB962C8B-B14F-4D97-AF65-F5344CB8AC3E}">

--- a/db/DB schema.pptx
+++ b/db/DB schema.pptx
@@ -243,7 +243,7 @@
           <a:p>
             <a:fld id="{31D4BBC5-235E-4AFB-BCA6-D5338D9E5FA0}" type="datetimeFigureOut">
               <a:rPr lang="nb-NO" smtClean="0"/>
-              <a:t>04.07.2022</a:t>
+              <a:t>31.08.2023</a:t>
             </a:fld>
             <a:endParaRPr lang="nb-NO"/>
           </a:p>
@@ -413,7 +413,7 @@
           <a:p>
             <a:fld id="{31D4BBC5-235E-4AFB-BCA6-D5338D9E5FA0}" type="datetimeFigureOut">
               <a:rPr lang="nb-NO" smtClean="0"/>
-              <a:t>04.07.2022</a:t>
+              <a:t>31.08.2023</a:t>
             </a:fld>
             <a:endParaRPr lang="nb-NO"/>
           </a:p>
@@ -593,7 +593,7 @@
           <a:p>
             <a:fld id="{31D4BBC5-235E-4AFB-BCA6-D5338D9E5FA0}" type="datetimeFigureOut">
               <a:rPr lang="nb-NO" smtClean="0"/>
-              <a:t>04.07.2022</a:t>
+              <a:t>31.08.2023</a:t>
             </a:fld>
             <a:endParaRPr lang="nb-NO"/>
           </a:p>
@@ -763,7 +763,7 @@
           <a:p>
             <a:fld id="{31D4BBC5-235E-4AFB-BCA6-D5338D9E5FA0}" type="datetimeFigureOut">
               <a:rPr lang="nb-NO" smtClean="0"/>
-              <a:t>04.07.2022</a:t>
+              <a:t>31.08.2023</a:t>
             </a:fld>
             <a:endParaRPr lang="nb-NO"/>
           </a:p>
@@ -1007,7 +1007,7 @@
           <a:p>
             <a:fld id="{31D4BBC5-235E-4AFB-BCA6-D5338D9E5FA0}" type="datetimeFigureOut">
               <a:rPr lang="nb-NO" smtClean="0"/>
-              <a:t>04.07.2022</a:t>
+              <a:t>31.08.2023</a:t>
             </a:fld>
             <a:endParaRPr lang="nb-NO"/>
           </a:p>
@@ -1239,7 +1239,7 @@
           <a:p>
             <a:fld id="{31D4BBC5-235E-4AFB-BCA6-D5338D9E5FA0}" type="datetimeFigureOut">
               <a:rPr lang="nb-NO" smtClean="0"/>
-              <a:t>04.07.2022</a:t>
+              <a:t>31.08.2023</a:t>
             </a:fld>
             <a:endParaRPr lang="nb-NO"/>
           </a:p>
@@ -1606,7 +1606,7 @@
           <a:p>
             <a:fld id="{31D4BBC5-235E-4AFB-BCA6-D5338D9E5FA0}" type="datetimeFigureOut">
               <a:rPr lang="nb-NO" smtClean="0"/>
-              <a:t>04.07.2022</a:t>
+              <a:t>31.08.2023</a:t>
             </a:fld>
             <a:endParaRPr lang="nb-NO"/>
           </a:p>
@@ -1724,7 +1724,7 @@
           <a:p>
             <a:fld id="{31D4BBC5-235E-4AFB-BCA6-D5338D9E5FA0}" type="datetimeFigureOut">
               <a:rPr lang="nb-NO" smtClean="0"/>
-              <a:t>04.07.2022</a:t>
+              <a:t>31.08.2023</a:t>
             </a:fld>
             <a:endParaRPr lang="nb-NO"/>
           </a:p>
@@ -1819,7 +1819,7 @@
           <a:p>
             <a:fld id="{31D4BBC5-235E-4AFB-BCA6-D5338D9E5FA0}" type="datetimeFigureOut">
               <a:rPr lang="nb-NO" smtClean="0"/>
-              <a:t>04.07.2022</a:t>
+              <a:t>31.08.2023</a:t>
             </a:fld>
             <a:endParaRPr lang="nb-NO"/>
           </a:p>
@@ -2096,7 +2096,7 @@
           <a:p>
             <a:fld id="{31D4BBC5-235E-4AFB-BCA6-D5338D9E5FA0}" type="datetimeFigureOut">
               <a:rPr lang="nb-NO" smtClean="0"/>
-              <a:t>04.07.2022</a:t>
+              <a:t>31.08.2023</a:t>
             </a:fld>
             <a:endParaRPr lang="nb-NO"/>
           </a:p>
@@ -2353,7 +2353,7 @@
           <a:p>
             <a:fld id="{31D4BBC5-235E-4AFB-BCA6-D5338D9E5FA0}" type="datetimeFigureOut">
               <a:rPr lang="nb-NO" smtClean="0"/>
-              <a:t>04.07.2022</a:t>
+              <a:t>31.08.2023</a:t>
             </a:fld>
             <a:endParaRPr lang="nb-NO"/>
           </a:p>
@@ -2566,7 +2566,7 @@
           <a:p>
             <a:fld id="{31D4BBC5-235E-4AFB-BCA6-D5338D9E5FA0}" type="datetimeFigureOut">
               <a:rPr lang="nb-NO" smtClean="0"/>
-              <a:t>04.07.2022</a:t>
+              <a:t>31.08.2023</a:t>
             </a:fld>
             <a:endParaRPr lang="nb-NO"/>
           </a:p>
@@ -2986,7 +2986,7 @@
           <p:nvPr>
             <p:extLst>
               <p:ext uri="{D42A27DB-BD31-4B8C-83A1-F6EECF244321}">
-                <p14:modId xmlns:p14="http://schemas.microsoft.com/office/powerpoint/2010/main" val="2339274045"/>
+                <p14:modId xmlns:p14="http://schemas.microsoft.com/office/powerpoint/2010/main" val="2059280591"/>
               </p:ext>
             </p:extLst>
           </p:nvPr>
@@ -6260,6 +6260,18 @@
                         <a:tabLst/>
                         <a:defRPr/>
                       </a:pPr>
+                      <a:r>
+                        <a:rPr lang="nb-NO" sz="600" u="none" strike="noStrike" kern="1200" dirty="0" err="1">
+                          <a:solidFill>
+                            <a:schemeClr val="dk1"/>
+                          </a:solidFill>
+                          <a:effectLst/>
+                          <a:latin typeface="+mn-lt"/>
+                          <a:ea typeface="+mn-ea"/>
+                          <a:cs typeface="+mn-cs"/>
+                        </a:rPr>
+                        <a:t>CommentVPS</a:t>
+                      </a:r>
                       <a:endParaRPr lang="nb-NO" sz="600" u="none" strike="noStrike" kern="1200" dirty="0">
                         <a:solidFill>
                           <a:schemeClr val="dk1"/>
@@ -6286,6 +6298,18 @@
                     <a:lstStyle/>
                     <a:p>
                       <a:pPr marL="0" algn="ctr" defTabSz="914400" rtl="0" eaLnBrk="1" fontAlgn="b" latinLnBrk="0" hangingPunct="1"/>
+                      <a:r>
+                        <a:rPr lang="nb-NO" sz="600" u="none" strike="noStrike" kern="1200" dirty="0" err="1">
+                          <a:solidFill>
+                            <a:schemeClr val="dk1"/>
+                          </a:solidFill>
+                          <a:effectLst/>
+                          <a:latin typeface="+mn-lt"/>
+                          <a:ea typeface="+mn-ea"/>
+                          <a:cs typeface="+mn-cs"/>
+                        </a:rPr>
+                        <a:t>TierVPS</a:t>
+                      </a:r>
                       <a:endParaRPr lang="nb-NO" sz="600" u="none" strike="noStrike" kern="1200" dirty="0">
                         <a:solidFill>
                           <a:schemeClr val="dk1"/>
@@ -6324,14 +6348,14 @@
           <p:nvPr>
             <p:extLst>
               <p:ext uri="{D42A27DB-BD31-4B8C-83A1-F6EECF244321}">
-                <p14:modId xmlns:p14="http://schemas.microsoft.com/office/powerpoint/2010/main" val="3344450056"/>
+                <p14:modId xmlns:p14="http://schemas.microsoft.com/office/powerpoint/2010/main" val="86593149"/>
               </p:ext>
             </p:extLst>
           </p:nvPr>
         </p:nvGraphicFramePr>
         <p:xfrm>
           <a:off x="4518310" y="1180908"/>
-          <a:ext cx="1410814" cy="2036393"/>
+          <a:ext cx="1410814" cy="2149886"/>
         </p:xfrm>
         <a:graphic>
           <a:graphicData uri="http://schemas.openxmlformats.org/drawingml/2006/table">
@@ -6912,6 +6936,60 @@
                 <a:extLst>
                   <a:ext uri="{0D108BD9-81ED-4DB2-BD59-A6C34878D82A}">
                     <a16:rowId xmlns:a16="http://schemas.microsoft.com/office/drawing/2014/main" val="60295672"/>
+                  </a:ext>
+                </a:extLst>
+              </a:tr>
+              <a:tr h="113493">
+                <a:tc>
+                  <a:txBody>
+                    <a:bodyPr/>
+                    <a:lstStyle/>
+                    <a:p>
+                      <a:pPr marL="0" marR="0" lvl="0" indent="0" algn="ctr" defTabSz="914400" rtl="0" eaLnBrk="1" fontAlgn="b" latinLnBrk="0" hangingPunct="1">
+                        <a:lnSpc>
+                          <a:spcPct val="100000"/>
+                        </a:lnSpc>
+                        <a:spcBef>
+                          <a:spcPts val="0"/>
+                        </a:spcBef>
+                        <a:spcAft>
+                          <a:spcPts val="0"/>
+                        </a:spcAft>
+                        <a:buClrTx/>
+                        <a:buSzTx/>
+                        <a:buFontTx/>
+                        <a:buNone/>
+                        <a:tabLst/>
+                        <a:defRPr/>
+                      </a:pPr>
+                      <a:r>
+                        <a:rPr lang="nb-NO" sz="600" u="none" strike="noStrike" kern="1200" dirty="0" err="1">
+                          <a:solidFill>
+                            <a:schemeClr val="dk1"/>
+                          </a:solidFill>
+                          <a:effectLst/>
+                          <a:latin typeface="+mn-lt"/>
+                          <a:ea typeface="+mn-ea"/>
+                          <a:cs typeface="+mn-cs"/>
+                        </a:rPr>
+                        <a:t>evidence_types</a:t>
+                      </a:r>
+                      <a:endParaRPr lang="nb-NO" sz="600" u="none" strike="noStrike" kern="1200" dirty="0">
+                        <a:solidFill>
+                          <a:schemeClr val="dk1"/>
+                        </a:solidFill>
+                        <a:effectLst/>
+                        <a:latin typeface="+mn-lt"/>
+                        <a:ea typeface="+mn-ea"/>
+                        <a:cs typeface="+mn-cs"/>
+                      </a:endParaRPr>
+                    </a:p>
+                  </a:txBody>
+                  <a:tcPr marL="9525" marR="9525" marT="9525" marB="0" anchor="b"/>
+                </a:tc>
+                <a:extLst>
+                  <a:ext uri="{0D108BD9-81ED-4DB2-BD59-A6C34878D82A}">
+                    <a16:rowId xmlns:a16="http://schemas.microsoft.com/office/drawing/2014/main" val="392872908"/>
                   </a:ext>
                 </a:extLst>
               </a:tr>
@@ -7010,14 +7088,14 @@
           <p:nvPr>
             <p:extLst>
               <p:ext uri="{D42A27DB-BD31-4B8C-83A1-F6EECF244321}">
-                <p14:modId xmlns:p14="http://schemas.microsoft.com/office/powerpoint/2010/main" val="1680384026"/>
+                <p14:modId xmlns:p14="http://schemas.microsoft.com/office/powerpoint/2010/main" val="1349476924"/>
               </p:ext>
             </p:extLst>
           </p:nvPr>
         </p:nvGraphicFramePr>
         <p:xfrm>
           <a:off x="6425854" y="339221"/>
-          <a:ext cx="1344507" cy="4300137"/>
+          <a:ext cx="1344507" cy="4410920"/>
         </p:xfrm>
         <a:graphic>
           <a:graphicData uri="http://schemas.openxmlformats.org/drawingml/2006/table">
@@ -7884,6 +7962,35 @@
                     <a:p>
                       <a:pPr marL="0" algn="ctr" defTabSz="914400" rtl="0" eaLnBrk="1" fontAlgn="b" latinLnBrk="0" hangingPunct="1"/>
                       <a:r>
+                        <a:rPr lang="nb-NO" sz="600" u="none" strike="noStrike" kern="1200" dirty="0">
+                          <a:solidFill>
+                            <a:schemeClr val="dk1"/>
+                          </a:solidFill>
+                          <a:effectLst/>
+                          <a:latin typeface="+mn-lt"/>
+                          <a:ea typeface="+mn-ea"/>
+                          <a:cs typeface="+mn-cs"/>
+                        </a:rPr>
+                        <a:t>annotation_variant2</a:t>
+                      </a:r>
+                    </a:p>
+                  </a:txBody>
+                  <a:tcPr marL="9525" marR="9525" marT="9525" marB="0" anchor="b"/>
+                </a:tc>
+                <a:extLst>
+                  <a:ext uri="{0D108BD9-81ED-4DB2-BD59-A6C34878D82A}">
+                    <a16:rowId xmlns:a16="http://schemas.microsoft.com/office/drawing/2014/main" val="2833972734"/>
+                  </a:ext>
+                </a:extLst>
+              </a:tr>
+              <a:tr h="110783">
+                <a:tc>
+                  <a:txBody>
+                    <a:bodyPr/>
+                    <a:lstStyle/>
+                    <a:p>
+                      <a:pPr marL="0" algn="ctr" defTabSz="914400" rtl="0" eaLnBrk="1" fontAlgn="b" latinLnBrk="0" hangingPunct="1"/>
+                      <a:r>
                         <a:rPr lang="nb-NO" sz="600" u="none" strike="noStrike" kern="1200" dirty="0" err="1">
                           <a:solidFill>
                             <a:schemeClr val="dk1"/>
@@ -7893,7 +8000,7 @@
                           <a:ea typeface="+mn-ea"/>
                           <a:cs typeface="+mn-cs"/>
                         </a:rPr>
-                        <a:t>function</a:t>
+                        <a:t>Function</a:t>
                       </a:r>
                       <a:endParaRPr lang="nb-NO" sz="600" u="none" strike="noStrike" kern="1200" dirty="0">
                         <a:solidFill>
@@ -7910,7 +8017,7 @@
                 </a:tc>
                 <a:extLst>
                   <a:ext uri="{0D108BD9-81ED-4DB2-BD59-A6C34878D82A}">
-                    <a16:rowId xmlns:a16="http://schemas.microsoft.com/office/drawing/2014/main" val="2833972734"/>
+                    <a16:rowId xmlns:a16="http://schemas.microsoft.com/office/drawing/2014/main" val="1935266397"/>
                   </a:ext>
                 </a:extLst>
               </a:tr>
@@ -8363,14 +8470,14 @@
           <p:nvPr>
             <p:extLst>
               <p:ext uri="{D42A27DB-BD31-4B8C-83A1-F6EECF244321}">
-                <p14:modId xmlns:p14="http://schemas.microsoft.com/office/powerpoint/2010/main" val="520190859"/>
+                <p14:modId xmlns:p14="http://schemas.microsoft.com/office/powerpoint/2010/main" val="1248508969"/>
               </p:ext>
             </p:extLst>
           </p:nvPr>
         </p:nvGraphicFramePr>
         <p:xfrm>
           <a:off x="231915" y="339221"/>
-          <a:ext cx="1410814" cy="1222726"/>
+          <a:ext cx="1410814" cy="1331503"/>
         </p:xfrm>
         <a:graphic>
           <a:graphicData uri="http://schemas.openxmlformats.org/drawingml/2006/table">
@@ -8598,7 +8705,7 @@
                           <a:ea typeface="+mn-ea"/>
                           <a:cs typeface="+mn-cs"/>
                         </a:rPr>
-                        <a:t>User_Signoff</a:t>
+                        <a:t>Seq_date</a:t>
                       </a:r>
                       <a:endParaRPr lang="nb-NO" sz="600" u="none" strike="noStrike" kern="1200" dirty="0">
                         <a:solidFill>
@@ -8611,11 +8718,11 @@
                       </a:endParaRPr>
                     </a:p>
                   </a:txBody>
-                  <a:tcPr marL="9525" marR="9525" marT="9525" marB="0" anchor="b"/>
-                </a:tc>
-                <a:extLst>
-                  <a:ext uri="{0D108BD9-81ED-4DB2-BD59-A6C34878D82A}">
-                    <a16:rowId xmlns:a16="http://schemas.microsoft.com/office/drawing/2014/main" val="654851751"/>
+                  <a:tcPr marL="15019" marR="15019" marT="15019" marB="0" anchor="b"/>
+                </a:tc>
+                <a:extLst>
+                  <a:ext uri="{0D108BD9-81ED-4DB2-BD59-A6C34878D82A}">
+                    <a16:rowId xmlns:a16="http://schemas.microsoft.com/office/drawing/2014/main" val="4290717283"/>
                   </a:ext>
                 </a:extLst>
               </a:tr>
@@ -8627,6 +8734,35 @@
                     <a:p>
                       <a:pPr marL="0" algn="ctr" defTabSz="914400" rtl="0" eaLnBrk="1" fontAlgn="b" latinLnBrk="0" hangingPunct="1"/>
                       <a:r>
+                        <a:rPr lang="nb-NO" sz="600" u="none" strike="noStrike" kern="1200" dirty="0">
+                          <a:solidFill>
+                            <a:schemeClr val="dk1"/>
+                          </a:solidFill>
+                          <a:effectLst/>
+                          <a:latin typeface="+mn-lt"/>
+                          <a:ea typeface="+mn-ea"/>
+                          <a:cs typeface="+mn-cs"/>
+                        </a:rPr>
+                        <a:t>Status</a:t>
+                      </a:r>
+                    </a:p>
+                  </a:txBody>
+                  <a:tcPr marL="15019" marR="15019" marT="15019" marB="0" anchor="b"/>
+                </a:tc>
+                <a:extLst>
+                  <a:ext uri="{0D108BD9-81ED-4DB2-BD59-A6C34878D82A}">
+                    <a16:rowId xmlns:a16="http://schemas.microsoft.com/office/drawing/2014/main" val="2971694252"/>
+                  </a:ext>
+                </a:extLst>
+              </a:tr>
+              <a:tr h="111135">
+                <a:tc>
+                  <a:txBody>
+                    <a:bodyPr/>
+                    <a:lstStyle/>
+                    <a:p>
+                      <a:pPr marL="0" algn="ctr" defTabSz="914400" rtl="0" eaLnBrk="1" fontAlgn="b" latinLnBrk="0" hangingPunct="1"/>
+                      <a:r>
                         <a:rPr lang="nb-NO" sz="600" u="none" strike="noStrike" kern="1200" dirty="0" err="1">
                           <a:solidFill>
                             <a:schemeClr val="dk1"/>
@@ -8636,7 +8772,7 @@
                           <a:ea typeface="+mn-ea"/>
                           <a:cs typeface="+mn-cs"/>
                         </a:rPr>
-                        <a:t>Date_Signoff</a:t>
+                        <a:t>User_Signoff</a:t>
                       </a:r>
                       <a:endParaRPr lang="nb-NO" sz="600" u="none" strike="noStrike" kern="1200" dirty="0">
                         <a:solidFill>
@@ -8653,7 +8789,7 @@
                 </a:tc>
                 <a:extLst>
                   <a:ext uri="{0D108BD9-81ED-4DB2-BD59-A6C34878D82A}">
-                    <a16:rowId xmlns:a16="http://schemas.microsoft.com/office/drawing/2014/main" val="1053030124"/>
+                    <a16:rowId xmlns:a16="http://schemas.microsoft.com/office/drawing/2014/main" val="654851751"/>
                   </a:ext>
                 </a:extLst>
               </a:tr>
@@ -8674,7 +8810,7 @@
                           <a:ea typeface="+mn-ea"/>
                           <a:cs typeface="+mn-cs"/>
                         </a:rPr>
-                        <a:t>User_Approval</a:t>
+                        <a:t>Date_Signoff</a:t>
                       </a:r>
                       <a:endParaRPr lang="nb-NO" sz="600" u="none" strike="noStrike" kern="1200" dirty="0">
                         <a:solidFill>
@@ -8691,7 +8827,7 @@
                 </a:tc>
                 <a:extLst>
                   <a:ext uri="{0D108BD9-81ED-4DB2-BD59-A6C34878D82A}">
-                    <a16:rowId xmlns:a16="http://schemas.microsoft.com/office/drawing/2014/main" val="2841058928"/>
+                    <a16:rowId xmlns:a16="http://schemas.microsoft.com/office/drawing/2014/main" val="1053030124"/>
                   </a:ext>
                 </a:extLst>
               </a:tr>
@@ -8703,34 +8839,17 @@
                     <a:p>
                       <a:pPr marL="0" algn="ctr" defTabSz="914400" rtl="0" eaLnBrk="1" fontAlgn="b" latinLnBrk="0" hangingPunct="1"/>
                       <a:r>
-                        <a:rPr lang="nb-NO" sz="600" u="none" strike="noStrike" kern="1200">
-                          <a:solidFill>
-                            <a:schemeClr val="dk1"/>
-                          </a:solidFill>
-                          <a:effectLst/>
-                          <a:latin typeface="+mn-lt"/>
-                          <a:ea typeface="+mn-ea"/>
-                          <a:cs typeface="+mn-cs"/>
-                        </a:rPr>
-                        <a:t>Date_Approval</a:t>
-                      </a:r>
-                    </a:p>
-                  </a:txBody>
-                  <a:tcPr marL="9525" marR="9525" marT="9525" marB="0" anchor="b"/>
-                </a:tc>
-                <a:extLst>
-                  <a:ext uri="{0D108BD9-81ED-4DB2-BD59-A6C34878D82A}">
-                    <a16:rowId xmlns:a16="http://schemas.microsoft.com/office/drawing/2014/main" val="79735779"/>
-                  </a:ext>
-                </a:extLst>
-              </a:tr>
-              <a:tr h="113493">
-                <a:tc>
-                  <a:txBody>
-                    <a:bodyPr/>
-                    <a:lstStyle/>
-                    <a:p>
-                      <a:pPr marL="0" algn="ctr" defTabSz="914400" rtl="0" eaLnBrk="1" fontAlgn="b" latinLnBrk="0" hangingPunct="1"/>
+                        <a:rPr lang="nb-NO" sz="600" u="none" strike="noStrike" kern="1200" dirty="0" err="1">
+                          <a:solidFill>
+                            <a:schemeClr val="dk1"/>
+                          </a:solidFill>
+                          <a:effectLst/>
+                          <a:latin typeface="+mn-lt"/>
+                          <a:ea typeface="+mn-ea"/>
+                          <a:cs typeface="+mn-cs"/>
+                        </a:rPr>
+                        <a:t>User_Approval</a:t>
+                      </a:r>
                       <a:endParaRPr lang="nb-NO" sz="600" u="none" strike="noStrike" kern="1200" dirty="0">
                         <a:solidFill>
                           <a:schemeClr val="dk1"/>
@@ -8742,11 +8861,40 @@
                       </a:endParaRPr>
                     </a:p>
                   </a:txBody>
-                  <a:tcPr marL="15019" marR="15019" marT="15019" marB="0" anchor="b"/>
-                </a:tc>
-                <a:extLst>
-                  <a:ext uri="{0D108BD9-81ED-4DB2-BD59-A6C34878D82A}">
-                    <a16:rowId xmlns:a16="http://schemas.microsoft.com/office/drawing/2014/main" val="1654141552"/>
+                  <a:tcPr marL="9525" marR="9525" marT="9525" marB="0" anchor="b"/>
+                </a:tc>
+                <a:extLst>
+                  <a:ext uri="{0D108BD9-81ED-4DB2-BD59-A6C34878D82A}">
+                    <a16:rowId xmlns:a16="http://schemas.microsoft.com/office/drawing/2014/main" val="2841058928"/>
+                  </a:ext>
+                </a:extLst>
+              </a:tr>
+              <a:tr h="111135">
+                <a:tc>
+                  <a:txBody>
+                    <a:bodyPr/>
+                    <a:lstStyle/>
+                    <a:p>
+                      <a:pPr marL="0" algn="ctr" defTabSz="914400" rtl="0" eaLnBrk="1" fontAlgn="b" latinLnBrk="0" hangingPunct="1"/>
+                      <a:r>
+                        <a:rPr lang="nb-NO" sz="600" u="none" strike="noStrike" kern="1200">
+                          <a:solidFill>
+                            <a:schemeClr val="dk1"/>
+                          </a:solidFill>
+                          <a:effectLst/>
+                          <a:latin typeface="+mn-lt"/>
+                          <a:ea typeface="+mn-ea"/>
+                          <a:cs typeface="+mn-cs"/>
+                        </a:rPr>
+                        <a:t>Date_Approval</a:t>
+                      </a:r>
+                    </a:p>
+                  </a:txBody>
+                  <a:tcPr marL="9525" marR="9525" marT="9525" marB="0" anchor="b"/>
+                </a:tc>
+                <a:extLst>
+                  <a:ext uri="{0D108BD9-81ED-4DB2-BD59-A6C34878D82A}">
+                    <a16:rowId xmlns:a16="http://schemas.microsoft.com/office/drawing/2014/main" val="79735779"/>
                   </a:ext>
                 </a:extLst>
               </a:tr>
@@ -8757,6 +8905,18 @@
                     <a:lstStyle/>
                     <a:p>
                       <a:pPr marL="0" algn="ctr" defTabSz="914400" rtl="0" eaLnBrk="1" fontAlgn="b" latinLnBrk="0" hangingPunct="1"/>
+                      <a:r>
+                        <a:rPr lang="nb-NO" sz="600" u="none" strike="noStrike" kern="1200" dirty="0" err="1">
+                          <a:solidFill>
+                            <a:schemeClr val="dk1"/>
+                          </a:solidFill>
+                          <a:effectLst/>
+                          <a:latin typeface="+mn-lt"/>
+                          <a:ea typeface="+mn-ea"/>
+                          <a:cs typeface="+mn-cs"/>
+                        </a:rPr>
+                        <a:t>CommentSamples</a:t>
+                      </a:r>
                       <a:endParaRPr lang="nb-NO" sz="600" u="none" strike="noStrike" kern="1200" dirty="0">
                         <a:solidFill>
                           <a:schemeClr val="dk1"/>
@@ -8772,7 +8932,7 @@
                 </a:tc>
                 <a:extLst>
                   <a:ext uri="{0D108BD9-81ED-4DB2-BD59-A6C34878D82A}">
-                    <a16:rowId xmlns:a16="http://schemas.microsoft.com/office/drawing/2014/main" val="2561503379"/>
+                    <a16:rowId xmlns:a16="http://schemas.microsoft.com/office/drawing/2014/main" val="3181060213"/>
                   </a:ext>
                 </a:extLst>
               </a:tr>

--- a/db/DB schema.pptx
+++ b/db/DB schema.pptx
@@ -243,7 +243,7 @@
           <a:p>
             <a:fld id="{31D4BBC5-235E-4AFB-BCA6-D5338D9E5FA0}" type="datetimeFigureOut">
               <a:rPr lang="nb-NO" smtClean="0"/>
-              <a:t>31.08.2023</a:t>
+              <a:t>22.09.2023</a:t>
             </a:fld>
             <a:endParaRPr lang="nb-NO"/>
           </a:p>
@@ -413,7 +413,7 @@
           <a:p>
             <a:fld id="{31D4BBC5-235E-4AFB-BCA6-D5338D9E5FA0}" type="datetimeFigureOut">
               <a:rPr lang="nb-NO" smtClean="0"/>
-              <a:t>31.08.2023</a:t>
+              <a:t>22.09.2023</a:t>
             </a:fld>
             <a:endParaRPr lang="nb-NO"/>
           </a:p>
@@ -593,7 +593,7 @@
           <a:p>
             <a:fld id="{31D4BBC5-235E-4AFB-BCA6-D5338D9E5FA0}" type="datetimeFigureOut">
               <a:rPr lang="nb-NO" smtClean="0"/>
-              <a:t>31.08.2023</a:t>
+              <a:t>22.09.2023</a:t>
             </a:fld>
             <a:endParaRPr lang="nb-NO"/>
           </a:p>
@@ -763,7 +763,7 @@
           <a:p>
             <a:fld id="{31D4BBC5-235E-4AFB-BCA6-D5338D9E5FA0}" type="datetimeFigureOut">
               <a:rPr lang="nb-NO" smtClean="0"/>
-              <a:t>31.08.2023</a:t>
+              <a:t>22.09.2023</a:t>
             </a:fld>
             <a:endParaRPr lang="nb-NO"/>
           </a:p>
@@ -1007,7 +1007,7 @@
           <a:p>
             <a:fld id="{31D4BBC5-235E-4AFB-BCA6-D5338D9E5FA0}" type="datetimeFigureOut">
               <a:rPr lang="nb-NO" smtClean="0"/>
-              <a:t>31.08.2023</a:t>
+              <a:t>22.09.2023</a:t>
             </a:fld>
             <a:endParaRPr lang="nb-NO"/>
           </a:p>
@@ -1239,7 +1239,7 @@
           <a:p>
             <a:fld id="{31D4BBC5-235E-4AFB-BCA6-D5338D9E5FA0}" type="datetimeFigureOut">
               <a:rPr lang="nb-NO" smtClean="0"/>
-              <a:t>31.08.2023</a:t>
+              <a:t>22.09.2023</a:t>
             </a:fld>
             <a:endParaRPr lang="nb-NO"/>
           </a:p>
@@ -1606,7 +1606,7 @@
           <a:p>
             <a:fld id="{31D4BBC5-235E-4AFB-BCA6-D5338D9E5FA0}" type="datetimeFigureOut">
               <a:rPr lang="nb-NO" smtClean="0"/>
-              <a:t>31.08.2023</a:t>
+              <a:t>22.09.2023</a:t>
             </a:fld>
             <a:endParaRPr lang="nb-NO"/>
           </a:p>
@@ -1724,7 +1724,7 @@
           <a:p>
             <a:fld id="{31D4BBC5-235E-4AFB-BCA6-D5338D9E5FA0}" type="datetimeFigureOut">
               <a:rPr lang="nb-NO" smtClean="0"/>
-              <a:t>31.08.2023</a:t>
+              <a:t>22.09.2023</a:t>
             </a:fld>
             <a:endParaRPr lang="nb-NO"/>
           </a:p>
@@ -1819,7 +1819,7 @@
           <a:p>
             <a:fld id="{31D4BBC5-235E-4AFB-BCA6-D5338D9E5FA0}" type="datetimeFigureOut">
               <a:rPr lang="nb-NO" smtClean="0"/>
-              <a:t>31.08.2023</a:t>
+              <a:t>22.09.2023</a:t>
             </a:fld>
             <a:endParaRPr lang="nb-NO"/>
           </a:p>
@@ -2096,7 +2096,7 @@
           <a:p>
             <a:fld id="{31D4BBC5-235E-4AFB-BCA6-D5338D9E5FA0}" type="datetimeFigureOut">
               <a:rPr lang="nb-NO" smtClean="0"/>
-              <a:t>31.08.2023</a:t>
+              <a:t>22.09.2023</a:t>
             </a:fld>
             <a:endParaRPr lang="nb-NO"/>
           </a:p>
@@ -2353,7 +2353,7 @@
           <a:p>
             <a:fld id="{31D4BBC5-235E-4AFB-BCA6-D5338D9E5FA0}" type="datetimeFigureOut">
               <a:rPr lang="nb-NO" smtClean="0"/>
-              <a:t>31.08.2023</a:t>
+              <a:t>22.09.2023</a:t>
             </a:fld>
             <a:endParaRPr lang="nb-NO"/>
           </a:p>
@@ -2566,7 +2566,7 @@
           <a:p>
             <a:fld id="{31D4BBC5-235E-4AFB-BCA6-D5338D9E5FA0}" type="datetimeFigureOut">
               <a:rPr lang="nb-NO" smtClean="0"/>
-              <a:t>31.08.2023</a:t>
+              <a:t>22.09.2023</a:t>
             </a:fld>
             <a:endParaRPr lang="nb-NO"/>
           </a:p>
@@ -6348,14 +6348,14 @@
           <p:nvPr>
             <p:extLst>
               <p:ext uri="{D42A27DB-BD31-4B8C-83A1-F6EECF244321}">
-                <p14:modId xmlns:p14="http://schemas.microsoft.com/office/powerpoint/2010/main" val="86593149"/>
+                <p14:modId xmlns:p14="http://schemas.microsoft.com/office/powerpoint/2010/main" val="732110715"/>
               </p:ext>
             </p:extLst>
           </p:nvPr>
         </p:nvGraphicFramePr>
         <p:xfrm>
           <a:off x="4518310" y="1180908"/>
-          <a:ext cx="1410814" cy="2149886"/>
+          <a:ext cx="1410814" cy="2376872"/>
         </p:xfrm>
         <a:graphic>
           <a:graphicData uri="http://schemas.openxmlformats.org/drawingml/2006/table">
@@ -7066,6 +7066,70 @@
                 <a:extLst>
                   <a:ext uri="{0D108BD9-81ED-4DB2-BD59-A6C34878D82A}">
                     <a16:rowId xmlns:a16="http://schemas.microsoft.com/office/drawing/2014/main" val="2585288978"/>
+                  </a:ext>
+                </a:extLst>
+              </a:tr>
+              <a:tr h="113493">
+                <a:tc>
+                  <a:txBody>
+                    <a:bodyPr/>
+                    <a:lstStyle/>
+                    <a:p>
+                      <a:pPr marL="0" algn="ctr" defTabSz="914400" rtl="0" eaLnBrk="1" fontAlgn="b" latinLnBrk="0" hangingPunct="1"/>
+                      <a:r>
+                        <a:rPr lang="nb-NO" sz="600" u="none" strike="noStrike" kern="1200" dirty="0" err="1">
+                          <a:solidFill>
+                            <a:schemeClr val="dk1"/>
+                          </a:solidFill>
+                          <a:effectLst/>
+                          <a:latin typeface="+mn-lt"/>
+                          <a:ea typeface="+mn-ea"/>
+                          <a:cs typeface="+mn-cs"/>
+                        </a:rPr>
+                        <a:t>User_Class</a:t>
+                      </a:r>
+                      <a:endParaRPr lang="nb-NO" sz="600" u="none" strike="noStrike" kern="1200" dirty="0">
+                        <a:solidFill>
+                          <a:schemeClr val="dk1"/>
+                        </a:solidFill>
+                        <a:effectLst/>
+                        <a:latin typeface="+mn-lt"/>
+                        <a:ea typeface="+mn-ea"/>
+                        <a:cs typeface="+mn-cs"/>
+                      </a:endParaRPr>
+                    </a:p>
+                  </a:txBody>
+                  <a:tcPr marL="9525" marR="9525" marT="9525" marB="0" anchor="b"/>
+                </a:tc>
+                <a:extLst>
+                  <a:ext uri="{0D108BD9-81ED-4DB2-BD59-A6C34878D82A}">
+                    <a16:rowId xmlns:a16="http://schemas.microsoft.com/office/drawing/2014/main" val="2570590162"/>
+                  </a:ext>
+                </a:extLst>
+              </a:tr>
+              <a:tr h="113493">
+                <a:tc>
+                  <a:txBody>
+                    <a:bodyPr/>
+                    <a:lstStyle/>
+                    <a:p>
+                      <a:pPr marL="0" algn="ctr" defTabSz="914400" rtl="0" eaLnBrk="1" fontAlgn="b" latinLnBrk="0" hangingPunct="1"/>
+                      <a:endParaRPr lang="nb-NO" sz="600" u="none" strike="noStrike" kern="1200" dirty="0">
+                        <a:solidFill>
+                          <a:schemeClr val="dk1"/>
+                        </a:solidFill>
+                        <a:effectLst/>
+                        <a:latin typeface="+mn-lt"/>
+                        <a:ea typeface="+mn-ea"/>
+                        <a:cs typeface="+mn-cs"/>
+                      </a:endParaRPr>
+                    </a:p>
+                  </a:txBody>
+                  <a:tcPr marL="9525" marR="9525" marT="9525" marB="0" anchor="b"/>
+                </a:tc>
+                <a:extLst>
+                  <a:ext uri="{0D108BD9-81ED-4DB2-BD59-A6C34878D82A}">
+                    <a16:rowId xmlns:a16="http://schemas.microsoft.com/office/drawing/2014/main" val="2680542608"/>
                   </a:ext>
                 </a:extLst>
               </a:tr>
